--- a/input/images/source/Workflow Images.pptx
+++ b/input/images/source/Workflow Images.pptx
@@ -14065,7 +14065,7 @@
                   <a:schemeClr val="dk1"/>
                 </a:solidFill>
               </a:rPr>
-              <a:t>Provider Submits Supporting Information + Reattachment Data </a:t>
+              <a:t>Provider Submits </a:t>
             </a:r>
             <a:r>
               <a:rPr b="1" lang="en">
@@ -14073,7 +14073,23 @@
                   <a:schemeClr val="dk1"/>
                 </a:solidFill>
               </a:rPr>
-              <a:t>Elements</a:t>
+              <a:t>Attachments</a:t>
+            </a:r>
+            <a:r>
+              <a:rPr b="1" i="0" lang="en" sz="1400" u="none" cap="none" strike="noStrike">
+                <a:solidFill>
+                  <a:schemeClr val="dk1"/>
+                </a:solidFill>
+              </a:rPr>
+              <a:t> + Data </a:t>
+            </a:r>
+            <a:r>
+              <a:rPr b="1" lang="en">
+                <a:solidFill>
+                  <a:schemeClr val="dk1"/>
+                </a:solidFill>
+              </a:rPr>
+              <a:t>Elements for re-association</a:t>
             </a:r>
             <a:endParaRPr b="1" sz="1100"/>
           </a:p>
@@ -14264,7 +14280,15 @@
                   <a:schemeClr val="dk1"/>
                 </a:solidFill>
               </a:rPr>
-              <a:t>Payer Processes Claim Data</a:t>
+              <a:t>Payer </a:t>
+            </a:r>
+            <a:r>
+              <a:rPr b="1" lang="en">
+                <a:solidFill>
+                  <a:schemeClr val="dk1"/>
+                </a:solidFill>
+              </a:rPr>
+              <a:t>Accepts Attachments</a:t>
             </a:r>
             <a:endParaRPr b="1" sz="1100"/>
           </a:p>
@@ -14351,44 +14375,44 @@
 </file>
 
 <file path=ppt/theme/theme1.xml><?xml version="1.0" encoding="utf-8"?>
-<a:theme xmlns:a="http://schemas.openxmlformats.org/drawingml/2006/main" xmlns:r="http://schemas.openxmlformats.org/officeDocument/2006/relationships">
+<a:theme xmlns:a="http://schemas.openxmlformats.org/drawingml/2006/main" xmlns:r="http://schemas.openxmlformats.org/officeDocument/2006/relationships" name="2_Office Theme">
   <a:themeElements>
-    <a:clrScheme name="Default">
+    <a:clrScheme name="Custom 6">
       <a:dk1>
-        <a:srgbClr val="000000"/>
+        <a:srgbClr val="474749"/>
       </a:dk1>
       <a:lt1>
         <a:srgbClr val="FFFFFF"/>
       </a:lt1>
       <a:dk2>
-        <a:srgbClr val="158158"/>
+        <a:srgbClr val="2A323A"/>
       </a:dk2>
       <a:lt2>
-        <a:srgbClr val="F3F3F3"/>
+        <a:srgbClr val="51657F"/>
       </a:lt2>
       <a:accent1>
-        <a:srgbClr val="058DC7"/>
+        <a:srgbClr val="A91F24"/>
       </a:accent1>
       <a:accent2>
-        <a:srgbClr val="50B432"/>
+        <a:srgbClr val="DFD5A9"/>
       </a:accent2>
       <a:accent3>
-        <a:srgbClr val="ED561B"/>
+        <a:srgbClr val="D6843C"/>
       </a:accent3>
       <a:accent4>
-        <a:srgbClr val="EDEF00"/>
+        <a:srgbClr val="873F1E"/>
       </a:accent4>
       <a:accent5>
-        <a:srgbClr val="24CBE5"/>
+        <a:srgbClr val="E41F26"/>
       </a:accent5>
       <a:accent6>
-        <a:srgbClr val="64E572"/>
+        <a:srgbClr val="785B4D"/>
       </a:accent6>
       <a:hlink>
-        <a:srgbClr val="2200CC"/>
+        <a:srgbClr val="D6843C"/>
       </a:hlink>
       <a:folHlink>
-        <a:srgbClr val="551A8B"/>
+        <a:srgbClr val="D6843C"/>
       </a:folHlink>
     </a:clrScheme>
     <a:fontScheme name="Office">
@@ -14630,44 +14654,44 @@
 </file>
 
 <file path=ppt/theme/theme2.xml><?xml version="1.0" encoding="utf-8"?>
-<a:theme xmlns:a="http://schemas.openxmlformats.org/drawingml/2006/main" xmlns:r="http://schemas.openxmlformats.org/officeDocument/2006/relationships" name="2_Office Theme">
+<a:theme xmlns:a="http://schemas.openxmlformats.org/drawingml/2006/main" xmlns:r="http://schemas.openxmlformats.org/officeDocument/2006/relationships">
   <a:themeElements>
-    <a:clrScheme name="Custom 6">
+    <a:clrScheme name="Default">
       <a:dk1>
-        <a:srgbClr val="474749"/>
+        <a:srgbClr val="000000"/>
       </a:dk1>
       <a:lt1>
         <a:srgbClr val="FFFFFF"/>
       </a:lt1>
       <a:dk2>
-        <a:srgbClr val="2A323A"/>
+        <a:srgbClr val="158158"/>
       </a:dk2>
       <a:lt2>
-        <a:srgbClr val="51657F"/>
+        <a:srgbClr val="F3F3F3"/>
       </a:lt2>
       <a:accent1>
-        <a:srgbClr val="A91F24"/>
+        <a:srgbClr val="058DC7"/>
       </a:accent1>
       <a:accent2>
-        <a:srgbClr val="DFD5A9"/>
+        <a:srgbClr val="50B432"/>
       </a:accent2>
       <a:accent3>
-        <a:srgbClr val="D6843C"/>
+        <a:srgbClr val="ED561B"/>
       </a:accent3>
       <a:accent4>
-        <a:srgbClr val="873F1E"/>
+        <a:srgbClr val="EDEF00"/>
       </a:accent4>
       <a:accent5>
-        <a:srgbClr val="E41F26"/>
+        <a:srgbClr val="24CBE5"/>
       </a:accent5>
       <a:accent6>
-        <a:srgbClr val="785B4D"/>
+        <a:srgbClr val="64E572"/>
       </a:accent6>
       <a:hlink>
-        <a:srgbClr val="D6843C"/>
+        <a:srgbClr val="2200CC"/>
       </a:hlink>
       <a:folHlink>
-        <a:srgbClr val="D6843C"/>
+        <a:srgbClr val="551A8B"/>
       </a:folHlink>
     </a:clrScheme>
     <a:fontScheme name="Office">

--- a/input/images/source/Workflow Images.pptx
+++ b/input/images/source/Workflow Images.pptx
@@ -1,22 +1,22 @@
 
 <file path=ppt/presentation.xml><?xml version="1.0" encoding="utf-8"?>
-<p:presentation xmlns:a="http://schemas.openxmlformats.org/drawingml/2006/main" xmlns:r="http://schemas.openxmlformats.org/officeDocument/2006/relationships" xmlns:mc="http://schemas.openxmlformats.org/markup-compatibility/2006" xmlns:mv="urn:schemas-microsoft-com:mac:vml" xmlns:p="http://schemas.openxmlformats.org/presentationml/2006/main" xmlns:c="http://schemas.openxmlformats.org/drawingml/2006/chart" xmlns:dgm="http://schemas.openxmlformats.org/drawingml/2006/diagram" xmlns:o="urn:schemas-microsoft-com:office:office" xmlns:v="urn:schemas-microsoft-com:vml" xmlns:pvml="urn:schemas-microsoft-com:office:powerpoint" xmlns:com="http://schemas.openxmlformats.org/drawingml/2006/compatibility" xmlns:p14="http://schemas.microsoft.com/office/powerpoint/2010/main" xmlns:p15="http://schemas.microsoft.com/office/powerpoint/2012/main" xmlns:ahyp="http://schemas.microsoft.com/office/drawing/2018/hyperlinkcolor" autoCompressPictures="0" strictFirstAndLastChars="0" saveSubsetFonts="1">
+<p:presentation xmlns:a="http://schemas.openxmlformats.org/drawingml/2006/main" xmlns:r="http://schemas.openxmlformats.org/officeDocument/2006/relationships" xmlns:p="http://schemas.openxmlformats.org/presentationml/2006/main" strictFirstAndLastChars="0" saveSubsetFonts="1" autoCompressPictures="0">
   <p:sldMasterIdLst>
-    <p:sldMasterId id="2147483667" r:id="rId4"/>
-    <p:sldMasterId id="2147483668" r:id="rId5"/>
+    <p:sldMasterId id="2147483667" r:id="rId1"/>
+    <p:sldMasterId id="2147483668" r:id="rId2"/>
   </p:sldMasterIdLst>
   <p:notesMasterIdLst>
     <p:notesMasterId r:id="rId6"/>
   </p:notesMasterIdLst>
   <p:sldIdLst>
-    <p:sldId id="256" r:id="rId7"/>
-    <p:sldId id="257" r:id="rId8"/>
-    <p:sldId id="258" r:id="rId9"/>
+    <p:sldId id="256" r:id="rId3"/>
+    <p:sldId id="257" r:id="rId4"/>
+    <p:sldId id="258" r:id="rId5"/>
   </p:sldIdLst>
-  <p:sldSz cy="5143500" cx="9144000"/>
+  <p:sldSz cx="9144000" cy="5143500" type="screen16x9"/>
   <p:notesSz cx="6858000" cy="9144000"/>
   <p:defaultTextStyle>
-    <a:defPPr lvl="0" marR="0" rtl="0" algn="l">
+    <a:defPPr marR="0" lvl="0" algn="l" rtl="0">
       <a:lnSpc>
         <a:spcPct val="100000"/>
       </a:lnSpc>
@@ -27,7 +27,7 @@
         <a:spcPts val="0"/>
       </a:spcAft>
     </a:defPPr>
-    <a:lvl1pPr lvl="0" marR="0" rtl="0" algn="l">
+    <a:lvl1pPr marR="0" lvl="0" algn="l" rtl="0">
       <a:lnSpc>
         <a:spcPct val="100000"/>
       </a:lnSpc>
@@ -41,7 +41,7 @@
         <a:srgbClr val="000000"/>
       </a:buClr>
       <a:buFont typeface="Arial"/>
-      <a:defRPr b="0" i="0" sz="1400" u="none" cap="none" strike="noStrike">
+      <a:defRPr sz="1400" b="0" i="0" u="none" strike="noStrike" cap="none">
         <a:solidFill>
           <a:srgbClr val="000000"/>
         </a:solidFill>
@@ -51,7 +51,7 @@
         <a:sym typeface="Arial"/>
       </a:defRPr>
     </a:lvl1pPr>
-    <a:lvl2pPr lvl="1" marR="0" rtl="0" algn="l">
+    <a:lvl2pPr marR="0" lvl="1" algn="l" rtl="0">
       <a:lnSpc>
         <a:spcPct val="100000"/>
       </a:lnSpc>
@@ -65,7 +65,7 @@
         <a:srgbClr val="000000"/>
       </a:buClr>
       <a:buFont typeface="Arial"/>
-      <a:defRPr b="0" i="0" sz="1400" u="none" cap="none" strike="noStrike">
+      <a:defRPr sz="1400" b="0" i="0" u="none" strike="noStrike" cap="none">
         <a:solidFill>
           <a:srgbClr val="000000"/>
         </a:solidFill>
@@ -75,7 +75,7 @@
         <a:sym typeface="Arial"/>
       </a:defRPr>
     </a:lvl2pPr>
-    <a:lvl3pPr lvl="2" marR="0" rtl="0" algn="l">
+    <a:lvl3pPr marR="0" lvl="2" algn="l" rtl="0">
       <a:lnSpc>
         <a:spcPct val="100000"/>
       </a:lnSpc>
@@ -89,7 +89,7 @@
         <a:srgbClr val="000000"/>
       </a:buClr>
       <a:buFont typeface="Arial"/>
-      <a:defRPr b="0" i="0" sz="1400" u="none" cap="none" strike="noStrike">
+      <a:defRPr sz="1400" b="0" i="0" u="none" strike="noStrike" cap="none">
         <a:solidFill>
           <a:srgbClr val="000000"/>
         </a:solidFill>
@@ -99,7 +99,7 @@
         <a:sym typeface="Arial"/>
       </a:defRPr>
     </a:lvl3pPr>
-    <a:lvl4pPr lvl="3" marR="0" rtl="0" algn="l">
+    <a:lvl4pPr marR="0" lvl="3" algn="l" rtl="0">
       <a:lnSpc>
         <a:spcPct val="100000"/>
       </a:lnSpc>
@@ -113,7 +113,7 @@
         <a:srgbClr val="000000"/>
       </a:buClr>
       <a:buFont typeface="Arial"/>
-      <a:defRPr b="0" i="0" sz="1400" u="none" cap="none" strike="noStrike">
+      <a:defRPr sz="1400" b="0" i="0" u="none" strike="noStrike" cap="none">
         <a:solidFill>
           <a:srgbClr val="000000"/>
         </a:solidFill>
@@ -123,7 +123,7 @@
         <a:sym typeface="Arial"/>
       </a:defRPr>
     </a:lvl4pPr>
-    <a:lvl5pPr lvl="4" marR="0" rtl="0" algn="l">
+    <a:lvl5pPr marR="0" lvl="4" algn="l" rtl="0">
       <a:lnSpc>
         <a:spcPct val="100000"/>
       </a:lnSpc>
@@ -137,7 +137,7 @@
         <a:srgbClr val="000000"/>
       </a:buClr>
       <a:buFont typeface="Arial"/>
-      <a:defRPr b="0" i="0" sz="1400" u="none" cap="none" strike="noStrike">
+      <a:defRPr sz="1400" b="0" i="0" u="none" strike="noStrike" cap="none">
         <a:solidFill>
           <a:srgbClr val="000000"/>
         </a:solidFill>
@@ -147,7 +147,7 @@
         <a:sym typeface="Arial"/>
       </a:defRPr>
     </a:lvl5pPr>
-    <a:lvl6pPr lvl="5" marR="0" rtl="0" algn="l">
+    <a:lvl6pPr marR="0" lvl="5" algn="l" rtl="0">
       <a:lnSpc>
         <a:spcPct val="100000"/>
       </a:lnSpc>
@@ -161,7 +161,7 @@
         <a:srgbClr val="000000"/>
       </a:buClr>
       <a:buFont typeface="Arial"/>
-      <a:defRPr b="0" i="0" sz="1400" u="none" cap="none" strike="noStrike">
+      <a:defRPr sz="1400" b="0" i="0" u="none" strike="noStrike" cap="none">
         <a:solidFill>
           <a:srgbClr val="000000"/>
         </a:solidFill>
@@ -171,7 +171,7 @@
         <a:sym typeface="Arial"/>
       </a:defRPr>
     </a:lvl6pPr>
-    <a:lvl7pPr lvl="6" marR="0" rtl="0" algn="l">
+    <a:lvl7pPr marR="0" lvl="6" algn="l" rtl="0">
       <a:lnSpc>
         <a:spcPct val="100000"/>
       </a:lnSpc>
@@ -185,7 +185,7 @@
         <a:srgbClr val="000000"/>
       </a:buClr>
       <a:buFont typeface="Arial"/>
-      <a:defRPr b="0" i="0" sz="1400" u="none" cap="none" strike="noStrike">
+      <a:defRPr sz="1400" b="0" i="0" u="none" strike="noStrike" cap="none">
         <a:solidFill>
           <a:srgbClr val="000000"/>
         </a:solidFill>
@@ -195,7 +195,7 @@
         <a:sym typeface="Arial"/>
       </a:defRPr>
     </a:lvl7pPr>
-    <a:lvl8pPr lvl="7" marR="0" rtl="0" algn="l">
+    <a:lvl8pPr marR="0" lvl="7" algn="l" rtl="0">
       <a:lnSpc>
         <a:spcPct val="100000"/>
       </a:lnSpc>
@@ -209,7 +209,7 @@
         <a:srgbClr val="000000"/>
       </a:buClr>
       <a:buFont typeface="Arial"/>
-      <a:defRPr b="0" i="0" sz="1400" u="none" cap="none" strike="noStrike">
+      <a:defRPr sz="1400" b="0" i="0" u="none" strike="noStrike" cap="none">
         <a:solidFill>
           <a:srgbClr val="000000"/>
         </a:solidFill>
@@ -219,7 +219,7 @@
         <a:sym typeface="Arial"/>
       </a:defRPr>
     </a:lvl8pPr>
-    <a:lvl9pPr lvl="8" marR="0" rtl="0" algn="l">
+    <a:lvl9pPr marR="0" lvl="8" algn="l" rtl="0">
       <a:lnSpc>
         <a:spcPct val="100000"/>
       </a:lnSpc>
@@ -233,7 +233,7 @@
         <a:srgbClr val="000000"/>
       </a:buClr>
       <a:buFont typeface="Arial"/>
-      <a:defRPr b="0" i="0" sz="1400" u="none" cap="none" strike="noStrike">
+      <a:defRPr sz="1400" b="0" i="0" u="none" strike="noStrike" cap="none">
         <a:solidFill>
           <a:srgbClr val="000000"/>
         </a:solidFill>
@@ -246,7 +246,7 @@
   </p:defaultTextStyle>
   <p:extLst>
     <p:ext uri="{EFAFB233-063F-42B5-8137-9DF3F51BA10A}">
-      <p15:sldGuideLst>
+      <p15:sldGuideLst xmlns:p15="http://schemas.microsoft.com/office/powerpoint/2012/main">
         <p15:guide id="1" orient="horz" pos="1620">
           <p15:clr>
             <a:srgbClr val="A4A3A4"/>
@@ -264,11 +264,16 @@
 </file>
 
 <file path=ppt/notesMasters/notesMaster1.xml><?xml version="1.0" encoding="utf-8"?>
-<p:notesMaster xmlns:a="http://schemas.openxmlformats.org/drawingml/2006/main" xmlns:r="http://schemas.openxmlformats.org/officeDocument/2006/relationships" xmlns:mc="http://schemas.openxmlformats.org/markup-compatibility/2006" xmlns:mv="urn:schemas-microsoft-com:mac:vml" xmlns:p="http://schemas.openxmlformats.org/presentationml/2006/main" xmlns:c="http://schemas.openxmlformats.org/drawingml/2006/chart" xmlns:dgm="http://schemas.openxmlformats.org/drawingml/2006/diagram" xmlns:o="urn:schemas-microsoft-com:office:office" xmlns:v="urn:schemas-microsoft-com:vml" xmlns:pvml="urn:schemas-microsoft-com:office:powerpoint" xmlns:com="http://schemas.openxmlformats.org/drawingml/2006/compatibility" xmlns:p14="http://schemas.microsoft.com/office/powerpoint/2010/main" xmlns:p15="http://schemas.microsoft.com/office/powerpoint/2012/main" xmlns:ahyp="http://schemas.microsoft.com/office/drawing/2018/hyperlinkcolor">
+<p:notesMaster xmlns:a="http://schemas.openxmlformats.org/drawingml/2006/main" xmlns:r="http://schemas.openxmlformats.org/officeDocument/2006/relationships" xmlns:p="http://schemas.openxmlformats.org/presentationml/2006/main">
   <p:cSld>
+    <p:bg>
+      <p:bgRef idx="1001">
+        <a:schemeClr val="bg1"/>
+      </p:bgRef>
+    </p:bg>
     <p:spTree>
       <p:nvGrpSpPr>
-        <p:cNvPr id="2" name="Shape 2"/>
+        <p:cNvPr id="1" name="Shape 2"/>
         <p:cNvGrpSpPr/>
         <p:nvPr/>
       </p:nvGrpSpPr>
@@ -283,9 +288,11 @@
       <p:sp>
         <p:nvSpPr>
           <p:cNvPr id="3" name="Google Shape;3;n"/>
-          <p:cNvSpPr/>
+          <p:cNvSpPr>
+            <a:spLocks noGrp="1" noRot="1" noChangeAspect="1"/>
+          </p:cNvSpPr>
           <p:nvPr>
-            <p:ph idx="2" type="sldImg"/>
+            <p:ph type="sldImg" idx="2"/>
           </p:nvPr>
         </p:nvSpPr>
         <p:spPr>
@@ -294,9 +301,13 @@
             <a:ext cx="6096075" cy="3429000"/>
           </a:xfrm>
           <a:custGeom>
-            <a:rect b="b" l="l" r="r" t="t"/>
+            <a:avLst/>
+            <a:gdLst/>
+            <a:ahLst/>
+            <a:cxnLst/>
+            <a:rect l="l" t="t" r="r" b="b"/>
             <a:pathLst>
-              <a:path extrusionOk="0" h="120000" w="120000">
+              <a:path w="120000" h="120000" extrusionOk="0">
                 <a:moveTo>
                   <a:pt x="0" y="0"/>
                 </a:moveTo>
@@ -314,23 +325,25 @@
             </a:pathLst>
           </a:custGeom>
           <a:noFill/>
-          <a:ln cap="flat" cmpd="sng" w="9525">
+          <a:ln w="9525" cap="flat" cmpd="sng">
             <a:solidFill>
               <a:srgbClr val="000000"/>
             </a:solidFill>
             <a:prstDash val="solid"/>
             <a:round/>
-            <a:headEnd len="sm" w="sm" type="none"/>
-            <a:tailEnd len="sm" w="sm" type="none"/>
+            <a:headEnd type="none" w="sm" len="sm"/>
+            <a:tailEnd type="none" w="sm" len="sm"/>
           </a:ln>
         </p:spPr>
       </p:sp>
       <p:sp>
         <p:nvSpPr>
           <p:cNvPr id="4" name="Google Shape;4;n"/>
-          <p:cNvSpPr txBox="1"/>
+          <p:cNvSpPr txBox="1">
+            <a:spLocks noGrp="1"/>
+          </p:cNvSpPr>
           <p:nvPr>
-            <p:ph idx="1" type="body"/>
+            <p:ph type="body" idx="1"/>
           </p:nvPr>
         </p:nvSpPr>
         <p:spPr>
@@ -347,11 +360,11 @@
           </a:ln>
         </p:spPr>
         <p:txBody>
-          <a:bodyPr anchorCtr="0" anchor="t" bIns="91425" lIns="91425" spcFirstLastPara="1" rIns="91425" wrap="square" tIns="91425">
+          <a:bodyPr spcFirstLastPara="1" wrap="square" lIns="91425" tIns="91425" rIns="91425" bIns="91425" anchor="t" anchorCtr="0">
             <a:noAutofit/>
           </a:bodyPr>
           <a:lstStyle>
-            <a:lvl1pPr indent="-298450" lvl="0" marL="457200">
+            <a:lvl1pPr marL="457200" lvl="0" indent="-298450">
               <a:spcBef>
                 <a:spcPts val="0"/>
               </a:spcBef>
@@ -362,7 +375,7 @@
               <a:buChar char="●"/>
               <a:defRPr sz="1100"/>
             </a:lvl1pPr>
-            <a:lvl2pPr indent="-298450" lvl="1" marL="914400">
+            <a:lvl2pPr marL="914400" lvl="1" indent="-298450">
               <a:spcBef>
                 <a:spcPts val="0"/>
               </a:spcBef>
@@ -373,7 +386,7 @@
               <a:buChar char="○"/>
               <a:defRPr sz="1100"/>
             </a:lvl2pPr>
-            <a:lvl3pPr indent="-298450" lvl="2" marL="1371600">
+            <a:lvl3pPr marL="1371600" lvl="2" indent="-298450">
               <a:spcBef>
                 <a:spcPts val="0"/>
               </a:spcBef>
@@ -384,7 +397,7 @@
               <a:buChar char="■"/>
               <a:defRPr sz="1100"/>
             </a:lvl3pPr>
-            <a:lvl4pPr indent="-298450" lvl="3" marL="1828800">
+            <a:lvl4pPr marL="1828800" lvl="3" indent="-298450">
               <a:spcBef>
                 <a:spcPts val="0"/>
               </a:spcBef>
@@ -395,7 +408,7 @@
               <a:buChar char="●"/>
               <a:defRPr sz="1100"/>
             </a:lvl4pPr>
-            <a:lvl5pPr indent="-298450" lvl="4" marL="2286000">
+            <a:lvl5pPr marL="2286000" lvl="4" indent="-298450">
               <a:spcBef>
                 <a:spcPts val="0"/>
               </a:spcBef>
@@ -406,7 +419,7 @@
               <a:buChar char="○"/>
               <a:defRPr sz="1100"/>
             </a:lvl5pPr>
-            <a:lvl6pPr indent="-298450" lvl="5" marL="2743200">
+            <a:lvl6pPr marL="2743200" lvl="5" indent="-298450">
               <a:spcBef>
                 <a:spcPts val="0"/>
               </a:spcBef>
@@ -417,7 +430,7 @@
               <a:buChar char="■"/>
               <a:defRPr sz="1100"/>
             </a:lvl6pPr>
-            <a:lvl7pPr indent="-298450" lvl="6" marL="3200400">
+            <a:lvl7pPr marL="3200400" lvl="6" indent="-298450">
               <a:spcBef>
                 <a:spcPts val="0"/>
               </a:spcBef>
@@ -428,7 +441,7 @@
               <a:buChar char="●"/>
               <a:defRPr sz="1100"/>
             </a:lvl7pPr>
-            <a:lvl8pPr indent="-298450" lvl="7" marL="3657600">
+            <a:lvl8pPr marL="3657600" lvl="7" indent="-298450">
               <a:spcBef>
                 <a:spcPts val="0"/>
               </a:spcBef>
@@ -439,7 +452,7 @@
               <a:buChar char="○"/>
               <a:defRPr sz="1100"/>
             </a:lvl8pPr>
-            <a:lvl9pPr indent="-298450" lvl="8" marL="4114800">
+            <a:lvl9pPr marL="4114800" lvl="8" indent="-298450">
               <a:spcBef>
                 <a:spcPts val="0"/>
               </a:spcBef>
@@ -451,14 +464,16 @@
               <a:defRPr sz="1100"/>
             </a:lvl9pPr>
           </a:lstStyle>
-          <a:p/>
+          <a:p>
+            <a:endParaRPr/>
+          </a:p>
         </p:txBody>
       </p:sp>
     </p:spTree>
   </p:cSld>
-  <p:clrMap accent1="accent1" accent2="accent2" accent3="accent3" accent4="accent4" accent5="accent5" accent6="accent6" bg1="lt1" bg2="dk2" tx1="dk1" tx2="lt2" folHlink="folHlink" hlink="hlink"/>
+  <p:clrMap bg1="lt1" tx1="dk1" bg2="dk2" tx2="lt2" accent1="accent1" accent2="accent2" accent3="accent3" accent4="accent4" accent5="accent5" accent6="accent6" hlink="hlink" folHlink="folHlink"/>
   <p:notesStyle>
-    <a:defPPr lvl="0" marR="0" rtl="0" algn="l">
+    <a:defPPr marR="0" lvl="0" algn="l" rtl="0">
       <a:lnSpc>
         <a:spcPct val="100000"/>
       </a:lnSpc>
@@ -469,7 +484,7 @@
         <a:spcPts val="0"/>
       </a:spcAft>
     </a:defPPr>
-    <a:lvl1pPr lvl="0" marR="0" rtl="0" algn="l">
+    <a:lvl1pPr marR="0" lvl="0" algn="l" rtl="0">
       <a:lnSpc>
         <a:spcPct val="100000"/>
       </a:lnSpc>
@@ -483,7 +498,7 @@
         <a:srgbClr val="000000"/>
       </a:buClr>
       <a:buFont typeface="Arial"/>
-      <a:defRPr b="0" i="0" sz="1400" u="none" cap="none" strike="noStrike">
+      <a:defRPr sz="1400" b="0" i="0" u="none" strike="noStrike" cap="none">
         <a:solidFill>
           <a:srgbClr val="000000"/>
         </a:solidFill>
@@ -493,7 +508,7 @@
         <a:sym typeface="Arial"/>
       </a:defRPr>
     </a:lvl1pPr>
-    <a:lvl2pPr lvl="1" marR="0" rtl="0" algn="l">
+    <a:lvl2pPr marR="0" lvl="1" algn="l" rtl="0">
       <a:lnSpc>
         <a:spcPct val="100000"/>
       </a:lnSpc>
@@ -507,7 +522,7 @@
         <a:srgbClr val="000000"/>
       </a:buClr>
       <a:buFont typeface="Arial"/>
-      <a:defRPr b="0" i="0" sz="1400" u="none" cap="none" strike="noStrike">
+      <a:defRPr sz="1400" b="0" i="0" u="none" strike="noStrike" cap="none">
         <a:solidFill>
           <a:srgbClr val="000000"/>
         </a:solidFill>
@@ -517,7 +532,7 @@
         <a:sym typeface="Arial"/>
       </a:defRPr>
     </a:lvl2pPr>
-    <a:lvl3pPr lvl="2" marR="0" rtl="0" algn="l">
+    <a:lvl3pPr marR="0" lvl="2" algn="l" rtl="0">
       <a:lnSpc>
         <a:spcPct val="100000"/>
       </a:lnSpc>
@@ -531,7 +546,7 @@
         <a:srgbClr val="000000"/>
       </a:buClr>
       <a:buFont typeface="Arial"/>
-      <a:defRPr b="0" i="0" sz="1400" u="none" cap="none" strike="noStrike">
+      <a:defRPr sz="1400" b="0" i="0" u="none" strike="noStrike" cap="none">
         <a:solidFill>
           <a:srgbClr val="000000"/>
         </a:solidFill>
@@ -541,7 +556,7 @@
         <a:sym typeface="Arial"/>
       </a:defRPr>
     </a:lvl3pPr>
-    <a:lvl4pPr lvl="3" marR="0" rtl="0" algn="l">
+    <a:lvl4pPr marR="0" lvl="3" algn="l" rtl="0">
       <a:lnSpc>
         <a:spcPct val="100000"/>
       </a:lnSpc>
@@ -555,7 +570,7 @@
         <a:srgbClr val="000000"/>
       </a:buClr>
       <a:buFont typeface="Arial"/>
-      <a:defRPr b="0" i="0" sz="1400" u="none" cap="none" strike="noStrike">
+      <a:defRPr sz="1400" b="0" i="0" u="none" strike="noStrike" cap="none">
         <a:solidFill>
           <a:srgbClr val="000000"/>
         </a:solidFill>
@@ -565,7 +580,7 @@
         <a:sym typeface="Arial"/>
       </a:defRPr>
     </a:lvl4pPr>
-    <a:lvl5pPr lvl="4" marR="0" rtl="0" algn="l">
+    <a:lvl5pPr marR="0" lvl="4" algn="l" rtl="0">
       <a:lnSpc>
         <a:spcPct val="100000"/>
       </a:lnSpc>
@@ -579,7 +594,7 @@
         <a:srgbClr val="000000"/>
       </a:buClr>
       <a:buFont typeface="Arial"/>
-      <a:defRPr b="0" i="0" sz="1400" u="none" cap="none" strike="noStrike">
+      <a:defRPr sz="1400" b="0" i="0" u="none" strike="noStrike" cap="none">
         <a:solidFill>
           <a:srgbClr val="000000"/>
         </a:solidFill>
@@ -589,7 +604,7 @@
         <a:sym typeface="Arial"/>
       </a:defRPr>
     </a:lvl5pPr>
-    <a:lvl6pPr lvl="5" marR="0" rtl="0" algn="l">
+    <a:lvl6pPr marR="0" lvl="5" algn="l" rtl="0">
       <a:lnSpc>
         <a:spcPct val="100000"/>
       </a:lnSpc>
@@ -603,7 +618,7 @@
         <a:srgbClr val="000000"/>
       </a:buClr>
       <a:buFont typeface="Arial"/>
-      <a:defRPr b="0" i="0" sz="1400" u="none" cap="none" strike="noStrike">
+      <a:defRPr sz="1400" b="0" i="0" u="none" strike="noStrike" cap="none">
         <a:solidFill>
           <a:srgbClr val="000000"/>
         </a:solidFill>
@@ -613,7 +628,7 @@
         <a:sym typeface="Arial"/>
       </a:defRPr>
     </a:lvl6pPr>
-    <a:lvl7pPr lvl="6" marR="0" rtl="0" algn="l">
+    <a:lvl7pPr marR="0" lvl="6" algn="l" rtl="0">
       <a:lnSpc>
         <a:spcPct val="100000"/>
       </a:lnSpc>
@@ -627,7 +642,7 @@
         <a:srgbClr val="000000"/>
       </a:buClr>
       <a:buFont typeface="Arial"/>
-      <a:defRPr b="0" i="0" sz="1400" u="none" cap="none" strike="noStrike">
+      <a:defRPr sz="1400" b="0" i="0" u="none" strike="noStrike" cap="none">
         <a:solidFill>
           <a:srgbClr val="000000"/>
         </a:solidFill>
@@ -637,7 +652,7 @@
         <a:sym typeface="Arial"/>
       </a:defRPr>
     </a:lvl7pPr>
-    <a:lvl8pPr lvl="7" marR="0" rtl="0" algn="l">
+    <a:lvl8pPr marR="0" lvl="7" algn="l" rtl="0">
       <a:lnSpc>
         <a:spcPct val="100000"/>
       </a:lnSpc>
@@ -651,7 +666,7 @@
         <a:srgbClr val="000000"/>
       </a:buClr>
       <a:buFont typeface="Arial"/>
-      <a:defRPr b="0" i="0" sz="1400" u="none" cap="none" strike="noStrike">
+      <a:defRPr sz="1400" b="0" i="0" u="none" strike="noStrike" cap="none">
         <a:solidFill>
           <a:srgbClr val="000000"/>
         </a:solidFill>
@@ -661,7 +676,7 @@
         <a:sym typeface="Arial"/>
       </a:defRPr>
     </a:lvl8pPr>
-    <a:lvl9pPr lvl="8" marR="0" rtl="0" algn="l">
+    <a:lvl9pPr marR="0" lvl="8" algn="l" rtl="0">
       <a:lnSpc>
         <a:spcPct val="100000"/>
       </a:lnSpc>
@@ -675,7 +690,7 @@
         <a:srgbClr val="000000"/>
       </a:buClr>
       <a:buFont typeface="Arial"/>
-      <a:defRPr b="0" i="0" sz="1400" u="none" cap="none" strike="noStrike">
+      <a:defRPr sz="1400" b="0" i="0" u="none" strike="noStrike" cap="none">
         <a:solidFill>
           <a:srgbClr val="000000"/>
         </a:solidFill>
@@ -690,11 +705,11 @@
 </file>
 
 <file path=ppt/notesSlides/notesSlide1.xml><?xml version="1.0" encoding="utf-8"?>
-<p:notes xmlns:a="http://schemas.openxmlformats.org/drawingml/2006/main" xmlns:r="http://schemas.openxmlformats.org/officeDocument/2006/relationships" xmlns:mc="http://schemas.openxmlformats.org/markup-compatibility/2006" xmlns:mv="urn:schemas-microsoft-com:mac:vml" xmlns:p="http://schemas.openxmlformats.org/presentationml/2006/main" xmlns:c="http://schemas.openxmlformats.org/drawingml/2006/chart" xmlns:dgm="http://schemas.openxmlformats.org/drawingml/2006/diagram" xmlns:o="urn:schemas-microsoft-com:office:office" xmlns:v="urn:schemas-microsoft-com:vml" xmlns:pvml="urn:schemas-microsoft-com:office:powerpoint" xmlns:com="http://schemas.openxmlformats.org/drawingml/2006/compatibility" xmlns:p14="http://schemas.microsoft.com/office/powerpoint/2010/main" xmlns:p15="http://schemas.microsoft.com/office/powerpoint/2012/main" xmlns:ahyp="http://schemas.microsoft.com/office/drawing/2018/hyperlinkcolor" showMasterPhAnim="0" showMasterSp="0">
+<p:notes xmlns:a="http://schemas.openxmlformats.org/drawingml/2006/main" xmlns:r="http://schemas.openxmlformats.org/officeDocument/2006/relationships" xmlns:p="http://schemas.openxmlformats.org/presentationml/2006/main" showMasterSp="0" showMasterPhAnim="0">
   <p:cSld>
     <p:spTree>
       <p:nvGrpSpPr>
-        <p:cNvPr id="90" name="Shape 90"/>
+        <p:cNvPr id="1" name="Shape 90"/>
         <p:cNvGrpSpPr/>
         <p:nvPr/>
       </p:nvGrpSpPr>
@@ -709,9 +724,11 @@
       <p:sp>
         <p:nvSpPr>
           <p:cNvPr id="91" name="Google Shape;91;p:notes"/>
-          <p:cNvSpPr/>
+          <p:cNvSpPr>
+            <a:spLocks noGrp="1" noRot="1" noChangeAspect="1"/>
+          </p:cNvSpPr>
           <p:nvPr>
-            <p:ph idx="2" type="sldImg"/>
+            <p:ph type="sldImg" idx="2"/>
           </p:nvPr>
         </p:nvSpPr>
         <p:spPr>
@@ -720,9 +737,13 @@
             <a:ext cx="6096075" cy="3429000"/>
           </a:xfrm>
           <a:custGeom>
-            <a:rect b="b" l="l" r="r" t="t"/>
+            <a:avLst/>
+            <a:gdLst/>
+            <a:ahLst/>
+            <a:cxnLst/>
+            <a:rect l="l" t="t" r="r" b="b"/>
             <a:pathLst>
-              <a:path extrusionOk="0" h="120000" w="120000">
+              <a:path w="120000" h="120000" extrusionOk="0">
                 <a:moveTo>
                   <a:pt x="0" y="0"/>
                 </a:moveTo>
@@ -744,9 +765,11 @@
       <p:sp>
         <p:nvSpPr>
           <p:cNvPr id="92" name="Google Shape;92;p:notes"/>
-          <p:cNvSpPr txBox="1"/>
+          <p:cNvSpPr txBox="1">
+            <a:spLocks noGrp="1"/>
+          </p:cNvSpPr>
           <p:nvPr>
-            <p:ph idx="1" type="body"/>
+            <p:ph type="body" idx="1"/>
           </p:nvPr>
         </p:nvSpPr>
         <p:spPr>
@@ -759,12 +782,12 @@
           </a:prstGeom>
         </p:spPr>
         <p:txBody>
-          <a:bodyPr anchorCtr="0" anchor="t" bIns="91425" lIns="91425" spcFirstLastPara="1" rIns="91425" wrap="square" tIns="91425">
+          <a:bodyPr spcFirstLastPara="1" wrap="square" lIns="91425" tIns="91425" rIns="91425" bIns="91425" anchor="t" anchorCtr="0">
             <a:noAutofit/>
           </a:bodyPr>
           <a:lstStyle/>
           <a:p>
-            <a:pPr indent="0" lvl="0" marL="0" rtl="0" algn="l">
+            <a:pPr marL="0" lvl="0" indent="0" algn="l" rtl="0">
               <a:spcBef>
                 <a:spcPts val="0"/>
               </a:spcBef>
@@ -773,9 +796,6 @@
               </a:spcAft>
               <a:buNone/>
             </a:pPr>
-            <a:r>
-              <a:t/>
-            </a:r>
             <a:endParaRPr/>
           </a:p>
         </p:txBody>
@@ -789,11 +809,11 @@
 </file>
 
 <file path=ppt/notesSlides/notesSlide2.xml><?xml version="1.0" encoding="utf-8"?>
-<p:notes xmlns:a="http://schemas.openxmlformats.org/drawingml/2006/main" xmlns:r="http://schemas.openxmlformats.org/officeDocument/2006/relationships" xmlns:mc="http://schemas.openxmlformats.org/markup-compatibility/2006" xmlns:mv="urn:schemas-microsoft-com:mac:vml" xmlns:p="http://schemas.openxmlformats.org/presentationml/2006/main" xmlns:c="http://schemas.openxmlformats.org/drawingml/2006/chart" xmlns:dgm="http://schemas.openxmlformats.org/drawingml/2006/diagram" xmlns:o="urn:schemas-microsoft-com:office:office" xmlns:v="urn:schemas-microsoft-com:vml" xmlns:pvml="urn:schemas-microsoft-com:office:powerpoint" xmlns:com="http://schemas.openxmlformats.org/drawingml/2006/compatibility" xmlns:p14="http://schemas.microsoft.com/office/powerpoint/2010/main" xmlns:p15="http://schemas.microsoft.com/office/powerpoint/2012/main" xmlns:ahyp="http://schemas.microsoft.com/office/drawing/2018/hyperlinkcolor" showMasterPhAnim="0" showMasterSp="0">
+<p:notes xmlns:a="http://schemas.openxmlformats.org/drawingml/2006/main" xmlns:r="http://schemas.openxmlformats.org/officeDocument/2006/relationships" xmlns:p="http://schemas.openxmlformats.org/presentationml/2006/main" showMasterSp="0" showMasterPhAnim="0">
   <p:cSld>
     <p:spTree>
       <p:nvGrpSpPr>
-        <p:cNvPr id="96" name="Shape 96"/>
+        <p:cNvPr id="1" name="Shape 96"/>
         <p:cNvGrpSpPr/>
         <p:nvPr/>
       </p:nvGrpSpPr>
@@ -808,9 +828,11 @@
       <p:sp>
         <p:nvSpPr>
           <p:cNvPr id="97" name="Google Shape;97;g103c0b97e4d_2_40:notes"/>
-          <p:cNvSpPr txBox="1"/>
+          <p:cNvSpPr txBox="1">
+            <a:spLocks noGrp="1"/>
+          </p:cNvSpPr>
           <p:nvPr>
-            <p:ph idx="1" type="body"/>
+            <p:ph type="body" idx="1"/>
           </p:nvPr>
         </p:nvSpPr>
         <p:spPr>
@@ -823,12 +845,12 @@
           </a:prstGeom>
         </p:spPr>
         <p:txBody>
-          <a:bodyPr anchorCtr="0" anchor="t" bIns="91425" lIns="91425" spcFirstLastPara="1" rIns="91425" wrap="square" tIns="91425">
+          <a:bodyPr spcFirstLastPara="1" wrap="square" lIns="91425" tIns="91425" rIns="91425" bIns="91425" anchor="t" anchorCtr="0">
             <a:noAutofit/>
           </a:bodyPr>
           <a:lstStyle/>
           <a:p>
-            <a:pPr indent="0" lvl="0" marL="0" rtl="0" algn="l">
+            <a:pPr marL="0" lvl="0" indent="0" algn="l" rtl="0">
               <a:spcBef>
                 <a:spcPts val="0"/>
               </a:spcBef>
@@ -837,9 +859,6 @@
               </a:spcAft>
               <a:buNone/>
             </a:pPr>
-            <a:r>
-              <a:t/>
-            </a:r>
             <a:endParaRPr/>
           </a:p>
         </p:txBody>
@@ -847,9 +866,11 @@
       <p:sp>
         <p:nvSpPr>
           <p:cNvPr id="98" name="Google Shape;98;g103c0b97e4d_2_40:notes"/>
-          <p:cNvSpPr/>
+          <p:cNvSpPr>
+            <a:spLocks noGrp="1" noRot="1" noChangeAspect="1"/>
+          </p:cNvSpPr>
           <p:nvPr>
-            <p:ph idx="2" type="sldImg"/>
+            <p:ph type="sldImg" idx="2"/>
           </p:nvPr>
         </p:nvSpPr>
         <p:spPr>
@@ -858,9 +879,13 @@
             <a:ext cx="5486400" cy="3086100"/>
           </a:xfrm>
           <a:custGeom>
-            <a:rect b="b" l="l" r="r" t="t"/>
+            <a:avLst/>
+            <a:gdLst/>
+            <a:ahLst/>
+            <a:cxnLst/>
+            <a:rect l="l" t="t" r="r" b="b"/>
             <a:pathLst>
-              <a:path extrusionOk="0" h="120000" w="120000">
+              <a:path w="120000" h="120000" extrusionOk="0">
                 <a:moveTo>
                   <a:pt x="0" y="0"/>
                 </a:moveTo>
@@ -888,11 +913,11 @@
 </file>
 
 <file path=ppt/notesSlides/notesSlide3.xml><?xml version="1.0" encoding="utf-8"?>
-<p:notes xmlns:a="http://schemas.openxmlformats.org/drawingml/2006/main" xmlns:r="http://schemas.openxmlformats.org/officeDocument/2006/relationships" xmlns:mc="http://schemas.openxmlformats.org/markup-compatibility/2006" xmlns:mv="urn:schemas-microsoft-com:mac:vml" xmlns:p="http://schemas.openxmlformats.org/presentationml/2006/main" xmlns:c="http://schemas.openxmlformats.org/drawingml/2006/chart" xmlns:dgm="http://schemas.openxmlformats.org/drawingml/2006/diagram" xmlns:o="urn:schemas-microsoft-com:office:office" xmlns:v="urn:schemas-microsoft-com:vml" xmlns:pvml="urn:schemas-microsoft-com:office:powerpoint" xmlns:com="http://schemas.openxmlformats.org/drawingml/2006/compatibility" xmlns:p14="http://schemas.microsoft.com/office/powerpoint/2010/main" xmlns:p15="http://schemas.microsoft.com/office/powerpoint/2012/main" xmlns:ahyp="http://schemas.microsoft.com/office/drawing/2018/hyperlinkcolor" showMasterPhAnim="0" showMasterSp="0">
+<p:notes xmlns:a="http://schemas.openxmlformats.org/drawingml/2006/main" xmlns:r="http://schemas.openxmlformats.org/officeDocument/2006/relationships" xmlns:p="http://schemas.openxmlformats.org/presentationml/2006/main" showMasterSp="0" showMasterPhAnim="0">
   <p:cSld>
     <p:spTree>
       <p:nvGrpSpPr>
-        <p:cNvPr id="126" name="Shape 126"/>
+        <p:cNvPr id="1" name="Shape 126"/>
         <p:cNvGrpSpPr/>
         <p:nvPr/>
       </p:nvGrpSpPr>
@@ -907,9 +932,11 @@
       <p:sp>
         <p:nvSpPr>
           <p:cNvPr id="127" name="Google Shape;127;g103c0b97e4d_2_70:notes"/>
-          <p:cNvSpPr txBox="1"/>
+          <p:cNvSpPr txBox="1">
+            <a:spLocks noGrp="1"/>
+          </p:cNvSpPr>
           <p:nvPr>
-            <p:ph idx="1" type="body"/>
+            <p:ph type="body" idx="1"/>
           </p:nvPr>
         </p:nvSpPr>
         <p:spPr>
@@ -922,12 +949,12 @@
           </a:prstGeom>
         </p:spPr>
         <p:txBody>
-          <a:bodyPr anchorCtr="0" anchor="t" bIns="91425" lIns="91425" spcFirstLastPara="1" rIns="91425" wrap="square" tIns="91425">
+          <a:bodyPr spcFirstLastPara="1" wrap="square" lIns="91425" tIns="91425" rIns="91425" bIns="91425" anchor="t" anchorCtr="0">
             <a:noAutofit/>
           </a:bodyPr>
           <a:lstStyle/>
           <a:p>
-            <a:pPr indent="0" lvl="0" marL="0" rtl="0" algn="l">
+            <a:pPr marL="0" lvl="0" indent="0" algn="l" rtl="0">
               <a:spcBef>
                 <a:spcPts val="0"/>
               </a:spcBef>
@@ -936,9 +963,6 @@
               </a:spcAft>
               <a:buNone/>
             </a:pPr>
-            <a:r>
-              <a:t/>
-            </a:r>
             <a:endParaRPr/>
           </a:p>
         </p:txBody>
@@ -946,9 +970,11 @@
       <p:sp>
         <p:nvSpPr>
           <p:cNvPr id="128" name="Google Shape;128;g103c0b97e4d_2_70:notes"/>
-          <p:cNvSpPr/>
+          <p:cNvSpPr>
+            <a:spLocks noGrp="1" noRot="1" noChangeAspect="1"/>
+          </p:cNvSpPr>
           <p:nvPr>
-            <p:ph idx="2" type="sldImg"/>
+            <p:ph type="sldImg" idx="2"/>
           </p:nvPr>
         </p:nvSpPr>
         <p:spPr>
@@ -957,9 +983,13 @@
             <a:ext cx="5486400" cy="3086100"/>
           </a:xfrm>
           <a:custGeom>
-            <a:rect b="b" l="l" r="r" t="t"/>
+            <a:avLst/>
+            <a:gdLst/>
+            <a:ahLst/>
+            <a:cxnLst/>
+            <a:rect l="l" t="t" r="r" b="b"/>
             <a:pathLst>
-              <a:path extrusionOk="0" h="120000" w="120000">
+              <a:path w="120000" h="120000" extrusionOk="0">
                 <a:moveTo>
                   <a:pt x="0" y="0"/>
                 </a:moveTo>
@@ -987,11 +1017,11 @@
 </file>
 
 <file path=ppt/slideLayouts/slideLayout1.xml><?xml version="1.0" encoding="utf-8"?>
-<p:sldLayout xmlns:a="http://schemas.openxmlformats.org/drawingml/2006/main" xmlns:r="http://schemas.openxmlformats.org/officeDocument/2006/relationships" xmlns:mc="http://schemas.openxmlformats.org/markup-compatibility/2006" xmlns:mv="urn:schemas-microsoft-com:mac:vml" xmlns:p="http://schemas.openxmlformats.org/presentationml/2006/main" xmlns:c="http://schemas.openxmlformats.org/drawingml/2006/chart" xmlns:dgm="http://schemas.openxmlformats.org/drawingml/2006/diagram" xmlns:o="urn:schemas-microsoft-com:office:office" xmlns:v="urn:schemas-microsoft-com:vml" xmlns:pvml="urn:schemas-microsoft-com:office:powerpoint" xmlns:com="http://schemas.openxmlformats.org/drawingml/2006/compatibility" xmlns:p14="http://schemas.microsoft.com/office/powerpoint/2010/main" xmlns:p15="http://schemas.microsoft.com/office/powerpoint/2012/main" xmlns:ahyp="http://schemas.microsoft.com/office/drawing/2018/hyperlinkcolor" matchingName="Title slide" type="title">
+<p:sldLayout xmlns:a="http://schemas.openxmlformats.org/drawingml/2006/main" xmlns:r="http://schemas.openxmlformats.org/officeDocument/2006/relationships" xmlns:p="http://schemas.openxmlformats.org/presentationml/2006/main" matchingName="Title slide" type="title">
   <p:cSld name="TITLE">
     <p:spTree>
       <p:nvGrpSpPr>
-        <p:cNvPr id="9" name="Shape 9"/>
+        <p:cNvPr id="1" name="Shape 9"/>
         <p:cNvGrpSpPr/>
         <p:nvPr/>
       </p:nvGrpSpPr>
@@ -1006,7 +1036,9 @@
       <p:sp>
         <p:nvSpPr>
           <p:cNvPr id="10" name="Google Shape;10;p2"/>
-          <p:cNvSpPr txBox="1"/>
+          <p:cNvSpPr txBox="1">
+            <a:spLocks noGrp="1"/>
+          </p:cNvSpPr>
           <p:nvPr>
             <p:ph type="ctrTitle"/>
           </p:nvPr>
@@ -1021,7 +1053,7 @@
           </a:prstGeom>
         </p:spPr>
         <p:txBody>
-          <a:bodyPr anchorCtr="0" anchor="b" bIns="91425" lIns="91425" spcFirstLastPara="1" rIns="91425" wrap="square" tIns="91425">
+          <a:bodyPr spcFirstLastPara="1" wrap="square" lIns="91425" tIns="91425" rIns="91425" bIns="91425" anchor="b" anchorCtr="0">
             <a:normAutofit/>
           </a:bodyPr>
           <a:lstStyle>
@@ -1125,15 +1157,19 @@
               <a:defRPr sz="5200"/>
             </a:lvl9pPr>
           </a:lstStyle>
-          <a:p/>
+          <a:p>
+            <a:endParaRPr/>
+          </a:p>
         </p:txBody>
       </p:sp>
       <p:sp>
         <p:nvSpPr>
           <p:cNvPr id="11" name="Google Shape;11;p2"/>
-          <p:cNvSpPr txBox="1"/>
+          <p:cNvSpPr txBox="1">
+            <a:spLocks noGrp="1"/>
+          </p:cNvSpPr>
           <p:nvPr>
-            <p:ph idx="1" type="subTitle"/>
+            <p:ph type="subTitle" idx="1"/>
           </p:nvPr>
         </p:nvSpPr>
         <p:spPr>
@@ -1146,7 +1182,7 @@
           </a:prstGeom>
         </p:spPr>
         <p:txBody>
-          <a:bodyPr anchorCtr="0" anchor="t" bIns="91425" lIns="91425" spcFirstLastPara="1" rIns="91425" wrap="square" tIns="91425">
+          <a:bodyPr spcFirstLastPara="1" wrap="square" lIns="91425" tIns="91425" rIns="91425" bIns="91425" anchor="t" anchorCtr="0">
             <a:normAutofit/>
           </a:bodyPr>
           <a:lstStyle>
@@ -1277,15 +1313,19 @@
               <a:defRPr sz="2800"/>
             </a:lvl9pPr>
           </a:lstStyle>
-          <a:p/>
+          <a:p>
+            <a:endParaRPr/>
+          </a:p>
         </p:txBody>
       </p:sp>
       <p:sp>
         <p:nvSpPr>
           <p:cNvPr id="12" name="Google Shape;12;p2"/>
-          <p:cNvSpPr txBox="1"/>
+          <p:cNvSpPr txBox="1">
+            <a:spLocks noGrp="1"/>
+          </p:cNvSpPr>
           <p:nvPr>
-            <p:ph idx="12" type="sldNum"/>
+            <p:ph type="sldNum" idx="12"/>
           </p:nvPr>
         </p:nvSpPr>
         <p:spPr>
@@ -1298,7 +1338,7 @@
           </a:prstGeom>
         </p:spPr>
         <p:txBody>
-          <a:bodyPr anchorCtr="0" anchor="ctr" bIns="91425" lIns="91425" spcFirstLastPara="1" rIns="91425" wrap="square" tIns="91425">
+          <a:bodyPr spcFirstLastPara="1" wrap="square" lIns="91425" tIns="91425" rIns="91425" bIns="91425" anchor="ctr" anchorCtr="0">
             <a:normAutofit/>
           </a:bodyPr>
           <a:lstStyle>
@@ -1340,7 +1380,7 @@
             </a:lvl9pPr>
           </a:lstStyle>
           <a:p>
-            <a:pPr indent="0" lvl="0" marL="0" rtl="0" algn="r">
+            <a:pPr marL="0" lvl="0" indent="0" algn="r" rtl="0">
               <a:spcBef>
                 <a:spcPts val="0"/>
               </a:spcBef>
@@ -1366,11 +1406,11 @@
 </file>
 
 <file path=ppt/slideLayouts/slideLayout10.xml><?xml version="1.0" encoding="utf-8"?>
-<p:sldLayout xmlns:a="http://schemas.openxmlformats.org/drawingml/2006/main" xmlns:r="http://schemas.openxmlformats.org/officeDocument/2006/relationships" xmlns:mc="http://schemas.openxmlformats.org/markup-compatibility/2006" xmlns:mv="urn:schemas-microsoft-com:mac:vml" xmlns:p="http://schemas.openxmlformats.org/presentationml/2006/main" xmlns:c="http://schemas.openxmlformats.org/drawingml/2006/chart" xmlns:dgm="http://schemas.openxmlformats.org/drawingml/2006/diagram" xmlns:o="urn:schemas-microsoft-com:office:office" xmlns:v="urn:schemas-microsoft-com:vml" xmlns:pvml="urn:schemas-microsoft-com:office:powerpoint" xmlns:com="http://schemas.openxmlformats.org/drawingml/2006/compatibility" xmlns:p14="http://schemas.microsoft.com/office/powerpoint/2010/main" xmlns:p15="http://schemas.microsoft.com/office/powerpoint/2012/main" xmlns:ahyp="http://schemas.microsoft.com/office/drawing/2018/hyperlinkcolor" matchingName="Big number">
+<p:sldLayout xmlns:a="http://schemas.openxmlformats.org/drawingml/2006/main" xmlns:r="http://schemas.openxmlformats.org/officeDocument/2006/relationships" xmlns:p="http://schemas.openxmlformats.org/presentationml/2006/main" matchingName="Big number">
   <p:cSld name="BIG_NUMBER">
     <p:spTree>
       <p:nvGrpSpPr>
-        <p:cNvPr id="44" name="Shape 44"/>
+        <p:cNvPr id="1" name="Shape 44"/>
         <p:cNvGrpSpPr/>
         <p:nvPr/>
       </p:nvGrpSpPr>
@@ -1385,9 +1425,11 @@
       <p:sp>
         <p:nvSpPr>
           <p:cNvPr id="45" name="Google Shape;45;p11"/>
-          <p:cNvSpPr txBox="1"/>
+          <p:cNvSpPr txBox="1">
+            <a:spLocks noGrp="1"/>
+          </p:cNvSpPr>
           <p:nvPr>
-            <p:ph hasCustomPrompt="1" type="title"/>
+            <p:ph type="title" hasCustomPrompt="1"/>
           </p:nvPr>
         </p:nvSpPr>
         <p:spPr>
@@ -1400,7 +1442,7 @@
           </a:prstGeom>
         </p:spPr>
         <p:txBody>
-          <a:bodyPr anchorCtr="0" anchor="b" bIns="91425" lIns="91425" spcFirstLastPara="1" rIns="91425" wrap="square" tIns="91425">
+          <a:bodyPr spcFirstLastPara="1" wrap="square" lIns="91425" tIns="91425" rIns="91425" bIns="91425" anchor="b" anchorCtr="0">
             <a:normAutofit/>
           </a:bodyPr>
           <a:lstStyle>
@@ -1514,9 +1556,11 @@
       <p:sp>
         <p:nvSpPr>
           <p:cNvPr id="46" name="Google Shape;46;p11"/>
-          <p:cNvSpPr txBox="1"/>
+          <p:cNvSpPr txBox="1">
+            <a:spLocks noGrp="1"/>
+          </p:cNvSpPr>
           <p:nvPr>
-            <p:ph idx="1" type="body"/>
+            <p:ph type="body" idx="1"/>
           </p:nvPr>
         </p:nvSpPr>
         <p:spPr>
@@ -1529,11 +1573,11 @@
           </a:prstGeom>
         </p:spPr>
         <p:txBody>
-          <a:bodyPr anchorCtr="0" anchor="t" bIns="91425" lIns="91425" spcFirstLastPara="1" rIns="91425" wrap="square" tIns="91425">
+          <a:bodyPr spcFirstLastPara="1" wrap="square" lIns="91425" tIns="91425" rIns="91425" bIns="91425" anchor="t" anchorCtr="0">
             <a:normAutofit/>
           </a:bodyPr>
           <a:lstStyle>
-            <a:lvl1pPr indent="-342900" lvl="0" marL="457200" algn="ctr">
+            <a:lvl1pPr marL="457200" lvl="0" indent="-342900" algn="ctr">
               <a:spcBef>
                 <a:spcPts val="0"/>
               </a:spcBef>
@@ -1544,7 +1588,7 @@
               <a:buChar char="●"/>
               <a:defRPr/>
             </a:lvl1pPr>
-            <a:lvl2pPr indent="-317500" lvl="1" marL="914400" algn="ctr">
+            <a:lvl2pPr marL="914400" lvl="1" indent="-317500" algn="ctr">
               <a:spcBef>
                 <a:spcPts val="0"/>
               </a:spcBef>
@@ -1555,7 +1599,7 @@
               <a:buChar char="○"/>
               <a:defRPr/>
             </a:lvl2pPr>
-            <a:lvl3pPr indent="-317500" lvl="2" marL="1371600" algn="ctr">
+            <a:lvl3pPr marL="1371600" lvl="2" indent="-317500" algn="ctr">
               <a:spcBef>
                 <a:spcPts val="0"/>
               </a:spcBef>
@@ -1566,7 +1610,7 @@
               <a:buChar char="■"/>
               <a:defRPr/>
             </a:lvl3pPr>
-            <a:lvl4pPr indent="-317500" lvl="3" marL="1828800" algn="ctr">
+            <a:lvl4pPr marL="1828800" lvl="3" indent="-317500" algn="ctr">
               <a:spcBef>
                 <a:spcPts val="0"/>
               </a:spcBef>
@@ -1577,7 +1621,7 @@
               <a:buChar char="●"/>
               <a:defRPr/>
             </a:lvl4pPr>
-            <a:lvl5pPr indent="-317500" lvl="4" marL="2286000" algn="ctr">
+            <a:lvl5pPr marL="2286000" lvl="4" indent="-317500" algn="ctr">
               <a:spcBef>
                 <a:spcPts val="0"/>
               </a:spcBef>
@@ -1588,7 +1632,7 @@
               <a:buChar char="○"/>
               <a:defRPr/>
             </a:lvl5pPr>
-            <a:lvl6pPr indent="-317500" lvl="5" marL="2743200" algn="ctr">
+            <a:lvl6pPr marL="2743200" lvl="5" indent="-317500" algn="ctr">
               <a:spcBef>
                 <a:spcPts val="0"/>
               </a:spcBef>
@@ -1599,7 +1643,7 @@
               <a:buChar char="■"/>
               <a:defRPr/>
             </a:lvl6pPr>
-            <a:lvl7pPr indent="-317500" lvl="6" marL="3200400" algn="ctr">
+            <a:lvl7pPr marL="3200400" lvl="6" indent="-317500" algn="ctr">
               <a:spcBef>
                 <a:spcPts val="0"/>
               </a:spcBef>
@@ -1610,7 +1654,7 @@
               <a:buChar char="●"/>
               <a:defRPr/>
             </a:lvl7pPr>
-            <a:lvl8pPr indent="-317500" lvl="7" marL="3657600" algn="ctr">
+            <a:lvl8pPr marL="3657600" lvl="7" indent="-317500" algn="ctr">
               <a:spcBef>
                 <a:spcPts val="0"/>
               </a:spcBef>
@@ -1621,7 +1665,7 @@
               <a:buChar char="○"/>
               <a:defRPr/>
             </a:lvl8pPr>
-            <a:lvl9pPr indent="-317500" lvl="8" marL="4114800" algn="ctr">
+            <a:lvl9pPr marL="4114800" lvl="8" indent="-317500" algn="ctr">
               <a:spcBef>
                 <a:spcPts val="0"/>
               </a:spcBef>
@@ -1633,15 +1677,19 @@
               <a:defRPr/>
             </a:lvl9pPr>
           </a:lstStyle>
-          <a:p/>
+          <a:p>
+            <a:endParaRPr/>
+          </a:p>
         </p:txBody>
       </p:sp>
       <p:sp>
         <p:nvSpPr>
           <p:cNvPr id="47" name="Google Shape;47;p11"/>
-          <p:cNvSpPr txBox="1"/>
+          <p:cNvSpPr txBox="1">
+            <a:spLocks noGrp="1"/>
+          </p:cNvSpPr>
           <p:nvPr>
-            <p:ph idx="12" type="sldNum"/>
+            <p:ph type="sldNum" idx="12"/>
           </p:nvPr>
         </p:nvSpPr>
         <p:spPr>
@@ -1654,7 +1702,7 @@
           </a:prstGeom>
         </p:spPr>
         <p:txBody>
-          <a:bodyPr anchorCtr="0" anchor="ctr" bIns="91425" lIns="91425" spcFirstLastPara="1" rIns="91425" wrap="square" tIns="91425">
+          <a:bodyPr spcFirstLastPara="1" wrap="square" lIns="91425" tIns="91425" rIns="91425" bIns="91425" anchor="ctr" anchorCtr="0">
             <a:normAutofit/>
           </a:bodyPr>
           <a:lstStyle>
@@ -1696,7 +1744,7 @@
             </a:lvl9pPr>
           </a:lstStyle>
           <a:p>
-            <a:pPr indent="0" lvl="0" marL="0" rtl="0" algn="r">
+            <a:pPr marL="0" lvl="0" indent="0" algn="r" rtl="0">
               <a:spcBef>
                 <a:spcPts val="0"/>
               </a:spcBef>
@@ -1722,11 +1770,11 @@
 </file>
 
 <file path=ppt/slideLayouts/slideLayout11.xml><?xml version="1.0" encoding="utf-8"?>
-<p:sldLayout xmlns:a="http://schemas.openxmlformats.org/drawingml/2006/main" xmlns:r="http://schemas.openxmlformats.org/officeDocument/2006/relationships" xmlns:mc="http://schemas.openxmlformats.org/markup-compatibility/2006" xmlns:mv="urn:schemas-microsoft-com:mac:vml" xmlns:p="http://schemas.openxmlformats.org/presentationml/2006/main" xmlns:c="http://schemas.openxmlformats.org/drawingml/2006/chart" xmlns:dgm="http://schemas.openxmlformats.org/drawingml/2006/diagram" xmlns:o="urn:schemas-microsoft-com:office:office" xmlns:v="urn:schemas-microsoft-com:vml" xmlns:pvml="urn:schemas-microsoft-com:office:powerpoint" xmlns:com="http://schemas.openxmlformats.org/drawingml/2006/compatibility" xmlns:p14="http://schemas.microsoft.com/office/powerpoint/2010/main" xmlns:p15="http://schemas.microsoft.com/office/powerpoint/2012/main" xmlns:ahyp="http://schemas.microsoft.com/office/drawing/2018/hyperlinkcolor" matchingName="Blank" type="blank">
+<p:sldLayout xmlns:a="http://schemas.openxmlformats.org/drawingml/2006/main" xmlns:r="http://schemas.openxmlformats.org/officeDocument/2006/relationships" xmlns:p="http://schemas.openxmlformats.org/presentationml/2006/main" matchingName="Blank" type="blank">
   <p:cSld name="BLANK">
     <p:spTree>
       <p:nvGrpSpPr>
-        <p:cNvPr id="48" name="Shape 48"/>
+        <p:cNvPr id="1" name="Shape 48"/>
         <p:cNvGrpSpPr/>
         <p:nvPr/>
       </p:nvGrpSpPr>
@@ -1741,9 +1789,11 @@
       <p:sp>
         <p:nvSpPr>
           <p:cNvPr id="49" name="Google Shape;49;p12"/>
-          <p:cNvSpPr txBox="1"/>
+          <p:cNvSpPr txBox="1">
+            <a:spLocks noGrp="1"/>
+          </p:cNvSpPr>
           <p:nvPr>
-            <p:ph idx="12" type="sldNum"/>
+            <p:ph type="sldNum" idx="12"/>
           </p:nvPr>
         </p:nvSpPr>
         <p:spPr>
@@ -1756,7 +1806,7 @@
           </a:prstGeom>
         </p:spPr>
         <p:txBody>
-          <a:bodyPr anchorCtr="0" anchor="ctr" bIns="91425" lIns="91425" spcFirstLastPara="1" rIns="91425" wrap="square" tIns="91425">
+          <a:bodyPr spcFirstLastPara="1" wrap="square" lIns="91425" tIns="91425" rIns="91425" bIns="91425" anchor="ctr" anchorCtr="0">
             <a:normAutofit/>
           </a:bodyPr>
           <a:lstStyle>
@@ -1798,7 +1848,7 @@
             </a:lvl9pPr>
           </a:lstStyle>
           <a:p>
-            <a:pPr indent="0" lvl="0" marL="0" rtl="0" algn="r">
+            <a:pPr marL="0" lvl="0" indent="0" algn="r" rtl="0">
               <a:spcBef>
                 <a:spcPts val="0"/>
               </a:spcBef>
@@ -1824,11 +1874,11 @@
 </file>
 
 <file path=ppt/slideLayouts/slideLayout12.xml><?xml version="1.0" encoding="utf-8"?>
-<p:sldLayout xmlns:a="http://schemas.openxmlformats.org/drawingml/2006/main" xmlns:r="http://schemas.openxmlformats.org/officeDocument/2006/relationships" xmlns:mc="http://schemas.openxmlformats.org/markup-compatibility/2006" xmlns:mv="urn:schemas-microsoft-com:mac:vml" xmlns:p="http://schemas.openxmlformats.org/presentationml/2006/main" xmlns:c="http://schemas.openxmlformats.org/drawingml/2006/chart" xmlns:dgm="http://schemas.openxmlformats.org/drawingml/2006/diagram" xmlns:o="urn:schemas-microsoft-com:office:office" xmlns:v="urn:schemas-microsoft-com:vml" xmlns:pvml="urn:schemas-microsoft-com:office:powerpoint" xmlns:com="http://schemas.openxmlformats.org/drawingml/2006/compatibility" xmlns:p14="http://schemas.microsoft.com/office/powerpoint/2010/main" xmlns:p15="http://schemas.microsoft.com/office/powerpoint/2012/main" xmlns:ahyp="http://schemas.microsoft.com/office/drawing/2018/hyperlinkcolor" matchingName="Title Slide">
+<p:sldLayout xmlns:a="http://schemas.openxmlformats.org/drawingml/2006/main" xmlns:r="http://schemas.openxmlformats.org/officeDocument/2006/relationships" xmlns:p="http://schemas.openxmlformats.org/presentationml/2006/main" matchingName="Title Slide">
   <p:cSld name="Title Slide">
     <p:spTree>
       <p:nvGrpSpPr>
-        <p:cNvPr id="52" name="Shape 52"/>
+        <p:cNvPr id="1" name="Shape 52"/>
         <p:cNvGrpSpPr/>
         <p:nvPr/>
       </p:nvGrpSpPr>
@@ -1850,7 +1900,7 @@
           <a:blip r:embed="rId2">
             <a:alphaModFix/>
           </a:blip>
-          <a:srcRect b="0" l="0" r="0" t="0"/>
+          <a:srcRect/>
           <a:stretch/>
         </p:blipFill>
         <p:spPr>
@@ -1870,9 +1920,11 @@
       <p:sp>
         <p:nvSpPr>
           <p:cNvPr id="54" name="Google Shape;54;p14"/>
-          <p:cNvSpPr txBox="1"/>
+          <p:cNvSpPr txBox="1">
+            <a:spLocks noGrp="1"/>
+          </p:cNvSpPr>
           <p:nvPr>
-            <p:ph idx="1" type="body"/>
+            <p:ph type="body" idx="1"/>
           </p:nvPr>
         </p:nvSpPr>
         <p:spPr>
@@ -1889,11 +1941,11 @@
           </a:ln>
         </p:spPr>
         <p:txBody>
-          <a:bodyPr anchorCtr="0" anchor="t" bIns="34275" lIns="68575" spcFirstLastPara="1" rIns="68575" wrap="square" tIns="34275">
+          <a:bodyPr spcFirstLastPara="1" wrap="square" lIns="68575" tIns="34275" rIns="68575" bIns="34275" anchor="t" anchorCtr="0">
             <a:noAutofit/>
           </a:bodyPr>
           <a:lstStyle>
-            <a:lvl1pPr indent="-228600" lvl="0" marL="457200" marR="0" rtl="0" algn="r">
+            <a:lvl1pPr marL="457200" marR="0" lvl="0" indent="-228600" algn="r" rtl="0">
               <a:lnSpc>
                 <a:spcPct val="90000"/>
               </a:lnSpc>
@@ -1909,7 +1961,7 @@
               <a:buSzPts val="2400"/>
               <a:buFont typeface="Arial"/>
               <a:buNone/>
-              <a:defRPr b="0" i="0" sz="2400" u="none" cap="none" strike="noStrike">
+              <a:defRPr sz="2400" b="0" i="0" u="none" strike="noStrike" cap="none">
                 <a:solidFill>
                   <a:schemeClr val="dk1"/>
                 </a:solidFill>
@@ -1919,7 +1971,7 @@
                 <a:sym typeface="Arial"/>
               </a:defRPr>
             </a:lvl1pPr>
-            <a:lvl2pPr indent="-228600" lvl="1" marL="914400" marR="0" rtl="0" algn="l">
+            <a:lvl2pPr marL="914400" marR="0" lvl="1" indent="-228600" algn="l" rtl="0">
               <a:lnSpc>
                 <a:spcPct val="90000"/>
               </a:lnSpc>
@@ -1935,7 +1987,7 @@
               <a:buSzPts val="2400"/>
               <a:buFont typeface="Arial"/>
               <a:buNone/>
-              <a:defRPr b="0" i="0" sz="2400" u="none" cap="none" strike="noStrike">
+              <a:defRPr sz="2400" b="0" i="0" u="none" strike="noStrike" cap="none">
                 <a:solidFill>
                   <a:schemeClr val="dk1"/>
                 </a:solidFill>
@@ -1945,7 +1997,7 @@
                 <a:sym typeface="Arial"/>
               </a:defRPr>
             </a:lvl2pPr>
-            <a:lvl3pPr indent="-228600" lvl="2" marL="1371600" marR="0" rtl="0" algn="l">
+            <a:lvl3pPr marL="1371600" marR="0" lvl="2" indent="-228600" algn="l" rtl="0">
               <a:lnSpc>
                 <a:spcPct val="90000"/>
               </a:lnSpc>
@@ -1961,7 +2013,7 @@
               <a:buSzPts val="2400"/>
               <a:buFont typeface="Arial"/>
               <a:buNone/>
-              <a:defRPr b="0" i="0" sz="2400" u="none" cap="none" strike="noStrike">
+              <a:defRPr sz="2400" b="0" i="0" u="none" strike="noStrike" cap="none">
                 <a:solidFill>
                   <a:schemeClr val="dk1"/>
                 </a:solidFill>
@@ -1971,7 +2023,7 @@
                 <a:sym typeface="Arial"/>
               </a:defRPr>
             </a:lvl3pPr>
-            <a:lvl4pPr indent="-228600" lvl="3" marL="1828800" marR="0" rtl="0" algn="l">
+            <a:lvl4pPr marL="1828800" marR="0" lvl="3" indent="-228600" algn="l" rtl="0">
               <a:lnSpc>
                 <a:spcPct val="90000"/>
               </a:lnSpc>
@@ -1987,7 +2039,7 @@
               <a:buSzPts val="2400"/>
               <a:buFont typeface="Arial"/>
               <a:buNone/>
-              <a:defRPr b="0" i="0" sz="2400" u="none" cap="none" strike="noStrike">
+              <a:defRPr sz="2400" b="0" i="0" u="none" strike="noStrike" cap="none">
                 <a:solidFill>
                   <a:schemeClr val="dk1"/>
                 </a:solidFill>
@@ -1997,7 +2049,7 @@
                 <a:sym typeface="Arial"/>
               </a:defRPr>
             </a:lvl4pPr>
-            <a:lvl5pPr indent="-228600" lvl="4" marL="2286000" marR="0" rtl="0" algn="l">
+            <a:lvl5pPr marL="2286000" marR="0" lvl="4" indent="-228600" algn="l" rtl="0">
               <a:lnSpc>
                 <a:spcPct val="90000"/>
               </a:lnSpc>
@@ -2013,7 +2065,7 @@
               <a:buSzPts val="2400"/>
               <a:buFont typeface="Arial"/>
               <a:buNone/>
-              <a:defRPr b="0" i="0" sz="2400" u="none" cap="none" strike="noStrike">
+              <a:defRPr sz="2400" b="0" i="0" u="none" strike="noStrike" cap="none">
                 <a:solidFill>
                   <a:schemeClr val="dk1"/>
                 </a:solidFill>
@@ -2023,7 +2075,7 @@
                 <a:sym typeface="Arial"/>
               </a:defRPr>
             </a:lvl5pPr>
-            <a:lvl6pPr indent="-317500" lvl="5" marL="2743200" marR="0" rtl="0" algn="l">
+            <a:lvl6pPr marL="2743200" marR="0" lvl="5" indent="-317500" algn="l" rtl="0">
               <a:lnSpc>
                 <a:spcPct val="90000"/>
               </a:lnSpc>
@@ -2039,7 +2091,7 @@
               <a:buSzPts val="1400"/>
               <a:buFont typeface="Arial"/>
               <a:buChar char="•"/>
-              <a:defRPr b="0" i="0" sz="1400" u="none" cap="none" strike="noStrike">
+              <a:defRPr sz="1400" b="0" i="0" u="none" strike="noStrike" cap="none">
                 <a:solidFill>
                   <a:schemeClr val="dk1"/>
                 </a:solidFill>
@@ -2049,7 +2101,7 @@
                 <a:sym typeface="Arial"/>
               </a:defRPr>
             </a:lvl6pPr>
-            <a:lvl7pPr indent="-317500" lvl="6" marL="3200400" marR="0" rtl="0" algn="l">
+            <a:lvl7pPr marL="3200400" marR="0" lvl="6" indent="-317500" algn="l" rtl="0">
               <a:lnSpc>
                 <a:spcPct val="90000"/>
               </a:lnSpc>
@@ -2065,7 +2117,7 @@
               <a:buSzPts val="1400"/>
               <a:buFont typeface="Arial"/>
               <a:buChar char="•"/>
-              <a:defRPr b="0" i="0" sz="1400" u="none" cap="none" strike="noStrike">
+              <a:defRPr sz="1400" b="0" i="0" u="none" strike="noStrike" cap="none">
                 <a:solidFill>
                   <a:schemeClr val="dk1"/>
                 </a:solidFill>
@@ -2075,7 +2127,7 @@
                 <a:sym typeface="Arial"/>
               </a:defRPr>
             </a:lvl7pPr>
-            <a:lvl8pPr indent="-317500" lvl="7" marL="3657600" marR="0" rtl="0" algn="l">
+            <a:lvl8pPr marL="3657600" marR="0" lvl="7" indent="-317500" algn="l" rtl="0">
               <a:lnSpc>
                 <a:spcPct val="90000"/>
               </a:lnSpc>
@@ -2091,7 +2143,7 @@
               <a:buSzPts val="1400"/>
               <a:buFont typeface="Arial"/>
               <a:buChar char="•"/>
-              <a:defRPr b="0" i="0" sz="1400" u="none" cap="none" strike="noStrike">
+              <a:defRPr sz="1400" b="0" i="0" u="none" strike="noStrike" cap="none">
                 <a:solidFill>
                   <a:schemeClr val="dk1"/>
                 </a:solidFill>
@@ -2101,7 +2153,7 @@
                 <a:sym typeface="Arial"/>
               </a:defRPr>
             </a:lvl8pPr>
-            <a:lvl9pPr indent="-317500" lvl="8" marL="4114800" marR="0" rtl="0" algn="l">
+            <a:lvl9pPr marL="4114800" marR="0" lvl="8" indent="-317500" algn="l" rtl="0">
               <a:lnSpc>
                 <a:spcPct val="90000"/>
               </a:lnSpc>
@@ -2117,7 +2169,7 @@
               <a:buSzPts val="1400"/>
               <a:buFont typeface="Arial"/>
               <a:buChar char="•"/>
-              <a:defRPr b="0" i="0" sz="1400" u="none" cap="none" strike="noStrike">
+              <a:defRPr sz="1400" b="0" i="0" u="none" strike="noStrike" cap="none">
                 <a:solidFill>
                   <a:schemeClr val="dk1"/>
                 </a:solidFill>
@@ -2128,7 +2180,9 @@
               </a:defRPr>
             </a:lvl9pPr>
           </a:lstStyle>
-          <a:p/>
+          <a:p>
+            <a:endParaRPr/>
+          </a:p>
         </p:txBody>
       </p:sp>
     </p:spTree>
@@ -2140,11 +2194,11 @@
 </file>
 
 <file path=ppt/slideLayouts/slideLayout13.xml><?xml version="1.0" encoding="utf-8"?>
-<p:sldLayout xmlns:a="http://schemas.openxmlformats.org/drawingml/2006/main" xmlns:r="http://schemas.openxmlformats.org/officeDocument/2006/relationships" xmlns:mc="http://schemas.openxmlformats.org/markup-compatibility/2006" xmlns:mv="urn:schemas-microsoft-com:mac:vml" xmlns:p="http://schemas.openxmlformats.org/presentationml/2006/main" xmlns:c="http://schemas.openxmlformats.org/drawingml/2006/chart" xmlns:dgm="http://schemas.openxmlformats.org/drawingml/2006/diagram" xmlns:o="urn:schemas-microsoft-com:office:office" xmlns:v="urn:schemas-microsoft-com:vml" xmlns:pvml="urn:schemas-microsoft-com:office:powerpoint" xmlns:com="http://schemas.openxmlformats.org/drawingml/2006/compatibility" xmlns:p14="http://schemas.microsoft.com/office/powerpoint/2010/main" xmlns:p15="http://schemas.microsoft.com/office/powerpoint/2012/main" xmlns:ahyp="http://schemas.microsoft.com/office/drawing/2018/hyperlinkcolor" matchingName="Main Slide Text">
+<p:sldLayout xmlns:a="http://schemas.openxmlformats.org/drawingml/2006/main" xmlns:r="http://schemas.openxmlformats.org/officeDocument/2006/relationships" xmlns:p="http://schemas.openxmlformats.org/presentationml/2006/main" matchingName="Main Slide Text">
   <p:cSld name="Main Slide Text">
     <p:spTree>
       <p:nvGrpSpPr>
-        <p:cNvPr id="55" name="Shape 55"/>
+        <p:cNvPr id="1" name="Shape 55"/>
         <p:cNvGrpSpPr/>
         <p:nvPr/>
       </p:nvGrpSpPr>
@@ -2159,9 +2213,11 @@
       <p:sp>
         <p:nvSpPr>
           <p:cNvPr id="56" name="Google Shape;56;p15"/>
-          <p:cNvSpPr txBox="1"/>
+          <p:cNvSpPr txBox="1">
+            <a:spLocks noGrp="1"/>
+          </p:cNvSpPr>
           <p:nvPr>
-            <p:ph idx="12" type="sldNum"/>
+            <p:ph type="sldNum" idx="12"/>
           </p:nvPr>
         </p:nvSpPr>
         <p:spPr>
@@ -2178,11 +2234,11 @@
           </a:ln>
         </p:spPr>
         <p:txBody>
-          <a:bodyPr anchorCtr="0" anchor="ctr" bIns="34275" lIns="68575" spcFirstLastPara="1" rIns="68575" wrap="square" tIns="34275">
+          <a:bodyPr spcFirstLastPara="1" wrap="square" lIns="68575" tIns="34275" rIns="68575" bIns="34275" anchor="ctr" anchorCtr="0">
             <a:noAutofit/>
           </a:bodyPr>
           <a:lstStyle>
-            <a:lvl1pPr indent="0" lvl="0" marL="0" marR="0" algn="r">
+            <a:lvl1pPr marL="0" marR="0" lvl="0" indent="0" algn="r">
               <a:lnSpc>
                 <a:spcPct val="100000"/>
               </a:lnSpc>
@@ -2198,7 +2254,7 @@
               <a:buSzPts val="800"/>
               <a:buFont typeface="Arial"/>
               <a:buNone/>
-              <a:defRPr b="0" i="0" sz="800" u="none" cap="none" strike="noStrike">
+              <a:defRPr sz="800" b="0" i="0" u="none" strike="noStrike" cap="none">
                 <a:solidFill>
                   <a:srgbClr val="8FA1B8"/>
                 </a:solidFill>
@@ -2208,7 +2264,7 @@
                 <a:sym typeface="Arial"/>
               </a:defRPr>
             </a:lvl1pPr>
-            <a:lvl2pPr indent="0" lvl="1" marL="0" marR="0" algn="r">
+            <a:lvl2pPr marL="0" marR="0" lvl="1" indent="0" algn="r">
               <a:lnSpc>
                 <a:spcPct val="100000"/>
               </a:lnSpc>
@@ -2224,7 +2280,7 @@
               <a:buSzPts val="800"/>
               <a:buFont typeface="Arial"/>
               <a:buNone/>
-              <a:defRPr b="0" i="0" sz="800" u="none" cap="none" strike="noStrike">
+              <a:defRPr sz="800" b="0" i="0" u="none" strike="noStrike" cap="none">
                 <a:solidFill>
                   <a:srgbClr val="8FA1B8"/>
                 </a:solidFill>
@@ -2234,7 +2290,7 @@
                 <a:sym typeface="Arial"/>
               </a:defRPr>
             </a:lvl2pPr>
-            <a:lvl3pPr indent="0" lvl="2" marL="0" marR="0" algn="r">
+            <a:lvl3pPr marL="0" marR="0" lvl="2" indent="0" algn="r">
               <a:lnSpc>
                 <a:spcPct val="100000"/>
               </a:lnSpc>
@@ -2250,7 +2306,7 @@
               <a:buSzPts val="800"/>
               <a:buFont typeface="Arial"/>
               <a:buNone/>
-              <a:defRPr b="0" i="0" sz="800" u="none" cap="none" strike="noStrike">
+              <a:defRPr sz="800" b="0" i="0" u="none" strike="noStrike" cap="none">
                 <a:solidFill>
                   <a:srgbClr val="8FA1B8"/>
                 </a:solidFill>
@@ -2260,7 +2316,7 @@
                 <a:sym typeface="Arial"/>
               </a:defRPr>
             </a:lvl3pPr>
-            <a:lvl4pPr indent="0" lvl="3" marL="0" marR="0" algn="r">
+            <a:lvl4pPr marL="0" marR="0" lvl="3" indent="0" algn="r">
               <a:lnSpc>
                 <a:spcPct val="100000"/>
               </a:lnSpc>
@@ -2276,7 +2332,7 @@
               <a:buSzPts val="800"/>
               <a:buFont typeface="Arial"/>
               <a:buNone/>
-              <a:defRPr b="0" i="0" sz="800" u="none" cap="none" strike="noStrike">
+              <a:defRPr sz="800" b="0" i="0" u="none" strike="noStrike" cap="none">
                 <a:solidFill>
                   <a:srgbClr val="8FA1B8"/>
                 </a:solidFill>
@@ -2286,7 +2342,7 @@
                 <a:sym typeface="Arial"/>
               </a:defRPr>
             </a:lvl4pPr>
-            <a:lvl5pPr indent="0" lvl="4" marL="0" marR="0" algn="r">
+            <a:lvl5pPr marL="0" marR="0" lvl="4" indent="0" algn="r">
               <a:lnSpc>
                 <a:spcPct val="100000"/>
               </a:lnSpc>
@@ -2302,7 +2358,7 @@
               <a:buSzPts val="800"/>
               <a:buFont typeface="Arial"/>
               <a:buNone/>
-              <a:defRPr b="0" i="0" sz="800" u="none" cap="none" strike="noStrike">
+              <a:defRPr sz="800" b="0" i="0" u="none" strike="noStrike" cap="none">
                 <a:solidFill>
                   <a:srgbClr val="8FA1B8"/>
                 </a:solidFill>
@@ -2312,7 +2368,7 @@
                 <a:sym typeface="Arial"/>
               </a:defRPr>
             </a:lvl5pPr>
-            <a:lvl6pPr indent="0" lvl="5" marL="0" marR="0" algn="r">
+            <a:lvl6pPr marL="0" marR="0" lvl="5" indent="0" algn="r">
               <a:lnSpc>
                 <a:spcPct val="100000"/>
               </a:lnSpc>
@@ -2328,7 +2384,7 @@
               <a:buSzPts val="800"/>
               <a:buFont typeface="Arial"/>
               <a:buNone/>
-              <a:defRPr b="0" i="0" sz="800" u="none" cap="none" strike="noStrike">
+              <a:defRPr sz="800" b="0" i="0" u="none" strike="noStrike" cap="none">
                 <a:solidFill>
                   <a:srgbClr val="8FA1B8"/>
                 </a:solidFill>
@@ -2338,7 +2394,7 @@
                 <a:sym typeface="Arial"/>
               </a:defRPr>
             </a:lvl6pPr>
-            <a:lvl7pPr indent="0" lvl="6" marL="0" marR="0" algn="r">
+            <a:lvl7pPr marL="0" marR="0" lvl="6" indent="0" algn="r">
               <a:lnSpc>
                 <a:spcPct val="100000"/>
               </a:lnSpc>
@@ -2354,7 +2410,7 @@
               <a:buSzPts val="800"/>
               <a:buFont typeface="Arial"/>
               <a:buNone/>
-              <a:defRPr b="0" i="0" sz="800" u="none" cap="none" strike="noStrike">
+              <a:defRPr sz="800" b="0" i="0" u="none" strike="noStrike" cap="none">
                 <a:solidFill>
                   <a:srgbClr val="8FA1B8"/>
                 </a:solidFill>
@@ -2364,7 +2420,7 @@
                 <a:sym typeface="Arial"/>
               </a:defRPr>
             </a:lvl7pPr>
-            <a:lvl8pPr indent="0" lvl="7" marL="0" marR="0" algn="r">
+            <a:lvl8pPr marL="0" marR="0" lvl="7" indent="0" algn="r">
               <a:lnSpc>
                 <a:spcPct val="100000"/>
               </a:lnSpc>
@@ -2380,7 +2436,7 @@
               <a:buSzPts val="800"/>
               <a:buFont typeface="Arial"/>
               <a:buNone/>
-              <a:defRPr b="0" i="0" sz="800" u="none" cap="none" strike="noStrike">
+              <a:defRPr sz="800" b="0" i="0" u="none" strike="noStrike" cap="none">
                 <a:solidFill>
                   <a:srgbClr val="8FA1B8"/>
                 </a:solidFill>
@@ -2390,7 +2446,7 @@
                 <a:sym typeface="Arial"/>
               </a:defRPr>
             </a:lvl8pPr>
-            <a:lvl9pPr indent="0" lvl="8" marL="0" marR="0" algn="r">
+            <a:lvl9pPr marL="0" marR="0" lvl="8" indent="0" algn="r">
               <a:lnSpc>
                 <a:spcPct val="100000"/>
               </a:lnSpc>
@@ -2406,7 +2462,7 @@
               <a:buSzPts val="800"/>
               <a:buFont typeface="Arial"/>
               <a:buNone/>
-              <a:defRPr b="0" i="0" sz="800" u="none" cap="none" strike="noStrike">
+              <a:defRPr sz="800" b="0" i="0" u="none" strike="noStrike" cap="none">
                 <a:solidFill>
                   <a:srgbClr val="8FA1B8"/>
                 </a:solidFill>
@@ -2418,7 +2474,7 @@
             </a:lvl9pPr>
           </a:lstStyle>
           <a:p>
-            <a:pPr indent="0" lvl="0" marL="0" rtl="0" algn="r">
+            <a:pPr marL="0" lvl="0" indent="0" algn="r" rtl="0">
               <a:spcBef>
                 <a:spcPts val="0"/>
               </a:spcBef>
@@ -2445,7 +2501,7 @@
           <a:blip r:embed="rId2">
             <a:alphaModFix/>
           </a:blip>
-          <a:srcRect b="0" l="0" r="0" t="0"/>
+          <a:srcRect/>
           <a:stretch/>
         </p:blipFill>
         <p:spPr>
@@ -2465,9 +2521,11 @@
       <p:sp>
         <p:nvSpPr>
           <p:cNvPr id="58" name="Google Shape;58;p15"/>
-          <p:cNvSpPr txBox="1"/>
+          <p:cNvSpPr txBox="1">
+            <a:spLocks noGrp="1"/>
+          </p:cNvSpPr>
           <p:nvPr>
-            <p:ph idx="1" type="body"/>
+            <p:ph type="body" idx="1"/>
           </p:nvPr>
         </p:nvSpPr>
         <p:spPr>
@@ -2484,11 +2542,11 @@
           </a:ln>
         </p:spPr>
         <p:txBody>
-          <a:bodyPr anchorCtr="0" anchor="t" bIns="34275" lIns="68575" spcFirstLastPara="1" rIns="68575" wrap="square" tIns="34275">
+          <a:bodyPr spcFirstLastPara="1" wrap="square" lIns="68575" tIns="34275" rIns="68575" bIns="34275" anchor="t" anchorCtr="0">
             <a:noAutofit/>
           </a:bodyPr>
           <a:lstStyle>
-            <a:lvl1pPr indent="-228600" lvl="0" marL="457200" marR="0" rtl="0" algn="r">
+            <a:lvl1pPr marL="457200" marR="0" lvl="0" indent="-228600" algn="r" rtl="0">
               <a:lnSpc>
                 <a:spcPct val="90000"/>
               </a:lnSpc>
@@ -2504,7 +2562,7 @@
               <a:buSzPts val="1800"/>
               <a:buFont typeface="Arial"/>
               <a:buNone/>
-              <a:defRPr b="1" i="0" sz="1800" u="none" cap="none" strike="noStrike">
+              <a:defRPr sz="1800" b="1" i="0" u="none" strike="noStrike" cap="none">
                 <a:solidFill>
                   <a:schemeClr val="lt2"/>
                 </a:solidFill>
@@ -2514,7 +2572,7 @@
                 <a:sym typeface="Arial"/>
               </a:defRPr>
             </a:lvl1pPr>
-            <a:lvl2pPr indent="-228600" lvl="1" marL="914400" marR="0" rtl="0" algn="l">
+            <a:lvl2pPr marL="914400" marR="0" lvl="1" indent="-228600" algn="l" rtl="0">
               <a:lnSpc>
                 <a:spcPct val="90000"/>
               </a:lnSpc>
@@ -2530,7 +2588,7 @@
               <a:buSzPts val="1800"/>
               <a:buFont typeface="Arial"/>
               <a:buNone/>
-              <a:defRPr b="0" i="0" sz="1800" u="none" cap="none" strike="noStrike">
+              <a:defRPr sz="1800" b="0" i="0" u="none" strike="noStrike" cap="none">
                 <a:solidFill>
                   <a:schemeClr val="dk1"/>
                 </a:solidFill>
@@ -2540,7 +2598,7 @@
                 <a:sym typeface="Arial"/>
               </a:defRPr>
             </a:lvl2pPr>
-            <a:lvl3pPr indent="-228600" lvl="2" marL="1371600" marR="0" rtl="0" algn="l">
+            <a:lvl3pPr marL="1371600" marR="0" lvl="2" indent="-228600" algn="l" rtl="0">
               <a:lnSpc>
                 <a:spcPct val="90000"/>
               </a:lnSpc>
@@ -2556,7 +2614,7 @@
               <a:buSzPts val="1800"/>
               <a:buFont typeface="Arial"/>
               <a:buNone/>
-              <a:defRPr b="0" i="0" sz="1800" u="none" cap="none" strike="noStrike">
+              <a:defRPr sz="1800" b="0" i="0" u="none" strike="noStrike" cap="none">
                 <a:solidFill>
                   <a:schemeClr val="dk1"/>
                 </a:solidFill>
@@ -2566,7 +2624,7 @@
                 <a:sym typeface="Arial"/>
               </a:defRPr>
             </a:lvl3pPr>
-            <a:lvl4pPr indent="-228600" lvl="3" marL="1828800" marR="0" rtl="0" algn="l">
+            <a:lvl4pPr marL="1828800" marR="0" lvl="3" indent="-228600" algn="l" rtl="0">
               <a:lnSpc>
                 <a:spcPct val="90000"/>
               </a:lnSpc>
@@ -2582,7 +2640,7 @@
               <a:buSzPts val="1800"/>
               <a:buFont typeface="Arial"/>
               <a:buNone/>
-              <a:defRPr b="0" i="0" sz="1800" u="none" cap="none" strike="noStrike">
+              <a:defRPr sz="1800" b="0" i="0" u="none" strike="noStrike" cap="none">
                 <a:solidFill>
                   <a:schemeClr val="dk1"/>
                 </a:solidFill>
@@ -2592,7 +2650,7 @@
                 <a:sym typeface="Arial"/>
               </a:defRPr>
             </a:lvl4pPr>
-            <a:lvl5pPr indent="-228600" lvl="4" marL="2286000" marR="0" rtl="0" algn="l">
+            <a:lvl5pPr marL="2286000" marR="0" lvl="4" indent="-228600" algn="l" rtl="0">
               <a:lnSpc>
                 <a:spcPct val="90000"/>
               </a:lnSpc>
@@ -2608,7 +2666,7 @@
               <a:buSzPts val="1800"/>
               <a:buFont typeface="Arial"/>
               <a:buNone/>
-              <a:defRPr b="0" i="0" sz="1800" u="none" cap="none" strike="noStrike">
+              <a:defRPr sz="1800" b="0" i="0" u="none" strike="noStrike" cap="none">
                 <a:solidFill>
                   <a:schemeClr val="dk1"/>
                 </a:solidFill>
@@ -2618,7 +2676,7 @@
                 <a:sym typeface="Arial"/>
               </a:defRPr>
             </a:lvl5pPr>
-            <a:lvl6pPr indent="-317500" lvl="5" marL="2743200" marR="0" rtl="0" algn="l">
+            <a:lvl6pPr marL="2743200" marR="0" lvl="5" indent="-317500" algn="l" rtl="0">
               <a:lnSpc>
                 <a:spcPct val="90000"/>
               </a:lnSpc>
@@ -2634,7 +2692,7 @@
               <a:buSzPts val="1400"/>
               <a:buFont typeface="Arial"/>
               <a:buChar char="•"/>
-              <a:defRPr b="0" i="0" sz="1400" u="none" cap="none" strike="noStrike">
+              <a:defRPr sz="1400" b="0" i="0" u="none" strike="noStrike" cap="none">
                 <a:solidFill>
                   <a:schemeClr val="dk1"/>
                 </a:solidFill>
@@ -2644,7 +2702,7 @@
                 <a:sym typeface="Arial"/>
               </a:defRPr>
             </a:lvl6pPr>
-            <a:lvl7pPr indent="-317500" lvl="6" marL="3200400" marR="0" rtl="0" algn="l">
+            <a:lvl7pPr marL="3200400" marR="0" lvl="6" indent="-317500" algn="l" rtl="0">
               <a:lnSpc>
                 <a:spcPct val="90000"/>
               </a:lnSpc>
@@ -2660,7 +2718,7 @@
               <a:buSzPts val="1400"/>
               <a:buFont typeface="Arial"/>
               <a:buChar char="•"/>
-              <a:defRPr b="0" i="0" sz="1400" u="none" cap="none" strike="noStrike">
+              <a:defRPr sz="1400" b="0" i="0" u="none" strike="noStrike" cap="none">
                 <a:solidFill>
                   <a:schemeClr val="dk1"/>
                 </a:solidFill>
@@ -2670,7 +2728,7 @@
                 <a:sym typeface="Arial"/>
               </a:defRPr>
             </a:lvl7pPr>
-            <a:lvl8pPr indent="-317500" lvl="7" marL="3657600" marR="0" rtl="0" algn="l">
+            <a:lvl8pPr marL="3657600" marR="0" lvl="7" indent="-317500" algn="l" rtl="0">
               <a:lnSpc>
                 <a:spcPct val="90000"/>
               </a:lnSpc>
@@ -2686,7 +2744,7 @@
               <a:buSzPts val="1400"/>
               <a:buFont typeface="Arial"/>
               <a:buChar char="•"/>
-              <a:defRPr b="0" i="0" sz="1400" u="none" cap="none" strike="noStrike">
+              <a:defRPr sz="1400" b="0" i="0" u="none" strike="noStrike" cap="none">
                 <a:solidFill>
                   <a:schemeClr val="dk1"/>
                 </a:solidFill>
@@ -2696,7 +2754,7 @@
                 <a:sym typeface="Arial"/>
               </a:defRPr>
             </a:lvl8pPr>
-            <a:lvl9pPr indent="-317500" lvl="8" marL="4114800" marR="0" rtl="0" algn="l">
+            <a:lvl9pPr marL="4114800" marR="0" lvl="8" indent="-317500" algn="l" rtl="0">
               <a:lnSpc>
                 <a:spcPct val="90000"/>
               </a:lnSpc>
@@ -2712,7 +2770,7 @@
               <a:buSzPts val="1400"/>
               <a:buFont typeface="Arial"/>
               <a:buChar char="•"/>
-              <a:defRPr b="0" i="0" sz="1400" u="none" cap="none" strike="noStrike">
+              <a:defRPr sz="1400" b="0" i="0" u="none" strike="noStrike" cap="none">
                 <a:solidFill>
                   <a:schemeClr val="dk1"/>
                 </a:solidFill>
@@ -2723,15 +2781,19 @@
               </a:defRPr>
             </a:lvl9pPr>
           </a:lstStyle>
-          <a:p/>
+          <a:p>
+            <a:endParaRPr/>
+          </a:p>
         </p:txBody>
       </p:sp>
       <p:sp>
         <p:nvSpPr>
           <p:cNvPr id="59" name="Google Shape;59;p15"/>
-          <p:cNvSpPr txBox="1"/>
+          <p:cNvSpPr txBox="1">
+            <a:spLocks noGrp="1"/>
+          </p:cNvSpPr>
           <p:nvPr>
-            <p:ph idx="2" type="body"/>
+            <p:ph type="body" idx="2"/>
           </p:nvPr>
         </p:nvSpPr>
         <p:spPr>
@@ -2748,11 +2810,11 @@
           </a:ln>
         </p:spPr>
         <p:txBody>
-          <a:bodyPr anchorCtr="0" anchor="t" bIns="34275" lIns="68575" spcFirstLastPara="1" rIns="68575" wrap="square" tIns="34275">
+          <a:bodyPr spcFirstLastPara="1" wrap="square" lIns="68575" tIns="34275" rIns="68575" bIns="34275" anchor="t" anchorCtr="0">
             <a:noAutofit/>
           </a:bodyPr>
           <a:lstStyle>
-            <a:lvl1pPr indent="-317500" lvl="0" marL="457200" marR="0" rtl="0" algn="l">
+            <a:lvl1pPr marL="457200" marR="0" lvl="0" indent="-317500" algn="l" rtl="0">
               <a:lnSpc>
                 <a:spcPct val="100000"/>
               </a:lnSpc>
@@ -2768,7 +2830,7 @@
               <a:buSzPts val="1400"/>
               <a:buFont typeface="Arial"/>
               <a:buChar char="•"/>
-              <a:defRPr b="0" i="0" sz="1400" u="none" cap="none" strike="noStrike">
+              <a:defRPr sz="1400" b="0" i="0" u="none" strike="noStrike" cap="none">
                 <a:solidFill>
                   <a:schemeClr val="dk1"/>
                 </a:solidFill>
@@ -2778,7 +2840,7 @@
                 <a:sym typeface="Arial"/>
               </a:defRPr>
             </a:lvl1pPr>
-            <a:lvl2pPr indent="-304800" lvl="1" marL="914400" marR="0" rtl="0" algn="l">
+            <a:lvl2pPr marL="914400" marR="0" lvl="1" indent="-304800" algn="l" rtl="0">
               <a:lnSpc>
                 <a:spcPct val="100000"/>
               </a:lnSpc>
@@ -2794,7 +2856,7 @@
               <a:buSzPts val="1200"/>
               <a:buFont typeface="Arial"/>
               <a:buChar char="‒"/>
-              <a:defRPr b="0" i="0" sz="1200" u="none" cap="none" strike="noStrike">
+              <a:defRPr sz="1200" b="0" i="0" u="none" strike="noStrike" cap="none">
                 <a:solidFill>
                   <a:schemeClr val="dk1"/>
                 </a:solidFill>
@@ -2804,7 +2866,7 @@
                 <a:sym typeface="Arial"/>
               </a:defRPr>
             </a:lvl2pPr>
-            <a:lvl3pPr indent="-298450" lvl="2" marL="1371600" marR="0" rtl="0" algn="l">
+            <a:lvl3pPr marL="1371600" marR="0" lvl="2" indent="-298450" algn="l" rtl="0">
               <a:lnSpc>
                 <a:spcPct val="100000"/>
               </a:lnSpc>
@@ -2820,7 +2882,7 @@
               <a:buSzPts val="1100"/>
               <a:buFont typeface="Arial"/>
               <a:buChar char="•"/>
-              <a:defRPr b="0" i="0" sz="1100" u="none" cap="none" strike="noStrike">
+              <a:defRPr sz="1100" b="0" i="0" u="none" strike="noStrike" cap="none">
                 <a:solidFill>
                   <a:schemeClr val="dk1"/>
                 </a:solidFill>
@@ -2830,7 +2892,7 @@
                 <a:sym typeface="Arial"/>
               </a:defRPr>
             </a:lvl3pPr>
-            <a:lvl4pPr indent="-285750" lvl="3" marL="1828800" marR="0" rtl="0" algn="l">
+            <a:lvl4pPr marL="1828800" marR="0" lvl="3" indent="-285750" algn="l" rtl="0">
               <a:lnSpc>
                 <a:spcPct val="100000"/>
               </a:lnSpc>
@@ -2846,7 +2908,7 @@
               <a:buSzPts val="900"/>
               <a:buFont typeface="Arial"/>
               <a:buChar char="‒"/>
-              <a:defRPr b="0" i="0" sz="900" u="none" cap="none" strike="noStrike">
+              <a:defRPr sz="900" b="0" i="0" u="none" strike="noStrike" cap="none">
                 <a:solidFill>
                   <a:schemeClr val="dk1"/>
                 </a:solidFill>
@@ -2856,7 +2918,7 @@
                 <a:sym typeface="Arial"/>
               </a:defRPr>
             </a:lvl4pPr>
-            <a:lvl5pPr indent="-285750" lvl="4" marL="2286000" marR="0" rtl="0" algn="l">
+            <a:lvl5pPr marL="2286000" marR="0" lvl="4" indent="-285750" algn="l" rtl="0">
               <a:lnSpc>
                 <a:spcPct val="100000"/>
               </a:lnSpc>
@@ -2872,7 +2934,7 @@
               <a:buSzPts val="900"/>
               <a:buFont typeface="Arial"/>
               <a:buChar char="•"/>
-              <a:defRPr b="0" i="0" sz="900" u="none" cap="none" strike="noStrike">
+              <a:defRPr sz="900" b="0" i="0" u="none" strike="noStrike" cap="none">
                 <a:solidFill>
                   <a:schemeClr val="dk1"/>
                 </a:solidFill>
@@ -2882,7 +2944,7 @@
                 <a:sym typeface="Arial"/>
               </a:defRPr>
             </a:lvl5pPr>
-            <a:lvl6pPr indent="-317500" lvl="5" marL="2743200" marR="0" rtl="0" algn="l">
+            <a:lvl6pPr marL="2743200" marR="0" lvl="5" indent="-317500" algn="l" rtl="0">
               <a:lnSpc>
                 <a:spcPct val="90000"/>
               </a:lnSpc>
@@ -2898,7 +2960,7 @@
               <a:buSzPts val="1400"/>
               <a:buFont typeface="Arial"/>
               <a:buChar char="•"/>
-              <a:defRPr b="0" i="0" sz="1400" u="none" cap="none" strike="noStrike">
+              <a:defRPr sz="1400" b="0" i="0" u="none" strike="noStrike" cap="none">
                 <a:solidFill>
                   <a:schemeClr val="dk1"/>
                 </a:solidFill>
@@ -2908,7 +2970,7 @@
                 <a:sym typeface="Arial"/>
               </a:defRPr>
             </a:lvl6pPr>
-            <a:lvl7pPr indent="-317500" lvl="6" marL="3200400" marR="0" rtl="0" algn="l">
+            <a:lvl7pPr marL="3200400" marR="0" lvl="6" indent="-317500" algn="l" rtl="0">
               <a:lnSpc>
                 <a:spcPct val="90000"/>
               </a:lnSpc>
@@ -2924,7 +2986,7 @@
               <a:buSzPts val="1400"/>
               <a:buFont typeface="Arial"/>
               <a:buChar char="•"/>
-              <a:defRPr b="0" i="0" sz="1400" u="none" cap="none" strike="noStrike">
+              <a:defRPr sz="1400" b="0" i="0" u="none" strike="noStrike" cap="none">
                 <a:solidFill>
                   <a:schemeClr val="dk1"/>
                 </a:solidFill>
@@ -2934,7 +2996,7 @@
                 <a:sym typeface="Arial"/>
               </a:defRPr>
             </a:lvl7pPr>
-            <a:lvl8pPr indent="-317500" lvl="7" marL="3657600" marR="0" rtl="0" algn="l">
+            <a:lvl8pPr marL="3657600" marR="0" lvl="7" indent="-317500" algn="l" rtl="0">
               <a:lnSpc>
                 <a:spcPct val="90000"/>
               </a:lnSpc>
@@ -2950,7 +3012,7 @@
               <a:buSzPts val="1400"/>
               <a:buFont typeface="Arial"/>
               <a:buChar char="•"/>
-              <a:defRPr b="0" i="0" sz="1400" u="none" cap="none" strike="noStrike">
+              <a:defRPr sz="1400" b="0" i="0" u="none" strike="noStrike" cap="none">
                 <a:solidFill>
                   <a:schemeClr val="dk1"/>
                 </a:solidFill>
@@ -2960,7 +3022,7 @@
                 <a:sym typeface="Arial"/>
               </a:defRPr>
             </a:lvl8pPr>
-            <a:lvl9pPr indent="-317500" lvl="8" marL="4114800" marR="0" rtl="0" algn="l">
+            <a:lvl9pPr marL="4114800" marR="0" lvl="8" indent="-317500" algn="l" rtl="0">
               <a:lnSpc>
                 <a:spcPct val="90000"/>
               </a:lnSpc>
@@ -2976,7 +3038,7 @@
               <a:buSzPts val="1400"/>
               <a:buFont typeface="Arial"/>
               <a:buChar char="•"/>
-              <a:defRPr b="0" i="0" sz="1400" u="none" cap="none" strike="noStrike">
+              <a:defRPr sz="1400" b="0" i="0" u="none" strike="noStrike" cap="none">
                 <a:solidFill>
                   <a:schemeClr val="dk1"/>
                 </a:solidFill>
@@ -2987,15 +3049,19 @@
               </a:defRPr>
             </a:lvl9pPr>
           </a:lstStyle>
-          <a:p/>
+          <a:p>
+            <a:endParaRPr/>
+          </a:p>
         </p:txBody>
       </p:sp>
       <p:sp>
         <p:nvSpPr>
           <p:cNvPr id="60" name="Google Shape;60;p15"/>
-          <p:cNvSpPr txBox="1"/>
+          <p:cNvSpPr txBox="1">
+            <a:spLocks noGrp="1"/>
+          </p:cNvSpPr>
           <p:nvPr>
-            <p:ph idx="3" type="body"/>
+            <p:ph type="body" idx="3"/>
           </p:nvPr>
         </p:nvSpPr>
         <p:spPr>
@@ -3012,11 +3078,11 @@
           </a:ln>
         </p:spPr>
         <p:txBody>
-          <a:bodyPr anchorCtr="0" anchor="t" bIns="34275" lIns="68575" spcFirstLastPara="1" rIns="68575" wrap="square" tIns="34275">
+          <a:bodyPr spcFirstLastPara="1" wrap="square" lIns="68575" tIns="34275" rIns="68575" bIns="34275" anchor="t" anchorCtr="0">
             <a:noAutofit/>
           </a:bodyPr>
           <a:lstStyle>
-            <a:lvl1pPr indent="-317500" lvl="0" marL="457200" marR="0" rtl="0" algn="l">
+            <a:lvl1pPr marL="457200" marR="0" lvl="0" indent="-317500" algn="l" rtl="0">
               <a:lnSpc>
                 <a:spcPct val="100000"/>
               </a:lnSpc>
@@ -3032,7 +3098,7 @@
               <a:buSzPts val="1400"/>
               <a:buFont typeface="Arial"/>
               <a:buChar char="•"/>
-              <a:defRPr b="0" i="0" sz="1400" u="none" cap="none" strike="noStrike">
+              <a:defRPr sz="1400" b="0" i="0" u="none" strike="noStrike" cap="none">
                 <a:solidFill>
                   <a:schemeClr val="dk1"/>
                 </a:solidFill>
@@ -3042,7 +3108,7 @@
                 <a:sym typeface="Arial"/>
               </a:defRPr>
             </a:lvl1pPr>
-            <a:lvl2pPr indent="-304800" lvl="1" marL="914400" marR="0" rtl="0" algn="l">
+            <a:lvl2pPr marL="914400" marR="0" lvl="1" indent="-304800" algn="l" rtl="0">
               <a:lnSpc>
                 <a:spcPct val="100000"/>
               </a:lnSpc>
@@ -3058,7 +3124,7 @@
               <a:buSzPts val="1200"/>
               <a:buFont typeface="Arial"/>
               <a:buChar char="‒"/>
-              <a:defRPr b="0" i="0" sz="1200" u="none" cap="none" strike="noStrike">
+              <a:defRPr sz="1200" b="0" i="0" u="none" strike="noStrike" cap="none">
                 <a:solidFill>
                   <a:schemeClr val="dk1"/>
                 </a:solidFill>
@@ -3068,7 +3134,7 @@
                 <a:sym typeface="Arial"/>
               </a:defRPr>
             </a:lvl2pPr>
-            <a:lvl3pPr indent="-298450" lvl="2" marL="1371600" marR="0" rtl="0" algn="l">
+            <a:lvl3pPr marL="1371600" marR="0" lvl="2" indent="-298450" algn="l" rtl="0">
               <a:lnSpc>
                 <a:spcPct val="100000"/>
               </a:lnSpc>
@@ -3084,7 +3150,7 @@
               <a:buSzPts val="1100"/>
               <a:buFont typeface="Arial"/>
               <a:buChar char="•"/>
-              <a:defRPr b="0" i="0" sz="1100" u="none" cap="none" strike="noStrike">
+              <a:defRPr sz="1100" b="0" i="0" u="none" strike="noStrike" cap="none">
                 <a:solidFill>
                   <a:schemeClr val="dk1"/>
                 </a:solidFill>
@@ -3094,7 +3160,7 @@
                 <a:sym typeface="Arial"/>
               </a:defRPr>
             </a:lvl3pPr>
-            <a:lvl4pPr indent="-285750" lvl="3" marL="1828800" marR="0" rtl="0" algn="l">
+            <a:lvl4pPr marL="1828800" marR="0" lvl="3" indent="-285750" algn="l" rtl="0">
               <a:lnSpc>
                 <a:spcPct val="100000"/>
               </a:lnSpc>
@@ -3110,7 +3176,7 @@
               <a:buSzPts val="900"/>
               <a:buFont typeface="Arial"/>
               <a:buChar char="‒"/>
-              <a:defRPr b="0" i="0" sz="900" u="none" cap="none" strike="noStrike">
+              <a:defRPr sz="900" b="0" i="0" u="none" strike="noStrike" cap="none">
                 <a:solidFill>
                   <a:schemeClr val="dk1"/>
                 </a:solidFill>
@@ -3120,7 +3186,7 @@
                 <a:sym typeface="Arial"/>
               </a:defRPr>
             </a:lvl4pPr>
-            <a:lvl5pPr indent="-285750" lvl="4" marL="2286000" marR="0" rtl="0" algn="l">
+            <a:lvl5pPr marL="2286000" marR="0" lvl="4" indent="-285750" algn="l" rtl="0">
               <a:lnSpc>
                 <a:spcPct val="100000"/>
               </a:lnSpc>
@@ -3136,7 +3202,7 @@
               <a:buSzPts val="900"/>
               <a:buFont typeface="Arial"/>
               <a:buChar char="•"/>
-              <a:defRPr b="0" i="0" sz="900" u="none" cap="none" strike="noStrike">
+              <a:defRPr sz="900" b="0" i="0" u="none" strike="noStrike" cap="none">
                 <a:solidFill>
                   <a:schemeClr val="dk1"/>
                 </a:solidFill>
@@ -3146,7 +3212,7 @@
                 <a:sym typeface="Arial"/>
               </a:defRPr>
             </a:lvl5pPr>
-            <a:lvl6pPr indent="-317500" lvl="5" marL="2743200" marR="0" rtl="0" algn="l">
+            <a:lvl6pPr marL="2743200" marR="0" lvl="5" indent="-317500" algn="l" rtl="0">
               <a:lnSpc>
                 <a:spcPct val="90000"/>
               </a:lnSpc>
@@ -3162,7 +3228,7 @@
               <a:buSzPts val="1400"/>
               <a:buFont typeface="Arial"/>
               <a:buChar char="•"/>
-              <a:defRPr b="0" i="0" sz="1400" u="none" cap="none" strike="noStrike">
+              <a:defRPr sz="1400" b="0" i="0" u="none" strike="noStrike" cap="none">
                 <a:solidFill>
                   <a:schemeClr val="dk1"/>
                 </a:solidFill>
@@ -3172,7 +3238,7 @@
                 <a:sym typeface="Arial"/>
               </a:defRPr>
             </a:lvl6pPr>
-            <a:lvl7pPr indent="-317500" lvl="6" marL="3200400" marR="0" rtl="0" algn="l">
+            <a:lvl7pPr marL="3200400" marR="0" lvl="6" indent="-317500" algn="l" rtl="0">
               <a:lnSpc>
                 <a:spcPct val="90000"/>
               </a:lnSpc>
@@ -3188,7 +3254,7 @@
               <a:buSzPts val="1400"/>
               <a:buFont typeface="Arial"/>
               <a:buChar char="•"/>
-              <a:defRPr b="0" i="0" sz="1400" u="none" cap="none" strike="noStrike">
+              <a:defRPr sz="1400" b="0" i="0" u="none" strike="noStrike" cap="none">
                 <a:solidFill>
                   <a:schemeClr val="dk1"/>
                 </a:solidFill>
@@ -3198,7 +3264,7 @@
                 <a:sym typeface="Arial"/>
               </a:defRPr>
             </a:lvl7pPr>
-            <a:lvl8pPr indent="-317500" lvl="7" marL="3657600" marR="0" rtl="0" algn="l">
+            <a:lvl8pPr marL="3657600" marR="0" lvl="7" indent="-317500" algn="l" rtl="0">
               <a:lnSpc>
                 <a:spcPct val="90000"/>
               </a:lnSpc>
@@ -3214,7 +3280,7 @@
               <a:buSzPts val="1400"/>
               <a:buFont typeface="Arial"/>
               <a:buChar char="•"/>
-              <a:defRPr b="0" i="0" sz="1400" u="none" cap="none" strike="noStrike">
+              <a:defRPr sz="1400" b="0" i="0" u="none" strike="noStrike" cap="none">
                 <a:solidFill>
                   <a:schemeClr val="dk1"/>
                 </a:solidFill>
@@ -3224,7 +3290,7 @@
                 <a:sym typeface="Arial"/>
               </a:defRPr>
             </a:lvl8pPr>
-            <a:lvl9pPr indent="-317500" lvl="8" marL="4114800" marR="0" rtl="0" algn="l">
+            <a:lvl9pPr marL="4114800" marR="0" lvl="8" indent="-317500" algn="l" rtl="0">
               <a:lnSpc>
                 <a:spcPct val="90000"/>
               </a:lnSpc>
@@ -3240,7 +3306,7 @@
               <a:buSzPts val="1400"/>
               <a:buFont typeface="Arial"/>
               <a:buChar char="•"/>
-              <a:defRPr b="0" i="0" sz="1400" u="none" cap="none" strike="noStrike">
+              <a:defRPr sz="1400" b="0" i="0" u="none" strike="noStrike" cap="none">
                 <a:solidFill>
                   <a:schemeClr val="dk1"/>
                 </a:solidFill>
@@ -3251,7 +3317,9 @@
               </a:defRPr>
             </a:lvl9pPr>
           </a:lstStyle>
-          <a:p/>
+          <a:p>
+            <a:endParaRPr/>
+          </a:p>
         </p:txBody>
       </p:sp>
     </p:spTree>
@@ -3261,7 +3329,7 @@
   </p:clrMapOvr>
   <p:extLst>
     <p:ext uri="{DCECCB84-F9BA-43D5-87BE-67443E8EF086}">
-      <p15:sldGuideLst>
+      <p15:sldGuideLst xmlns:p15="http://schemas.microsoft.com/office/powerpoint/2012/main">
         <p15:guide id="1" orient="horz" pos="1620">
           <p15:clr>
             <a:srgbClr val="FBAE40"/>
@@ -3284,11 +3352,11 @@
 </file>
 
 <file path=ppt/slideLayouts/slideLayout14.xml><?xml version="1.0" encoding="utf-8"?>
-<p:sldLayout xmlns:a="http://schemas.openxmlformats.org/drawingml/2006/main" xmlns:r="http://schemas.openxmlformats.org/officeDocument/2006/relationships" xmlns:mc="http://schemas.openxmlformats.org/markup-compatibility/2006" xmlns:mv="urn:schemas-microsoft-com:mac:vml" xmlns:p="http://schemas.openxmlformats.org/presentationml/2006/main" xmlns:c="http://schemas.openxmlformats.org/drawingml/2006/chart" xmlns:dgm="http://schemas.openxmlformats.org/drawingml/2006/diagram" xmlns:o="urn:schemas-microsoft-com:office:office" xmlns:v="urn:schemas-microsoft-com:vml" xmlns:pvml="urn:schemas-microsoft-com:office:powerpoint" xmlns:com="http://schemas.openxmlformats.org/drawingml/2006/compatibility" xmlns:p14="http://schemas.microsoft.com/office/powerpoint/2010/main" xmlns:p15="http://schemas.microsoft.com/office/powerpoint/2012/main" xmlns:ahyp="http://schemas.microsoft.com/office/drawing/2018/hyperlinkcolor" matchingName="Main Slide Subtitle">
+<p:sldLayout xmlns:a="http://schemas.openxmlformats.org/drawingml/2006/main" xmlns:r="http://schemas.openxmlformats.org/officeDocument/2006/relationships" xmlns:p="http://schemas.openxmlformats.org/presentationml/2006/main" matchingName="Main Slide Subtitle">
   <p:cSld name="Main Slide Subtitle">
     <p:spTree>
       <p:nvGrpSpPr>
-        <p:cNvPr id="61" name="Shape 61"/>
+        <p:cNvPr id="1" name="Shape 61"/>
         <p:cNvGrpSpPr/>
         <p:nvPr/>
       </p:nvGrpSpPr>
@@ -3303,9 +3371,11 @@
       <p:sp>
         <p:nvSpPr>
           <p:cNvPr id="62" name="Google Shape;62;p16"/>
-          <p:cNvSpPr txBox="1"/>
+          <p:cNvSpPr txBox="1">
+            <a:spLocks noGrp="1"/>
+          </p:cNvSpPr>
           <p:nvPr>
-            <p:ph idx="1" type="body"/>
+            <p:ph type="body" idx="1"/>
           </p:nvPr>
         </p:nvSpPr>
         <p:spPr>
@@ -3322,11 +3392,11 @@
           </a:ln>
         </p:spPr>
         <p:txBody>
-          <a:bodyPr anchorCtr="0" anchor="t" bIns="34275" lIns="68575" spcFirstLastPara="1" rIns="68575" wrap="square" tIns="34275">
+          <a:bodyPr spcFirstLastPara="1" wrap="square" lIns="68575" tIns="34275" rIns="68575" bIns="34275" anchor="t" anchorCtr="0">
             <a:noAutofit/>
           </a:bodyPr>
           <a:lstStyle>
-            <a:lvl1pPr indent="-228600" lvl="0" marL="457200" marR="0" rtl="0" algn="r">
+            <a:lvl1pPr marL="457200" marR="0" lvl="0" indent="-228600" algn="r" rtl="0">
               <a:lnSpc>
                 <a:spcPct val="90000"/>
               </a:lnSpc>
@@ -3342,7 +3412,7 @@
               <a:buSzPts val="1800"/>
               <a:buFont typeface="Arial"/>
               <a:buNone/>
-              <a:defRPr b="1" i="0" sz="1800" u="none" cap="none" strike="noStrike">
+              <a:defRPr sz="1800" b="1" i="0" u="none" strike="noStrike" cap="none">
                 <a:solidFill>
                   <a:schemeClr val="lt2"/>
                 </a:solidFill>
@@ -3352,7 +3422,7 @@
                 <a:sym typeface="Arial"/>
               </a:defRPr>
             </a:lvl1pPr>
-            <a:lvl2pPr indent="-228600" lvl="1" marL="914400" marR="0" rtl="0" algn="l">
+            <a:lvl2pPr marL="914400" marR="0" lvl="1" indent="-228600" algn="l" rtl="0">
               <a:lnSpc>
                 <a:spcPct val="90000"/>
               </a:lnSpc>
@@ -3368,7 +3438,7 @@
               <a:buSzPts val="1800"/>
               <a:buFont typeface="Arial"/>
               <a:buNone/>
-              <a:defRPr b="0" i="0" sz="1800" u="none" cap="none" strike="noStrike">
+              <a:defRPr sz="1800" b="0" i="0" u="none" strike="noStrike" cap="none">
                 <a:solidFill>
                   <a:schemeClr val="dk1"/>
                 </a:solidFill>
@@ -3378,7 +3448,7 @@
                 <a:sym typeface="Arial"/>
               </a:defRPr>
             </a:lvl2pPr>
-            <a:lvl3pPr indent="-228600" lvl="2" marL="1371600" marR="0" rtl="0" algn="l">
+            <a:lvl3pPr marL="1371600" marR="0" lvl="2" indent="-228600" algn="l" rtl="0">
               <a:lnSpc>
                 <a:spcPct val="90000"/>
               </a:lnSpc>
@@ -3394,7 +3464,7 @@
               <a:buSzPts val="1800"/>
               <a:buFont typeface="Arial"/>
               <a:buNone/>
-              <a:defRPr b="0" i="0" sz="1800" u="none" cap="none" strike="noStrike">
+              <a:defRPr sz="1800" b="0" i="0" u="none" strike="noStrike" cap="none">
                 <a:solidFill>
                   <a:schemeClr val="dk1"/>
                 </a:solidFill>
@@ -3404,7 +3474,7 @@
                 <a:sym typeface="Arial"/>
               </a:defRPr>
             </a:lvl3pPr>
-            <a:lvl4pPr indent="-228600" lvl="3" marL="1828800" marR="0" rtl="0" algn="l">
+            <a:lvl4pPr marL="1828800" marR="0" lvl="3" indent="-228600" algn="l" rtl="0">
               <a:lnSpc>
                 <a:spcPct val="90000"/>
               </a:lnSpc>
@@ -3420,7 +3490,7 @@
               <a:buSzPts val="1800"/>
               <a:buFont typeface="Arial"/>
               <a:buNone/>
-              <a:defRPr b="0" i="0" sz="1800" u="none" cap="none" strike="noStrike">
+              <a:defRPr sz="1800" b="0" i="0" u="none" strike="noStrike" cap="none">
                 <a:solidFill>
                   <a:schemeClr val="dk1"/>
                 </a:solidFill>
@@ -3430,7 +3500,7 @@
                 <a:sym typeface="Arial"/>
               </a:defRPr>
             </a:lvl4pPr>
-            <a:lvl5pPr indent="-228600" lvl="4" marL="2286000" marR="0" rtl="0" algn="l">
+            <a:lvl5pPr marL="2286000" marR="0" lvl="4" indent="-228600" algn="l" rtl="0">
               <a:lnSpc>
                 <a:spcPct val="90000"/>
               </a:lnSpc>
@@ -3446,7 +3516,7 @@
               <a:buSzPts val="1800"/>
               <a:buFont typeface="Arial"/>
               <a:buNone/>
-              <a:defRPr b="0" i="0" sz="1800" u="none" cap="none" strike="noStrike">
+              <a:defRPr sz="1800" b="0" i="0" u="none" strike="noStrike" cap="none">
                 <a:solidFill>
                   <a:schemeClr val="dk1"/>
                 </a:solidFill>
@@ -3456,7 +3526,7 @@
                 <a:sym typeface="Arial"/>
               </a:defRPr>
             </a:lvl5pPr>
-            <a:lvl6pPr indent="-317500" lvl="5" marL="2743200" marR="0" rtl="0" algn="l">
+            <a:lvl6pPr marL="2743200" marR="0" lvl="5" indent="-317500" algn="l" rtl="0">
               <a:lnSpc>
                 <a:spcPct val="90000"/>
               </a:lnSpc>
@@ -3472,7 +3542,7 @@
               <a:buSzPts val="1400"/>
               <a:buFont typeface="Arial"/>
               <a:buChar char="•"/>
-              <a:defRPr b="0" i="0" sz="1400" u="none" cap="none" strike="noStrike">
+              <a:defRPr sz="1400" b="0" i="0" u="none" strike="noStrike" cap="none">
                 <a:solidFill>
                   <a:schemeClr val="dk1"/>
                 </a:solidFill>
@@ -3482,7 +3552,7 @@
                 <a:sym typeface="Arial"/>
               </a:defRPr>
             </a:lvl6pPr>
-            <a:lvl7pPr indent="-317500" lvl="6" marL="3200400" marR="0" rtl="0" algn="l">
+            <a:lvl7pPr marL="3200400" marR="0" lvl="6" indent="-317500" algn="l" rtl="0">
               <a:lnSpc>
                 <a:spcPct val="90000"/>
               </a:lnSpc>
@@ -3498,7 +3568,7 @@
               <a:buSzPts val="1400"/>
               <a:buFont typeface="Arial"/>
               <a:buChar char="•"/>
-              <a:defRPr b="0" i="0" sz="1400" u="none" cap="none" strike="noStrike">
+              <a:defRPr sz="1400" b="0" i="0" u="none" strike="noStrike" cap="none">
                 <a:solidFill>
                   <a:schemeClr val="dk1"/>
                 </a:solidFill>
@@ -3508,7 +3578,7 @@
                 <a:sym typeface="Arial"/>
               </a:defRPr>
             </a:lvl7pPr>
-            <a:lvl8pPr indent="-317500" lvl="7" marL="3657600" marR="0" rtl="0" algn="l">
+            <a:lvl8pPr marL="3657600" marR="0" lvl="7" indent="-317500" algn="l" rtl="0">
               <a:lnSpc>
                 <a:spcPct val="90000"/>
               </a:lnSpc>
@@ -3524,7 +3594,7 @@
               <a:buSzPts val="1400"/>
               <a:buFont typeface="Arial"/>
               <a:buChar char="•"/>
-              <a:defRPr b="0" i="0" sz="1400" u="none" cap="none" strike="noStrike">
+              <a:defRPr sz="1400" b="0" i="0" u="none" strike="noStrike" cap="none">
                 <a:solidFill>
                   <a:schemeClr val="dk1"/>
                 </a:solidFill>
@@ -3534,7 +3604,7 @@
                 <a:sym typeface="Arial"/>
               </a:defRPr>
             </a:lvl8pPr>
-            <a:lvl9pPr indent="-317500" lvl="8" marL="4114800" marR="0" rtl="0" algn="l">
+            <a:lvl9pPr marL="4114800" marR="0" lvl="8" indent="-317500" algn="l" rtl="0">
               <a:lnSpc>
                 <a:spcPct val="90000"/>
               </a:lnSpc>
@@ -3550,7 +3620,7 @@
               <a:buSzPts val="1400"/>
               <a:buFont typeface="Arial"/>
               <a:buChar char="•"/>
-              <a:defRPr b="0" i="0" sz="1400" u="none" cap="none" strike="noStrike">
+              <a:defRPr sz="1400" b="0" i="0" u="none" strike="noStrike" cap="none">
                 <a:solidFill>
                   <a:schemeClr val="dk1"/>
                 </a:solidFill>
@@ -3561,15 +3631,19 @@
               </a:defRPr>
             </a:lvl9pPr>
           </a:lstStyle>
-          <a:p/>
+          <a:p>
+            <a:endParaRPr/>
+          </a:p>
         </p:txBody>
       </p:sp>
       <p:sp>
         <p:nvSpPr>
           <p:cNvPr id="63" name="Google Shape;63;p16"/>
-          <p:cNvSpPr txBox="1"/>
+          <p:cNvSpPr txBox="1">
+            <a:spLocks noGrp="1"/>
+          </p:cNvSpPr>
           <p:nvPr>
-            <p:ph idx="2" type="body"/>
+            <p:ph type="body" idx="2"/>
           </p:nvPr>
         </p:nvSpPr>
         <p:spPr>
@@ -3586,11 +3660,11 @@
           </a:ln>
         </p:spPr>
         <p:txBody>
-          <a:bodyPr anchorCtr="0" anchor="t" bIns="34275" lIns="68575" spcFirstLastPara="1" rIns="68575" wrap="square" tIns="34275">
+          <a:bodyPr spcFirstLastPara="1" wrap="square" lIns="68575" tIns="34275" rIns="68575" bIns="34275" anchor="t" anchorCtr="0">
             <a:noAutofit/>
           </a:bodyPr>
           <a:lstStyle>
-            <a:lvl1pPr indent="-228600" lvl="0" marL="457200" marR="0" rtl="0" algn="r">
+            <a:lvl1pPr marL="457200" marR="0" lvl="0" indent="-228600" algn="r" rtl="0">
               <a:lnSpc>
                 <a:spcPct val="90000"/>
               </a:lnSpc>
@@ -3606,7 +3680,7 @@
               <a:buSzPts val="1800"/>
               <a:buFont typeface="Arial"/>
               <a:buNone/>
-              <a:defRPr b="0" i="0" sz="1800" u="none" cap="none" strike="noStrike">
+              <a:defRPr sz="1800" b="0" i="0" u="none" strike="noStrike" cap="none">
                 <a:solidFill>
                   <a:schemeClr val="accent3"/>
                 </a:solidFill>
@@ -3616,7 +3690,7 @@
                 <a:sym typeface="Arial"/>
               </a:defRPr>
             </a:lvl1pPr>
-            <a:lvl2pPr indent="-342900" lvl="1" marL="914400" marR="0" rtl="0" algn="l">
+            <a:lvl2pPr marL="914400" marR="0" lvl="1" indent="-342900" algn="l" rtl="0">
               <a:lnSpc>
                 <a:spcPct val="90000"/>
               </a:lnSpc>
@@ -3632,7 +3706,7 @@
               <a:buSzPts val="1800"/>
               <a:buFont typeface="Arial"/>
               <a:buChar char="•"/>
-              <a:defRPr b="0" i="0" sz="1800" u="none" cap="none" strike="noStrike">
+              <a:defRPr sz="1800" b="0" i="0" u="none" strike="noStrike" cap="none">
                 <a:solidFill>
                   <a:schemeClr val="dk1"/>
                 </a:solidFill>
@@ -3642,7 +3716,7 @@
                 <a:sym typeface="Arial"/>
               </a:defRPr>
             </a:lvl2pPr>
-            <a:lvl3pPr indent="-323850" lvl="2" marL="1371600" marR="0" rtl="0" algn="l">
+            <a:lvl3pPr marL="1371600" marR="0" lvl="2" indent="-323850" algn="l" rtl="0">
               <a:lnSpc>
                 <a:spcPct val="90000"/>
               </a:lnSpc>
@@ -3658,7 +3732,7 @@
               <a:buSzPts val="1500"/>
               <a:buFont typeface="Arial"/>
               <a:buChar char="•"/>
-              <a:defRPr b="0" i="0" sz="1500" u="none" cap="none" strike="noStrike">
+              <a:defRPr sz="1500" b="0" i="0" u="none" strike="noStrike" cap="none">
                 <a:solidFill>
                   <a:schemeClr val="dk1"/>
                 </a:solidFill>
@@ -3668,7 +3742,7 @@
                 <a:sym typeface="Arial"/>
               </a:defRPr>
             </a:lvl3pPr>
-            <a:lvl4pPr indent="-317500" lvl="3" marL="1828800" marR="0" rtl="0" algn="l">
+            <a:lvl4pPr marL="1828800" marR="0" lvl="3" indent="-317500" algn="l" rtl="0">
               <a:lnSpc>
                 <a:spcPct val="90000"/>
               </a:lnSpc>
@@ -3684,7 +3758,7 @@
               <a:buSzPts val="1400"/>
               <a:buFont typeface="Arial"/>
               <a:buChar char="•"/>
-              <a:defRPr b="0" i="0" sz="1400" u="none" cap="none" strike="noStrike">
+              <a:defRPr sz="1400" b="0" i="0" u="none" strike="noStrike" cap="none">
                 <a:solidFill>
                   <a:schemeClr val="dk1"/>
                 </a:solidFill>
@@ -3694,7 +3768,7 @@
                 <a:sym typeface="Arial"/>
               </a:defRPr>
             </a:lvl4pPr>
-            <a:lvl5pPr indent="-317500" lvl="4" marL="2286000" marR="0" rtl="0" algn="l">
+            <a:lvl5pPr marL="2286000" marR="0" lvl="4" indent="-317500" algn="l" rtl="0">
               <a:lnSpc>
                 <a:spcPct val="90000"/>
               </a:lnSpc>
@@ -3710,7 +3784,7 @@
               <a:buSzPts val="1400"/>
               <a:buFont typeface="Arial"/>
               <a:buChar char="•"/>
-              <a:defRPr b="0" i="0" sz="1400" u="none" cap="none" strike="noStrike">
+              <a:defRPr sz="1400" b="0" i="0" u="none" strike="noStrike" cap="none">
                 <a:solidFill>
                   <a:schemeClr val="dk1"/>
                 </a:solidFill>
@@ -3720,7 +3794,7 @@
                 <a:sym typeface="Arial"/>
               </a:defRPr>
             </a:lvl5pPr>
-            <a:lvl6pPr indent="-317500" lvl="5" marL="2743200" marR="0" rtl="0" algn="l">
+            <a:lvl6pPr marL="2743200" marR="0" lvl="5" indent="-317500" algn="l" rtl="0">
               <a:lnSpc>
                 <a:spcPct val="90000"/>
               </a:lnSpc>
@@ -3736,7 +3810,7 @@
               <a:buSzPts val="1400"/>
               <a:buFont typeface="Arial"/>
               <a:buChar char="•"/>
-              <a:defRPr b="0" i="0" sz="1400" u="none" cap="none" strike="noStrike">
+              <a:defRPr sz="1400" b="0" i="0" u="none" strike="noStrike" cap="none">
                 <a:solidFill>
                   <a:schemeClr val="dk1"/>
                 </a:solidFill>
@@ -3746,7 +3820,7 @@
                 <a:sym typeface="Arial"/>
               </a:defRPr>
             </a:lvl6pPr>
-            <a:lvl7pPr indent="-317500" lvl="6" marL="3200400" marR="0" rtl="0" algn="l">
+            <a:lvl7pPr marL="3200400" marR="0" lvl="6" indent="-317500" algn="l" rtl="0">
               <a:lnSpc>
                 <a:spcPct val="90000"/>
               </a:lnSpc>
@@ -3762,7 +3836,7 @@
               <a:buSzPts val="1400"/>
               <a:buFont typeface="Arial"/>
               <a:buChar char="•"/>
-              <a:defRPr b="0" i="0" sz="1400" u="none" cap="none" strike="noStrike">
+              <a:defRPr sz="1400" b="0" i="0" u="none" strike="noStrike" cap="none">
                 <a:solidFill>
                   <a:schemeClr val="dk1"/>
                 </a:solidFill>
@@ -3772,7 +3846,7 @@
                 <a:sym typeface="Arial"/>
               </a:defRPr>
             </a:lvl7pPr>
-            <a:lvl8pPr indent="-317500" lvl="7" marL="3657600" marR="0" rtl="0" algn="l">
+            <a:lvl8pPr marL="3657600" marR="0" lvl="7" indent="-317500" algn="l" rtl="0">
               <a:lnSpc>
                 <a:spcPct val="90000"/>
               </a:lnSpc>
@@ -3788,7 +3862,7 @@
               <a:buSzPts val="1400"/>
               <a:buFont typeface="Arial"/>
               <a:buChar char="•"/>
-              <a:defRPr b="0" i="0" sz="1400" u="none" cap="none" strike="noStrike">
+              <a:defRPr sz="1400" b="0" i="0" u="none" strike="noStrike" cap="none">
                 <a:solidFill>
                   <a:schemeClr val="dk1"/>
                 </a:solidFill>
@@ -3798,7 +3872,7 @@
                 <a:sym typeface="Arial"/>
               </a:defRPr>
             </a:lvl8pPr>
-            <a:lvl9pPr indent="-317500" lvl="8" marL="4114800" marR="0" rtl="0" algn="l">
+            <a:lvl9pPr marL="4114800" marR="0" lvl="8" indent="-317500" algn="l" rtl="0">
               <a:lnSpc>
                 <a:spcPct val="90000"/>
               </a:lnSpc>
@@ -3814,7 +3888,7 @@
               <a:buSzPts val="1400"/>
               <a:buFont typeface="Arial"/>
               <a:buChar char="•"/>
-              <a:defRPr b="0" i="0" sz="1400" u="none" cap="none" strike="noStrike">
+              <a:defRPr sz="1400" b="0" i="0" u="none" strike="noStrike" cap="none">
                 <a:solidFill>
                   <a:schemeClr val="dk1"/>
                 </a:solidFill>
@@ -3825,15 +3899,19 @@
               </a:defRPr>
             </a:lvl9pPr>
           </a:lstStyle>
-          <a:p/>
+          <a:p>
+            <a:endParaRPr/>
+          </a:p>
         </p:txBody>
       </p:sp>
       <p:sp>
         <p:nvSpPr>
           <p:cNvPr id="64" name="Google Shape;64;p16"/>
-          <p:cNvSpPr txBox="1"/>
+          <p:cNvSpPr txBox="1">
+            <a:spLocks noGrp="1"/>
+          </p:cNvSpPr>
           <p:nvPr>
-            <p:ph idx="12" type="sldNum"/>
+            <p:ph type="sldNum" idx="12"/>
           </p:nvPr>
         </p:nvSpPr>
         <p:spPr>
@@ -3850,11 +3928,11 @@
           </a:ln>
         </p:spPr>
         <p:txBody>
-          <a:bodyPr anchorCtr="0" anchor="ctr" bIns="34275" lIns="68575" spcFirstLastPara="1" rIns="68575" wrap="square" tIns="34275">
+          <a:bodyPr spcFirstLastPara="1" wrap="square" lIns="68575" tIns="34275" rIns="68575" bIns="34275" anchor="ctr" anchorCtr="0">
             <a:noAutofit/>
           </a:bodyPr>
           <a:lstStyle>
-            <a:lvl1pPr indent="0" lvl="0" marL="0" marR="0" algn="r">
+            <a:lvl1pPr marL="0" marR="0" lvl="0" indent="0" algn="r">
               <a:lnSpc>
                 <a:spcPct val="100000"/>
               </a:lnSpc>
@@ -3870,7 +3948,7 @@
               <a:buSzPts val="800"/>
               <a:buFont typeface="Arial"/>
               <a:buNone/>
-              <a:defRPr b="0" i="0" sz="800" u="none" cap="none" strike="noStrike">
+              <a:defRPr sz="800" b="0" i="0" u="none" strike="noStrike" cap="none">
                 <a:solidFill>
                   <a:srgbClr val="8FA1B8"/>
                 </a:solidFill>
@@ -3880,7 +3958,7 @@
                 <a:sym typeface="Arial"/>
               </a:defRPr>
             </a:lvl1pPr>
-            <a:lvl2pPr indent="0" lvl="1" marL="0" marR="0" algn="r">
+            <a:lvl2pPr marL="0" marR="0" lvl="1" indent="0" algn="r">
               <a:lnSpc>
                 <a:spcPct val="100000"/>
               </a:lnSpc>
@@ -3896,7 +3974,7 @@
               <a:buSzPts val="800"/>
               <a:buFont typeface="Arial"/>
               <a:buNone/>
-              <a:defRPr b="0" i="0" sz="800" u="none" cap="none" strike="noStrike">
+              <a:defRPr sz="800" b="0" i="0" u="none" strike="noStrike" cap="none">
                 <a:solidFill>
                   <a:srgbClr val="8FA1B8"/>
                 </a:solidFill>
@@ -3906,7 +3984,7 @@
                 <a:sym typeface="Arial"/>
               </a:defRPr>
             </a:lvl2pPr>
-            <a:lvl3pPr indent="0" lvl="2" marL="0" marR="0" algn="r">
+            <a:lvl3pPr marL="0" marR="0" lvl="2" indent="0" algn="r">
               <a:lnSpc>
                 <a:spcPct val="100000"/>
               </a:lnSpc>
@@ -3922,7 +4000,7 @@
               <a:buSzPts val="800"/>
               <a:buFont typeface="Arial"/>
               <a:buNone/>
-              <a:defRPr b="0" i="0" sz="800" u="none" cap="none" strike="noStrike">
+              <a:defRPr sz="800" b="0" i="0" u="none" strike="noStrike" cap="none">
                 <a:solidFill>
                   <a:srgbClr val="8FA1B8"/>
                 </a:solidFill>
@@ -3932,7 +4010,7 @@
                 <a:sym typeface="Arial"/>
               </a:defRPr>
             </a:lvl3pPr>
-            <a:lvl4pPr indent="0" lvl="3" marL="0" marR="0" algn="r">
+            <a:lvl4pPr marL="0" marR="0" lvl="3" indent="0" algn="r">
               <a:lnSpc>
                 <a:spcPct val="100000"/>
               </a:lnSpc>
@@ -3948,7 +4026,7 @@
               <a:buSzPts val="800"/>
               <a:buFont typeface="Arial"/>
               <a:buNone/>
-              <a:defRPr b="0" i="0" sz="800" u="none" cap="none" strike="noStrike">
+              <a:defRPr sz="800" b="0" i="0" u="none" strike="noStrike" cap="none">
                 <a:solidFill>
                   <a:srgbClr val="8FA1B8"/>
                 </a:solidFill>
@@ -3958,7 +4036,7 @@
                 <a:sym typeface="Arial"/>
               </a:defRPr>
             </a:lvl4pPr>
-            <a:lvl5pPr indent="0" lvl="4" marL="0" marR="0" algn="r">
+            <a:lvl5pPr marL="0" marR="0" lvl="4" indent="0" algn="r">
               <a:lnSpc>
                 <a:spcPct val="100000"/>
               </a:lnSpc>
@@ -3974,7 +4052,7 @@
               <a:buSzPts val="800"/>
               <a:buFont typeface="Arial"/>
               <a:buNone/>
-              <a:defRPr b="0" i="0" sz="800" u="none" cap="none" strike="noStrike">
+              <a:defRPr sz="800" b="0" i="0" u="none" strike="noStrike" cap="none">
                 <a:solidFill>
                   <a:srgbClr val="8FA1B8"/>
                 </a:solidFill>
@@ -3984,7 +4062,7 @@
                 <a:sym typeface="Arial"/>
               </a:defRPr>
             </a:lvl5pPr>
-            <a:lvl6pPr indent="0" lvl="5" marL="0" marR="0" algn="r">
+            <a:lvl6pPr marL="0" marR="0" lvl="5" indent="0" algn="r">
               <a:lnSpc>
                 <a:spcPct val="100000"/>
               </a:lnSpc>
@@ -4000,7 +4078,7 @@
               <a:buSzPts val="800"/>
               <a:buFont typeface="Arial"/>
               <a:buNone/>
-              <a:defRPr b="0" i="0" sz="800" u="none" cap="none" strike="noStrike">
+              <a:defRPr sz="800" b="0" i="0" u="none" strike="noStrike" cap="none">
                 <a:solidFill>
                   <a:srgbClr val="8FA1B8"/>
                 </a:solidFill>
@@ -4010,7 +4088,7 @@
                 <a:sym typeface="Arial"/>
               </a:defRPr>
             </a:lvl6pPr>
-            <a:lvl7pPr indent="0" lvl="6" marL="0" marR="0" algn="r">
+            <a:lvl7pPr marL="0" marR="0" lvl="6" indent="0" algn="r">
               <a:lnSpc>
                 <a:spcPct val="100000"/>
               </a:lnSpc>
@@ -4026,7 +4104,7 @@
               <a:buSzPts val="800"/>
               <a:buFont typeface="Arial"/>
               <a:buNone/>
-              <a:defRPr b="0" i="0" sz="800" u="none" cap="none" strike="noStrike">
+              <a:defRPr sz="800" b="0" i="0" u="none" strike="noStrike" cap="none">
                 <a:solidFill>
                   <a:srgbClr val="8FA1B8"/>
                 </a:solidFill>
@@ -4036,7 +4114,7 @@
                 <a:sym typeface="Arial"/>
               </a:defRPr>
             </a:lvl7pPr>
-            <a:lvl8pPr indent="0" lvl="7" marL="0" marR="0" algn="r">
+            <a:lvl8pPr marL="0" marR="0" lvl="7" indent="0" algn="r">
               <a:lnSpc>
                 <a:spcPct val="100000"/>
               </a:lnSpc>
@@ -4052,7 +4130,7 @@
               <a:buSzPts val="800"/>
               <a:buFont typeface="Arial"/>
               <a:buNone/>
-              <a:defRPr b="0" i="0" sz="800" u="none" cap="none" strike="noStrike">
+              <a:defRPr sz="800" b="0" i="0" u="none" strike="noStrike" cap="none">
                 <a:solidFill>
                   <a:srgbClr val="8FA1B8"/>
                 </a:solidFill>
@@ -4062,7 +4140,7 @@
                 <a:sym typeface="Arial"/>
               </a:defRPr>
             </a:lvl8pPr>
-            <a:lvl9pPr indent="0" lvl="8" marL="0" marR="0" algn="r">
+            <a:lvl9pPr marL="0" marR="0" lvl="8" indent="0" algn="r">
               <a:lnSpc>
                 <a:spcPct val="100000"/>
               </a:lnSpc>
@@ -4078,7 +4156,7 @@
               <a:buSzPts val="800"/>
               <a:buFont typeface="Arial"/>
               <a:buNone/>
-              <a:defRPr b="0" i="0" sz="800" u="none" cap="none" strike="noStrike">
+              <a:defRPr sz="800" b="0" i="0" u="none" strike="noStrike" cap="none">
                 <a:solidFill>
                   <a:srgbClr val="8FA1B8"/>
                 </a:solidFill>
@@ -4090,7 +4168,7 @@
             </a:lvl9pPr>
           </a:lstStyle>
           <a:p>
-            <a:pPr indent="0" lvl="0" marL="0" rtl="0" algn="r">
+            <a:pPr marL="0" lvl="0" indent="0" algn="r" rtl="0">
               <a:spcBef>
                 <a:spcPts val="0"/>
               </a:spcBef>
@@ -4117,7 +4195,7 @@
           <a:blip r:embed="rId2">
             <a:alphaModFix/>
           </a:blip>
-          <a:srcRect b="0" l="0" r="0" t="0"/>
+          <a:srcRect/>
           <a:stretch/>
         </p:blipFill>
         <p:spPr>
@@ -4137,9 +4215,11 @@
       <p:sp>
         <p:nvSpPr>
           <p:cNvPr id="66" name="Google Shape;66;p16"/>
-          <p:cNvSpPr txBox="1"/>
+          <p:cNvSpPr txBox="1">
+            <a:spLocks noGrp="1"/>
+          </p:cNvSpPr>
           <p:nvPr>
-            <p:ph idx="3" type="body"/>
+            <p:ph type="body" idx="3"/>
           </p:nvPr>
         </p:nvSpPr>
         <p:spPr>
@@ -4156,11 +4236,11 @@
           </a:ln>
         </p:spPr>
         <p:txBody>
-          <a:bodyPr anchorCtr="0" anchor="t" bIns="34275" lIns="68575" spcFirstLastPara="1" rIns="68575" wrap="square" tIns="34275">
+          <a:bodyPr spcFirstLastPara="1" wrap="square" lIns="68575" tIns="34275" rIns="68575" bIns="34275" anchor="t" anchorCtr="0">
             <a:noAutofit/>
           </a:bodyPr>
           <a:lstStyle>
-            <a:lvl1pPr indent="-317500" lvl="0" marL="457200" marR="0" rtl="0" algn="l">
+            <a:lvl1pPr marL="457200" marR="0" lvl="0" indent="-317500" algn="l" rtl="0">
               <a:lnSpc>
                 <a:spcPct val="100000"/>
               </a:lnSpc>
@@ -4176,7 +4256,7 @@
               <a:buSzPts val="1400"/>
               <a:buFont typeface="Arial"/>
               <a:buChar char="•"/>
-              <a:defRPr b="0" i="0" sz="1400" u="none" cap="none" strike="noStrike">
+              <a:defRPr sz="1400" b="0" i="0" u="none" strike="noStrike" cap="none">
                 <a:solidFill>
                   <a:schemeClr val="dk1"/>
                 </a:solidFill>
@@ -4186,7 +4266,7 @@
                 <a:sym typeface="Arial"/>
               </a:defRPr>
             </a:lvl1pPr>
-            <a:lvl2pPr indent="-304800" lvl="1" marL="914400" marR="0" rtl="0" algn="l">
+            <a:lvl2pPr marL="914400" marR="0" lvl="1" indent="-304800" algn="l" rtl="0">
               <a:lnSpc>
                 <a:spcPct val="100000"/>
               </a:lnSpc>
@@ -4202,7 +4282,7 @@
               <a:buSzPts val="1200"/>
               <a:buFont typeface="Arial"/>
               <a:buChar char="‒"/>
-              <a:defRPr b="0" i="0" sz="1200" u="none" cap="none" strike="noStrike">
+              <a:defRPr sz="1200" b="0" i="0" u="none" strike="noStrike" cap="none">
                 <a:solidFill>
                   <a:schemeClr val="dk1"/>
                 </a:solidFill>
@@ -4212,7 +4292,7 @@
                 <a:sym typeface="Arial"/>
               </a:defRPr>
             </a:lvl2pPr>
-            <a:lvl3pPr indent="-298450" lvl="2" marL="1371600" marR="0" rtl="0" algn="l">
+            <a:lvl3pPr marL="1371600" marR="0" lvl="2" indent="-298450" algn="l" rtl="0">
               <a:lnSpc>
                 <a:spcPct val="100000"/>
               </a:lnSpc>
@@ -4228,7 +4308,7 @@
               <a:buSzPts val="1100"/>
               <a:buFont typeface="Arial"/>
               <a:buChar char="•"/>
-              <a:defRPr b="0" i="0" sz="1100" u="none" cap="none" strike="noStrike">
+              <a:defRPr sz="1100" b="0" i="0" u="none" strike="noStrike" cap="none">
                 <a:solidFill>
                   <a:schemeClr val="dk1"/>
                 </a:solidFill>
@@ -4238,7 +4318,7 @@
                 <a:sym typeface="Arial"/>
               </a:defRPr>
             </a:lvl3pPr>
-            <a:lvl4pPr indent="-285750" lvl="3" marL="1828800" marR="0" rtl="0" algn="l">
+            <a:lvl4pPr marL="1828800" marR="0" lvl="3" indent="-285750" algn="l" rtl="0">
               <a:lnSpc>
                 <a:spcPct val="100000"/>
               </a:lnSpc>
@@ -4254,7 +4334,7 @@
               <a:buSzPts val="900"/>
               <a:buFont typeface="Arial"/>
               <a:buChar char="‒"/>
-              <a:defRPr b="0" i="0" sz="900" u="none" cap="none" strike="noStrike">
+              <a:defRPr sz="900" b="0" i="0" u="none" strike="noStrike" cap="none">
                 <a:solidFill>
                   <a:schemeClr val="dk1"/>
                 </a:solidFill>
@@ -4264,7 +4344,7 @@
                 <a:sym typeface="Arial"/>
               </a:defRPr>
             </a:lvl4pPr>
-            <a:lvl5pPr indent="-285750" lvl="4" marL="2286000" marR="0" rtl="0" algn="l">
+            <a:lvl5pPr marL="2286000" marR="0" lvl="4" indent="-285750" algn="l" rtl="0">
               <a:lnSpc>
                 <a:spcPct val="100000"/>
               </a:lnSpc>
@@ -4280,7 +4360,7 @@
               <a:buSzPts val="900"/>
               <a:buFont typeface="Arial"/>
               <a:buChar char="•"/>
-              <a:defRPr b="0" i="0" sz="900" u="none" cap="none" strike="noStrike">
+              <a:defRPr sz="900" b="0" i="0" u="none" strike="noStrike" cap="none">
                 <a:solidFill>
                   <a:schemeClr val="dk1"/>
                 </a:solidFill>
@@ -4290,7 +4370,7 @@
                 <a:sym typeface="Arial"/>
               </a:defRPr>
             </a:lvl5pPr>
-            <a:lvl6pPr indent="-317500" lvl="5" marL="2743200" marR="0" rtl="0" algn="l">
+            <a:lvl6pPr marL="2743200" marR="0" lvl="5" indent="-317500" algn="l" rtl="0">
               <a:lnSpc>
                 <a:spcPct val="90000"/>
               </a:lnSpc>
@@ -4306,7 +4386,7 @@
               <a:buSzPts val="1400"/>
               <a:buFont typeface="Arial"/>
               <a:buChar char="•"/>
-              <a:defRPr b="0" i="0" sz="1400" u="none" cap="none" strike="noStrike">
+              <a:defRPr sz="1400" b="0" i="0" u="none" strike="noStrike" cap="none">
                 <a:solidFill>
                   <a:schemeClr val="dk1"/>
                 </a:solidFill>
@@ -4316,7 +4396,7 @@
                 <a:sym typeface="Arial"/>
               </a:defRPr>
             </a:lvl6pPr>
-            <a:lvl7pPr indent="-317500" lvl="6" marL="3200400" marR="0" rtl="0" algn="l">
+            <a:lvl7pPr marL="3200400" marR="0" lvl="6" indent="-317500" algn="l" rtl="0">
               <a:lnSpc>
                 <a:spcPct val="90000"/>
               </a:lnSpc>
@@ -4332,7 +4412,7 @@
               <a:buSzPts val="1400"/>
               <a:buFont typeface="Arial"/>
               <a:buChar char="•"/>
-              <a:defRPr b="0" i="0" sz="1400" u="none" cap="none" strike="noStrike">
+              <a:defRPr sz="1400" b="0" i="0" u="none" strike="noStrike" cap="none">
                 <a:solidFill>
                   <a:schemeClr val="dk1"/>
                 </a:solidFill>
@@ -4342,7 +4422,7 @@
                 <a:sym typeface="Arial"/>
               </a:defRPr>
             </a:lvl7pPr>
-            <a:lvl8pPr indent="-317500" lvl="7" marL="3657600" marR="0" rtl="0" algn="l">
+            <a:lvl8pPr marL="3657600" marR="0" lvl="7" indent="-317500" algn="l" rtl="0">
               <a:lnSpc>
                 <a:spcPct val="90000"/>
               </a:lnSpc>
@@ -4358,7 +4438,7 @@
               <a:buSzPts val="1400"/>
               <a:buFont typeface="Arial"/>
               <a:buChar char="•"/>
-              <a:defRPr b="0" i="0" sz="1400" u="none" cap="none" strike="noStrike">
+              <a:defRPr sz="1400" b="0" i="0" u="none" strike="noStrike" cap="none">
                 <a:solidFill>
                   <a:schemeClr val="dk1"/>
                 </a:solidFill>
@@ -4368,7 +4448,7 @@
                 <a:sym typeface="Arial"/>
               </a:defRPr>
             </a:lvl8pPr>
-            <a:lvl9pPr indent="-317500" lvl="8" marL="4114800" marR="0" rtl="0" algn="l">
+            <a:lvl9pPr marL="4114800" marR="0" lvl="8" indent="-317500" algn="l" rtl="0">
               <a:lnSpc>
                 <a:spcPct val="90000"/>
               </a:lnSpc>
@@ -4384,7 +4464,7 @@
               <a:buSzPts val="1400"/>
               <a:buFont typeface="Arial"/>
               <a:buChar char="•"/>
-              <a:defRPr b="0" i="0" sz="1400" u="none" cap="none" strike="noStrike">
+              <a:defRPr sz="1400" b="0" i="0" u="none" strike="noStrike" cap="none">
                 <a:solidFill>
                   <a:schemeClr val="dk1"/>
                 </a:solidFill>
@@ -4395,15 +4475,19 @@
               </a:defRPr>
             </a:lvl9pPr>
           </a:lstStyle>
-          <a:p/>
+          <a:p>
+            <a:endParaRPr/>
+          </a:p>
         </p:txBody>
       </p:sp>
       <p:sp>
         <p:nvSpPr>
           <p:cNvPr id="67" name="Google Shape;67;p16"/>
-          <p:cNvSpPr txBox="1"/>
+          <p:cNvSpPr txBox="1">
+            <a:spLocks noGrp="1"/>
+          </p:cNvSpPr>
           <p:nvPr>
-            <p:ph idx="4" type="body"/>
+            <p:ph type="body" idx="4"/>
           </p:nvPr>
         </p:nvSpPr>
         <p:spPr>
@@ -4420,11 +4504,11 @@
           </a:ln>
         </p:spPr>
         <p:txBody>
-          <a:bodyPr anchorCtr="0" anchor="t" bIns="34275" lIns="68575" spcFirstLastPara="1" rIns="68575" wrap="square" tIns="34275">
+          <a:bodyPr spcFirstLastPara="1" wrap="square" lIns="68575" tIns="34275" rIns="68575" bIns="34275" anchor="t" anchorCtr="0">
             <a:noAutofit/>
           </a:bodyPr>
           <a:lstStyle>
-            <a:lvl1pPr indent="-317500" lvl="0" marL="457200" marR="0" rtl="0" algn="l">
+            <a:lvl1pPr marL="457200" marR="0" lvl="0" indent="-317500" algn="l" rtl="0">
               <a:lnSpc>
                 <a:spcPct val="100000"/>
               </a:lnSpc>
@@ -4440,7 +4524,7 @@
               <a:buSzPts val="1400"/>
               <a:buFont typeface="Arial"/>
               <a:buChar char="•"/>
-              <a:defRPr b="0" i="0" sz="1400" u="none" cap="none" strike="noStrike">
+              <a:defRPr sz="1400" b="0" i="0" u="none" strike="noStrike" cap="none">
                 <a:solidFill>
                   <a:schemeClr val="dk1"/>
                 </a:solidFill>
@@ -4450,7 +4534,7 @@
                 <a:sym typeface="Arial"/>
               </a:defRPr>
             </a:lvl1pPr>
-            <a:lvl2pPr indent="-304800" lvl="1" marL="914400" marR="0" rtl="0" algn="l">
+            <a:lvl2pPr marL="914400" marR="0" lvl="1" indent="-304800" algn="l" rtl="0">
               <a:lnSpc>
                 <a:spcPct val="100000"/>
               </a:lnSpc>
@@ -4466,7 +4550,7 @@
               <a:buSzPts val="1200"/>
               <a:buFont typeface="Arial"/>
               <a:buChar char="‒"/>
-              <a:defRPr b="0" i="0" sz="1200" u="none" cap="none" strike="noStrike">
+              <a:defRPr sz="1200" b="0" i="0" u="none" strike="noStrike" cap="none">
                 <a:solidFill>
                   <a:schemeClr val="dk1"/>
                 </a:solidFill>
@@ -4476,7 +4560,7 @@
                 <a:sym typeface="Arial"/>
               </a:defRPr>
             </a:lvl2pPr>
-            <a:lvl3pPr indent="-298450" lvl="2" marL="1371600" marR="0" rtl="0" algn="l">
+            <a:lvl3pPr marL="1371600" marR="0" lvl="2" indent="-298450" algn="l" rtl="0">
               <a:lnSpc>
                 <a:spcPct val="100000"/>
               </a:lnSpc>
@@ -4492,7 +4576,7 @@
               <a:buSzPts val="1100"/>
               <a:buFont typeface="Arial"/>
               <a:buChar char="•"/>
-              <a:defRPr b="0" i="0" sz="1100" u="none" cap="none" strike="noStrike">
+              <a:defRPr sz="1100" b="0" i="0" u="none" strike="noStrike" cap="none">
                 <a:solidFill>
                   <a:schemeClr val="dk1"/>
                 </a:solidFill>
@@ -4502,7 +4586,7 @@
                 <a:sym typeface="Arial"/>
               </a:defRPr>
             </a:lvl3pPr>
-            <a:lvl4pPr indent="-285750" lvl="3" marL="1828800" marR="0" rtl="0" algn="l">
+            <a:lvl4pPr marL="1828800" marR="0" lvl="3" indent="-285750" algn="l" rtl="0">
               <a:lnSpc>
                 <a:spcPct val="100000"/>
               </a:lnSpc>
@@ -4518,7 +4602,7 @@
               <a:buSzPts val="900"/>
               <a:buFont typeface="Arial"/>
               <a:buChar char="‒"/>
-              <a:defRPr b="0" i="0" sz="900" u="none" cap="none" strike="noStrike">
+              <a:defRPr sz="900" b="0" i="0" u="none" strike="noStrike" cap="none">
                 <a:solidFill>
                   <a:schemeClr val="dk1"/>
                 </a:solidFill>
@@ -4528,7 +4612,7 @@
                 <a:sym typeface="Arial"/>
               </a:defRPr>
             </a:lvl4pPr>
-            <a:lvl5pPr indent="-285750" lvl="4" marL="2286000" marR="0" rtl="0" algn="l">
+            <a:lvl5pPr marL="2286000" marR="0" lvl="4" indent="-285750" algn="l" rtl="0">
               <a:lnSpc>
                 <a:spcPct val="100000"/>
               </a:lnSpc>
@@ -4544,7 +4628,7 @@
               <a:buSzPts val="900"/>
               <a:buFont typeface="Arial"/>
               <a:buChar char="•"/>
-              <a:defRPr b="0" i="0" sz="900" u="none" cap="none" strike="noStrike">
+              <a:defRPr sz="900" b="0" i="0" u="none" strike="noStrike" cap="none">
                 <a:solidFill>
                   <a:schemeClr val="dk1"/>
                 </a:solidFill>
@@ -4554,7 +4638,7 @@
                 <a:sym typeface="Arial"/>
               </a:defRPr>
             </a:lvl5pPr>
-            <a:lvl6pPr indent="-317500" lvl="5" marL="2743200" marR="0" rtl="0" algn="l">
+            <a:lvl6pPr marL="2743200" marR="0" lvl="5" indent="-317500" algn="l" rtl="0">
               <a:lnSpc>
                 <a:spcPct val="90000"/>
               </a:lnSpc>
@@ -4570,7 +4654,7 @@
               <a:buSzPts val="1400"/>
               <a:buFont typeface="Arial"/>
               <a:buChar char="•"/>
-              <a:defRPr b="0" i="0" sz="1400" u="none" cap="none" strike="noStrike">
+              <a:defRPr sz="1400" b="0" i="0" u="none" strike="noStrike" cap="none">
                 <a:solidFill>
                   <a:schemeClr val="dk1"/>
                 </a:solidFill>
@@ -4580,7 +4664,7 @@
                 <a:sym typeface="Arial"/>
               </a:defRPr>
             </a:lvl6pPr>
-            <a:lvl7pPr indent="-317500" lvl="6" marL="3200400" marR="0" rtl="0" algn="l">
+            <a:lvl7pPr marL="3200400" marR="0" lvl="6" indent="-317500" algn="l" rtl="0">
               <a:lnSpc>
                 <a:spcPct val="90000"/>
               </a:lnSpc>
@@ -4596,7 +4680,7 @@
               <a:buSzPts val="1400"/>
               <a:buFont typeface="Arial"/>
               <a:buChar char="•"/>
-              <a:defRPr b="0" i="0" sz="1400" u="none" cap="none" strike="noStrike">
+              <a:defRPr sz="1400" b="0" i="0" u="none" strike="noStrike" cap="none">
                 <a:solidFill>
                   <a:schemeClr val="dk1"/>
                 </a:solidFill>
@@ -4606,7 +4690,7 @@
                 <a:sym typeface="Arial"/>
               </a:defRPr>
             </a:lvl7pPr>
-            <a:lvl8pPr indent="-317500" lvl="7" marL="3657600" marR="0" rtl="0" algn="l">
+            <a:lvl8pPr marL="3657600" marR="0" lvl="7" indent="-317500" algn="l" rtl="0">
               <a:lnSpc>
                 <a:spcPct val="90000"/>
               </a:lnSpc>
@@ -4622,7 +4706,7 @@
               <a:buSzPts val="1400"/>
               <a:buFont typeface="Arial"/>
               <a:buChar char="•"/>
-              <a:defRPr b="0" i="0" sz="1400" u="none" cap="none" strike="noStrike">
+              <a:defRPr sz="1400" b="0" i="0" u="none" strike="noStrike" cap="none">
                 <a:solidFill>
                   <a:schemeClr val="dk1"/>
                 </a:solidFill>
@@ -4632,7 +4716,7 @@
                 <a:sym typeface="Arial"/>
               </a:defRPr>
             </a:lvl8pPr>
-            <a:lvl9pPr indent="-317500" lvl="8" marL="4114800" marR="0" rtl="0" algn="l">
+            <a:lvl9pPr marL="4114800" marR="0" lvl="8" indent="-317500" algn="l" rtl="0">
               <a:lnSpc>
                 <a:spcPct val="90000"/>
               </a:lnSpc>
@@ -4648,7 +4732,7 @@
               <a:buSzPts val="1400"/>
               <a:buFont typeface="Arial"/>
               <a:buChar char="•"/>
-              <a:defRPr b="0" i="0" sz="1400" u="none" cap="none" strike="noStrike">
+              <a:defRPr sz="1400" b="0" i="0" u="none" strike="noStrike" cap="none">
                 <a:solidFill>
                   <a:schemeClr val="dk1"/>
                 </a:solidFill>
@@ -4659,7 +4743,9 @@
               </a:defRPr>
             </a:lvl9pPr>
           </a:lstStyle>
-          <a:p/>
+          <a:p>
+            <a:endParaRPr/>
+          </a:p>
         </p:txBody>
       </p:sp>
     </p:spTree>
@@ -4669,7 +4755,7 @@
   </p:clrMapOvr>
   <p:extLst>
     <p:ext uri="{DCECCB84-F9BA-43D5-87BE-67443E8EF086}">
-      <p15:sldGuideLst>
+      <p15:sldGuideLst xmlns:p15="http://schemas.microsoft.com/office/powerpoint/2012/main">
         <p15:guide id="1" orient="horz" pos="1620">
           <p15:clr>
             <a:srgbClr val="FBAE40"/>
@@ -4687,11 +4773,11 @@
 </file>
 
 <file path=ppt/slideLayouts/slideLayout15.xml><?xml version="1.0" encoding="utf-8"?>
-<p:sldLayout xmlns:a="http://schemas.openxmlformats.org/drawingml/2006/main" xmlns:r="http://schemas.openxmlformats.org/officeDocument/2006/relationships" xmlns:mc="http://schemas.openxmlformats.org/markup-compatibility/2006" xmlns:mv="urn:schemas-microsoft-com:mac:vml" xmlns:p="http://schemas.openxmlformats.org/presentationml/2006/main" xmlns:c="http://schemas.openxmlformats.org/drawingml/2006/chart" xmlns:dgm="http://schemas.openxmlformats.org/drawingml/2006/diagram" xmlns:o="urn:schemas-microsoft-com:office:office" xmlns:v="urn:schemas-microsoft-com:vml" xmlns:pvml="urn:schemas-microsoft-com:office:powerpoint" xmlns:com="http://schemas.openxmlformats.org/drawingml/2006/compatibility" xmlns:p14="http://schemas.microsoft.com/office/powerpoint/2010/main" xmlns:p15="http://schemas.microsoft.com/office/powerpoint/2012/main" xmlns:ahyp="http://schemas.microsoft.com/office/drawing/2018/hyperlinkcolor" matchingName="Section Slide">
+<p:sldLayout xmlns:a="http://schemas.openxmlformats.org/drawingml/2006/main" xmlns:r="http://schemas.openxmlformats.org/officeDocument/2006/relationships" xmlns:p="http://schemas.openxmlformats.org/presentationml/2006/main" matchingName="Section Slide">
   <p:cSld name="Section Slide">
     <p:spTree>
       <p:nvGrpSpPr>
-        <p:cNvPr id="68" name="Shape 68"/>
+        <p:cNvPr id="1" name="Shape 68"/>
         <p:cNvGrpSpPr/>
         <p:nvPr/>
       </p:nvGrpSpPr>
@@ -4713,7 +4799,7 @@
           <a:blip r:embed="rId2">
             <a:alphaModFix/>
           </a:blip>
-          <a:srcRect b="0" l="0" r="0" t="0"/>
+          <a:srcRect/>
           <a:stretch/>
         </p:blipFill>
         <p:spPr>
@@ -4733,9 +4819,11 @@
       <p:sp>
         <p:nvSpPr>
           <p:cNvPr id="70" name="Google Shape;70;p17"/>
-          <p:cNvSpPr txBox="1"/>
+          <p:cNvSpPr txBox="1">
+            <a:spLocks noGrp="1"/>
+          </p:cNvSpPr>
           <p:nvPr>
-            <p:ph idx="1" type="body"/>
+            <p:ph type="body" idx="1"/>
           </p:nvPr>
         </p:nvSpPr>
         <p:spPr>
@@ -4752,11 +4840,11 @@
           </a:ln>
         </p:spPr>
         <p:txBody>
-          <a:bodyPr anchorCtr="0" anchor="t" bIns="34275" lIns="68575" spcFirstLastPara="1" rIns="68575" wrap="square" tIns="34275">
+          <a:bodyPr spcFirstLastPara="1" wrap="square" lIns="68575" tIns="34275" rIns="68575" bIns="34275" anchor="t" anchorCtr="0">
             <a:noAutofit/>
           </a:bodyPr>
           <a:lstStyle>
-            <a:lvl1pPr indent="-228600" lvl="0" marL="457200" marR="0" rtl="0" algn="l">
+            <a:lvl1pPr marL="457200" marR="0" lvl="0" indent="-228600" algn="l" rtl="0">
               <a:lnSpc>
                 <a:spcPct val="90000"/>
               </a:lnSpc>
@@ -4772,7 +4860,7 @@
               <a:buSzPts val="1800"/>
               <a:buFont typeface="Arial"/>
               <a:buNone/>
-              <a:defRPr b="1" i="0" sz="1800" u="none" cap="none" strike="noStrike">
+              <a:defRPr sz="1800" b="1" i="0" u="none" strike="noStrike" cap="none">
                 <a:solidFill>
                   <a:schemeClr val="lt2"/>
                 </a:solidFill>
@@ -4782,7 +4870,7 @@
                 <a:sym typeface="Arial"/>
               </a:defRPr>
             </a:lvl1pPr>
-            <a:lvl2pPr indent="-228600" lvl="1" marL="914400" marR="0" rtl="0" algn="l">
+            <a:lvl2pPr marL="914400" marR="0" lvl="1" indent="-228600" algn="l" rtl="0">
               <a:lnSpc>
                 <a:spcPct val="90000"/>
               </a:lnSpc>
@@ -4798,7 +4886,7 @@
               <a:buSzPts val="1800"/>
               <a:buFont typeface="Arial"/>
               <a:buNone/>
-              <a:defRPr b="0" i="0" sz="1800" u="none" cap="none" strike="noStrike">
+              <a:defRPr sz="1800" b="0" i="0" u="none" strike="noStrike" cap="none">
                 <a:solidFill>
                   <a:schemeClr val="dk1"/>
                 </a:solidFill>
@@ -4808,7 +4896,7 @@
                 <a:sym typeface="Arial"/>
               </a:defRPr>
             </a:lvl2pPr>
-            <a:lvl3pPr indent="-228600" lvl="2" marL="1371600" marR="0" rtl="0" algn="l">
+            <a:lvl3pPr marL="1371600" marR="0" lvl="2" indent="-228600" algn="l" rtl="0">
               <a:lnSpc>
                 <a:spcPct val="90000"/>
               </a:lnSpc>
@@ -4824,7 +4912,7 @@
               <a:buSzPts val="1800"/>
               <a:buFont typeface="Arial"/>
               <a:buNone/>
-              <a:defRPr b="0" i="0" sz="1800" u="none" cap="none" strike="noStrike">
+              <a:defRPr sz="1800" b="0" i="0" u="none" strike="noStrike" cap="none">
                 <a:solidFill>
                   <a:schemeClr val="dk1"/>
                 </a:solidFill>
@@ -4834,7 +4922,7 @@
                 <a:sym typeface="Arial"/>
               </a:defRPr>
             </a:lvl3pPr>
-            <a:lvl4pPr indent="-228600" lvl="3" marL="1828800" marR="0" rtl="0" algn="l">
+            <a:lvl4pPr marL="1828800" marR="0" lvl="3" indent="-228600" algn="l" rtl="0">
               <a:lnSpc>
                 <a:spcPct val="90000"/>
               </a:lnSpc>
@@ -4850,7 +4938,7 @@
               <a:buSzPts val="1800"/>
               <a:buFont typeface="Arial"/>
               <a:buNone/>
-              <a:defRPr b="0" i="0" sz="1800" u="none" cap="none" strike="noStrike">
+              <a:defRPr sz="1800" b="0" i="0" u="none" strike="noStrike" cap="none">
                 <a:solidFill>
                   <a:schemeClr val="dk1"/>
                 </a:solidFill>
@@ -4860,7 +4948,7 @@
                 <a:sym typeface="Arial"/>
               </a:defRPr>
             </a:lvl4pPr>
-            <a:lvl5pPr indent="-228600" lvl="4" marL="2286000" marR="0" rtl="0" algn="l">
+            <a:lvl5pPr marL="2286000" marR="0" lvl="4" indent="-228600" algn="l" rtl="0">
               <a:lnSpc>
                 <a:spcPct val="90000"/>
               </a:lnSpc>
@@ -4876,7 +4964,7 @@
               <a:buSzPts val="1800"/>
               <a:buFont typeface="Arial"/>
               <a:buNone/>
-              <a:defRPr b="0" i="0" sz="1800" u="none" cap="none" strike="noStrike">
+              <a:defRPr sz="1800" b="0" i="0" u="none" strike="noStrike" cap="none">
                 <a:solidFill>
                   <a:schemeClr val="dk1"/>
                 </a:solidFill>
@@ -4886,7 +4974,7 @@
                 <a:sym typeface="Arial"/>
               </a:defRPr>
             </a:lvl5pPr>
-            <a:lvl6pPr indent="-317500" lvl="5" marL="2743200" marR="0" rtl="0" algn="l">
+            <a:lvl6pPr marL="2743200" marR="0" lvl="5" indent="-317500" algn="l" rtl="0">
               <a:lnSpc>
                 <a:spcPct val="90000"/>
               </a:lnSpc>
@@ -4902,7 +4990,7 @@
               <a:buSzPts val="1400"/>
               <a:buFont typeface="Arial"/>
               <a:buChar char="•"/>
-              <a:defRPr b="0" i="0" sz="1400" u="none" cap="none" strike="noStrike">
+              <a:defRPr sz="1400" b="0" i="0" u="none" strike="noStrike" cap="none">
                 <a:solidFill>
                   <a:schemeClr val="dk1"/>
                 </a:solidFill>
@@ -4912,7 +5000,7 @@
                 <a:sym typeface="Arial"/>
               </a:defRPr>
             </a:lvl6pPr>
-            <a:lvl7pPr indent="-317500" lvl="6" marL="3200400" marR="0" rtl="0" algn="l">
+            <a:lvl7pPr marL="3200400" marR="0" lvl="6" indent="-317500" algn="l" rtl="0">
               <a:lnSpc>
                 <a:spcPct val="90000"/>
               </a:lnSpc>
@@ -4928,7 +5016,7 @@
               <a:buSzPts val="1400"/>
               <a:buFont typeface="Arial"/>
               <a:buChar char="•"/>
-              <a:defRPr b="0" i="0" sz="1400" u="none" cap="none" strike="noStrike">
+              <a:defRPr sz="1400" b="0" i="0" u="none" strike="noStrike" cap="none">
                 <a:solidFill>
                   <a:schemeClr val="dk1"/>
                 </a:solidFill>
@@ -4938,7 +5026,7 @@
                 <a:sym typeface="Arial"/>
               </a:defRPr>
             </a:lvl7pPr>
-            <a:lvl8pPr indent="-317500" lvl="7" marL="3657600" marR="0" rtl="0" algn="l">
+            <a:lvl8pPr marL="3657600" marR="0" lvl="7" indent="-317500" algn="l" rtl="0">
               <a:lnSpc>
                 <a:spcPct val="90000"/>
               </a:lnSpc>
@@ -4954,7 +5042,7 @@
               <a:buSzPts val="1400"/>
               <a:buFont typeface="Arial"/>
               <a:buChar char="•"/>
-              <a:defRPr b="0" i="0" sz="1400" u="none" cap="none" strike="noStrike">
+              <a:defRPr sz="1400" b="0" i="0" u="none" strike="noStrike" cap="none">
                 <a:solidFill>
                   <a:schemeClr val="dk1"/>
                 </a:solidFill>
@@ -4964,7 +5052,7 @@
                 <a:sym typeface="Arial"/>
               </a:defRPr>
             </a:lvl8pPr>
-            <a:lvl9pPr indent="-317500" lvl="8" marL="4114800" marR="0" rtl="0" algn="l">
+            <a:lvl9pPr marL="4114800" marR="0" lvl="8" indent="-317500" algn="l" rtl="0">
               <a:lnSpc>
                 <a:spcPct val="90000"/>
               </a:lnSpc>
@@ -4980,7 +5068,7 @@
               <a:buSzPts val="1400"/>
               <a:buFont typeface="Arial"/>
               <a:buChar char="•"/>
-              <a:defRPr b="0" i="0" sz="1400" u="none" cap="none" strike="noStrike">
+              <a:defRPr sz="1400" b="0" i="0" u="none" strike="noStrike" cap="none">
                 <a:solidFill>
                   <a:schemeClr val="dk1"/>
                 </a:solidFill>
@@ -4991,15 +5079,19 @@
               </a:defRPr>
             </a:lvl9pPr>
           </a:lstStyle>
-          <a:p/>
+          <a:p>
+            <a:endParaRPr/>
+          </a:p>
         </p:txBody>
       </p:sp>
       <p:sp>
         <p:nvSpPr>
           <p:cNvPr id="71" name="Google Shape;71;p17"/>
-          <p:cNvSpPr txBox="1"/>
+          <p:cNvSpPr txBox="1">
+            <a:spLocks noGrp="1"/>
+          </p:cNvSpPr>
           <p:nvPr>
-            <p:ph idx="2" type="body"/>
+            <p:ph type="body" idx="2"/>
           </p:nvPr>
         </p:nvSpPr>
         <p:spPr>
@@ -5016,11 +5108,11 @@
           </a:ln>
         </p:spPr>
         <p:txBody>
-          <a:bodyPr anchorCtr="0" anchor="t" bIns="34275" lIns="68575" spcFirstLastPara="1" rIns="68575" wrap="square" tIns="34275">
+          <a:bodyPr spcFirstLastPara="1" wrap="square" lIns="68575" tIns="34275" rIns="68575" bIns="34275" anchor="t" anchorCtr="0">
             <a:noAutofit/>
           </a:bodyPr>
           <a:lstStyle>
-            <a:lvl1pPr indent="-228600" lvl="0" marL="457200" marR="0" rtl="0" algn="l">
+            <a:lvl1pPr marL="457200" marR="0" lvl="0" indent="-228600" algn="l" rtl="0">
               <a:lnSpc>
                 <a:spcPct val="90000"/>
               </a:lnSpc>
@@ -5036,7 +5128,7 @@
               <a:buSzPts val="1800"/>
               <a:buFont typeface="Arial"/>
               <a:buNone/>
-              <a:defRPr b="0" i="0" sz="1800" u="none" cap="none" strike="noStrike">
+              <a:defRPr sz="1800" b="0" i="0" u="none" strike="noStrike" cap="none">
                 <a:solidFill>
                   <a:schemeClr val="accent3"/>
                 </a:solidFill>
@@ -5046,7 +5138,7 @@
                 <a:sym typeface="Arial"/>
               </a:defRPr>
             </a:lvl1pPr>
-            <a:lvl2pPr indent="-342900" lvl="1" marL="914400" marR="0" rtl="0" algn="l">
+            <a:lvl2pPr marL="914400" marR="0" lvl="1" indent="-342900" algn="l" rtl="0">
               <a:lnSpc>
                 <a:spcPct val="90000"/>
               </a:lnSpc>
@@ -5062,7 +5154,7 @@
               <a:buSzPts val="1800"/>
               <a:buFont typeface="Arial"/>
               <a:buChar char="•"/>
-              <a:defRPr b="0" i="0" sz="1800" u="none" cap="none" strike="noStrike">
+              <a:defRPr sz="1800" b="0" i="0" u="none" strike="noStrike" cap="none">
                 <a:solidFill>
                   <a:schemeClr val="dk1"/>
                 </a:solidFill>
@@ -5072,7 +5164,7 @@
                 <a:sym typeface="Arial"/>
               </a:defRPr>
             </a:lvl2pPr>
-            <a:lvl3pPr indent="-323850" lvl="2" marL="1371600" marR="0" rtl="0" algn="l">
+            <a:lvl3pPr marL="1371600" marR="0" lvl="2" indent="-323850" algn="l" rtl="0">
               <a:lnSpc>
                 <a:spcPct val="90000"/>
               </a:lnSpc>
@@ -5088,7 +5180,7 @@
               <a:buSzPts val="1500"/>
               <a:buFont typeface="Arial"/>
               <a:buChar char="•"/>
-              <a:defRPr b="0" i="0" sz="1500" u="none" cap="none" strike="noStrike">
+              <a:defRPr sz="1500" b="0" i="0" u="none" strike="noStrike" cap="none">
                 <a:solidFill>
                   <a:schemeClr val="dk1"/>
                 </a:solidFill>
@@ -5098,7 +5190,7 @@
                 <a:sym typeface="Arial"/>
               </a:defRPr>
             </a:lvl3pPr>
-            <a:lvl4pPr indent="-317500" lvl="3" marL="1828800" marR="0" rtl="0" algn="l">
+            <a:lvl4pPr marL="1828800" marR="0" lvl="3" indent="-317500" algn="l" rtl="0">
               <a:lnSpc>
                 <a:spcPct val="90000"/>
               </a:lnSpc>
@@ -5114,7 +5206,7 @@
               <a:buSzPts val="1400"/>
               <a:buFont typeface="Arial"/>
               <a:buChar char="•"/>
-              <a:defRPr b="0" i="0" sz="1400" u="none" cap="none" strike="noStrike">
+              <a:defRPr sz="1400" b="0" i="0" u="none" strike="noStrike" cap="none">
                 <a:solidFill>
                   <a:schemeClr val="dk1"/>
                 </a:solidFill>
@@ -5124,7 +5216,7 @@
                 <a:sym typeface="Arial"/>
               </a:defRPr>
             </a:lvl4pPr>
-            <a:lvl5pPr indent="-317500" lvl="4" marL="2286000" marR="0" rtl="0" algn="l">
+            <a:lvl5pPr marL="2286000" marR="0" lvl="4" indent="-317500" algn="l" rtl="0">
               <a:lnSpc>
                 <a:spcPct val="90000"/>
               </a:lnSpc>
@@ -5140,7 +5232,7 @@
               <a:buSzPts val="1400"/>
               <a:buFont typeface="Arial"/>
               <a:buChar char="•"/>
-              <a:defRPr b="0" i="0" sz="1400" u="none" cap="none" strike="noStrike">
+              <a:defRPr sz="1400" b="0" i="0" u="none" strike="noStrike" cap="none">
                 <a:solidFill>
                   <a:schemeClr val="dk1"/>
                 </a:solidFill>
@@ -5150,7 +5242,7 @@
                 <a:sym typeface="Arial"/>
               </a:defRPr>
             </a:lvl5pPr>
-            <a:lvl6pPr indent="-317500" lvl="5" marL="2743200" marR="0" rtl="0" algn="l">
+            <a:lvl6pPr marL="2743200" marR="0" lvl="5" indent="-317500" algn="l" rtl="0">
               <a:lnSpc>
                 <a:spcPct val="90000"/>
               </a:lnSpc>
@@ -5166,7 +5258,7 @@
               <a:buSzPts val="1400"/>
               <a:buFont typeface="Arial"/>
               <a:buChar char="•"/>
-              <a:defRPr b="0" i="0" sz="1400" u="none" cap="none" strike="noStrike">
+              <a:defRPr sz="1400" b="0" i="0" u="none" strike="noStrike" cap="none">
                 <a:solidFill>
                   <a:schemeClr val="dk1"/>
                 </a:solidFill>
@@ -5176,7 +5268,7 @@
                 <a:sym typeface="Arial"/>
               </a:defRPr>
             </a:lvl6pPr>
-            <a:lvl7pPr indent="-317500" lvl="6" marL="3200400" marR="0" rtl="0" algn="l">
+            <a:lvl7pPr marL="3200400" marR="0" lvl="6" indent="-317500" algn="l" rtl="0">
               <a:lnSpc>
                 <a:spcPct val="90000"/>
               </a:lnSpc>
@@ -5192,7 +5284,7 @@
               <a:buSzPts val="1400"/>
               <a:buFont typeface="Arial"/>
               <a:buChar char="•"/>
-              <a:defRPr b="0" i="0" sz="1400" u="none" cap="none" strike="noStrike">
+              <a:defRPr sz="1400" b="0" i="0" u="none" strike="noStrike" cap="none">
                 <a:solidFill>
                   <a:schemeClr val="dk1"/>
                 </a:solidFill>
@@ -5202,7 +5294,7 @@
                 <a:sym typeface="Arial"/>
               </a:defRPr>
             </a:lvl7pPr>
-            <a:lvl8pPr indent="-317500" lvl="7" marL="3657600" marR="0" rtl="0" algn="l">
+            <a:lvl8pPr marL="3657600" marR="0" lvl="7" indent="-317500" algn="l" rtl="0">
               <a:lnSpc>
                 <a:spcPct val="90000"/>
               </a:lnSpc>
@@ -5218,7 +5310,7 @@
               <a:buSzPts val="1400"/>
               <a:buFont typeface="Arial"/>
               <a:buChar char="•"/>
-              <a:defRPr b="0" i="0" sz="1400" u="none" cap="none" strike="noStrike">
+              <a:defRPr sz="1400" b="0" i="0" u="none" strike="noStrike" cap="none">
                 <a:solidFill>
                   <a:schemeClr val="dk1"/>
                 </a:solidFill>
@@ -5228,7 +5320,7 @@
                 <a:sym typeface="Arial"/>
               </a:defRPr>
             </a:lvl8pPr>
-            <a:lvl9pPr indent="-317500" lvl="8" marL="4114800" marR="0" rtl="0" algn="l">
+            <a:lvl9pPr marL="4114800" marR="0" lvl="8" indent="-317500" algn="l" rtl="0">
               <a:lnSpc>
                 <a:spcPct val="90000"/>
               </a:lnSpc>
@@ -5244,7 +5336,7 @@
               <a:buSzPts val="1400"/>
               <a:buFont typeface="Arial"/>
               <a:buChar char="•"/>
-              <a:defRPr b="0" i="0" sz="1400" u="none" cap="none" strike="noStrike">
+              <a:defRPr sz="1400" b="0" i="0" u="none" strike="noStrike" cap="none">
                 <a:solidFill>
                   <a:schemeClr val="dk1"/>
                 </a:solidFill>
@@ -5255,7 +5347,9 @@
               </a:defRPr>
             </a:lvl9pPr>
           </a:lstStyle>
-          <a:p/>
+          <a:p>
+            <a:endParaRPr/>
+          </a:p>
         </p:txBody>
       </p:sp>
       <p:pic>
@@ -5268,7 +5362,7 @@
           <a:blip r:embed="rId3">
             <a:alphaModFix/>
           </a:blip>
-          <a:srcRect b="0" l="0" r="0" t="0"/>
+          <a:srcRect/>
           <a:stretch/>
         </p:blipFill>
         <p:spPr>
@@ -5292,7 +5386,7 @@
   </p:clrMapOvr>
   <p:extLst>
     <p:ext uri="{DCECCB84-F9BA-43D5-87BE-67443E8EF086}">
-      <p15:sldGuideLst>
+      <p15:sldGuideLst xmlns:p15="http://schemas.microsoft.com/office/powerpoint/2012/main">
         <p15:guide id="1" orient="horz" pos="1620">
           <p15:clr>
             <a:srgbClr val="FBAE40"/>
@@ -5310,11 +5404,11 @@
 </file>
 
 <file path=ppt/slideLayouts/slideLayout16.xml><?xml version="1.0" encoding="utf-8"?>
-<p:sldLayout xmlns:a="http://schemas.openxmlformats.org/drawingml/2006/main" xmlns:r="http://schemas.openxmlformats.org/officeDocument/2006/relationships" xmlns:mc="http://schemas.openxmlformats.org/markup-compatibility/2006" xmlns:mv="urn:schemas-microsoft-com:mac:vml" xmlns:p="http://schemas.openxmlformats.org/presentationml/2006/main" xmlns:c="http://schemas.openxmlformats.org/drawingml/2006/chart" xmlns:dgm="http://schemas.openxmlformats.org/drawingml/2006/diagram" xmlns:o="urn:schemas-microsoft-com:office:office" xmlns:v="urn:schemas-microsoft-com:vml" xmlns:pvml="urn:schemas-microsoft-com:office:powerpoint" xmlns:com="http://schemas.openxmlformats.org/drawingml/2006/compatibility" xmlns:p14="http://schemas.microsoft.com/office/powerpoint/2010/main" xmlns:p15="http://schemas.microsoft.com/office/powerpoint/2012/main" xmlns:ahyp="http://schemas.microsoft.com/office/drawing/2018/hyperlinkcolor" matchingName="Section Slide No Subtitle">
+<p:sldLayout xmlns:a="http://schemas.openxmlformats.org/drawingml/2006/main" xmlns:r="http://schemas.openxmlformats.org/officeDocument/2006/relationships" xmlns:p="http://schemas.openxmlformats.org/presentationml/2006/main" matchingName="Section Slide No Subtitle">
   <p:cSld name="Section Slide No Subtitle">
     <p:spTree>
       <p:nvGrpSpPr>
-        <p:cNvPr id="73" name="Shape 73"/>
+        <p:cNvPr id="1" name="Shape 73"/>
         <p:cNvGrpSpPr/>
         <p:nvPr/>
       </p:nvGrpSpPr>
@@ -5336,7 +5430,7 @@
           <a:blip r:embed="rId2">
             <a:alphaModFix/>
           </a:blip>
-          <a:srcRect b="0" l="0" r="0" t="0"/>
+          <a:srcRect/>
           <a:stretch/>
         </p:blipFill>
         <p:spPr>
@@ -5356,9 +5450,11 @@
       <p:sp>
         <p:nvSpPr>
           <p:cNvPr id="75" name="Google Shape;75;p18"/>
-          <p:cNvSpPr txBox="1"/>
+          <p:cNvSpPr txBox="1">
+            <a:spLocks noGrp="1"/>
+          </p:cNvSpPr>
           <p:nvPr>
-            <p:ph idx="1" type="body"/>
+            <p:ph type="body" idx="1"/>
           </p:nvPr>
         </p:nvSpPr>
         <p:spPr>
@@ -5375,11 +5471,11 @@
           </a:ln>
         </p:spPr>
         <p:txBody>
-          <a:bodyPr anchorCtr="0" anchor="t" bIns="34275" lIns="68575" spcFirstLastPara="1" rIns="68575" wrap="square" tIns="34275">
+          <a:bodyPr spcFirstLastPara="1" wrap="square" lIns="68575" tIns="34275" rIns="68575" bIns="34275" anchor="t" anchorCtr="0">
             <a:noAutofit/>
           </a:bodyPr>
           <a:lstStyle>
-            <a:lvl1pPr indent="-228600" lvl="0" marL="457200" marR="0" rtl="0" algn="l">
+            <a:lvl1pPr marL="457200" marR="0" lvl="0" indent="-228600" algn="l" rtl="0">
               <a:lnSpc>
                 <a:spcPct val="90000"/>
               </a:lnSpc>
@@ -5395,7 +5491,7 @@
               <a:buSzPts val="1800"/>
               <a:buFont typeface="Arial"/>
               <a:buNone/>
-              <a:defRPr b="1" i="0" sz="1800" u="none" cap="none" strike="noStrike">
+              <a:defRPr sz="1800" b="1" i="0" u="none" strike="noStrike" cap="none">
                 <a:solidFill>
                   <a:schemeClr val="lt2"/>
                 </a:solidFill>
@@ -5405,7 +5501,7 @@
                 <a:sym typeface="Arial"/>
               </a:defRPr>
             </a:lvl1pPr>
-            <a:lvl2pPr indent="-228600" lvl="1" marL="914400" marR="0" rtl="0" algn="l">
+            <a:lvl2pPr marL="914400" marR="0" lvl="1" indent="-228600" algn="l" rtl="0">
               <a:lnSpc>
                 <a:spcPct val="90000"/>
               </a:lnSpc>
@@ -5421,7 +5517,7 @@
               <a:buSzPts val="1800"/>
               <a:buFont typeface="Arial"/>
               <a:buNone/>
-              <a:defRPr b="0" i="0" sz="1800" u="none" cap="none" strike="noStrike">
+              <a:defRPr sz="1800" b="0" i="0" u="none" strike="noStrike" cap="none">
                 <a:solidFill>
                   <a:schemeClr val="dk1"/>
                 </a:solidFill>
@@ -5431,7 +5527,7 @@
                 <a:sym typeface="Arial"/>
               </a:defRPr>
             </a:lvl2pPr>
-            <a:lvl3pPr indent="-228600" lvl="2" marL="1371600" marR="0" rtl="0" algn="l">
+            <a:lvl3pPr marL="1371600" marR="0" lvl="2" indent="-228600" algn="l" rtl="0">
               <a:lnSpc>
                 <a:spcPct val="90000"/>
               </a:lnSpc>
@@ -5447,7 +5543,7 @@
               <a:buSzPts val="1800"/>
               <a:buFont typeface="Arial"/>
               <a:buNone/>
-              <a:defRPr b="0" i="0" sz="1800" u="none" cap="none" strike="noStrike">
+              <a:defRPr sz="1800" b="0" i="0" u="none" strike="noStrike" cap="none">
                 <a:solidFill>
                   <a:schemeClr val="dk1"/>
                 </a:solidFill>
@@ -5457,7 +5553,7 @@
                 <a:sym typeface="Arial"/>
               </a:defRPr>
             </a:lvl3pPr>
-            <a:lvl4pPr indent="-228600" lvl="3" marL="1828800" marR="0" rtl="0" algn="l">
+            <a:lvl4pPr marL="1828800" marR="0" lvl="3" indent="-228600" algn="l" rtl="0">
               <a:lnSpc>
                 <a:spcPct val="90000"/>
               </a:lnSpc>
@@ -5473,7 +5569,7 @@
               <a:buSzPts val="1800"/>
               <a:buFont typeface="Arial"/>
               <a:buNone/>
-              <a:defRPr b="0" i="0" sz="1800" u="none" cap="none" strike="noStrike">
+              <a:defRPr sz="1800" b="0" i="0" u="none" strike="noStrike" cap="none">
                 <a:solidFill>
                   <a:schemeClr val="dk1"/>
                 </a:solidFill>
@@ -5483,7 +5579,7 @@
                 <a:sym typeface="Arial"/>
               </a:defRPr>
             </a:lvl4pPr>
-            <a:lvl5pPr indent="-228600" lvl="4" marL="2286000" marR="0" rtl="0" algn="l">
+            <a:lvl5pPr marL="2286000" marR="0" lvl="4" indent="-228600" algn="l" rtl="0">
               <a:lnSpc>
                 <a:spcPct val="90000"/>
               </a:lnSpc>
@@ -5499,7 +5595,7 @@
               <a:buSzPts val="1800"/>
               <a:buFont typeface="Arial"/>
               <a:buNone/>
-              <a:defRPr b="0" i="0" sz="1800" u="none" cap="none" strike="noStrike">
+              <a:defRPr sz="1800" b="0" i="0" u="none" strike="noStrike" cap="none">
                 <a:solidFill>
                   <a:schemeClr val="dk1"/>
                 </a:solidFill>
@@ -5509,7 +5605,7 @@
                 <a:sym typeface="Arial"/>
               </a:defRPr>
             </a:lvl5pPr>
-            <a:lvl6pPr indent="-317500" lvl="5" marL="2743200" marR="0" rtl="0" algn="l">
+            <a:lvl6pPr marL="2743200" marR="0" lvl="5" indent="-317500" algn="l" rtl="0">
               <a:lnSpc>
                 <a:spcPct val="90000"/>
               </a:lnSpc>
@@ -5525,7 +5621,7 @@
               <a:buSzPts val="1400"/>
               <a:buFont typeface="Arial"/>
               <a:buChar char="•"/>
-              <a:defRPr b="0" i="0" sz="1400" u="none" cap="none" strike="noStrike">
+              <a:defRPr sz="1400" b="0" i="0" u="none" strike="noStrike" cap="none">
                 <a:solidFill>
                   <a:schemeClr val="dk1"/>
                 </a:solidFill>
@@ -5535,7 +5631,7 @@
                 <a:sym typeface="Arial"/>
               </a:defRPr>
             </a:lvl6pPr>
-            <a:lvl7pPr indent="-317500" lvl="6" marL="3200400" marR="0" rtl="0" algn="l">
+            <a:lvl7pPr marL="3200400" marR="0" lvl="6" indent="-317500" algn="l" rtl="0">
               <a:lnSpc>
                 <a:spcPct val="90000"/>
               </a:lnSpc>
@@ -5551,7 +5647,7 @@
               <a:buSzPts val="1400"/>
               <a:buFont typeface="Arial"/>
               <a:buChar char="•"/>
-              <a:defRPr b="0" i="0" sz="1400" u="none" cap="none" strike="noStrike">
+              <a:defRPr sz="1400" b="0" i="0" u="none" strike="noStrike" cap="none">
                 <a:solidFill>
                   <a:schemeClr val="dk1"/>
                 </a:solidFill>
@@ -5561,7 +5657,7 @@
                 <a:sym typeface="Arial"/>
               </a:defRPr>
             </a:lvl7pPr>
-            <a:lvl8pPr indent="-317500" lvl="7" marL="3657600" marR="0" rtl="0" algn="l">
+            <a:lvl8pPr marL="3657600" marR="0" lvl="7" indent="-317500" algn="l" rtl="0">
               <a:lnSpc>
                 <a:spcPct val="90000"/>
               </a:lnSpc>
@@ -5577,7 +5673,7 @@
               <a:buSzPts val="1400"/>
               <a:buFont typeface="Arial"/>
               <a:buChar char="•"/>
-              <a:defRPr b="0" i="0" sz="1400" u="none" cap="none" strike="noStrike">
+              <a:defRPr sz="1400" b="0" i="0" u="none" strike="noStrike" cap="none">
                 <a:solidFill>
                   <a:schemeClr val="dk1"/>
                 </a:solidFill>
@@ -5587,7 +5683,7 @@
                 <a:sym typeface="Arial"/>
               </a:defRPr>
             </a:lvl8pPr>
-            <a:lvl9pPr indent="-317500" lvl="8" marL="4114800" marR="0" rtl="0" algn="l">
+            <a:lvl9pPr marL="4114800" marR="0" lvl="8" indent="-317500" algn="l" rtl="0">
               <a:lnSpc>
                 <a:spcPct val="90000"/>
               </a:lnSpc>
@@ -5603,7 +5699,7 @@
               <a:buSzPts val="1400"/>
               <a:buFont typeface="Arial"/>
               <a:buChar char="•"/>
-              <a:defRPr b="0" i="0" sz="1400" u="none" cap="none" strike="noStrike">
+              <a:defRPr sz="1400" b="0" i="0" u="none" strike="noStrike" cap="none">
                 <a:solidFill>
                   <a:schemeClr val="dk1"/>
                 </a:solidFill>
@@ -5614,7 +5710,9 @@
               </a:defRPr>
             </a:lvl9pPr>
           </a:lstStyle>
-          <a:p/>
+          <a:p>
+            <a:endParaRPr/>
+          </a:p>
         </p:txBody>
       </p:sp>
       <p:pic>
@@ -5627,7 +5725,7 @@
           <a:blip r:embed="rId3">
             <a:alphaModFix/>
           </a:blip>
-          <a:srcRect b="0" l="0" r="0" t="0"/>
+          <a:srcRect/>
           <a:stretch/>
         </p:blipFill>
         <p:spPr>
@@ -5651,7 +5749,7 @@
   </p:clrMapOvr>
   <p:extLst>
     <p:ext uri="{DCECCB84-F9BA-43D5-87BE-67443E8EF086}">
-      <p15:sldGuideLst>
+      <p15:sldGuideLst xmlns:p15="http://schemas.microsoft.com/office/powerpoint/2012/main">
         <p15:guide id="1" orient="horz" pos="1620">
           <p15:clr>
             <a:srgbClr val="FBAE40"/>
@@ -5669,11 +5767,11 @@
 </file>
 
 <file path=ppt/slideLayouts/slideLayout17.xml><?xml version="1.0" encoding="utf-8"?>
-<p:sldLayout xmlns:a="http://schemas.openxmlformats.org/drawingml/2006/main" xmlns:r="http://schemas.openxmlformats.org/officeDocument/2006/relationships" xmlns:mc="http://schemas.openxmlformats.org/markup-compatibility/2006" xmlns:mv="urn:schemas-microsoft-com:mac:vml" xmlns:p="http://schemas.openxmlformats.org/presentationml/2006/main" xmlns:c="http://schemas.openxmlformats.org/drawingml/2006/chart" xmlns:dgm="http://schemas.openxmlformats.org/drawingml/2006/diagram" xmlns:o="urn:schemas-microsoft-com:office:office" xmlns:v="urn:schemas-microsoft-com:vml" xmlns:pvml="urn:schemas-microsoft-com:office:powerpoint" xmlns:com="http://schemas.openxmlformats.org/drawingml/2006/compatibility" xmlns:p14="http://schemas.microsoft.com/office/powerpoint/2010/main" xmlns:p15="http://schemas.microsoft.com/office/powerpoint/2012/main" xmlns:ahyp="http://schemas.microsoft.com/office/drawing/2018/hyperlinkcolor" matchingName="Main Slide Blank">
+<p:sldLayout xmlns:a="http://schemas.openxmlformats.org/drawingml/2006/main" xmlns:r="http://schemas.openxmlformats.org/officeDocument/2006/relationships" xmlns:p="http://schemas.openxmlformats.org/presentationml/2006/main" matchingName="Main Slide Blank">
   <p:cSld name="Main Slide Blank">
     <p:spTree>
       <p:nvGrpSpPr>
-        <p:cNvPr id="77" name="Shape 77"/>
+        <p:cNvPr id="1" name="Shape 77"/>
         <p:cNvGrpSpPr/>
         <p:nvPr/>
       </p:nvGrpSpPr>
@@ -5688,9 +5786,11 @@
       <p:sp>
         <p:nvSpPr>
           <p:cNvPr id="78" name="Google Shape;78;p19"/>
-          <p:cNvSpPr txBox="1"/>
+          <p:cNvSpPr txBox="1">
+            <a:spLocks noGrp="1"/>
+          </p:cNvSpPr>
           <p:nvPr>
-            <p:ph idx="12" type="sldNum"/>
+            <p:ph type="sldNum" idx="12"/>
           </p:nvPr>
         </p:nvSpPr>
         <p:spPr>
@@ -5707,11 +5807,11 @@
           </a:ln>
         </p:spPr>
         <p:txBody>
-          <a:bodyPr anchorCtr="0" anchor="ctr" bIns="34275" lIns="68575" spcFirstLastPara="1" rIns="68575" wrap="square" tIns="34275">
+          <a:bodyPr spcFirstLastPara="1" wrap="square" lIns="68575" tIns="34275" rIns="68575" bIns="34275" anchor="ctr" anchorCtr="0">
             <a:noAutofit/>
           </a:bodyPr>
           <a:lstStyle>
-            <a:lvl1pPr indent="0" lvl="0" marL="0" marR="0" algn="r">
+            <a:lvl1pPr marL="0" marR="0" lvl="0" indent="0" algn="r">
               <a:lnSpc>
                 <a:spcPct val="100000"/>
               </a:lnSpc>
@@ -5727,7 +5827,7 @@
               <a:buSzPts val="800"/>
               <a:buFont typeface="Arial"/>
               <a:buNone/>
-              <a:defRPr b="0" i="0" sz="800" u="none" cap="none" strike="noStrike">
+              <a:defRPr sz="800" b="0" i="0" u="none" strike="noStrike" cap="none">
                 <a:solidFill>
                   <a:srgbClr val="8FA1B8"/>
                 </a:solidFill>
@@ -5737,7 +5837,7 @@
                 <a:sym typeface="Arial"/>
               </a:defRPr>
             </a:lvl1pPr>
-            <a:lvl2pPr indent="0" lvl="1" marL="0" marR="0" algn="r">
+            <a:lvl2pPr marL="0" marR="0" lvl="1" indent="0" algn="r">
               <a:lnSpc>
                 <a:spcPct val="100000"/>
               </a:lnSpc>
@@ -5753,7 +5853,7 @@
               <a:buSzPts val="800"/>
               <a:buFont typeface="Arial"/>
               <a:buNone/>
-              <a:defRPr b="0" i="0" sz="800" u="none" cap="none" strike="noStrike">
+              <a:defRPr sz="800" b="0" i="0" u="none" strike="noStrike" cap="none">
                 <a:solidFill>
                   <a:srgbClr val="8FA1B8"/>
                 </a:solidFill>
@@ -5763,7 +5863,7 @@
                 <a:sym typeface="Arial"/>
               </a:defRPr>
             </a:lvl2pPr>
-            <a:lvl3pPr indent="0" lvl="2" marL="0" marR="0" algn="r">
+            <a:lvl3pPr marL="0" marR="0" lvl="2" indent="0" algn="r">
               <a:lnSpc>
                 <a:spcPct val="100000"/>
               </a:lnSpc>
@@ -5779,7 +5879,7 @@
               <a:buSzPts val="800"/>
               <a:buFont typeface="Arial"/>
               <a:buNone/>
-              <a:defRPr b="0" i="0" sz="800" u="none" cap="none" strike="noStrike">
+              <a:defRPr sz="800" b="0" i="0" u="none" strike="noStrike" cap="none">
                 <a:solidFill>
                   <a:srgbClr val="8FA1B8"/>
                 </a:solidFill>
@@ -5789,7 +5889,7 @@
                 <a:sym typeface="Arial"/>
               </a:defRPr>
             </a:lvl3pPr>
-            <a:lvl4pPr indent="0" lvl="3" marL="0" marR="0" algn="r">
+            <a:lvl4pPr marL="0" marR="0" lvl="3" indent="0" algn="r">
               <a:lnSpc>
                 <a:spcPct val="100000"/>
               </a:lnSpc>
@@ -5805,7 +5905,7 @@
               <a:buSzPts val="800"/>
               <a:buFont typeface="Arial"/>
               <a:buNone/>
-              <a:defRPr b="0" i="0" sz="800" u="none" cap="none" strike="noStrike">
+              <a:defRPr sz="800" b="0" i="0" u="none" strike="noStrike" cap="none">
                 <a:solidFill>
                   <a:srgbClr val="8FA1B8"/>
                 </a:solidFill>
@@ -5815,7 +5915,7 @@
                 <a:sym typeface="Arial"/>
               </a:defRPr>
             </a:lvl4pPr>
-            <a:lvl5pPr indent="0" lvl="4" marL="0" marR="0" algn="r">
+            <a:lvl5pPr marL="0" marR="0" lvl="4" indent="0" algn="r">
               <a:lnSpc>
                 <a:spcPct val="100000"/>
               </a:lnSpc>
@@ -5831,7 +5931,7 @@
               <a:buSzPts val="800"/>
               <a:buFont typeface="Arial"/>
               <a:buNone/>
-              <a:defRPr b="0" i="0" sz="800" u="none" cap="none" strike="noStrike">
+              <a:defRPr sz="800" b="0" i="0" u="none" strike="noStrike" cap="none">
                 <a:solidFill>
                   <a:srgbClr val="8FA1B8"/>
                 </a:solidFill>
@@ -5841,7 +5941,7 @@
                 <a:sym typeface="Arial"/>
               </a:defRPr>
             </a:lvl5pPr>
-            <a:lvl6pPr indent="0" lvl="5" marL="0" marR="0" algn="r">
+            <a:lvl6pPr marL="0" marR="0" lvl="5" indent="0" algn="r">
               <a:lnSpc>
                 <a:spcPct val="100000"/>
               </a:lnSpc>
@@ -5857,7 +5957,7 @@
               <a:buSzPts val="800"/>
               <a:buFont typeface="Arial"/>
               <a:buNone/>
-              <a:defRPr b="0" i="0" sz="800" u="none" cap="none" strike="noStrike">
+              <a:defRPr sz="800" b="0" i="0" u="none" strike="noStrike" cap="none">
                 <a:solidFill>
                   <a:srgbClr val="8FA1B8"/>
                 </a:solidFill>
@@ -5867,7 +5967,7 @@
                 <a:sym typeface="Arial"/>
               </a:defRPr>
             </a:lvl6pPr>
-            <a:lvl7pPr indent="0" lvl="6" marL="0" marR="0" algn="r">
+            <a:lvl7pPr marL="0" marR="0" lvl="6" indent="0" algn="r">
               <a:lnSpc>
                 <a:spcPct val="100000"/>
               </a:lnSpc>
@@ -5883,7 +5983,7 @@
               <a:buSzPts val="800"/>
               <a:buFont typeface="Arial"/>
               <a:buNone/>
-              <a:defRPr b="0" i="0" sz="800" u="none" cap="none" strike="noStrike">
+              <a:defRPr sz="800" b="0" i="0" u="none" strike="noStrike" cap="none">
                 <a:solidFill>
                   <a:srgbClr val="8FA1B8"/>
                 </a:solidFill>
@@ -5893,7 +5993,7 @@
                 <a:sym typeface="Arial"/>
               </a:defRPr>
             </a:lvl7pPr>
-            <a:lvl8pPr indent="0" lvl="7" marL="0" marR="0" algn="r">
+            <a:lvl8pPr marL="0" marR="0" lvl="7" indent="0" algn="r">
               <a:lnSpc>
                 <a:spcPct val="100000"/>
               </a:lnSpc>
@@ -5909,7 +6009,7 @@
               <a:buSzPts val="800"/>
               <a:buFont typeface="Arial"/>
               <a:buNone/>
-              <a:defRPr b="0" i="0" sz="800" u="none" cap="none" strike="noStrike">
+              <a:defRPr sz="800" b="0" i="0" u="none" strike="noStrike" cap="none">
                 <a:solidFill>
                   <a:srgbClr val="8FA1B8"/>
                 </a:solidFill>
@@ -5919,7 +6019,7 @@
                 <a:sym typeface="Arial"/>
               </a:defRPr>
             </a:lvl8pPr>
-            <a:lvl9pPr indent="0" lvl="8" marL="0" marR="0" algn="r">
+            <a:lvl9pPr marL="0" marR="0" lvl="8" indent="0" algn="r">
               <a:lnSpc>
                 <a:spcPct val="100000"/>
               </a:lnSpc>
@@ -5935,7 +6035,7 @@
               <a:buSzPts val="800"/>
               <a:buFont typeface="Arial"/>
               <a:buNone/>
-              <a:defRPr b="0" i="0" sz="800" u="none" cap="none" strike="noStrike">
+              <a:defRPr sz="800" b="0" i="0" u="none" strike="noStrike" cap="none">
                 <a:solidFill>
                   <a:srgbClr val="8FA1B8"/>
                 </a:solidFill>
@@ -5947,7 +6047,7 @@
             </a:lvl9pPr>
           </a:lstStyle>
           <a:p>
-            <a:pPr indent="0" lvl="0" marL="0" rtl="0" algn="r">
+            <a:pPr marL="0" lvl="0" indent="0" algn="r" rtl="0">
               <a:spcBef>
                 <a:spcPts val="0"/>
               </a:spcBef>
@@ -5974,7 +6074,7 @@
           <a:blip r:embed="rId2">
             <a:alphaModFix/>
           </a:blip>
-          <a:srcRect b="0" l="0" r="0" t="0"/>
+          <a:srcRect/>
           <a:stretch/>
         </p:blipFill>
         <p:spPr>
@@ -5994,9 +6094,11 @@
       <p:sp>
         <p:nvSpPr>
           <p:cNvPr id="80" name="Google Shape;80;p19"/>
-          <p:cNvSpPr txBox="1"/>
+          <p:cNvSpPr txBox="1">
+            <a:spLocks noGrp="1"/>
+          </p:cNvSpPr>
           <p:nvPr>
-            <p:ph idx="1" type="body"/>
+            <p:ph type="body" idx="1"/>
           </p:nvPr>
         </p:nvSpPr>
         <p:spPr>
@@ -6013,11 +6115,11 @@
           </a:ln>
         </p:spPr>
         <p:txBody>
-          <a:bodyPr anchorCtr="0" anchor="t" bIns="34275" lIns="68575" spcFirstLastPara="1" rIns="68575" wrap="square" tIns="34275">
+          <a:bodyPr spcFirstLastPara="1" wrap="square" lIns="68575" tIns="34275" rIns="68575" bIns="34275" anchor="t" anchorCtr="0">
             <a:noAutofit/>
           </a:bodyPr>
           <a:lstStyle>
-            <a:lvl1pPr indent="-228600" lvl="0" marL="457200" marR="0" rtl="0" algn="r">
+            <a:lvl1pPr marL="457200" marR="0" lvl="0" indent="-228600" algn="r" rtl="0">
               <a:lnSpc>
                 <a:spcPct val="90000"/>
               </a:lnSpc>
@@ -6033,7 +6135,7 @@
               <a:buSzPts val="1800"/>
               <a:buFont typeface="Arial"/>
               <a:buNone/>
-              <a:defRPr b="1" i="0" sz="1800" u="none" cap="none" strike="noStrike">
+              <a:defRPr sz="1800" b="1" i="0" u="none" strike="noStrike" cap="none">
                 <a:solidFill>
                   <a:schemeClr val="lt2"/>
                 </a:solidFill>
@@ -6043,7 +6145,7 @@
                 <a:sym typeface="Arial"/>
               </a:defRPr>
             </a:lvl1pPr>
-            <a:lvl2pPr indent="-228600" lvl="1" marL="914400" marR="0" rtl="0" algn="l">
+            <a:lvl2pPr marL="914400" marR="0" lvl="1" indent="-228600" algn="l" rtl="0">
               <a:lnSpc>
                 <a:spcPct val="90000"/>
               </a:lnSpc>
@@ -6059,7 +6161,7 @@
               <a:buSzPts val="1800"/>
               <a:buFont typeface="Arial"/>
               <a:buNone/>
-              <a:defRPr b="0" i="0" sz="1800" u="none" cap="none" strike="noStrike">
+              <a:defRPr sz="1800" b="0" i="0" u="none" strike="noStrike" cap="none">
                 <a:solidFill>
                   <a:schemeClr val="dk1"/>
                 </a:solidFill>
@@ -6069,7 +6171,7 @@
                 <a:sym typeface="Arial"/>
               </a:defRPr>
             </a:lvl2pPr>
-            <a:lvl3pPr indent="-228600" lvl="2" marL="1371600" marR="0" rtl="0" algn="l">
+            <a:lvl3pPr marL="1371600" marR="0" lvl="2" indent="-228600" algn="l" rtl="0">
               <a:lnSpc>
                 <a:spcPct val="90000"/>
               </a:lnSpc>
@@ -6085,7 +6187,7 @@
               <a:buSzPts val="1800"/>
               <a:buFont typeface="Arial"/>
               <a:buNone/>
-              <a:defRPr b="0" i="0" sz="1800" u="none" cap="none" strike="noStrike">
+              <a:defRPr sz="1800" b="0" i="0" u="none" strike="noStrike" cap="none">
                 <a:solidFill>
                   <a:schemeClr val="dk1"/>
                 </a:solidFill>
@@ -6095,7 +6197,7 @@
                 <a:sym typeface="Arial"/>
               </a:defRPr>
             </a:lvl3pPr>
-            <a:lvl4pPr indent="-228600" lvl="3" marL="1828800" marR="0" rtl="0" algn="l">
+            <a:lvl4pPr marL="1828800" marR="0" lvl="3" indent="-228600" algn="l" rtl="0">
               <a:lnSpc>
                 <a:spcPct val="90000"/>
               </a:lnSpc>
@@ -6111,7 +6213,7 @@
               <a:buSzPts val="1800"/>
               <a:buFont typeface="Arial"/>
               <a:buNone/>
-              <a:defRPr b="0" i="0" sz="1800" u="none" cap="none" strike="noStrike">
+              <a:defRPr sz="1800" b="0" i="0" u="none" strike="noStrike" cap="none">
                 <a:solidFill>
                   <a:schemeClr val="dk1"/>
                 </a:solidFill>
@@ -6121,7 +6223,7 @@
                 <a:sym typeface="Arial"/>
               </a:defRPr>
             </a:lvl4pPr>
-            <a:lvl5pPr indent="-228600" lvl="4" marL="2286000" marR="0" rtl="0" algn="l">
+            <a:lvl5pPr marL="2286000" marR="0" lvl="4" indent="-228600" algn="l" rtl="0">
               <a:lnSpc>
                 <a:spcPct val="90000"/>
               </a:lnSpc>
@@ -6137,7 +6239,7 @@
               <a:buSzPts val="1800"/>
               <a:buFont typeface="Arial"/>
               <a:buNone/>
-              <a:defRPr b="0" i="0" sz="1800" u="none" cap="none" strike="noStrike">
+              <a:defRPr sz="1800" b="0" i="0" u="none" strike="noStrike" cap="none">
                 <a:solidFill>
                   <a:schemeClr val="dk1"/>
                 </a:solidFill>
@@ -6147,7 +6249,7 @@
                 <a:sym typeface="Arial"/>
               </a:defRPr>
             </a:lvl5pPr>
-            <a:lvl6pPr indent="-317500" lvl="5" marL="2743200" marR="0" rtl="0" algn="l">
+            <a:lvl6pPr marL="2743200" marR="0" lvl="5" indent="-317500" algn="l" rtl="0">
               <a:lnSpc>
                 <a:spcPct val="90000"/>
               </a:lnSpc>
@@ -6163,7 +6265,7 @@
               <a:buSzPts val="1400"/>
               <a:buFont typeface="Arial"/>
               <a:buChar char="•"/>
-              <a:defRPr b="0" i="0" sz="1400" u="none" cap="none" strike="noStrike">
+              <a:defRPr sz="1400" b="0" i="0" u="none" strike="noStrike" cap="none">
                 <a:solidFill>
                   <a:schemeClr val="dk1"/>
                 </a:solidFill>
@@ -6173,7 +6275,7 @@
                 <a:sym typeface="Arial"/>
               </a:defRPr>
             </a:lvl6pPr>
-            <a:lvl7pPr indent="-317500" lvl="6" marL="3200400" marR="0" rtl="0" algn="l">
+            <a:lvl7pPr marL="3200400" marR="0" lvl="6" indent="-317500" algn="l" rtl="0">
               <a:lnSpc>
                 <a:spcPct val="90000"/>
               </a:lnSpc>
@@ -6189,7 +6291,7 @@
               <a:buSzPts val="1400"/>
               <a:buFont typeface="Arial"/>
               <a:buChar char="•"/>
-              <a:defRPr b="0" i="0" sz="1400" u="none" cap="none" strike="noStrike">
+              <a:defRPr sz="1400" b="0" i="0" u="none" strike="noStrike" cap="none">
                 <a:solidFill>
                   <a:schemeClr val="dk1"/>
                 </a:solidFill>
@@ -6199,7 +6301,7 @@
                 <a:sym typeface="Arial"/>
               </a:defRPr>
             </a:lvl7pPr>
-            <a:lvl8pPr indent="-317500" lvl="7" marL="3657600" marR="0" rtl="0" algn="l">
+            <a:lvl8pPr marL="3657600" marR="0" lvl="7" indent="-317500" algn="l" rtl="0">
               <a:lnSpc>
                 <a:spcPct val="90000"/>
               </a:lnSpc>
@@ -6215,7 +6317,7 @@
               <a:buSzPts val="1400"/>
               <a:buFont typeface="Arial"/>
               <a:buChar char="•"/>
-              <a:defRPr b="0" i="0" sz="1400" u="none" cap="none" strike="noStrike">
+              <a:defRPr sz="1400" b="0" i="0" u="none" strike="noStrike" cap="none">
                 <a:solidFill>
                   <a:schemeClr val="dk1"/>
                 </a:solidFill>
@@ -6225,7 +6327,7 @@
                 <a:sym typeface="Arial"/>
               </a:defRPr>
             </a:lvl8pPr>
-            <a:lvl9pPr indent="-317500" lvl="8" marL="4114800" marR="0" rtl="0" algn="l">
+            <a:lvl9pPr marL="4114800" marR="0" lvl="8" indent="-317500" algn="l" rtl="0">
               <a:lnSpc>
                 <a:spcPct val="90000"/>
               </a:lnSpc>
@@ -6241,7 +6343,7 @@
               <a:buSzPts val="1400"/>
               <a:buFont typeface="Arial"/>
               <a:buChar char="•"/>
-              <a:defRPr b="0" i="0" sz="1400" u="none" cap="none" strike="noStrike">
+              <a:defRPr sz="1400" b="0" i="0" u="none" strike="noStrike" cap="none">
                 <a:solidFill>
                   <a:schemeClr val="dk1"/>
                 </a:solidFill>
@@ -6252,7 +6354,9 @@
               </a:defRPr>
             </a:lvl9pPr>
           </a:lstStyle>
-          <a:p/>
+          <a:p>
+            <a:endParaRPr/>
+          </a:p>
         </p:txBody>
       </p:sp>
     </p:spTree>
@@ -6262,7 +6366,7 @@
   </p:clrMapOvr>
   <p:extLst>
     <p:ext uri="{DCECCB84-F9BA-43D5-87BE-67443E8EF086}">
-      <p15:sldGuideLst>
+      <p15:sldGuideLst xmlns:p15="http://schemas.microsoft.com/office/powerpoint/2012/main">
         <p15:guide id="1" orient="horz" pos="1620">
           <p15:clr>
             <a:srgbClr val="FBAE40"/>
@@ -6280,11 +6384,11 @@
 </file>
 
 <file path=ppt/slideLayouts/slideLayout18.xml><?xml version="1.0" encoding="utf-8"?>
-<p:sldLayout xmlns:a="http://schemas.openxmlformats.org/drawingml/2006/main" xmlns:r="http://schemas.openxmlformats.org/officeDocument/2006/relationships" xmlns:mc="http://schemas.openxmlformats.org/markup-compatibility/2006" xmlns:mv="urn:schemas-microsoft-com:mac:vml" xmlns:p="http://schemas.openxmlformats.org/presentationml/2006/main" xmlns:c="http://schemas.openxmlformats.org/drawingml/2006/chart" xmlns:dgm="http://schemas.openxmlformats.org/drawingml/2006/diagram" xmlns:o="urn:schemas-microsoft-com:office:office" xmlns:v="urn:schemas-microsoft-com:vml" xmlns:pvml="urn:schemas-microsoft-com:office:powerpoint" xmlns:com="http://schemas.openxmlformats.org/drawingml/2006/compatibility" xmlns:p14="http://schemas.microsoft.com/office/powerpoint/2010/main" xmlns:p15="http://schemas.microsoft.com/office/powerpoint/2012/main" xmlns:ahyp="http://schemas.microsoft.com/office/drawing/2018/hyperlinkcolor" matchingName="Main Slide No Link">
+<p:sldLayout xmlns:a="http://schemas.openxmlformats.org/drawingml/2006/main" xmlns:r="http://schemas.openxmlformats.org/officeDocument/2006/relationships" xmlns:p="http://schemas.openxmlformats.org/presentationml/2006/main" matchingName="Main Slide No Link">
   <p:cSld name="Main Slide No Link">
     <p:spTree>
       <p:nvGrpSpPr>
-        <p:cNvPr id="81" name="Shape 81"/>
+        <p:cNvPr id="1" name="Shape 81"/>
         <p:cNvGrpSpPr/>
         <p:nvPr/>
       </p:nvGrpSpPr>
@@ -6299,9 +6403,11 @@
       <p:sp>
         <p:nvSpPr>
           <p:cNvPr id="82" name="Google Shape;82;p20"/>
-          <p:cNvSpPr txBox="1"/>
+          <p:cNvSpPr txBox="1">
+            <a:spLocks noGrp="1"/>
+          </p:cNvSpPr>
           <p:nvPr>
-            <p:ph idx="12" type="sldNum"/>
+            <p:ph type="sldNum" idx="12"/>
           </p:nvPr>
         </p:nvSpPr>
         <p:spPr>
@@ -6318,11 +6424,11 @@
           </a:ln>
         </p:spPr>
         <p:txBody>
-          <a:bodyPr anchorCtr="0" anchor="ctr" bIns="34275" lIns="68575" spcFirstLastPara="1" rIns="68575" wrap="square" tIns="34275">
+          <a:bodyPr spcFirstLastPara="1" wrap="square" lIns="68575" tIns="34275" rIns="68575" bIns="34275" anchor="ctr" anchorCtr="0">
             <a:noAutofit/>
           </a:bodyPr>
           <a:lstStyle>
-            <a:lvl1pPr indent="0" lvl="0" marL="0" marR="0" algn="r">
+            <a:lvl1pPr marL="0" marR="0" lvl="0" indent="0" algn="r">
               <a:lnSpc>
                 <a:spcPct val="100000"/>
               </a:lnSpc>
@@ -6338,7 +6444,7 @@
               <a:buSzPts val="800"/>
               <a:buFont typeface="Arial"/>
               <a:buNone/>
-              <a:defRPr b="0" i="0" sz="800" u="none" cap="none" strike="noStrike">
+              <a:defRPr sz="800" b="0" i="0" u="none" strike="noStrike" cap="none">
                 <a:solidFill>
                   <a:srgbClr val="8FA1B8"/>
                 </a:solidFill>
@@ -6348,7 +6454,7 @@
                 <a:sym typeface="Arial"/>
               </a:defRPr>
             </a:lvl1pPr>
-            <a:lvl2pPr indent="0" lvl="1" marL="0" marR="0" algn="r">
+            <a:lvl2pPr marL="0" marR="0" lvl="1" indent="0" algn="r">
               <a:lnSpc>
                 <a:spcPct val="100000"/>
               </a:lnSpc>
@@ -6364,7 +6470,7 @@
               <a:buSzPts val="800"/>
               <a:buFont typeface="Arial"/>
               <a:buNone/>
-              <a:defRPr b="0" i="0" sz="800" u="none" cap="none" strike="noStrike">
+              <a:defRPr sz="800" b="0" i="0" u="none" strike="noStrike" cap="none">
                 <a:solidFill>
                   <a:srgbClr val="8FA1B8"/>
                 </a:solidFill>
@@ -6374,7 +6480,7 @@
                 <a:sym typeface="Arial"/>
               </a:defRPr>
             </a:lvl2pPr>
-            <a:lvl3pPr indent="0" lvl="2" marL="0" marR="0" algn="r">
+            <a:lvl3pPr marL="0" marR="0" lvl="2" indent="0" algn="r">
               <a:lnSpc>
                 <a:spcPct val="100000"/>
               </a:lnSpc>
@@ -6390,7 +6496,7 @@
               <a:buSzPts val="800"/>
               <a:buFont typeface="Arial"/>
               <a:buNone/>
-              <a:defRPr b="0" i="0" sz="800" u="none" cap="none" strike="noStrike">
+              <a:defRPr sz="800" b="0" i="0" u="none" strike="noStrike" cap="none">
                 <a:solidFill>
                   <a:srgbClr val="8FA1B8"/>
                 </a:solidFill>
@@ -6400,7 +6506,7 @@
                 <a:sym typeface="Arial"/>
               </a:defRPr>
             </a:lvl3pPr>
-            <a:lvl4pPr indent="0" lvl="3" marL="0" marR="0" algn="r">
+            <a:lvl4pPr marL="0" marR="0" lvl="3" indent="0" algn="r">
               <a:lnSpc>
                 <a:spcPct val="100000"/>
               </a:lnSpc>
@@ -6416,7 +6522,7 @@
               <a:buSzPts val="800"/>
               <a:buFont typeface="Arial"/>
               <a:buNone/>
-              <a:defRPr b="0" i="0" sz="800" u="none" cap="none" strike="noStrike">
+              <a:defRPr sz="800" b="0" i="0" u="none" strike="noStrike" cap="none">
                 <a:solidFill>
                   <a:srgbClr val="8FA1B8"/>
                 </a:solidFill>
@@ -6426,7 +6532,7 @@
                 <a:sym typeface="Arial"/>
               </a:defRPr>
             </a:lvl4pPr>
-            <a:lvl5pPr indent="0" lvl="4" marL="0" marR="0" algn="r">
+            <a:lvl5pPr marL="0" marR="0" lvl="4" indent="0" algn="r">
               <a:lnSpc>
                 <a:spcPct val="100000"/>
               </a:lnSpc>
@@ -6442,7 +6548,7 @@
               <a:buSzPts val="800"/>
               <a:buFont typeface="Arial"/>
               <a:buNone/>
-              <a:defRPr b="0" i="0" sz="800" u="none" cap="none" strike="noStrike">
+              <a:defRPr sz="800" b="0" i="0" u="none" strike="noStrike" cap="none">
                 <a:solidFill>
                   <a:srgbClr val="8FA1B8"/>
                 </a:solidFill>
@@ -6452,7 +6558,7 @@
                 <a:sym typeface="Arial"/>
               </a:defRPr>
             </a:lvl5pPr>
-            <a:lvl6pPr indent="0" lvl="5" marL="0" marR="0" algn="r">
+            <a:lvl6pPr marL="0" marR="0" lvl="5" indent="0" algn="r">
               <a:lnSpc>
                 <a:spcPct val="100000"/>
               </a:lnSpc>
@@ -6468,7 +6574,7 @@
               <a:buSzPts val="800"/>
               <a:buFont typeface="Arial"/>
               <a:buNone/>
-              <a:defRPr b="0" i="0" sz="800" u="none" cap="none" strike="noStrike">
+              <a:defRPr sz="800" b="0" i="0" u="none" strike="noStrike" cap="none">
                 <a:solidFill>
                   <a:srgbClr val="8FA1B8"/>
                 </a:solidFill>
@@ -6478,7 +6584,7 @@
                 <a:sym typeface="Arial"/>
               </a:defRPr>
             </a:lvl6pPr>
-            <a:lvl7pPr indent="0" lvl="6" marL="0" marR="0" algn="r">
+            <a:lvl7pPr marL="0" marR="0" lvl="6" indent="0" algn="r">
               <a:lnSpc>
                 <a:spcPct val="100000"/>
               </a:lnSpc>
@@ -6494,7 +6600,7 @@
               <a:buSzPts val="800"/>
               <a:buFont typeface="Arial"/>
               <a:buNone/>
-              <a:defRPr b="0" i="0" sz="800" u="none" cap="none" strike="noStrike">
+              <a:defRPr sz="800" b="0" i="0" u="none" strike="noStrike" cap="none">
                 <a:solidFill>
                   <a:srgbClr val="8FA1B8"/>
                 </a:solidFill>
@@ -6504,7 +6610,7 @@
                 <a:sym typeface="Arial"/>
               </a:defRPr>
             </a:lvl7pPr>
-            <a:lvl8pPr indent="0" lvl="7" marL="0" marR="0" algn="r">
+            <a:lvl8pPr marL="0" marR="0" lvl="7" indent="0" algn="r">
               <a:lnSpc>
                 <a:spcPct val="100000"/>
               </a:lnSpc>
@@ -6520,7 +6626,7 @@
               <a:buSzPts val="800"/>
               <a:buFont typeface="Arial"/>
               <a:buNone/>
-              <a:defRPr b="0" i="0" sz="800" u="none" cap="none" strike="noStrike">
+              <a:defRPr sz="800" b="0" i="0" u="none" strike="noStrike" cap="none">
                 <a:solidFill>
                   <a:srgbClr val="8FA1B8"/>
                 </a:solidFill>
@@ -6530,7 +6636,7 @@
                 <a:sym typeface="Arial"/>
               </a:defRPr>
             </a:lvl8pPr>
-            <a:lvl9pPr indent="0" lvl="8" marL="0" marR="0" algn="r">
+            <a:lvl9pPr marL="0" marR="0" lvl="8" indent="0" algn="r">
               <a:lnSpc>
                 <a:spcPct val="100000"/>
               </a:lnSpc>
@@ -6546,7 +6652,7 @@
               <a:buSzPts val="800"/>
               <a:buFont typeface="Arial"/>
               <a:buNone/>
-              <a:defRPr b="0" i="0" sz="800" u="none" cap="none" strike="noStrike">
+              <a:defRPr sz="800" b="0" i="0" u="none" strike="noStrike" cap="none">
                 <a:solidFill>
                   <a:srgbClr val="8FA1B8"/>
                 </a:solidFill>
@@ -6558,7 +6664,7 @@
             </a:lvl9pPr>
           </a:lstStyle>
           <a:p>
-            <a:pPr indent="0" lvl="0" marL="0" rtl="0" algn="r">
+            <a:pPr marL="0" lvl="0" indent="0" algn="r" rtl="0">
               <a:spcBef>
                 <a:spcPts val="0"/>
               </a:spcBef>
@@ -6585,7 +6691,7 @@
           <a:blip r:embed="rId2">
             <a:alphaModFix/>
           </a:blip>
-          <a:srcRect b="0" l="0" r="0" t="0"/>
+          <a:srcRect/>
           <a:stretch/>
         </p:blipFill>
         <p:spPr>
@@ -6605,9 +6711,11 @@
       <p:sp>
         <p:nvSpPr>
           <p:cNvPr id="84" name="Google Shape;84;p20"/>
-          <p:cNvSpPr txBox="1"/>
+          <p:cNvSpPr txBox="1">
+            <a:spLocks noGrp="1"/>
+          </p:cNvSpPr>
           <p:nvPr>
-            <p:ph idx="1" type="body"/>
+            <p:ph type="body" idx="1"/>
           </p:nvPr>
         </p:nvSpPr>
         <p:spPr>
@@ -6624,11 +6732,11 @@
           </a:ln>
         </p:spPr>
         <p:txBody>
-          <a:bodyPr anchorCtr="0" anchor="t" bIns="34275" lIns="68575" spcFirstLastPara="1" rIns="68575" wrap="square" tIns="34275">
+          <a:bodyPr spcFirstLastPara="1" wrap="square" lIns="68575" tIns="34275" rIns="68575" bIns="34275" anchor="t" anchorCtr="0">
             <a:noAutofit/>
           </a:bodyPr>
           <a:lstStyle>
-            <a:lvl1pPr indent="-228600" lvl="0" marL="457200" marR="0" rtl="0" algn="r">
+            <a:lvl1pPr marL="457200" marR="0" lvl="0" indent="-228600" algn="r" rtl="0">
               <a:lnSpc>
                 <a:spcPct val="90000"/>
               </a:lnSpc>
@@ -6644,7 +6752,7 @@
               <a:buSzPts val="1800"/>
               <a:buFont typeface="Arial"/>
               <a:buNone/>
-              <a:defRPr b="1" i="0" sz="1800" u="none" cap="none" strike="noStrike">
+              <a:defRPr sz="1800" b="1" i="0" u="none" strike="noStrike" cap="none">
                 <a:solidFill>
                   <a:schemeClr val="lt2"/>
                 </a:solidFill>
@@ -6654,7 +6762,7 @@
                 <a:sym typeface="Arial"/>
               </a:defRPr>
             </a:lvl1pPr>
-            <a:lvl2pPr indent="-228600" lvl="1" marL="914400" marR="0" rtl="0" algn="l">
+            <a:lvl2pPr marL="914400" marR="0" lvl="1" indent="-228600" algn="l" rtl="0">
               <a:lnSpc>
                 <a:spcPct val="90000"/>
               </a:lnSpc>
@@ -6670,7 +6778,7 @@
               <a:buSzPts val="1800"/>
               <a:buFont typeface="Arial"/>
               <a:buNone/>
-              <a:defRPr b="0" i="0" sz="1800" u="none" cap="none" strike="noStrike">
+              <a:defRPr sz="1800" b="0" i="0" u="none" strike="noStrike" cap="none">
                 <a:solidFill>
                   <a:schemeClr val="dk1"/>
                 </a:solidFill>
@@ -6680,7 +6788,7 @@
                 <a:sym typeface="Arial"/>
               </a:defRPr>
             </a:lvl2pPr>
-            <a:lvl3pPr indent="-228600" lvl="2" marL="1371600" marR="0" rtl="0" algn="l">
+            <a:lvl3pPr marL="1371600" marR="0" lvl="2" indent="-228600" algn="l" rtl="0">
               <a:lnSpc>
                 <a:spcPct val="90000"/>
               </a:lnSpc>
@@ -6696,7 +6804,7 @@
               <a:buSzPts val="1800"/>
               <a:buFont typeface="Arial"/>
               <a:buNone/>
-              <a:defRPr b="0" i="0" sz="1800" u="none" cap="none" strike="noStrike">
+              <a:defRPr sz="1800" b="0" i="0" u="none" strike="noStrike" cap="none">
                 <a:solidFill>
                   <a:schemeClr val="dk1"/>
                 </a:solidFill>
@@ -6706,7 +6814,7 @@
                 <a:sym typeface="Arial"/>
               </a:defRPr>
             </a:lvl3pPr>
-            <a:lvl4pPr indent="-228600" lvl="3" marL="1828800" marR="0" rtl="0" algn="l">
+            <a:lvl4pPr marL="1828800" marR="0" lvl="3" indent="-228600" algn="l" rtl="0">
               <a:lnSpc>
                 <a:spcPct val="90000"/>
               </a:lnSpc>
@@ -6722,7 +6830,7 @@
               <a:buSzPts val="1800"/>
               <a:buFont typeface="Arial"/>
               <a:buNone/>
-              <a:defRPr b="0" i="0" sz="1800" u="none" cap="none" strike="noStrike">
+              <a:defRPr sz="1800" b="0" i="0" u="none" strike="noStrike" cap="none">
                 <a:solidFill>
                   <a:schemeClr val="dk1"/>
                 </a:solidFill>
@@ -6732,7 +6840,7 @@
                 <a:sym typeface="Arial"/>
               </a:defRPr>
             </a:lvl4pPr>
-            <a:lvl5pPr indent="-228600" lvl="4" marL="2286000" marR="0" rtl="0" algn="l">
+            <a:lvl5pPr marL="2286000" marR="0" lvl="4" indent="-228600" algn="l" rtl="0">
               <a:lnSpc>
                 <a:spcPct val="90000"/>
               </a:lnSpc>
@@ -6748,7 +6856,7 @@
               <a:buSzPts val="1800"/>
               <a:buFont typeface="Arial"/>
               <a:buNone/>
-              <a:defRPr b="0" i="0" sz="1800" u="none" cap="none" strike="noStrike">
+              <a:defRPr sz="1800" b="0" i="0" u="none" strike="noStrike" cap="none">
                 <a:solidFill>
                   <a:schemeClr val="dk1"/>
                 </a:solidFill>
@@ -6758,7 +6866,7 @@
                 <a:sym typeface="Arial"/>
               </a:defRPr>
             </a:lvl5pPr>
-            <a:lvl6pPr indent="-317500" lvl="5" marL="2743200" marR="0" rtl="0" algn="l">
+            <a:lvl6pPr marL="2743200" marR="0" lvl="5" indent="-317500" algn="l" rtl="0">
               <a:lnSpc>
                 <a:spcPct val="90000"/>
               </a:lnSpc>
@@ -6774,7 +6882,7 @@
               <a:buSzPts val="1400"/>
               <a:buFont typeface="Arial"/>
               <a:buChar char="•"/>
-              <a:defRPr b="0" i="0" sz="1400" u="none" cap="none" strike="noStrike">
+              <a:defRPr sz="1400" b="0" i="0" u="none" strike="noStrike" cap="none">
                 <a:solidFill>
                   <a:schemeClr val="dk1"/>
                 </a:solidFill>
@@ -6784,7 +6892,7 @@
                 <a:sym typeface="Arial"/>
               </a:defRPr>
             </a:lvl6pPr>
-            <a:lvl7pPr indent="-317500" lvl="6" marL="3200400" marR="0" rtl="0" algn="l">
+            <a:lvl7pPr marL="3200400" marR="0" lvl="6" indent="-317500" algn="l" rtl="0">
               <a:lnSpc>
                 <a:spcPct val="90000"/>
               </a:lnSpc>
@@ -6800,7 +6908,7 @@
               <a:buSzPts val="1400"/>
               <a:buFont typeface="Arial"/>
               <a:buChar char="•"/>
-              <a:defRPr b="0" i="0" sz="1400" u="none" cap="none" strike="noStrike">
+              <a:defRPr sz="1400" b="0" i="0" u="none" strike="noStrike" cap="none">
                 <a:solidFill>
                   <a:schemeClr val="dk1"/>
                 </a:solidFill>
@@ -6810,7 +6918,7 @@
                 <a:sym typeface="Arial"/>
               </a:defRPr>
             </a:lvl7pPr>
-            <a:lvl8pPr indent="-317500" lvl="7" marL="3657600" marR="0" rtl="0" algn="l">
+            <a:lvl8pPr marL="3657600" marR="0" lvl="7" indent="-317500" algn="l" rtl="0">
               <a:lnSpc>
                 <a:spcPct val="90000"/>
               </a:lnSpc>
@@ -6826,7 +6934,7 @@
               <a:buSzPts val="1400"/>
               <a:buFont typeface="Arial"/>
               <a:buChar char="•"/>
-              <a:defRPr b="0" i="0" sz="1400" u="none" cap="none" strike="noStrike">
+              <a:defRPr sz="1400" b="0" i="0" u="none" strike="noStrike" cap="none">
                 <a:solidFill>
                   <a:schemeClr val="dk1"/>
                 </a:solidFill>
@@ -6836,7 +6944,7 @@
                 <a:sym typeface="Arial"/>
               </a:defRPr>
             </a:lvl8pPr>
-            <a:lvl9pPr indent="-317500" lvl="8" marL="4114800" marR="0" rtl="0" algn="l">
+            <a:lvl9pPr marL="4114800" marR="0" lvl="8" indent="-317500" algn="l" rtl="0">
               <a:lnSpc>
                 <a:spcPct val="90000"/>
               </a:lnSpc>
@@ -6852,7 +6960,7 @@
               <a:buSzPts val="1400"/>
               <a:buFont typeface="Arial"/>
               <a:buChar char="•"/>
-              <a:defRPr b="0" i="0" sz="1400" u="none" cap="none" strike="noStrike">
+              <a:defRPr sz="1400" b="0" i="0" u="none" strike="noStrike" cap="none">
                 <a:solidFill>
                   <a:schemeClr val="dk1"/>
                 </a:solidFill>
@@ -6863,7 +6971,9 @@
               </a:defRPr>
             </a:lvl9pPr>
           </a:lstStyle>
-          <a:p/>
+          <a:p>
+            <a:endParaRPr/>
+          </a:p>
         </p:txBody>
       </p:sp>
     </p:spTree>
@@ -6873,7 +6983,7 @@
   </p:clrMapOvr>
   <p:extLst>
     <p:ext uri="{DCECCB84-F9BA-43D5-87BE-67443E8EF086}">
-      <p15:sldGuideLst>
+      <p15:sldGuideLst xmlns:p15="http://schemas.microsoft.com/office/powerpoint/2012/main">
         <p15:guide id="1" orient="horz" pos="1620">
           <p15:clr>
             <a:srgbClr val="FBAE40"/>
@@ -6891,11 +7001,11 @@
 </file>
 
 <file path=ppt/slideLayouts/slideLayout19.xml><?xml version="1.0" encoding="utf-8"?>
-<p:sldLayout xmlns:a="http://schemas.openxmlformats.org/drawingml/2006/main" xmlns:r="http://schemas.openxmlformats.org/officeDocument/2006/relationships" xmlns:mc="http://schemas.openxmlformats.org/markup-compatibility/2006" xmlns:mv="urn:schemas-microsoft-com:mac:vml" xmlns:p="http://schemas.openxmlformats.org/presentationml/2006/main" xmlns:c="http://schemas.openxmlformats.org/drawingml/2006/chart" xmlns:dgm="http://schemas.openxmlformats.org/drawingml/2006/diagram" xmlns:o="urn:schemas-microsoft-com:office:office" xmlns:v="urn:schemas-microsoft-com:vml" xmlns:pvml="urn:schemas-microsoft-com:office:powerpoint" xmlns:com="http://schemas.openxmlformats.org/drawingml/2006/compatibility" xmlns:p14="http://schemas.microsoft.com/office/powerpoint/2010/main" xmlns:p15="http://schemas.microsoft.com/office/powerpoint/2012/main" xmlns:ahyp="http://schemas.microsoft.com/office/drawing/2018/hyperlinkcolor" matchingName="Main Slide Blank">
+<p:sldLayout xmlns:a="http://schemas.openxmlformats.org/drawingml/2006/main" xmlns:r="http://schemas.openxmlformats.org/officeDocument/2006/relationships" xmlns:p="http://schemas.openxmlformats.org/presentationml/2006/main" matchingName="Main Slide Blank">
   <p:cSld name="1_Main Slide Blank">
     <p:spTree>
       <p:nvGrpSpPr>
-        <p:cNvPr id="85" name="Shape 85"/>
+        <p:cNvPr id="1" name="Shape 85"/>
         <p:cNvGrpSpPr/>
         <p:nvPr/>
       </p:nvGrpSpPr>
@@ -6910,9 +7020,11 @@
       <p:sp>
         <p:nvSpPr>
           <p:cNvPr id="86" name="Google Shape;86;p21"/>
-          <p:cNvSpPr txBox="1"/>
+          <p:cNvSpPr txBox="1">
+            <a:spLocks noGrp="1"/>
+          </p:cNvSpPr>
           <p:nvPr>
-            <p:ph idx="11" type="ftr"/>
+            <p:ph type="ftr" idx="11"/>
           </p:nvPr>
         </p:nvSpPr>
         <p:spPr>
@@ -6929,11 +7041,11 @@
           </a:ln>
         </p:spPr>
         <p:txBody>
-          <a:bodyPr anchorCtr="0" anchor="ctr" bIns="34275" lIns="68575" spcFirstLastPara="1" rIns="68575" wrap="square" tIns="34275">
+          <a:bodyPr spcFirstLastPara="1" wrap="square" lIns="68575" tIns="34275" rIns="68575" bIns="34275" anchor="ctr" anchorCtr="0">
             <a:noAutofit/>
           </a:bodyPr>
           <a:lstStyle>
-            <a:lvl1pPr lvl="0" marR="0" rtl="0" algn="l">
+            <a:lvl1pPr marR="0" lvl="0" algn="l" rtl="0">
               <a:spcBef>
                 <a:spcPts val="0"/>
               </a:spcBef>
@@ -6956,7 +7068,7 @@
                 <a:sym typeface="Arial"/>
               </a:defRPr>
             </a:lvl1pPr>
-            <a:lvl2pPr lvl="1" marR="0" rtl="0" algn="l">
+            <a:lvl2pPr marR="0" lvl="1" algn="l" rtl="0">
               <a:spcBef>
                 <a:spcPts val="0"/>
               </a:spcBef>
@@ -6969,7 +7081,7 @@
               <a:buSzPts val="1100"/>
               <a:buFont typeface="Arial"/>
               <a:buNone/>
-              <a:defRPr b="0" i="0" sz="1400" u="none" cap="none" strike="noStrike">
+              <a:defRPr sz="1400" b="0" i="0" u="none" strike="noStrike" cap="none">
                 <a:solidFill>
                   <a:schemeClr val="dk1"/>
                 </a:solidFill>
@@ -6979,7 +7091,7 @@
                 <a:sym typeface="Arial"/>
               </a:defRPr>
             </a:lvl2pPr>
-            <a:lvl3pPr lvl="2" marR="0" rtl="0" algn="l">
+            <a:lvl3pPr marR="0" lvl="2" algn="l" rtl="0">
               <a:spcBef>
                 <a:spcPts val="0"/>
               </a:spcBef>
@@ -6992,7 +7104,7 @@
               <a:buSzPts val="1100"/>
               <a:buFont typeface="Arial"/>
               <a:buNone/>
-              <a:defRPr b="0" i="0" sz="1400" u="none" cap="none" strike="noStrike">
+              <a:defRPr sz="1400" b="0" i="0" u="none" strike="noStrike" cap="none">
                 <a:solidFill>
                   <a:schemeClr val="dk1"/>
                 </a:solidFill>
@@ -7002,7 +7114,7 @@
                 <a:sym typeface="Arial"/>
               </a:defRPr>
             </a:lvl3pPr>
-            <a:lvl4pPr lvl="3" marR="0" rtl="0" algn="l">
+            <a:lvl4pPr marR="0" lvl="3" algn="l" rtl="0">
               <a:spcBef>
                 <a:spcPts val="0"/>
               </a:spcBef>
@@ -7015,7 +7127,7 @@
               <a:buSzPts val="1100"/>
               <a:buFont typeface="Arial"/>
               <a:buNone/>
-              <a:defRPr b="0" i="0" sz="1400" u="none" cap="none" strike="noStrike">
+              <a:defRPr sz="1400" b="0" i="0" u="none" strike="noStrike" cap="none">
                 <a:solidFill>
                   <a:schemeClr val="dk1"/>
                 </a:solidFill>
@@ -7025,7 +7137,7 @@
                 <a:sym typeface="Arial"/>
               </a:defRPr>
             </a:lvl4pPr>
-            <a:lvl5pPr lvl="4" marR="0" rtl="0" algn="l">
+            <a:lvl5pPr marR="0" lvl="4" algn="l" rtl="0">
               <a:spcBef>
                 <a:spcPts val="0"/>
               </a:spcBef>
@@ -7038,7 +7150,7 @@
               <a:buSzPts val="1100"/>
               <a:buFont typeface="Arial"/>
               <a:buNone/>
-              <a:defRPr b="0" i="0" sz="1400" u="none" cap="none" strike="noStrike">
+              <a:defRPr sz="1400" b="0" i="0" u="none" strike="noStrike" cap="none">
                 <a:solidFill>
                   <a:schemeClr val="dk1"/>
                 </a:solidFill>
@@ -7048,7 +7160,7 @@
                 <a:sym typeface="Arial"/>
               </a:defRPr>
             </a:lvl5pPr>
-            <a:lvl6pPr lvl="5" marR="0" rtl="0" algn="l">
+            <a:lvl6pPr marR="0" lvl="5" algn="l" rtl="0">
               <a:spcBef>
                 <a:spcPts val="0"/>
               </a:spcBef>
@@ -7061,7 +7173,7 @@
               <a:buSzPts val="1100"/>
               <a:buFont typeface="Arial"/>
               <a:buNone/>
-              <a:defRPr b="0" i="0" sz="1400" u="none" cap="none" strike="noStrike">
+              <a:defRPr sz="1400" b="0" i="0" u="none" strike="noStrike" cap="none">
                 <a:solidFill>
                   <a:schemeClr val="dk1"/>
                 </a:solidFill>
@@ -7071,7 +7183,7 @@
                 <a:sym typeface="Arial"/>
               </a:defRPr>
             </a:lvl6pPr>
-            <a:lvl7pPr lvl="6" marR="0" rtl="0" algn="l">
+            <a:lvl7pPr marR="0" lvl="6" algn="l" rtl="0">
               <a:spcBef>
                 <a:spcPts val="0"/>
               </a:spcBef>
@@ -7084,7 +7196,7 @@
               <a:buSzPts val="1100"/>
               <a:buFont typeface="Arial"/>
               <a:buNone/>
-              <a:defRPr b="0" i="0" sz="1400" u="none" cap="none" strike="noStrike">
+              <a:defRPr sz="1400" b="0" i="0" u="none" strike="noStrike" cap="none">
                 <a:solidFill>
                   <a:schemeClr val="dk1"/>
                 </a:solidFill>
@@ -7094,7 +7206,7 @@
                 <a:sym typeface="Arial"/>
               </a:defRPr>
             </a:lvl7pPr>
-            <a:lvl8pPr lvl="7" marR="0" rtl="0" algn="l">
+            <a:lvl8pPr marR="0" lvl="7" algn="l" rtl="0">
               <a:spcBef>
                 <a:spcPts val="0"/>
               </a:spcBef>
@@ -7107,7 +7219,7 @@
               <a:buSzPts val="1100"/>
               <a:buFont typeface="Arial"/>
               <a:buNone/>
-              <a:defRPr b="0" i="0" sz="1400" u="none" cap="none" strike="noStrike">
+              <a:defRPr sz="1400" b="0" i="0" u="none" strike="noStrike" cap="none">
                 <a:solidFill>
                   <a:schemeClr val="dk1"/>
                 </a:solidFill>
@@ -7117,7 +7229,7 @@
                 <a:sym typeface="Arial"/>
               </a:defRPr>
             </a:lvl8pPr>
-            <a:lvl9pPr lvl="8" marR="0" rtl="0" algn="l">
+            <a:lvl9pPr marR="0" lvl="8" algn="l" rtl="0">
               <a:spcBef>
                 <a:spcPts val="0"/>
               </a:spcBef>
@@ -7130,7 +7242,7 @@
               <a:buSzPts val="1100"/>
               <a:buFont typeface="Arial"/>
               <a:buNone/>
-              <a:defRPr b="0" i="0" sz="1400" u="none" cap="none" strike="noStrike">
+              <a:defRPr sz="1400" b="0" i="0" u="none" strike="noStrike" cap="none">
                 <a:solidFill>
                   <a:schemeClr val="dk1"/>
                 </a:solidFill>
@@ -7141,15 +7253,19 @@
               </a:defRPr>
             </a:lvl9pPr>
           </a:lstStyle>
-          <a:p/>
+          <a:p>
+            <a:endParaRPr/>
+          </a:p>
         </p:txBody>
       </p:sp>
       <p:sp>
         <p:nvSpPr>
           <p:cNvPr id="87" name="Google Shape;87;p21"/>
-          <p:cNvSpPr txBox="1"/>
+          <p:cNvSpPr txBox="1">
+            <a:spLocks noGrp="1"/>
+          </p:cNvSpPr>
           <p:nvPr>
-            <p:ph idx="12" type="sldNum"/>
+            <p:ph type="sldNum" idx="12"/>
           </p:nvPr>
         </p:nvSpPr>
         <p:spPr>
@@ -7166,11 +7282,11 @@
           </a:ln>
         </p:spPr>
         <p:txBody>
-          <a:bodyPr anchorCtr="0" anchor="ctr" bIns="34275" lIns="68575" spcFirstLastPara="1" rIns="68575" wrap="square" tIns="34275">
+          <a:bodyPr spcFirstLastPara="1" wrap="square" lIns="68575" tIns="34275" rIns="68575" bIns="34275" anchor="ctr" anchorCtr="0">
             <a:noAutofit/>
           </a:bodyPr>
           <a:lstStyle>
-            <a:lvl1pPr indent="0" lvl="0" marL="0" marR="0" algn="r">
+            <a:lvl1pPr marL="0" marR="0" lvl="0" indent="0" algn="r">
               <a:lnSpc>
                 <a:spcPct val="100000"/>
               </a:lnSpc>
@@ -7186,7 +7302,7 @@
               <a:buSzPts val="800"/>
               <a:buFont typeface="Arial"/>
               <a:buNone/>
-              <a:defRPr b="0" i="0" sz="800" u="none" cap="none" strike="noStrike">
+              <a:defRPr sz="800" b="0" i="0" u="none" strike="noStrike" cap="none">
                 <a:solidFill>
                   <a:srgbClr val="8FA1B8"/>
                 </a:solidFill>
@@ -7196,7 +7312,7 @@
                 <a:sym typeface="Arial"/>
               </a:defRPr>
             </a:lvl1pPr>
-            <a:lvl2pPr indent="0" lvl="1" marL="0" marR="0" algn="r">
+            <a:lvl2pPr marL="0" marR="0" lvl="1" indent="0" algn="r">
               <a:lnSpc>
                 <a:spcPct val="100000"/>
               </a:lnSpc>
@@ -7212,7 +7328,7 @@
               <a:buSzPts val="800"/>
               <a:buFont typeface="Arial"/>
               <a:buNone/>
-              <a:defRPr b="0" i="0" sz="800" u="none" cap="none" strike="noStrike">
+              <a:defRPr sz="800" b="0" i="0" u="none" strike="noStrike" cap="none">
                 <a:solidFill>
                   <a:srgbClr val="8FA1B8"/>
                 </a:solidFill>
@@ -7222,7 +7338,7 @@
                 <a:sym typeface="Arial"/>
               </a:defRPr>
             </a:lvl2pPr>
-            <a:lvl3pPr indent="0" lvl="2" marL="0" marR="0" algn="r">
+            <a:lvl3pPr marL="0" marR="0" lvl="2" indent="0" algn="r">
               <a:lnSpc>
                 <a:spcPct val="100000"/>
               </a:lnSpc>
@@ -7238,7 +7354,7 @@
               <a:buSzPts val="800"/>
               <a:buFont typeface="Arial"/>
               <a:buNone/>
-              <a:defRPr b="0" i="0" sz="800" u="none" cap="none" strike="noStrike">
+              <a:defRPr sz="800" b="0" i="0" u="none" strike="noStrike" cap="none">
                 <a:solidFill>
                   <a:srgbClr val="8FA1B8"/>
                 </a:solidFill>
@@ -7248,7 +7364,7 @@
                 <a:sym typeface="Arial"/>
               </a:defRPr>
             </a:lvl3pPr>
-            <a:lvl4pPr indent="0" lvl="3" marL="0" marR="0" algn="r">
+            <a:lvl4pPr marL="0" marR="0" lvl="3" indent="0" algn="r">
               <a:lnSpc>
                 <a:spcPct val="100000"/>
               </a:lnSpc>
@@ -7264,7 +7380,7 @@
               <a:buSzPts val="800"/>
               <a:buFont typeface="Arial"/>
               <a:buNone/>
-              <a:defRPr b="0" i="0" sz="800" u="none" cap="none" strike="noStrike">
+              <a:defRPr sz="800" b="0" i="0" u="none" strike="noStrike" cap="none">
                 <a:solidFill>
                   <a:srgbClr val="8FA1B8"/>
                 </a:solidFill>
@@ -7274,7 +7390,7 @@
                 <a:sym typeface="Arial"/>
               </a:defRPr>
             </a:lvl4pPr>
-            <a:lvl5pPr indent="0" lvl="4" marL="0" marR="0" algn="r">
+            <a:lvl5pPr marL="0" marR="0" lvl="4" indent="0" algn="r">
               <a:lnSpc>
                 <a:spcPct val="100000"/>
               </a:lnSpc>
@@ -7290,7 +7406,7 @@
               <a:buSzPts val="800"/>
               <a:buFont typeface="Arial"/>
               <a:buNone/>
-              <a:defRPr b="0" i="0" sz="800" u="none" cap="none" strike="noStrike">
+              <a:defRPr sz="800" b="0" i="0" u="none" strike="noStrike" cap="none">
                 <a:solidFill>
                   <a:srgbClr val="8FA1B8"/>
                 </a:solidFill>
@@ -7300,7 +7416,7 @@
                 <a:sym typeface="Arial"/>
               </a:defRPr>
             </a:lvl5pPr>
-            <a:lvl6pPr indent="0" lvl="5" marL="0" marR="0" algn="r">
+            <a:lvl6pPr marL="0" marR="0" lvl="5" indent="0" algn="r">
               <a:lnSpc>
                 <a:spcPct val="100000"/>
               </a:lnSpc>
@@ -7316,7 +7432,7 @@
               <a:buSzPts val="800"/>
               <a:buFont typeface="Arial"/>
               <a:buNone/>
-              <a:defRPr b="0" i="0" sz="800" u="none" cap="none" strike="noStrike">
+              <a:defRPr sz="800" b="0" i="0" u="none" strike="noStrike" cap="none">
                 <a:solidFill>
                   <a:srgbClr val="8FA1B8"/>
                 </a:solidFill>
@@ -7326,7 +7442,7 @@
                 <a:sym typeface="Arial"/>
               </a:defRPr>
             </a:lvl6pPr>
-            <a:lvl7pPr indent="0" lvl="6" marL="0" marR="0" algn="r">
+            <a:lvl7pPr marL="0" marR="0" lvl="6" indent="0" algn="r">
               <a:lnSpc>
                 <a:spcPct val="100000"/>
               </a:lnSpc>
@@ -7342,7 +7458,7 @@
               <a:buSzPts val="800"/>
               <a:buFont typeface="Arial"/>
               <a:buNone/>
-              <a:defRPr b="0" i="0" sz="800" u="none" cap="none" strike="noStrike">
+              <a:defRPr sz="800" b="0" i="0" u="none" strike="noStrike" cap="none">
                 <a:solidFill>
                   <a:srgbClr val="8FA1B8"/>
                 </a:solidFill>
@@ -7352,7 +7468,7 @@
                 <a:sym typeface="Arial"/>
               </a:defRPr>
             </a:lvl7pPr>
-            <a:lvl8pPr indent="0" lvl="7" marL="0" marR="0" algn="r">
+            <a:lvl8pPr marL="0" marR="0" lvl="7" indent="0" algn="r">
               <a:lnSpc>
                 <a:spcPct val="100000"/>
               </a:lnSpc>
@@ -7368,7 +7484,7 @@
               <a:buSzPts val="800"/>
               <a:buFont typeface="Arial"/>
               <a:buNone/>
-              <a:defRPr b="0" i="0" sz="800" u="none" cap="none" strike="noStrike">
+              <a:defRPr sz="800" b="0" i="0" u="none" strike="noStrike" cap="none">
                 <a:solidFill>
                   <a:srgbClr val="8FA1B8"/>
                 </a:solidFill>
@@ -7378,7 +7494,7 @@
                 <a:sym typeface="Arial"/>
               </a:defRPr>
             </a:lvl8pPr>
-            <a:lvl9pPr indent="0" lvl="8" marL="0" marR="0" algn="r">
+            <a:lvl9pPr marL="0" marR="0" lvl="8" indent="0" algn="r">
               <a:lnSpc>
                 <a:spcPct val="100000"/>
               </a:lnSpc>
@@ -7394,7 +7510,7 @@
               <a:buSzPts val="800"/>
               <a:buFont typeface="Arial"/>
               <a:buNone/>
-              <a:defRPr b="0" i="0" sz="800" u="none" cap="none" strike="noStrike">
+              <a:defRPr sz="800" b="0" i="0" u="none" strike="noStrike" cap="none">
                 <a:solidFill>
                   <a:srgbClr val="8FA1B8"/>
                 </a:solidFill>
@@ -7406,7 +7522,7 @@
             </a:lvl9pPr>
           </a:lstStyle>
           <a:p>
-            <a:pPr indent="0" lvl="0" marL="0" rtl="0" algn="r">
+            <a:pPr marL="0" lvl="0" indent="0" algn="r" rtl="0">
               <a:spcBef>
                 <a:spcPts val="0"/>
               </a:spcBef>
@@ -7433,7 +7549,7 @@
           <a:blip r:embed="rId2">
             <a:alphaModFix/>
           </a:blip>
-          <a:srcRect b="0" l="0" r="0" t="0"/>
+          <a:srcRect/>
           <a:stretch/>
         </p:blipFill>
         <p:spPr>
@@ -7453,9 +7569,11 @@
       <p:sp>
         <p:nvSpPr>
           <p:cNvPr id="89" name="Google Shape;89;p21"/>
-          <p:cNvSpPr txBox="1"/>
+          <p:cNvSpPr txBox="1">
+            <a:spLocks noGrp="1"/>
+          </p:cNvSpPr>
           <p:nvPr>
-            <p:ph idx="1" type="body"/>
+            <p:ph type="body" idx="1"/>
           </p:nvPr>
         </p:nvSpPr>
         <p:spPr>
@@ -7472,11 +7590,11 @@
           </a:ln>
         </p:spPr>
         <p:txBody>
-          <a:bodyPr anchorCtr="0" anchor="t" bIns="34275" lIns="68575" spcFirstLastPara="1" rIns="68575" wrap="square" tIns="34275">
+          <a:bodyPr spcFirstLastPara="1" wrap="square" lIns="68575" tIns="34275" rIns="68575" bIns="34275" anchor="t" anchorCtr="0">
             <a:noAutofit/>
           </a:bodyPr>
           <a:lstStyle>
-            <a:lvl1pPr indent="-228600" lvl="0" marL="457200" marR="0" rtl="0" algn="r">
+            <a:lvl1pPr marL="457200" marR="0" lvl="0" indent="-228600" algn="r" rtl="0">
               <a:lnSpc>
                 <a:spcPct val="90000"/>
               </a:lnSpc>
@@ -7492,7 +7610,7 @@
               <a:buSzPts val="1800"/>
               <a:buFont typeface="Arial"/>
               <a:buNone/>
-              <a:defRPr b="1" i="0" sz="1800" u="none" cap="none" strike="noStrike">
+              <a:defRPr sz="1800" b="1" i="0" u="none" strike="noStrike" cap="none">
                 <a:solidFill>
                   <a:schemeClr val="lt2"/>
                 </a:solidFill>
@@ -7502,7 +7620,7 @@
                 <a:sym typeface="Arial"/>
               </a:defRPr>
             </a:lvl1pPr>
-            <a:lvl2pPr indent="-228600" lvl="1" marL="914400" marR="0" rtl="0" algn="l">
+            <a:lvl2pPr marL="914400" marR="0" lvl="1" indent="-228600" algn="l" rtl="0">
               <a:lnSpc>
                 <a:spcPct val="90000"/>
               </a:lnSpc>
@@ -7518,7 +7636,7 @@
               <a:buSzPts val="1800"/>
               <a:buFont typeface="Arial"/>
               <a:buNone/>
-              <a:defRPr b="0" i="0" sz="1800" u="none" cap="none" strike="noStrike">
+              <a:defRPr sz="1800" b="0" i="0" u="none" strike="noStrike" cap="none">
                 <a:solidFill>
                   <a:schemeClr val="dk1"/>
                 </a:solidFill>
@@ -7528,7 +7646,7 @@
                 <a:sym typeface="Arial"/>
               </a:defRPr>
             </a:lvl2pPr>
-            <a:lvl3pPr indent="-228600" lvl="2" marL="1371600" marR="0" rtl="0" algn="l">
+            <a:lvl3pPr marL="1371600" marR="0" lvl="2" indent="-228600" algn="l" rtl="0">
               <a:lnSpc>
                 <a:spcPct val="90000"/>
               </a:lnSpc>
@@ -7544,7 +7662,7 @@
               <a:buSzPts val="1800"/>
               <a:buFont typeface="Arial"/>
               <a:buNone/>
-              <a:defRPr b="0" i="0" sz="1800" u="none" cap="none" strike="noStrike">
+              <a:defRPr sz="1800" b="0" i="0" u="none" strike="noStrike" cap="none">
                 <a:solidFill>
                   <a:schemeClr val="dk1"/>
                 </a:solidFill>
@@ -7554,7 +7672,7 @@
                 <a:sym typeface="Arial"/>
               </a:defRPr>
             </a:lvl3pPr>
-            <a:lvl4pPr indent="-228600" lvl="3" marL="1828800" marR="0" rtl="0" algn="l">
+            <a:lvl4pPr marL="1828800" marR="0" lvl="3" indent="-228600" algn="l" rtl="0">
               <a:lnSpc>
                 <a:spcPct val="90000"/>
               </a:lnSpc>
@@ -7570,7 +7688,7 @@
               <a:buSzPts val="1800"/>
               <a:buFont typeface="Arial"/>
               <a:buNone/>
-              <a:defRPr b="0" i="0" sz="1800" u="none" cap="none" strike="noStrike">
+              <a:defRPr sz="1800" b="0" i="0" u="none" strike="noStrike" cap="none">
                 <a:solidFill>
                   <a:schemeClr val="dk1"/>
                 </a:solidFill>
@@ -7580,7 +7698,7 @@
                 <a:sym typeface="Arial"/>
               </a:defRPr>
             </a:lvl4pPr>
-            <a:lvl5pPr indent="-228600" lvl="4" marL="2286000" marR="0" rtl="0" algn="l">
+            <a:lvl5pPr marL="2286000" marR="0" lvl="4" indent="-228600" algn="l" rtl="0">
               <a:lnSpc>
                 <a:spcPct val="90000"/>
               </a:lnSpc>
@@ -7596,7 +7714,7 @@
               <a:buSzPts val="1800"/>
               <a:buFont typeface="Arial"/>
               <a:buNone/>
-              <a:defRPr b="0" i="0" sz="1800" u="none" cap="none" strike="noStrike">
+              <a:defRPr sz="1800" b="0" i="0" u="none" strike="noStrike" cap="none">
                 <a:solidFill>
                   <a:schemeClr val="dk1"/>
                 </a:solidFill>
@@ -7606,7 +7724,7 @@
                 <a:sym typeface="Arial"/>
               </a:defRPr>
             </a:lvl5pPr>
-            <a:lvl6pPr indent="-317500" lvl="5" marL="2743200" marR="0" rtl="0" algn="l">
+            <a:lvl6pPr marL="2743200" marR="0" lvl="5" indent="-317500" algn="l" rtl="0">
               <a:lnSpc>
                 <a:spcPct val="90000"/>
               </a:lnSpc>
@@ -7622,7 +7740,7 @@
               <a:buSzPts val="1400"/>
               <a:buFont typeface="Arial"/>
               <a:buChar char="•"/>
-              <a:defRPr b="0" i="0" sz="1400" u="none" cap="none" strike="noStrike">
+              <a:defRPr sz="1400" b="0" i="0" u="none" strike="noStrike" cap="none">
                 <a:solidFill>
                   <a:schemeClr val="dk1"/>
                 </a:solidFill>
@@ -7632,7 +7750,7 @@
                 <a:sym typeface="Arial"/>
               </a:defRPr>
             </a:lvl6pPr>
-            <a:lvl7pPr indent="-317500" lvl="6" marL="3200400" marR="0" rtl="0" algn="l">
+            <a:lvl7pPr marL="3200400" marR="0" lvl="6" indent="-317500" algn="l" rtl="0">
               <a:lnSpc>
                 <a:spcPct val="90000"/>
               </a:lnSpc>
@@ -7648,7 +7766,7 @@
               <a:buSzPts val="1400"/>
               <a:buFont typeface="Arial"/>
               <a:buChar char="•"/>
-              <a:defRPr b="0" i="0" sz="1400" u="none" cap="none" strike="noStrike">
+              <a:defRPr sz="1400" b="0" i="0" u="none" strike="noStrike" cap="none">
                 <a:solidFill>
                   <a:schemeClr val="dk1"/>
                 </a:solidFill>
@@ -7658,7 +7776,7 @@
                 <a:sym typeface="Arial"/>
               </a:defRPr>
             </a:lvl7pPr>
-            <a:lvl8pPr indent="-317500" lvl="7" marL="3657600" marR="0" rtl="0" algn="l">
+            <a:lvl8pPr marL="3657600" marR="0" lvl="7" indent="-317500" algn="l" rtl="0">
               <a:lnSpc>
                 <a:spcPct val="90000"/>
               </a:lnSpc>
@@ -7674,7 +7792,7 @@
               <a:buSzPts val="1400"/>
               <a:buFont typeface="Arial"/>
               <a:buChar char="•"/>
-              <a:defRPr b="0" i="0" sz="1400" u="none" cap="none" strike="noStrike">
+              <a:defRPr sz="1400" b="0" i="0" u="none" strike="noStrike" cap="none">
                 <a:solidFill>
                   <a:schemeClr val="dk1"/>
                 </a:solidFill>
@@ -7684,7 +7802,7 @@
                 <a:sym typeface="Arial"/>
               </a:defRPr>
             </a:lvl8pPr>
-            <a:lvl9pPr indent="-317500" lvl="8" marL="4114800" marR="0" rtl="0" algn="l">
+            <a:lvl9pPr marL="4114800" marR="0" lvl="8" indent="-317500" algn="l" rtl="0">
               <a:lnSpc>
                 <a:spcPct val="90000"/>
               </a:lnSpc>
@@ -7700,7 +7818,7 @@
               <a:buSzPts val="1400"/>
               <a:buFont typeface="Arial"/>
               <a:buChar char="•"/>
-              <a:defRPr b="0" i="0" sz="1400" u="none" cap="none" strike="noStrike">
+              <a:defRPr sz="1400" b="0" i="0" u="none" strike="noStrike" cap="none">
                 <a:solidFill>
                   <a:schemeClr val="dk1"/>
                 </a:solidFill>
@@ -7711,7 +7829,9 @@
               </a:defRPr>
             </a:lvl9pPr>
           </a:lstStyle>
-          <a:p/>
+          <a:p>
+            <a:endParaRPr/>
+          </a:p>
         </p:txBody>
       </p:sp>
     </p:spTree>
@@ -7721,7 +7841,7 @@
   </p:clrMapOvr>
   <p:extLst>
     <p:ext uri="{DCECCB84-F9BA-43D5-87BE-67443E8EF086}">
-      <p15:sldGuideLst>
+      <p15:sldGuideLst xmlns:p15="http://schemas.microsoft.com/office/powerpoint/2012/main">
         <p15:guide id="1" orient="horz" pos="1620">
           <p15:clr>
             <a:srgbClr val="FBAE40"/>
@@ -7739,11 +7859,11 @@
 </file>
 
 <file path=ppt/slideLayouts/slideLayout2.xml><?xml version="1.0" encoding="utf-8"?>
-<p:sldLayout xmlns:a="http://schemas.openxmlformats.org/drawingml/2006/main" xmlns:r="http://schemas.openxmlformats.org/officeDocument/2006/relationships" xmlns:mc="http://schemas.openxmlformats.org/markup-compatibility/2006" xmlns:mv="urn:schemas-microsoft-com:mac:vml" xmlns:p="http://schemas.openxmlformats.org/presentationml/2006/main" xmlns:c="http://schemas.openxmlformats.org/drawingml/2006/chart" xmlns:dgm="http://schemas.openxmlformats.org/drawingml/2006/diagram" xmlns:o="urn:schemas-microsoft-com:office:office" xmlns:v="urn:schemas-microsoft-com:vml" xmlns:pvml="urn:schemas-microsoft-com:office:powerpoint" xmlns:com="http://schemas.openxmlformats.org/drawingml/2006/compatibility" xmlns:p14="http://schemas.microsoft.com/office/powerpoint/2010/main" xmlns:p15="http://schemas.microsoft.com/office/powerpoint/2012/main" xmlns:ahyp="http://schemas.microsoft.com/office/drawing/2018/hyperlinkcolor" matchingName="Section header" type="secHead">
+<p:sldLayout xmlns:a="http://schemas.openxmlformats.org/drawingml/2006/main" xmlns:r="http://schemas.openxmlformats.org/officeDocument/2006/relationships" xmlns:p="http://schemas.openxmlformats.org/presentationml/2006/main" matchingName="Section header" type="secHead">
   <p:cSld name="SECTION_HEADER">
     <p:spTree>
       <p:nvGrpSpPr>
-        <p:cNvPr id="13" name="Shape 13"/>
+        <p:cNvPr id="1" name="Shape 13"/>
         <p:cNvGrpSpPr/>
         <p:nvPr/>
       </p:nvGrpSpPr>
@@ -7758,7 +7878,9 @@
       <p:sp>
         <p:nvSpPr>
           <p:cNvPr id="14" name="Google Shape;14;p3"/>
-          <p:cNvSpPr txBox="1"/>
+          <p:cNvSpPr txBox="1">
+            <a:spLocks noGrp="1"/>
+          </p:cNvSpPr>
           <p:nvPr>
             <p:ph type="title"/>
           </p:nvPr>
@@ -7773,7 +7895,7 @@
           </a:prstGeom>
         </p:spPr>
         <p:txBody>
-          <a:bodyPr anchorCtr="0" anchor="ctr" bIns="91425" lIns="91425" spcFirstLastPara="1" rIns="91425" wrap="square" tIns="91425">
+          <a:bodyPr spcFirstLastPara="1" wrap="square" lIns="91425" tIns="91425" rIns="91425" bIns="91425" anchor="ctr" anchorCtr="0">
             <a:normAutofit/>
           </a:bodyPr>
           <a:lstStyle>
@@ -7877,15 +7999,19 @@
               <a:defRPr sz="3600"/>
             </a:lvl9pPr>
           </a:lstStyle>
-          <a:p/>
+          <a:p>
+            <a:endParaRPr/>
+          </a:p>
         </p:txBody>
       </p:sp>
       <p:sp>
         <p:nvSpPr>
           <p:cNvPr id="15" name="Google Shape;15;p3"/>
-          <p:cNvSpPr txBox="1"/>
+          <p:cNvSpPr txBox="1">
+            <a:spLocks noGrp="1"/>
+          </p:cNvSpPr>
           <p:nvPr>
-            <p:ph idx="12" type="sldNum"/>
+            <p:ph type="sldNum" idx="12"/>
           </p:nvPr>
         </p:nvSpPr>
         <p:spPr>
@@ -7898,7 +8024,7 @@
           </a:prstGeom>
         </p:spPr>
         <p:txBody>
-          <a:bodyPr anchorCtr="0" anchor="ctr" bIns="91425" lIns="91425" spcFirstLastPara="1" rIns="91425" wrap="square" tIns="91425">
+          <a:bodyPr spcFirstLastPara="1" wrap="square" lIns="91425" tIns="91425" rIns="91425" bIns="91425" anchor="ctr" anchorCtr="0">
             <a:normAutofit/>
           </a:bodyPr>
           <a:lstStyle>
@@ -7940,7 +8066,7 @@
             </a:lvl9pPr>
           </a:lstStyle>
           <a:p>
-            <a:pPr indent="0" lvl="0" marL="0" rtl="0" algn="r">
+            <a:pPr marL="0" lvl="0" indent="0" algn="r" rtl="0">
               <a:spcBef>
                 <a:spcPts val="0"/>
               </a:spcBef>
@@ -7966,11 +8092,11 @@
 </file>
 
 <file path=ppt/slideLayouts/slideLayout3.xml><?xml version="1.0" encoding="utf-8"?>
-<p:sldLayout xmlns:a="http://schemas.openxmlformats.org/drawingml/2006/main" xmlns:r="http://schemas.openxmlformats.org/officeDocument/2006/relationships" xmlns:mc="http://schemas.openxmlformats.org/markup-compatibility/2006" xmlns:mv="urn:schemas-microsoft-com:mac:vml" xmlns:p="http://schemas.openxmlformats.org/presentationml/2006/main" xmlns:c="http://schemas.openxmlformats.org/drawingml/2006/chart" xmlns:dgm="http://schemas.openxmlformats.org/drawingml/2006/diagram" xmlns:o="urn:schemas-microsoft-com:office:office" xmlns:v="urn:schemas-microsoft-com:vml" xmlns:pvml="urn:schemas-microsoft-com:office:powerpoint" xmlns:com="http://schemas.openxmlformats.org/drawingml/2006/compatibility" xmlns:p14="http://schemas.microsoft.com/office/powerpoint/2010/main" xmlns:p15="http://schemas.microsoft.com/office/powerpoint/2012/main" xmlns:ahyp="http://schemas.microsoft.com/office/drawing/2018/hyperlinkcolor" matchingName="Title and body" type="tx">
+<p:sldLayout xmlns:a="http://schemas.openxmlformats.org/drawingml/2006/main" xmlns:r="http://schemas.openxmlformats.org/officeDocument/2006/relationships" xmlns:p="http://schemas.openxmlformats.org/presentationml/2006/main" matchingName="Title and body" type="tx">
   <p:cSld name="TITLE_AND_BODY">
     <p:spTree>
       <p:nvGrpSpPr>
-        <p:cNvPr id="16" name="Shape 16"/>
+        <p:cNvPr id="1" name="Shape 16"/>
         <p:cNvGrpSpPr/>
         <p:nvPr/>
       </p:nvGrpSpPr>
@@ -7985,7 +8111,9 @@
       <p:sp>
         <p:nvSpPr>
           <p:cNvPr id="17" name="Google Shape;17;p4"/>
-          <p:cNvSpPr txBox="1"/>
+          <p:cNvSpPr txBox="1">
+            <a:spLocks noGrp="1"/>
+          </p:cNvSpPr>
           <p:nvPr>
             <p:ph type="title"/>
           </p:nvPr>
@@ -8000,7 +8128,7 @@
           </a:prstGeom>
         </p:spPr>
         <p:txBody>
-          <a:bodyPr anchorCtr="0" anchor="t" bIns="91425" lIns="91425" spcFirstLastPara="1" rIns="91425" wrap="square" tIns="91425">
+          <a:bodyPr spcFirstLastPara="1" wrap="square" lIns="91425" tIns="91425" rIns="91425" bIns="91425" anchor="t" anchorCtr="0">
             <a:normAutofit/>
           </a:bodyPr>
           <a:lstStyle>
@@ -8104,15 +8232,19 @@
               <a:defRPr/>
             </a:lvl9pPr>
           </a:lstStyle>
-          <a:p/>
+          <a:p>
+            <a:endParaRPr/>
+          </a:p>
         </p:txBody>
       </p:sp>
       <p:sp>
         <p:nvSpPr>
           <p:cNvPr id="18" name="Google Shape;18;p4"/>
-          <p:cNvSpPr txBox="1"/>
+          <p:cNvSpPr txBox="1">
+            <a:spLocks noGrp="1"/>
+          </p:cNvSpPr>
           <p:nvPr>
-            <p:ph idx="1" type="body"/>
+            <p:ph type="body" idx="1"/>
           </p:nvPr>
         </p:nvSpPr>
         <p:spPr>
@@ -8125,11 +8257,11 @@
           </a:prstGeom>
         </p:spPr>
         <p:txBody>
-          <a:bodyPr anchorCtr="0" anchor="t" bIns="91425" lIns="91425" spcFirstLastPara="1" rIns="91425" wrap="square" tIns="91425">
+          <a:bodyPr spcFirstLastPara="1" wrap="square" lIns="91425" tIns="91425" rIns="91425" bIns="91425" anchor="t" anchorCtr="0">
             <a:normAutofit/>
           </a:bodyPr>
           <a:lstStyle>
-            <a:lvl1pPr indent="-342900" lvl="0" marL="457200">
+            <a:lvl1pPr marL="457200" lvl="0" indent="-342900">
               <a:spcBef>
                 <a:spcPts val="0"/>
               </a:spcBef>
@@ -8140,7 +8272,7 @@
               <a:buChar char="●"/>
               <a:defRPr/>
             </a:lvl1pPr>
-            <a:lvl2pPr indent="-317500" lvl="1" marL="914400">
+            <a:lvl2pPr marL="914400" lvl="1" indent="-317500">
               <a:spcBef>
                 <a:spcPts val="0"/>
               </a:spcBef>
@@ -8151,7 +8283,7 @@
               <a:buChar char="○"/>
               <a:defRPr/>
             </a:lvl2pPr>
-            <a:lvl3pPr indent="-317500" lvl="2" marL="1371600">
+            <a:lvl3pPr marL="1371600" lvl="2" indent="-317500">
               <a:spcBef>
                 <a:spcPts val="0"/>
               </a:spcBef>
@@ -8162,7 +8294,7 @@
               <a:buChar char="■"/>
               <a:defRPr/>
             </a:lvl3pPr>
-            <a:lvl4pPr indent="-317500" lvl="3" marL="1828800">
+            <a:lvl4pPr marL="1828800" lvl="3" indent="-317500">
               <a:spcBef>
                 <a:spcPts val="0"/>
               </a:spcBef>
@@ -8173,7 +8305,7 @@
               <a:buChar char="●"/>
               <a:defRPr/>
             </a:lvl4pPr>
-            <a:lvl5pPr indent="-317500" lvl="4" marL="2286000">
+            <a:lvl5pPr marL="2286000" lvl="4" indent="-317500">
               <a:spcBef>
                 <a:spcPts val="0"/>
               </a:spcBef>
@@ -8184,7 +8316,7 @@
               <a:buChar char="○"/>
               <a:defRPr/>
             </a:lvl5pPr>
-            <a:lvl6pPr indent="-317500" lvl="5" marL="2743200">
+            <a:lvl6pPr marL="2743200" lvl="5" indent="-317500">
               <a:spcBef>
                 <a:spcPts val="0"/>
               </a:spcBef>
@@ -8195,7 +8327,7 @@
               <a:buChar char="■"/>
               <a:defRPr/>
             </a:lvl6pPr>
-            <a:lvl7pPr indent="-317500" lvl="6" marL="3200400">
+            <a:lvl7pPr marL="3200400" lvl="6" indent="-317500">
               <a:spcBef>
                 <a:spcPts val="0"/>
               </a:spcBef>
@@ -8206,7 +8338,7 @@
               <a:buChar char="●"/>
               <a:defRPr/>
             </a:lvl7pPr>
-            <a:lvl8pPr indent="-317500" lvl="7" marL="3657600">
+            <a:lvl8pPr marL="3657600" lvl="7" indent="-317500">
               <a:spcBef>
                 <a:spcPts val="0"/>
               </a:spcBef>
@@ -8217,7 +8349,7 @@
               <a:buChar char="○"/>
               <a:defRPr/>
             </a:lvl8pPr>
-            <a:lvl9pPr indent="-317500" lvl="8" marL="4114800">
+            <a:lvl9pPr marL="4114800" lvl="8" indent="-317500">
               <a:spcBef>
                 <a:spcPts val="0"/>
               </a:spcBef>
@@ -8229,15 +8361,19 @@
               <a:defRPr/>
             </a:lvl9pPr>
           </a:lstStyle>
-          <a:p/>
+          <a:p>
+            <a:endParaRPr/>
+          </a:p>
         </p:txBody>
       </p:sp>
       <p:sp>
         <p:nvSpPr>
           <p:cNvPr id="19" name="Google Shape;19;p4"/>
-          <p:cNvSpPr txBox="1"/>
+          <p:cNvSpPr txBox="1">
+            <a:spLocks noGrp="1"/>
+          </p:cNvSpPr>
           <p:nvPr>
-            <p:ph idx="12" type="sldNum"/>
+            <p:ph type="sldNum" idx="12"/>
           </p:nvPr>
         </p:nvSpPr>
         <p:spPr>
@@ -8250,7 +8386,7 @@
           </a:prstGeom>
         </p:spPr>
         <p:txBody>
-          <a:bodyPr anchorCtr="0" anchor="ctr" bIns="91425" lIns="91425" spcFirstLastPara="1" rIns="91425" wrap="square" tIns="91425">
+          <a:bodyPr spcFirstLastPara="1" wrap="square" lIns="91425" tIns="91425" rIns="91425" bIns="91425" anchor="ctr" anchorCtr="0">
             <a:normAutofit/>
           </a:bodyPr>
           <a:lstStyle>
@@ -8292,7 +8428,7 @@
             </a:lvl9pPr>
           </a:lstStyle>
           <a:p>
-            <a:pPr indent="0" lvl="0" marL="0" rtl="0" algn="r">
+            <a:pPr marL="0" lvl="0" indent="0" algn="r" rtl="0">
               <a:spcBef>
                 <a:spcPts val="0"/>
               </a:spcBef>
@@ -8318,11 +8454,11 @@
 </file>
 
 <file path=ppt/slideLayouts/slideLayout4.xml><?xml version="1.0" encoding="utf-8"?>
-<p:sldLayout xmlns:a="http://schemas.openxmlformats.org/drawingml/2006/main" xmlns:r="http://schemas.openxmlformats.org/officeDocument/2006/relationships" xmlns:mc="http://schemas.openxmlformats.org/markup-compatibility/2006" xmlns:mv="urn:schemas-microsoft-com:mac:vml" xmlns:p="http://schemas.openxmlformats.org/presentationml/2006/main" xmlns:c="http://schemas.openxmlformats.org/drawingml/2006/chart" xmlns:dgm="http://schemas.openxmlformats.org/drawingml/2006/diagram" xmlns:o="urn:schemas-microsoft-com:office:office" xmlns:v="urn:schemas-microsoft-com:vml" xmlns:pvml="urn:schemas-microsoft-com:office:powerpoint" xmlns:com="http://schemas.openxmlformats.org/drawingml/2006/compatibility" xmlns:p14="http://schemas.microsoft.com/office/powerpoint/2010/main" xmlns:p15="http://schemas.microsoft.com/office/powerpoint/2012/main" xmlns:ahyp="http://schemas.microsoft.com/office/drawing/2018/hyperlinkcolor" matchingName="Title and two columns" type="twoColTx">
+<p:sldLayout xmlns:a="http://schemas.openxmlformats.org/drawingml/2006/main" xmlns:r="http://schemas.openxmlformats.org/officeDocument/2006/relationships" xmlns:p="http://schemas.openxmlformats.org/presentationml/2006/main" matchingName="Title and two columns" type="twoColTx">
   <p:cSld name="TITLE_AND_TWO_COLUMNS">
     <p:spTree>
       <p:nvGrpSpPr>
-        <p:cNvPr id="20" name="Shape 20"/>
+        <p:cNvPr id="1" name="Shape 20"/>
         <p:cNvGrpSpPr/>
         <p:nvPr/>
       </p:nvGrpSpPr>
@@ -8337,7 +8473,9 @@
       <p:sp>
         <p:nvSpPr>
           <p:cNvPr id="21" name="Google Shape;21;p5"/>
-          <p:cNvSpPr txBox="1"/>
+          <p:cNvSpPr txBox="1">
+            <a:spLocks noGrp="1"/>
+          </p:cNvSpPr>
           <p:nvPr>
             <p:ph type="title"/>
           </p:nvPr>
@@ -8352,7 +8490,7 @@
           </a:prstGeom>
         </p:spPr>
         <p:txBody>
-          <a:bodyPr anchorCtr="0" anchor="t" bIns="91425" lIns="91425" spcFirstLastPara="1" rIns="91425" wrap="square" tIns="91425">
+          <a:bodyPr spcFirstLastPara="1" wrap="square" lIns="91425" tIns="91425" rIns="91425" bIns="91425" anchor="t" anchorCtr="0">
             <a:normAutofit/>
           </a:bodyPr>
           <a:lstStyle>
@@ -8456,15 +8594,19 @@
               <a:defRPr/>
             </a:lvl9pPr>
           </a:lstStyle>
-          <a:p/>
+          <a:p>
+            <a:endParaRPr/>
+          </a:p>
         </p:txBody>
       </p:sp>
       <p:sp>
         <p:nvSpPr>
           <p:cNvPr id="22" name="Google Shape;22;p5"/>
-          <p:cNvSpPr txBox="1"/>
+          <p:cNvSpPr txBox="1">
+            <a:spLocks noGrp="1"/>
+          </p:cNvSpPr>
           <p:nvPr>
-            <p:ph idx="1" type="body"/>
+            <p:ph type="body" idx="1"/>
           </p:nvPr>
         </p:nvSpPr>
         <p:spPr>
@@ -8477,11 +8619,11 @@
           </a:prstGeom>
         </p:spPr>
         <p:txBody>
-          <a:bodyPr anchorCtr="0" anchor="t" bIns="91425" lIns="91425" spcFirstLastPara="1" rIns="91425" wrap="square" tIns="91425">
+          <a:bodyPr spcFirstLastPara="1" wrap="square" lIns="91425" tIns="91425" rIns="91425" bIns="91425" anchor="t" anchorCtr="0">
             <a:normAutofit/>
           </a:bodyPr>
           <a:lstStyle>
-            <a:lvl1pPr indent="-317500" lvl="0" marL="457200">
+            <a:lvl1pPr marL="457200" lvl="0" indent="-317500">
               <a:spcBef>
                 <a:spcPts val="0"/>
               </a:spcBef>
@@ -8492,7 +8634,7 @@
               <a:buChar char="●"/>
               <a:defRPr sz="1400"/>
             </a:lvl1pPr>
-            <a:lvl2pPr indent="-304800" lvl="1" marL="914400">
+            <a:lvl2pPr marL="914400" lvl="1" indent="-304800">
               <a:spcBef>
                 <a:spcPts val="0"/>
               </a:spcBef>
@@ -8503,7 +8645,7 @@
               <a:buChar char="○"/>
               <a:defRPr sz="1200"/>
             </a:lvl2pPr>
-            <a:lvl3pPr indent="-304800" lvl="2" marL="1371600">
+            <a:lvl3pPr marL="1371600" lvl="2" indent="-304800">
               <a:spcBef>
                 <a:spcPts val="0"/>
               </a:spcBef>
@@ -8514,7 +8656,7 @@
               <a:buChar char="■"/>
               <a:defRPr sz="1200"/>
             </a:lvl3pPr>
-            <a:lvl4pPr indent="-304800" lvl="3" marL="1828800">
+            <a:lvl4pPr marL="1828800" lvl="3" indent="-304800">
               <a:spcBef>
                 <a:spcPts val="0"/>
               </a:spcBef>
@@ -8525,7 +8667,7 @@
               <a:buChar char="●"/>
               <a:defRPr sz="1200"/>
             </a:lvl4pPr>
-            <a:lvl5pPr indent="-304800" lvl="4" marL="2286000">
+            <a:lvl5pPr marL="2286000" lvl="4" indent="-304800">
               <a:spcBef>
                 <a:spcPts val="0"/>
               </a:spcBef>
@@ -8536,7 +8678,7 @@
               <a:buChar char="○"/>
               <a:defRPr sz="1200"/>
             </a:lvl5pPr>
-            <a:lvl6pPr indent="-304800" lvl="5" marL="2743200">
+            <a:lvl6pPr marL="2743200" lvl="5" indent="-304800">
               <a:spcBef>
                 <a:spcPts val="0"/>
               </a:spcBef>
@@ -8547,7 +8689,7 @@
               <a:buChar char="■"/>
               <a:defRPr sz="1200"/>
             </a:lvl6pPr>
-            <a:lvl7pPr indent="-304800" lvl="6" marL="3200400">
+            <a:lvl7pPr marL="3200400" lvl="6" indent="-304800">
               <a:spcBef>
                 <a:spcPts val="0"/>
               </a:spcBef>
@@ -8558,7 +8700,7 @@
               <a:buChar char="●"/>
               <a:defRPr sz="1200"/>
             </a:lvl7pPr>
-            <a:lvl8pPr indent="-304800" lvl="7" marL="3657600">
+            <a:lvl8pPr marL="3657600" lvl="7" indent="-304800">
               <a:spcBef>
                 <a:spcPts val="0"/>
               </a:spcBef>
@@ -8569,7 +8711,7 @@
               <a:buChar char="○"/>
               <a:defRPr sz="1200"/>
             </a:lvl8pPr>
-            <a:lvl9pPr indent="-304800" lvl="8" marL="4114800">
+            <a:lvl9pPr marL="4114800" lvl="8" indent="-304800">
               <a:spcBef>
                 <a:spcPts val="0"/>
               </a:spcBef>
@@ -8581,15 +8723,19 @@
               <a:defRPr sz="1200"/>
             </a:lvl9pPr>
           </a:lstStyle>
-          <a:p/>
+          <a:p>
+            <a:endParaRPr/>
+          </a:p>
         </p:txBody>
       </p:sp>
       <p:sp>
         <p:nvSpPr>
           <p:cNvPr id="23" name="Google Shape;23;p5"/>
-          <p:cNvSpPr txBox="1"/>
+          <p:cNvSpPr txBox="1">
+            <a:spLocks noGrp="1"/>
+          </p:cNvSpPr>
           <p:nvPr>
-            <p:ph idx="2" type="body"/>
+            <p:ph type="body" idx="2"/>
           </p:nvPr>
         </p:nvSpPr>
         <p:spPr>
@@ -8602,11 +8748,11 @@
           </a:prstGeom>
         </p:spPr>
         <p:txBody>
-          <a:bodyPr anchorCtr="0" anchor="t" bIns="91425" lIns="91425" spcFirstLastPara="1" rIns="91425" wrap="square" tIns="91425">
+          <a:bodyPr spcFirstLastPara="1" wrap="square" lIns="91425" tIns="91425" rIns="91425" bIns="91425" anchor="t" anchorCtr="0">
             <a:normAutofit/>
           </a:bodyPr>
           <a:lstStyle>
-            <a:lvl1pPr indent="-317500" lvl="0" marL="457200">
+            <a:lvl1pPr marL="457200" lvl="0" indent="-317500">
               <a:spcBef>
                 <a:spcPts val="0"/>
               </a:spcBef>
@@ -8617,7 +8763,7 @@
               <a:buChar char="●"/>
               <a:defRPr sz="1400"/>
             </a:lvl1pPr>
-            <a:lvl2pPr indent="-304800" lvl="1" marL="914400">
+            <a:lvl2pPr marL="914400" lvl="1" indent="-304800">
               <a:spcBef>
                 <a:spcPts val="0"/>
               </a:spcBef>
@@ -8628,7 +8774,7 @@
               <a:buChar char="○"/>
               <a:defRPr sz="1200"/>
             </a:lvl2pPr>
-            <a:lvl3pPr indent="-304800" lvl="2" marL="1371600">
+            <a:lvl3pPr marL="1371600" lvl="2" indent="-304800">
               <a:spcBef>
                 <a:spcPts val="0"/>
               </a:spcBef>
@@ -8639,7 +8785,7 @@
               <a:buChar char="■"/>
               <a:defRPr sz="1200"/>
             </a:lvl3pPr>
-            <a:lvl4pPr indent="-304800" lvl="3" marL="1828800">
+            <a:lvl4pPr marL="1828800" lvl="3" indent="-304800">
               <a:spcBef>
                 <a:spcPts val="0"/>
               </a:spcBef>
@@ -8650,7 +8796,7 @@
               <a:buChar char="●"/>
               <a:defRPr sz="1200"/>
             </a:lvl4pPr>
-            <a:lvl5pPr indent="-304800" lvl="4" marL="2286000">
+            <a:lvl5pPr marL="2286000" lvl="4" indent="-304800">
               <a:spcBef>
                 <a:spcPts val="0"/>
               </a:spcBef>
@@ -8661,7 +8807,7 @@
               <a:buChar char="○"/>
               <a:defRPr sz="1200"/>
             </a:lvl5pPr>
-            <a:lvl6pPr indent="-304800" lvl="5" marL="2743200">
+            <a:lvl6pPr marL="2743200" lvl="5" indent="-304800">
               <a:spcBef>
                 <a:spcPts val="0"/>
               </a:spcBef>
@@ -8672,7 +8818,7 @@
               <a:buChar char="■"/>
               <a:defRPr sz="1200"/>
             </a:lvl6pPr>
-            <a:lvl7pPr indent="-304800" lvl="6" marL="3200400">
+            <a:lvl7pPr marL="3200400" lvl="6" indent="-304800">
               <a:spcBef>
                 <a:spcPts val="0"/>
               </a:spcBef>
@@ -8683,7 +8829,7 @@
               <a:buChar char="●"/>
               <a:defRPr sz="1200"/>
             </a:lvl7pPr>
-            <a:lvl8pPr indent="-304800" lvl="7" marL="3657600">
+            <a:lvl8pPr marL="3657600" lvl="7" indent="-304800">
               <a:spcBef>
                 <a:spcPts val="0"/>
               </a:spcBef>
@@ -8694,7 +8840,7 @@
               <a:buChar char="○"/>
               <a:defRPr sz="1200"/>
             </a:lvl8pPr>
-            <a:lvl9pPr indent="-304800" lvl="8" marL="4114800">
+            <a:lvl9pPr marL="4114800" lvl="8" indent="-304800">
               <a:spcBef>
                 <a:spcPts val="0"/>
               </a:spcBef>
@@ -8706,15 +8852,19 @@
               <a:defRPr sz="1200"/>
             </a:lvl9pPr>
           </a:lstStyle>
-          <a:p/>
+          <a:p>
+            <a:endParaRPr/>
+          </a:p>
         </p:txBody>
       </p:sp>
       <p:sp>
         <p:nvSpPr>
           <p:cNvPr id="24" name="Google Shape;24;p5"/>
-          <p:cNvSpPr txBox="1"/>
+          <p:cNvSpPr txBox="1">
+            <a:spLocks noGrp="1"/>
+          </p:cNvSpPr>
           <p:nvPr>
-            <p:ph idx="12" type="sldNum"/>
+            <p:ph type="sldNum" idx="12"/>
           </p:nvPr>
         </p:nvSpPr>
         <p:spPr>
@@ -8727,7 +8877,7 @@
           </a:prstGeom>
         </p:spPr>
         <p:txBody>
-          <a:bodyPr anchorCtr="0" anchor="ctr" bIns="91425" lIns="91425" spcFirstLastPara="1" rIns="91425" wrap="square" tIns="91425">
+          <a:bodyPr spcFirstLastPara="1" wrap="square" lIns="91425" tIns="91425" rIns="91425" bIns="91425" anchor="ctr" anchorCtr="0">
             <a:normAutofit/>
           </a:bodyPr>
           <a:lstStyle>
@@ -8769,7 +8919,7 @@
             </a:lvl9pPr>
           </a:lstStyle>
           <a:p>
-            <a:pPr indent="0" lvl="0" marL="0" rtl="0" algn="r">
+            <a:pPr marL="0" lvl="0" indent="0" algn="r" rtl="0">
               <a:spcBef>
                 <a:spcPts val="0"/>
               </a:spcBef>
@@ -8795,11 +8945,11 @@
 </file>
 
 <file path=ppt/slideLayouts/slideLayout5.xml><?xml version="1.0" encoding="utf-8"?>
-<p:sldLayout xmlns:a="http://schemas.openxmlformats.org/drawingml/2006/main" xmlns:r="http://schemas.openxmlformats.org/officeDocument/2006/relationships" xmlns:mc="http://schemas.openxmlformats.org/markup-compatibility/2006" xmlns:mv="urn:schemas-microsoft-com:mac:vml" xmlns:p="http://schemas.openxmlformats.org/presentationml/2006/main" xmlns:c="http://schemas.openxmlformats.org/drawingml/2006/chart" xmlns:dgm="http://schemas.openxmlformats.org/drawingml/2006/diagram" xmlns:o="urn:schemas-microsoft-com:office:office" xmlns:v="urn:schemas-microsoft-com:vml" xmlns:pvml="urn:schemas-microsoft-com:office:powerpoint" xmlns:com="http://schemas.openxmlformats.org/drawingml/2006/compatibility" xmlns:p14="http://schemas.microsoft.com/office/powerpoint/2010/main" xmlns:p15="http://schemas.microsoft.com/office/powerpoint/2012/main" xmlns:ahyp="http://schemas.microsoft.com/office/drawing/2018/hyperlinkcolor" matchingName="Title only" type="titleOnly">
+<p:sldLayout xmlns:a="http://schemas.openxmlformats.org/drawingml/2006/main" xmlns:r="http://schemas.openxmlformats.org/officeDocument/2006/relationships" xmlns:p="http://schemas.openxmlformats.org/presentationml/2006/main" matchingName="Title only" type="titleOnly">
   <p:cSld name="TITLE_ONLY">
     <p:spTree>
       <p:nvGrpSpPr>
-        <p:cNvPr id="25" name="Shape 25"/>
+        <p:cNvPr id="1" name="Shape 25"/>
         <p:cNvGrpSpPr/>
         <p:nvPr/>
       </p:nvGrpSpPr>
@@ -8814,7 +8964,9 @@
       <p:sp>
         <p:nvSpPr>
           <p:cNvPr id="26" name="Google Shape;26;p6"/>
-          <p:cNvSpPr txBox="1"/>
+          <p:cNvSpPr txBox="1">
+            <a:spLocks noGrp="1"/>
+          </p:cNvSpPr>
           <p:nvPr>
             <p:ph type="title"/>
           </p:nvPr>
@@ -8829,7 +8981,7 @@
           </a:prstGeom>
         </p:spPr>
         <p:txBody>
-          <a:bodyPr anchorCtr="0" anchor="t" bIns="91425" lIns="91425" spcFirstLastPara="1" rIns="91425" wrap="square" tIns="91425">
+          <a:bodyPr spcFirstLastPara="1" wrap="square" lIns="91425" tIns="91425" rIns="91425" bIns="91425" anchor="t" anchorCtr="0">
             <a:normAutofit/>
           </a:bodyPr>
           <a:lstStyle>
@@ -8933,15 +9085,19 @@
               <a:defRPr/>
             </a:lvl9pPr>
           </a:lstStyle>
-          <a:p/>
+          <a:p>
+            <a:endParaRPr/>
+          </a:p>
         </p:txBody>
       </p:sp>
       <p:sp>
         <p:nvSpPr>
           <p:cNvPr id="27" name="Google Shape;27;p6"/>
-          <p:cNvSpPr txBox="1"/>
+          <p:cNvSpPr txBox="1">
+            <a:spLocks noGrp="1"/>
+          </p:cNvSpPr>
           <p:nvPr>
-            <p:ph idx="12" type="sldNum"/>
+            <p:ph type="sldNum" idx="12"/>
           </p:nvPr>
         </p:nvSpPr>
         <p:spPr>
@@ -8954,7 +9110,7 @@
           </a:prstGeom>
         </p:spPr>
         <p:txBody>
-          <a:bodyPr anchorCtr="0" anchor="ctr" bIns="91425" lIns="91425" spcFirstLastPara="1" rIns="91425" wrap="square" tIns="91425">
+          <a:bodyPr spcFirstLastPara="1" wrap="square" lIns="91425" tIns="91425" rIns="91425" bIns="91425" anchor="ctr" anchorCtr="0">
             <a:normAutofit/>
           </a:bodyPr>
           <a:lstStyle>
@@ -8996,7 +9152,7 @@
             </a:lvl9pPr>
           </a:lstStyle>
           <a:p>
-            <a:pPr indent="0" lvl="0" marL="0" rtl="0" algn="r">
+            <a:pPr marL="0" lvl="0" indent="0" algn="r" rtl="0">
               <a:spcBef>
                 <a:spcPts val="0"/>
               </a:spcBef>
@@ -9022,11 +9178,11 @@
 </file>
 
 <file path=ppt/slideLayouts/slideLayout6.xml><?xml version="1.0" encoding="utf-8"?>
-<p:sldLayout xmlns:a="http://schemas.openxmlformats.org/drawingml/2006/main" xmlns:r="http://schemas.openxmlformats.org/officeDocument/2006/relationships" xmlns:mc="http://schemas.openxmlformats.org/markup-compatibility/2006" xmlns:mv="urn:schemas-microsoft-com:mac:vml" xmlns:p="http://schemas.openxmlformats.org/presentationml/2006/main" xmlns:c="http://schemas.openxmlformats.org/drawingml/2006/chart" xmlns:dgm="http://schemas.openxmlformats.org/drawingml/2006/diagram" xmlns:o="urn:schemas-microsoft-com:office:office" xmlns:v="urn:schemas-microsoft-com:vml" xmlns:pvml="urn:schemas-microsoft-com:office:powerpoint" xmlns:com="http://schemas.openxmlformats.org/drawingml/2006/compatibility" xmlns:p14="http://schemas.microsoft.com/office/powerpoint/2010/main" xmlns:p15="http://schemas.microsoft.com/office/powerpoint/2012/main" xmlns:ahyp="http://schemas.microsoft.com/office/drawing/2018/hyperlinkcolor" matchingName="One column text">
+<p:sldLayout xmlns:a="http://schemas.openxmlformats.org/drawingml/2006/main" xmlns:r="http://schemas.openxmlformats.org/officeDocument/2006/relationships" xmlns:p="http://schemas.openxmlformats.org/presentationml/2006/main" matchingName="One column text">
   <p:cSld name="ONE_COLUMN_TEXT">
     <p:spTree>
       <p:nvGrpSpPr>
-        <p:cNvPr id="28" name="Shape 28"/>
+        <p:cNvPr id="1" name="Shape 28"/>
         <p:cNvGrpSpPr/>
         <p:nvPr/>
       </p:nvGrpSpPr>
@@ -9041,7 +9197,9 @@
       <p:sp>
         <p:nvSpPr>
           <p:cNvPr id="29" name="Google Shape;29;p7"/>
-          <p:cNvSpPr txBox="1"/>
+          <p:cNvSpPr txBox="1">
+            <a:spLocks noGrp="1"/>
+          </p:cNvSpPr>
           <p:nvPr>
             <p:ph type="title"/>
           </p:nvPr>
@@ -9056,7 +9214,7 @@
           </a:prstGeom>
         </p:spPr>
         <p:txBody>
-          <a:bodyPr anchorCtr="0" anchor="b" bIns="91425" lIns="91425" spcFirstLastPara="1" rIns="91425" wrap="square" tIns="91425">
+          <a:bodyPr spcFirstLastPara="1" wrap="square" lIns="91425" tIns="91425" rIns="91425" bIns="91425" anchor="b" anchorCtr="0">
             <a:normAutofit/>
           </a:bodyPr>
           <a:lstStyle>
@@ -9160,15 +9318,19 @@
               <a:defRPr sz="2400"/>
             </a:lvl9pPr>
           </a:lstStyle>
-          <a:p/>
+          <a:p>
+            <a:endParaRPr/>
+          </a:p>
         </p:txBody>
       </p:sp>
       <p:sp>
         <p:nvSpPr>
           <p:cNvPr id="30" name="Google Shape;30;p7"/>
-          <p:cNvSpPr txBox="1"/>
+          <p:cNvSpPr txBox="1">
+            <a:spLocks noGrp="1"/>
+          </p:cNvSpPr>
           <p:nvPr>
-            <p:ph idx="1" type="body"/>
+            <p:ph type="body" idx="1"/>
           </p:nvPr>
         </p:nvSpPr>
         <p:spPr>
@@ -9181,11 +9343,11 @@
           </a:prstGeom>
         </p:spPr>
         <p:txBody>
-          <a:bodyPr anchorCtr="0" anchor="t" bIns="91425" lIns="91425" spcFirstLastPara="1" rIns="91425" wrap="square" tIns="91425">
+          <a:bodyPr spcFirstLastPara="1" wrap="square" lIns="91425" tIns="91425" rIns="91425" bIns="91425" anchor="t" anchorCtr="0">
             <a:normAutofit/>
           </a:bodyPr>
           <a:lstStyle>
-            <a:lvl1pPr indent="-304800" lvl="0" marL="457200">
+            <a:lvl1pPr marL="457200" lvl="0" indent="-304800">
               <a:spcBef>
                 <a:spcPts val="0"/>
               </a:spcBef>
@@ -9196,7 +9358,7 @@
               <a:buChar char="●"/>
               <a:defRPr sz="1200"/>
             </a:lvl1pPr>
-            <a:lvl2pPr indent="-304800" lvl="1" marL="914400">
+            <a:lvl2pPr marL="914400" lvl="1" indent="-304800">
               <a:spcBef>
                 <a:spcPts val="0"/>
               </a:spcBef>
@@ -9207,7 +9369,7 @@
               <a:buChar char="○"/>
               <a:defRPr sz="1200"/>
             </a:lvl2pPr>
-            <a:lvl3pPr indent="-304800" lvl="2" marL="1371600">
+            <a:lvl3pPr marL="1371600" lvl="2" indent="-304800">
               <a:spcBef>
                 <a:spcPts val="0"/>
               </a:spcBef>
@@ -9218,7 +9380,7 @@
               <a:buChar char="■"/>
               <a:defRPr sz="1200"/>
             </a:lvl3pPr>
-            <a:lvl4pPr indent="-304800" lvl="3" marL="1828800">
+            <a:lvl4pPr marL="1828800" lvl="3" indent="-304800">
               <a:spcBef>
                 <a:spcPts val="0"/>
               </a:spcBef>
@@ -9229,7 +9391,7 @@
               <a:buChar char="●"/>
               <a:defRPr sz="1200"/>
             </a:lvl4pPr>
-            <a:lvl5pPr indent="-304800" lvl="4" marL="2286000">
+            <a:lvl5pPr marL="2286000" lvl="4" indent="-304800">
               <a:spcBef>
                 <a:spcPts val="0"/>
               </a:spcBef>
@@ -9240,7 +9402,7 @@
               <a:buChar char="○"/>
               <a:defRPr sz="1200"/>
             </a:lvl5pPr>
-            <a:lvl6pPr indent="-304800" lvl="5" marL="2743200">
+            <a:lvl6pPr marL="2743200" lvl="5" indent="-304800">
               <a:spcBef>
                 <a:spcPts val="0"/>
               </a:spcBef>
@@ -9251,7 +9413,7 @@
               <a:buChar char="■"/>
               <a:defRPr sz="1200"/>
             </a:lvl6pPr>
-            <a:lvl7pPr indent="-304800" lvl="6" marL="3200400">
+            <a:lvl7pPr marL="3200400" lvl="6" indent="-304800">
               <a:spcBef>
                 <a:spcPts val="0"/>
               </a:spcBef>
@@ -9262,7 +9424,7 @@
               <a:buChar char="●"/>
               <a:defRPr sz="1200"/>
             </a:lvl7pPr>
-            <a:lvl8pPr indent="-304800" lvl="7" marL="3657600">
+            <a:lvl8pPr marL="3657600" lvl="7" indent="-304800">
               <a:spcBef>
                 <a:spcPts val="0"/>
               </a:spcBef>
@@ -9273,7 +9435,7 @@
               <a:buChar char="○"/>
               <a:defRPr sz="1200"/>
             </a:lvl8pPr>
-            <a:lvl9pPr indent="-304800" lvl="8" marL="4114800">
+            <a:lvl9pPr marL="4114800" lvl="8" indent="-304800">
               <a:spcBef>
                 <a:spcPts val="0"/>
               </a:spcBef>
@@ -9285,15 +9447,19 @@
               <a:defRPr sz="1200"/>
             </a:lvl9pPr>
           </a:lstStyle>
-          <a:p/>
+          <a:p>
+            <a:endParaRPr/>
+          </a:p>
         </p:txBody>
       </p:sp>
       <p:sp>
         <p:nvSpPr>
           <p:cNvPr id="31" name="Google Shape;31;p7"/>
-          <p:cNvSpPr txBox="1"/>
+          <p:cNvSpPr txBox="1">
+            <a:spLocks noGrp="1"/>
+          </p:cNvSpPr>
           <p:nvPr>
-            <p:ph idx="12" type="sldNum"/>
+            <p:ph type="sldNum" idx="12"/>
           </p:nvPr>
         </p:nvSpPr>
         <p:spPr>
@@ -9306,7 +9472,7 @@
           </a:prstGeom>
         </p:spPr>
         <p:txBody>
-          <a:bodyPr anchorCtr="0" anchor="ctr" bIns="91425" lIns="91425" spcFirstLastPara="1" rIns="91425" wrap="square" tIns="91425">
+          <a:bodyPr spcFirstLastPara="1" wrap="square" lIns="91425" tIns="91425" rIns="91425" bIns="91425" anchor="ctr" anchorCtr="0">
             <a:normAutofit/>
           </a:bodyPr>
           <a:lstStyle>
@@ -9348,7 +9514,7 @@
             </a:lvl9pPr>
           </a:lstStyle>
           <a:p>
-            <a:pPr indent="0" lvl="0" marL="0" rtl="0" algn="r">
+            <a:pPr marL="0" lvl="0" indent="0" algn="r" rtl="0">
               <a:spcBef>
                 <a:spcPts val="0"/>
               </a:spcBef>
@@ -9374,11 +9540,11 @@
 </file>
 
 <file path=ppt/slideLayouts/slideLayout7.xml><?xml version="1.0" encoding="utf-8"?>
-<p:sldLayout xmlns:a="http://schemas.openxmlformats.org/drawingml/2006/main" xmlns:r="http://schemas.openxmlformats.org/officeDocument/2006/relationships" xmlns:mc="http://schemas.openxmlformats.org/markup-compatibility/2006" xmlns:mv="urn:schemas-microsoft-com:mac:vml" xmlns:p="http://schemas.openxmlformats.org/presentationml/2006/main" xmlns:c="http://schemas.openxmlformats.org/drawingml/2006/chart" xmlns:dgm="http://schemas.openxmlformats.org/drawingml/2006/diagram" xmlns:o="urn:schemas-microsoft-com:office:office" xmlns:v="urn:schemas-microsoft-com:vml" xmlns:pvml="urn:schemas-microsoft-com:office:powerpoint" xmlns:com="http://schemas.openxmlformats.org/drawingml/2006/compatibility" xmlns:p14="http://schemas.microsoft.com/office/powerpoint/2010/main" xmlns:p15="http://schemas.microsoft.com/office/powerpoint/2012/main" xmlns:ahyp="http://schemas.microsoft.com/office/drawing/2018/hyperlinkcolor" matchingName="Main point">
+<p:sldLayout xmlns:a="http://schemas.openxmlformats.org/drawingml/2006/main" xmlns:r="http://schemas.openxmlformats.org/officeDocument/2006/relationships" xmlns:p="http://schemas.openxmlformats.org/presentationml/2006/main" matchingName="Main point">
   <p:cSld name="MAIN_POINT">
     <p:spTree>
       <p:nvGrpSpPr>
-        <p:cNvPr id="32" name="Shape 32"/>
+        <p:cNvPr id="1" name="Shape 32"/>
         <p:cNvGrpSpPr/>
         <p:nvPr/>
       </p:nvGrpSpPr>
@@ -9393,7 +9559,9 @@
       <p:sp>
         <p:nvSpPr>
           <p:cNvPr id="33" name="Google Shape;33;p8"/>
-          <p:cNvSpPr txBox="1"/>
+          <p:cNvSpPr txBox="1">
+            <a:spLocks noGrp="1"/>
+          </p:cNvSpPr>
           <p:nvPr>
             <p:ph type="title"/>
           </p:nvPr>
@@ -9408,7 +9576,7 @@
           </a:prstGeom>
         </p:spPr>
         <p:txBody>
-          <a:bodyPr anchorCtr="0" anchor="ctr" bIns="91425" lIns="91425" spcFirstLastPara="1" rIns="91425" wrap="square" tIns="91425">
+          <a:bodyPr spcFirstLastPara="1" wrap="square" lIns="91425" tIns="91425" rIns="91425" bIns="91425" anchor="ctr" anchorCtr="0">
             <a:normAutofit/>
           </a:bodyPr>
           <a:lstStyle>
@@ -9512,15 +9680,19 @@
               <a:defRPr sz="4800"/>
             </a:lvl9pPr>
           </a:lstStyle>
-          <a:p/>
+          <a:p>
+            <a:endParaRPr/>
+          </a:p>
         </p:txBody>
       </p:sp>
       <p:sp>
         <p:nvSpPr>
           <p:cNvPr id="34" name="Google Shape;34;p8"/>
-          <p:cNvSpPr txBox="1"/>
+          <p:cNvSpPr txBox="1">
+            <a:spLocks noGrp="1"/>
+          </p:cNvSpPr>
           <p:nvPr>
-            <p:ph idx="12" type="sldNum"/>
+            <p:ph type="sldNum" idx="12"/>
           </p:nvPr>
         </p:nvSpPr>
         <p:spPr>
@@ -9533,7 +9705,7 @@
           </a:prstGeom>
         </p:spPr>
         <p:txBody>
-          <a:bodyPr anchorCtr="0" anchor="ctr" bIns="91425" lIns="91425" spcFirstLastPara="1" rIns="91425" wrap="square" tIns="91425">
+          <a:bodyPr spcFirstLastPara="1" wrap="square" lIns="91425" tIns="91425" rIns="91425" bIns="91425" anchor="ctr" anchorCtr="0">
             <a:normAutofit/>
           </a:bodyPr>
           <a:lstStyle>
@@ -9575,7 +9747,7 @@
             </a:lvl9pPr>
           </a:lstStyle>
           <a:p>
-            <a:pPr indent="0" lvl="0" marL="0" rtl="0" algn="r">
+            <a:pPr marL="0" lvl="0" indent="0" algn="r" rtl="0">
               <a:spcBef>
                 <a:spcPts val="0"/>
               </a:spcBef>
@@ -9601,11 +9773,11 @@
 </file>
 
 <file path=ppt/slideLayouts/slideLayout8.xml><?xml version="1.0" encoding="utf-8"?>
-<p:sldLayout xmlns:a="http://schemas.openxmlformats.org/drawingml/2006/main" xmlns:r="http://schemas.openxmlformats.org/officeDocument/2006/relationships" xmlns:mc="http://schemas.openxmlformats.org/markup-compatibility/2006" xmlns:mv="urn:schemas-microsoft-com:mac:vml" xmlns:p="http://schemas.openxmlformats.org/presentationml/2006/main" xmlns:c="http://schemas.openxmlformats.org/drawingml/2006/chart" xmlns:dgm="http://schemas.openxmlformats.org/drawingml/2006/diagram" xmlns:o="urn:schemas-microsoft-com:office:office" xmlns:v="urn:schemas-microsoft-com:vml" xmlns:pvml="urn:schemas-microsoft-com:office:powerpoint" xmlns:com="http://schemas.openxmlformats.org/drawingml/2006/compatibility" xmlns:p14="http://schemas.microsoft.com/office/powerpoint/2010/main" xmlns:p15="http://schemas.microsoft.com/office/powerpoint/2012/main" xmlns:ahyp="http://schemas.microsoft.com/office/drawing/2018/hyperlinkcolor" matchingName="Section title and description">
+<p:sldLayout xmlns:a="http://schemas.openxmlformats.org/drawingml/2006/main" xmlns:r="http://schemas.openxmlformats.org/officeDocument/2006/relationships" xmlns:p="http://schemas.openxmlformats.org/presentationml/2006/main" matchingName="Section title and description">
   <p:cSld name="SECTION_TITLE_AND_DESCRIPTION">
     <p:spTree>
       <p:nvGrpSpPr>
-        <p:cNvPr id="35" name="Shape 35"/>
+        <p:cNvPr id="1" name="Shape 35"/>
         <p:cNvGrpSpPr/>
         <p:nvPr/>
       </p:nvGrpSpPr>
@@ -9639,12 +9811,12 @@
           </a:ln>
         </p:spPr>
         <p:txBody>
-          <a:bodyPr anchorCtr="0" anchor="ctr" bIns="91425" lIns="91425" spcFirstLastPara="1" rIns="91425" wrap="square" tIns="91425">
+          <a:bodyPr spcFirstLastPara="1" wrap="square" lIns="91425" tIns="91425" rIns="91425" bIns="91425" anchor="ctr" anchorCtr="0">
             <a:noAutofit/>
           </a:bodyPr>
           <a:lstStyle/>
           <a:p>
-            <a:pPr indent="0" lvl="0" marL="0" rtl="0" algn="l">
+            <a:pPr marL="0" lvl="0" indent="0" algn="l" rtl="0">
               <a:spcBef>
                 <a:spcPts val="0"/>
               </a:spcBef>
@@ -9653,9 +9825,6 @@
               </a:spcAft>
               <a:buNone/>
             </a:pPr>
-            <a:r>
-              <a:t/>
-            </a:r>
             <a:endParaRPr/>
           </a:p>
         </p:txBody>
@@ -9663,7 +9832,9 @@
       <p:sp>
         <p:nvSpPr>
           <p:cNvPr id="37" name="Google Shape;37;p9"/>
-          <p:cNvSpPr txBox="1"/>
+          <p:cNvSpPr txBox="1">
+            <a:spLocks noGrp="1"/>
+          </p:cNvSpPr>
           <p:nvPr>
             <p:ph type="title"/>
           </p:nvPr>
@@ -9678,7 +9849,7 @@
           </a:prstGeom>
         </p:spPr>
         <p:txBody>
-          <a:bodyPr anchorCtr="0" anchor="b" bIns="91425" lIns="91425" spcFirstLastPara="1" rIns="91425" wrap="square" tIns="91425">
+          <a:bodyPr spcFirstLastPara="1" wrap="square" lIns="91425" tIns="91425" rIns="91425" bIns="91425" anchor="b" anchorCtr="0">
             <a:normAutofit/>
           </a:bodyPr>
           <a:lstStyle>
@@ -9782,15 +9953,19 @@
               <a:defRPr sz="4200"/>
             </a:lvl9pPr>
           </a:lstStyle>
-          <a:p/>
+          <a:p>
+            <a:endParaRPr/>
+          </a:p>
         </p:txBody>
       </p:sp>
       <p:sp>
         <p:nvSpPr>
           <p:cNvPr id="38" name="Google Shape;38;p9"/>
-          <p:cNvSpPr txBox="1"/>
+          <p:cNvSpPr txBox="1">
+            <a:spLocks noGrp="1"/>
+          </p:cNvSpPr>
           <p:nvPr>
-            <p:ph idx="1" type="subTitle"/>
+            <p:ph type="subTitle" idx="1"/>
           </p:nvPr>
         </p:nvSpPr>
         <p:spPr>
@@ -9803,7 +9978,7 @@
           </a:prstGeom>
         </p:spPr>
         <p:txBody>
-          <a:bodyPr anchorCtr="0" anchor="t" bIns="91425" lIns="91425" spcFirstLastPara="1" rIns="91425" wrap="square" tIns="91425">
+          <a:bodyPr spcFirstLastPara="1" wrap="square" lIns="91425" tIns="91425" rIns="91425" bIns="91425" anchor="t" anchorCtr="0">
             <a:normAutofit/>
           </a:bodyPr>
           <a:lstStyle>
@@ -9934,15 +10109,19 @@
               <a:defRPr sz="2100"/>
             </a:lvl9pPr>
           </a:lstStyle>
-          <a:p/>
+          <a:p>
+            <a:endParaRPr/>
+          </a:p>
         </p:txBody>
       </p:sp>
       <p:sp>
         <p:nvSpPr>
           <p:cNvPr id="39" name="Google Shape;39;p9"/>
-          <p:cNvSpPr txBox="1"/>
+          <p:cNvSpPr txBox="1">
+            <a:spLocks noGrp="1"/>
+          </p:cNvSpPr>
           <p:nvPr>
-            <p:ph idx="2" type="body"/>
+            <p:ph type="body" idx="2"/>
           </p:nvPr>
         </p:nvSpPr>
         <p:spPr>
@@ -9955,11 +10134,11 @@
           </a:prstGeom>
         </p:spPr>
         <p:txBody>
-          <a:bodyPr anchorCtr="0" anchor="ctr" bIns="91425" lIns="91425" spcFirstLastPara="1" rIns="91425" wrap="square" tIns="91425">
+          <a:bodyPr spcFirstLastPara="1" wrap="square" lIns="91425" tIns="91425" rIns="91425" bIns="91425" anchor="ctr" anchorCtr="0">
             <a:normAutofit/>
           </a:bodyPr>
           <a:lstStyle>
-            <a:lvl1pPr indent="-342900" lvl="0" marL="457200">
+            <a:lvl1pPr marL="457200" lvl="0" indent="-342900">
               <a:spcBef>
                 <a:spcPts val="0"/>
               </a:spcBef>
@@ -9970,7 +10149,7 @@
               <a:buChar char="●"/>
               <a:defRPr/>
             </a:lvl1pPr>
-            <a:lvl2pPr indent="-317500" lvl="1" marL="914400">
+            <a:lvl2pPr marL="914400" lvl="1" indent="-317500">
               <a:spcBef>
                 <a:spcPts val="0"/>
               </a:spcBef>
@@ -9981,7 +10160,7 @@
               <a:buChar char="○"/>
               <a:defRPr/>
             </a:lvl2pPr>
-            <a:lvl3pPr indent="-317500" lvl="2" marL="1371600">
+            <a:lvl3pPr marL="1371600" lvl="2" indent="-317500">
               <a:spcBef>
                 <a:spcPts val="0"/>
               </a:spcBef>
@@ -9992,7 +10171,7 @@
               <a:buChar char="■"/>
               <a:defRPr/>
             </a:lvl3pPr>
-            <a:lvl4pPr indent="-317500" lvl="3" marL="1828800">
+            <a:lvl4pPr marL="1828800" lvl="3" indent="-317500">
               <a:spcBef>
                 <a:spcPts val="0"/>
               </a:spcBef>
@@ -10003,7 +10182,7 @@
               <a:buChar char="●"/>
               <a:defRPr/>
             </a:lvl4pPr>
-            <a:lvl5pPr indent="-317500" lvl="4" marL="2286000">
+            <a:lvl5pPr marL="2286000" lvl="4" indent="-317500">
               <a:spcBef>
                 <a:spcPts val="0"/>
               </a:spcBef>
@@ -10014,7 +10193,7 @@
               <a:buChar char="○"/>
               <a:defRPr/>
             </a:lvl5pPr>
-            <a:lvl6pPr indent="-317500" lvl="5" marL="2743200">
+            <a:lvl6pPr marL="2743200" lvl="5" indent="-317500">
               <a:spcBef>
                 <a:spcPts val="0"/>
               </a:spcBef>
@@ -10025,7 +10204,7 @@
               <a:buChar char="■"/>
               <a:defRPr/>
             </a:lvl6pPr>
-            <a:lvl7pPr indent="-317500" lvl="6" marL="3200400">
+            <a:lvl7pPr marL="3200400" lvl="6" indent="-317500">
               <a:spcBef>
                 <a:spcPts val="0"/>
               </a:spcBef>
@@ -10036,7 +10215,7 @@
               <a:buChar char="●"/>
               <a:defRPr/>
             </a:lvl7pPr>
-            <a:lvl8pPr indent="-317500" lvl="7" marL="3657600">
+            <a:lvl8pPr marL="3657600" lvl="7" indent="-317500">
               <a:spcBef>
                 <a:spcPts val="0"/>
               </a:spcBef>
@@ -10047,7 +10226,7 @@
               <a:buChar char="○"/>
               <a:defRPr/>
             </a:lvl8pPr>
-            <a:lvl9pPr indent="-317500" lvl="8" marL="4114800">
+            <a:lvl9pPr marL="4114800" lvl="8" indent="-317500">
               <a:spcBef>
                 <a:spcPts val="0"/>
               </a:spcBef>
@@ -10059,15 +10238,19 @@
               <a:defRPr/>
             </a:lvl9pPr>
           </a:lstStyle>
-          <a:p/>
+          <a:p>
+            <a:endParaRPr/>
+          </a:p>
         </p:txBody>
       </p:sp>
       <p:sp>
         <p:nvSpPr>
           <p:cNvPr id="40" name="Google Shape;40;p9"/>
-          <p:cNvSpPr txBox="1"/>
+          <p:cNvSpPr txBox="1">
+            <a:spLocks noGrp="1"/>
+          </p:cNvSpPr>
           <p:nvPr>
-            <p:ph idx="12" type="sldNum"/>
+            <p:ph type="sldNum" idx="12"/>
           </p:nvPr>
         </p:nvSpPr>
         <p:spPr>
@@ -10080,7 +10263,7 @@
           </a:prstGeom>
         </p:spPr>
         <p:txBody>
-          <a:bodyPr anchorCtr="0" anchor="ctr" bIns="91425" lIns="91425" spcFirstLastPara="1" rIns="91425" wrap="square" tIns="91425">
+          <a:bodyPr spcFirstLastPara="1" wrap="square" lIns="91425" tIns="91425" rIns="91425" bIns="91425" anchor="ctr" anchorCtr="0">
             <a:normAutofit/>
           </a:bodyPr>
           <a:lstStyle>
@@ -10122,7 +10305,7 @@
             </a:lvl9pPr>
           </a:lstStyle>
           <a:p>
-            <a:pPr indent="0" lvl="0" marL="0" rtl="0" algn="r">
+            <a:pPr marL="0" lvl="0" indent="0" algn="r" rtl="0">
               <a:spcBef>
                 <a:spcPts val="0"/>
               </a:spcBef>
@@ -10148,11 +10331,11 @@
 </file>
 
 <file path=ppt/slideLayouts/slideLayout9.xml><?xml version="1.0" encoding="utf-8"?>
-<p:sldLayout xmlns:a="http://schemas.openxmlformats.org/drawingml/2006/main" xmlns:r="http://schemas.openxmlformats.org/officeDocument/2006/relationships" xmlns:mc="http://schemas.openxmlformats.org/markup-compatibility/2006" xmlns:mv="urn:schemas-microsoft-com:mac:vml" xmlns:p="http://schemas.openxmlformats.org/presentationml/2006/main" xmlns:c="http://schemas.openxmlformats.org/drawingml/2006/chart" xmlns:dgm="http://schemas.openxmlformats.org/drawingml/2006/diagram" xmlns:o="urn:schemas-microsoft-com:office:office" xmlns:v="urn:schemas-microsoft-com:vml" xmlns:pvml="urn:schemas-microsoft-com:office:powerpoint" xmlns:com="http://schemas.openxmlformats.org/drawingml/2006/compatibility" xmlns:p14="http://schemas.microsoft.com/office/powerpoint/2010/main" xmlns:p15="http://schemas.microsoft.com/office/powerpoint/2012/main" xmlns:ahyp="http://schemas.microsoft.com/office/drawing/2018/hyperlinkcolor" matchingName="Caption">
+<p:sldLayout xmlns:a="http://schemas.openxmlformats.org/drawingml/2006/main" xmlns:r="http://schemas.openxmlformats.org/officeDocument/2006/relationships" xmlns:p="http://schemas.openxmlformats.org/presentationml/2006/main" matchingName="Caption">
   <p:cSld name="CAPTION_ONLY">
     <p:spTree>
       <p:nvGrpSpPr>
-        <p:cNvPr id="41" name="Shape 41"/>
+        <p:cNvPr id="1" name="Shape 41"/>
         <p:cNvGrpSpPr/>
         <p:nvPr/>
       </p:nvGrpSpPr>
@@ -10167,9 +10350,11 @@
       <p:sp>
         <p:nvSpPr>
           <p:cNvPr id="42" name="Google Shape;42;p10"/>
-          <p:cNvSpPr txBox="1"/>
+          <p:cNvSpPr txBox="1">
+            <a:spLocks noGrp="1"/>
+          </p:cNvSpPr>
           <p:nvPr>
-            <p:ph idx="1" type="body"/>
+            <p:ph type="body" idx="1"/>
           </p:nvPr>
         </p:nvSpPr>
         <p:spPr>
@@ -10182,11 +10367,11 @@
           </a:prstGeom>
         </p:spPr>
         <p:txBody>
-          <a:bodyPr anchorCtr="0" anchor="ctr" bIns="91425" lIns="91425" spcFirstLastPara="1" rIns="91425" wrap="square" tIns="91425">
+          <a:bodyPr spcFirstLastPara="1" wrap="square" lIns="91425" tIns="91425" rIns="91425" bIns="91425" anchor="ctr" anchorCtr="0">
             <a:normAutofit/>
           </a:bodyPr>
           <a:lstStyle>
-            <a:lvl1pPr indent="-228600" lvl="0" marL="457200">
+            <a:lvl1pPr marL="457200" lvl="0" indent="-228600">
               <a:lnSpc>
                 <a:spcPct val="100000"/>
               </a:lnSpc>
@@ -10201,15 +10386,19 @@
               <a:defRPr/>
             </a:lvl1pPr>
           </a:lstStyle>
-          <a:p/>
+          <a:p>
+            <a:endParaRPr/>
+          </a:p>
         </p:txBody>
       </p:sp>
       <p:sp>
         <p:nvSpPr>
           <p:cNvPr id="43" name="Google Shape;43;p10"/>
-          <p:cNvSpPr txBox="1"/>
+          <p:cNvSpPr txBox="1">
+            <a:spLocks noGrp="1"/>
+          </p:cNvSpPr>
           <p:nvPr>
-            <p:ph idx="12" type="sldNum"/>
+            <p:ph type="sldNum" idx="12"/>
           </p:nvPr>
         </p:nvSpPr>
         <p:spPr>
@@ -10222,7 +10411,7 @@
           </a:prstGeom>
         </p:spPr>
         <p:txBody>
-          <a:bodyPr anchorCtr="0" anchor="ctr" bIns="91425" lIns="91425" spcFirstLastPara="1" rIns="91425" wrap="square" tIns="91425">
+          <a:bodyPr spcFirstLastPara="1" wrap="square" lIns="91425" tIns="91425" rIns="91425" bIns="91425" anchor="ctr" anchorCtr="0">
             <a:normAutofit/>
           </a:bodyPr>
           <a:lstStyle>
@@ -10264,7 +10453,7 @@
             </a:lvl9pPr>
           </a:lstStyle>
           <a:p>
-            <a:pPr indent="0" lvl="0" marL="0" rtl="0" algn="r">
+            <a:pPr marL="0" lvl="0" indent="0" algn="r" rtl="0">
               <a:spcBef>
                 <a:spcPts val="0"/>
               </a:spcBef>
@@ -10290,18 +10479,19 @@
 </file>
 
 <file path=ppt/slideMasters/slideMaster1.xml><?xml version="1.0" encoding="utf-8"?>
-<p:sldMaster xmlns:a="http://schemas.openxmlformats.org/drawingml/2006/main" xmlns:r="http://schemas.openxmlformats.org/officeDocument/2006/relationships" xmlns:mc="http://schemas.openxmlformats.org/markup-compatibility/2006" xmlns:mv="urn:schemas-microsoft-com:mac:vml" xmlns:p="http://schemas.openxmlformats.org/presentationml/2006/main" xmlns:c="http://schemas.openxmlformats.org/drawingml/2006/chart" xmlns:dgm="http://schemas.openxmlformats.org/drawingml/2006/diagram" xmlns:o="urn:schemas-microsoft-com:office:office" xmlns:v="urn:schemas-microsoft-com:vml" xmlns:pvml="urn:schemas-microsoft-com:office:powerpoint" xmlns:com="http://schemas.openxmlformats.org/drawingml/2006/compatibility" xmlns:p14="http://schemas.microsoft.com/office/powerpoint/2010/main" xmlns:p15="http://schemas.microsoft.com/office/powerpoint/2012/main" xmlns:ahyp="http://schemas.microsoft.com/office/drawing/2018/hyperlinkcolor">
+<p:sldMaster xmlns:a="http://schemas.openxmlformats.org/drawingml/2006/main" xmlns:r="http://schemas.openxmlformats.org/officeDocument/2006/relationships" xmlns:p="http://schemas.openxmlformats.org/presentationml/2006/main">
   <p:cSld name="simple-light-2">
     <p:bg>
       <p:bgPr>
         <a:solidFill>
           <a:schemeClr val="lt1"/>
         </a:solidFill>
+        <a:effectLst/>
       </p:bgPr>
     </p:bg>
     <p:spTree>
       <p:nvGrpSpPr>
-        <p:cNvPr id="5" name="Shape 5"/>
+        <p:cNvPr id="1" name="Shape 5"/>
         <p:cNvGrpSpPr/>
         <p:nvPr/>
       </p:nvGrpSpPr>
@@ -10316,7 +10506,9 @@
       <p:sp>
         <p:nvSpPr>
           <p:cNvPr id="6" name="Google Shape;6;p1"/>
-          <p:cNvSpPr txBox="1"/>
+          <p:cNvSpPr txBox="1">
+            <a:spLocks noGrp="1"/>
+          </p:cNvSpPr>
           <p:nvPr>
             <p:ph type="title"/>
           </p:nvPr>
@@ -10335,7 +10527,7 @@
           </a:ln>
         </p:spPr>
         <p:txBody>
-          <a:bodyPr anchorCtr="0" anchor="t" bIns="91425" lIns="91425" spcFirstLastPara="1" rIns="91425" wrap="square" tIns="91425">
+          <a:bodyPr spcFirstLastPara="1" wrap="square" lIns="91425" tIns="91425" rIns="91425" bIns="91425" anchor="t" anchorCtr="0">
             <a:normAutofit/>
           </a:bodyPr>
           <a:lstStyle>
@@ -10502,15 +10694,19 @@
               </a:defRPr>
             </a:lvl9pPr>
           </a:lstStyle>
-          <a:p/>
+          <a:p>
+            <a:endParaRPr/>
+          </a:p>
         </p:txBody>
       </p:sp>
       <p:sp>
         <p:nvSpPr>
           <p:cNvPr id="7" name="Google Shape;7;p1"/>
-          <p:cNvSpPr txBox="1"/>
+          <p:cNvSpPr txBox="1">
+            <a:spLocks noGrp="1"/>
+          </p:cNvSpPr>
           <p:nvPr>
-            <p:ph idx="1" type="body"/>
+            <p:ph type="body" idx="1"/>
           </p:nvPr>
         </p:nvSpPr>
         <p:spPr>
@@ -10527,11 +10723,11 @@
           </a:ln>
         </p:spPr>
         <p:txBody>
-          <a:bodyPr anchorCtr="0" anchor="t" bIns="91425" lIns="91425" spcFirstLastPara="1" rIns="91425" wrap="square" tIns="91425">
+          <a:bodyPr spcFirstLastPara="1" wrap="square" lIns="91425" tIns="91425" rIns="91425" bIns="91425" anchor="t" anchorCtr="0">
             <a:normAutofit/>
           </a:bodyPr>
           <a:lstStyle>
-            <a:lvl1pPr indent="-342900" lvl="0" marL="457200">
+            <a:lvl1pPr marL="457200" lvl="0" indent="-342900">
               <a:lnSpc>
                 <a:spcPct val="115000"/>
               </a:lnSpc>
@@ -10552,7 +10748,7 @@
                 </a:solidFill>
               </a:defRPr>
             </a:lvl1pPr>
-            <a:lvl2pPr indent="-317500" lvl="1" marL="914400">
+            <a:lvl2pPr marL="914400" lvl="1" indent="-317500">
               <a:lnSpc>
                 <a:spcPct val="115000"/>
               </a:lnSpc>
@@ -10573,7 +10769,7 @@
                 </a:solidFill>
               </a:defRPr>
             </a:lvl2pPr>
-            <a:lvl3pPr indent="-317500" lvl="2" marL="1371600">
+            <a:lvl3pPr marL="1371600" lvl="2" indent="-317500">
               <a:lnSpc>
                 <a:spcPct val="115000"/>
               </a:lnSpc>
@@ -10594,7 +10790,7 @@
                 </a:solidFill>
               </a:defRPr>
             </a:lvl3pPr>
-            <a:lvl4pPr indent="-317500" lvl="3" marL="1828800">
+            <a:lvl4pPr marL="1828800" lvl="3" indent="-317500">
               <a:lnSpc>
                 <a:spcPct val="115000"/>
               </a:lnSpc>
@@ -10615,7 +10811,7 @@
                 </a:solidFill>
               </a:defRPr>
             </a:lvl4pPr>
-            <a:lvl5pPr indent="-317500" lvl="4" marL="2286000">
+            <a:lvl5pPr marL="2286000" lvl="4" indent="-317500">
               <a:lnSpc>
                 <a:spcPct val="115000"/>
               </a:lnSpc>
@@ -10636,7 +10832,7 @@
                 </a:solidFill>
               </a:defRPr>
             </a:lvl5pPr>
-            <a:lvl6pPr indent="-317500" lvl="5" marL="2743200">
+            <a:lvl6pPr marL="2743200" lvl="5" indent="-317500">
               <a:lnSpc>
                 <a:spcPct val="115000"/>
               </a:lnSpc>
@@ -10657,7 +10853,7 @@
                 </a:solidFill>
               </a:defRPr>
             </a:lvl6pPr>
-            <a:lvl7pPr indent="-317500" lvl="6" marL="3200400">
+            <a:lvl7pPr marL="3200400" lvl="6" indent="-317500">
               <a:lnSpc>
                 <a:spcPct val="115000"/>
               </a:lnSpc>
@@ -10678,7 +10874,7 @@
                 </a:solidFill>
               </a:defRPr>
             </a:lvl7pPr>
-            <a:lvl8pPr indent="-317500" lvl="7" marL="3657600">
+            <a:lvl8pPr marL="3657600" lvl="7" indent="-317500">
               <a:lnSpc>
                 <a:spcPct val="115000"/>
               </a:lnSpc>
@@ -10699,7 +10895,7 @@
                 </a:solidFill>
               </a:defRPr>
             </a:lvl8pPr>
-            <a:lvl9pPr indent="-317500" lvl="8" marL="4114800">
+            <a:lvl9pPr marL="4114800" lvl="8" indent="-317500">
               <a:lnSpc>
                 <a:spcPct val="115000"/>
               </a:lnSpc>
@@ -10721,15 +10917,19 @@
               </a:defRPr>
             </a:lvl9pPr>
           </a:lstStyle>
-          <a:p/>
+          <a:p>
+            <a:endParaRPr/>
+          </a:p>
         </p:txBody>
       </p:sp>
       <p:sp>
         <p:nvSpPr>
           <p:cNvPr id="8" name="Google Shape;8;p1"/>
-          <p:cNvSpPr txBox="1"/>
+          <p:cNvSpPr txBox="1">
+            <a:spLocks noGrp="1"/>
+          </p:cNvSpPr>
           <p:nvPr>
-            <p:ph idx="12" type="sldNum"/>
+            <p:ph type="sldNum" idx="12"/>
           </p:nvPr>
         </p:nvSpPr>
         <p:spPr>
@@ -10746,7 +10946,7 @@
           </a:ln>
         </p:spPr>
         <p:txBody>
-          <a:bodyPr anchorCtr="0" anchor="ctr" bIns="91425" lIns="91425" spcFirstLastPara="1" rIns="91425" wrap="square" tIns="91425">
+          <a:bodyPr spcFirstLastPara="1" wrap="square" lIns="91425" tIns="91425" rIns="91425" bIns="91425" anchor="ctr" anchorCtr="0">
             <a:normAutofit/>
           </a:bodyPr>
           <a:lstStyle>
@@ -10824,7 +11024,7 @@
             </a:lvl9pPr>
           </a:lstStyle>
           <a:p>
-            <a:pPr indent="0" lvl="0" marL="0" rtl="0" algn="r">
+            <a:pPr marL="0" lvl="0" indent="0" algn="r" rtl="0">
               <a:spcBef>
                 <a:spcPts val="0"/>
               </a:spcBef>
@@ -10843,7 +11043,7 @@
       </p:sp>
     </p:spTree>
   </p:cSld>
-  <p:clrMap accent1="accent1" accent2="accent2" accent3="accent3" accent4="accent4" accent5="accent5" accent6="accent6" bg1="lt1" bg2="dk2" tx1="dk1" tx2="lt2" folHlink="folHlink" hlink="hlink"/>
+  <p:clrMap bg1="lt1" tx1="dk1" bg2="dk2" tx2="lt2" accent1="accent1" accent2="accent2" accent3="accent3" accent4="accent4" accent5="accent5" accent6="accent6" hlink="hlink" folHlink="folHlink"/>
   <p:sldLayoutIdLst>
     <p:sldLayoutId id="2147483648" r:id="rId1"/>
     <p:sldLayoutId id="2147483649" r:id="rId2"/>
@@ -10857,10 +11057,10 @@
     <p:sldLayoutId id="2147483657" r:id="rId10"/>
     <p:sldLayoutId id="2147483658" r:id="rId11"/>
   </p:sldLayoutIdLst>
-  <p:hf dt="0" ftr="0" hdr="0" sldNum="0"/>
+  <p:hf sldNum="0" hdr="0" ftr="0" dt="0"/>
   <p:txStyles>
     <p:titleStyle>
-      <a:defPPr lvl="0" marR="0" rtl="0" algn="l">
+      <a:defPPr marR="0" lvl="0" algn="l" rtl="0">
         <a:lnSpc>
           <a:spcPct val="100000"/>
         </a:lnSpc>
@@ -10871,7 +11071,7 @@
           <a:spcPts val="0"/>
         </a:spcAft>
       </a:defPPr>
-      <a:lvl1pPr lvl="0" marR="0" rtl="0" algn="l">
+      <a:lvl1pPr marR="0" lvl="0" algn="l" rtl="0">
         <a:lnSpc>
           <a:spcPct val="100000"/>
         </a:lnSpc>
@@ -10885,7 +11085,7 @@
           <a:srgbClr val="000000"/>
         </a:buClr>
         <a:buFont typeface="Arial"/>
-        <a:defRPr b="0" i="0" sz="1400" u="none" cap="none" strike="noStrike">
+        <a:defRPr sz="1400" b="0" i="0" u="none" strike="noStrike" cap="none">
           <a:solidFill>
             <a:srgbClr val="000000"/>
           </a:solidFill>
@@ -10895,7 +11095,7 @@
           <a:sym typeface="Arial"/>
         </a:defRPr>
       </a:lvl1pPr>
-      <a:lvl2pPr lvl="1" marR="0" rtl="0" algn="l">
+      <a:lvl2pPr marR="0" lvl="1" algn="l" rtl="0">
         <a:lnSpc>
           <a:spcPct val="100000"/>
         </a:lnSpc>
@@ -10909,7 +11109,7 @@
           <a:srgbClr val="000000"/>
         </a:buClr>
         <a:buFont typeface="Arial"/>
-        <a:defRPr b="0" i="0" sz="1400" u="none" cap="none" strike="noStrike">
+        <a:defRPr sz="1400" b="0" i="0" u="none" strike="noStrike" cap="none">
           <a:solidFill>
             <a:srgbClr val="000000"/>
           </a:solidFill>
@@ -10919,7 +11119,7 @@
           <a:sym typeface="Arial"/>
         </a:defRPr>
       </a:lvl2pPr>
-      <a:lvl3pPr lvl="2" marR="0" rtl="0" algn="l">
+      <a:lvl3pPr marR="0" lvl="2" algn="l" rtl="0">
         <a:lnSpc>
           <a:spcPct val="100000"/>
         </a:lnSpc>
@@ -10933,7 +11133,7 @@
           <a:srgbClr val="000000"/>
         </a:buClr>
         <a:buFont typeface="Arial"/>
-        <a:defRPr b="0" i="0" sz="1400" u="none" cap="none" strike="noStrike">
+        <a:defRPr sz="1400" b="0" i="0" u="none" strike="noStrike" cap="none">
           <a:solidFill>
             <a:srgbClr val="000000"/>
           </a:solidFill>
@@ -10943,7 +11143,7 @@
           <a:sym typeface="Arial"/>
         </a:defRPr>
       </a:lvl3pPr>
-      <a:lvl4pPr lvl="3" marR="0" rtl="0" algn="l">
+      <a:lvl4pPr marR="0" lvl="3" algn="l" rtl="0">
         <a:lnSpc>
           <a:spcPct val="100000"/>
         </a:lnSpc>
@@ -10957,7 +11157,7 @@
           <a:srgbClr val="000000"/>
         </a:buClr>
         <a:buFont typeface="Arial"/>
-        <a:defRPr b="0" i="0" sz="1400" u="none" cap="none" strike="noStrike">
+        <a:defRPr sz="1400" b="0" i="0" u="none" strike="noStrike" cap="none">
           <a:solidFill>
             <a:srgbClr val="000000"/>
           </a:solidFill>
@@ -10967,7 +11167,7 @@
           <a:sym typeface="Arial"/>
         </a:defRPr>
       </a:lvl4pPr>
-      <a:lvl5pPr lvl="4" marR="0" rtl="0" algn="l">
+      <a:lvl5pPr marR="0" lvl="4" algn="l" rtl="0">
         <a:lnSpc>
           <a:spcPct val="100000"/>
         </a:lnSpc>
@@ -10981,7 +11181,7 @@
           <a:srgbClr val="000000"/>
         </a:buClr>
         <a:buFont typeface="Arial"/>
-        <a:defRPr b="0" i="0" sz="1400" u="none" cap="none" strike="noStrike">
+        <a:defRPr sz="1400" b="0" i="0" u="none" strike="noStrike" cap="none">
           <a:solidFill>
             <a:srgbClr val="000000"/>
           </a:solidFill>
@@ -10991,7 +11191,7 @@
           <a:sym typeface="Arial"/>
         </a:defRPr>
       </a:lvl5pPr>
-      <a:lvl6pPr lvl="5" marR="0" rtl="0" algn="l">
+      <a:lvl6pPr marR="0" lvl="5" algn="l" rtl="0">
         <a:lnSpc>
           <a:spcPct val="100000"/>
         </a:lnSpc>
@@ -11005,7 +11205,7 @@
           <a:srgbClr val="000000"/>
         </a:buClr>
         <a:buFont typeface="Arial"/>
-        <a:defRPr b="0" i="0" sz="1400" u="none" cap="none" strike="noStrike">
+        <a:defRPr sz="1400" b="0" i="0" u="none" strike="noStrike" cap="none">
           <a:solidFill>
             <a:srgbClr val="000000"/>
           </a:solidFill>
@@ -11015,7 +11215,7 @@
           <a:sym typeface="Arial"/>
         </a:defRPr>
       </a:lvl6pPr>
-      <a:lvl7pPr lvl="6" marR="0" rtl="0" algn="l">
+      <a:lvl7pPr marR="0" lvl="6" algn="l" rtl="0">
         <a:lnSpc>
           <a:spcPct val="100000"/>
         </a:lnSpc>
@@ -11029,7 +11229,7 @@
           <a:srgbClr val="000000"/>
         </a:buClr>
         <a:buFont typeface="Arial"/>
-        <a:defRPr b="0" i="0" sz="1400" u="none" cap="none" strike="noStrike">
+        <a:defRPr sz="1400" b="0" i="0" u="none" strike="noStrike" cap="none">
           <a:solidFill>
             <a:srgbClr val="000000"/>
           </a:solidFill>
@@ -11039,7 +11239,7 @@
           <a:sym typeface="Arial"/>
         </a:defRPr>
       </a:lvl7pPr>
-      <a:lvl8pPr lvl="7" marR="0" rtl="0" algn="l">
+      <a:lvl8pPr marR="0" lvl="7" algn="l" rtl="0">
         <a:lnSpc>
           <a:spcPct val="100000"/>
         </a:lnSpc>
@@ -11053,7 +11253,7 @@
           <a:srgbClr val="000000"/>
         </a:buClr>
         <a:buFont typeface="Arial"/>
-        <a:defRPr b="0" i="0" sz="1400" u="none" cap="none" strike="noStrike">
+        <a:defRPr sz="1400" b="0" i="0" u="none" strike="noStrike" cap="none">
           <a:solidFill>
             <a:srgbClr val="000000"/>
           </a:solidFill>
@@ -11063,7 +11263,7 @@
           <a:sym typeface="Arial"/>
         </a:defRPr>
       </a:lvl8pPr>
-      <a:lvl9pPr lvl="8" marR="0" rtl="0" algn="l">
+      <a:lvl9pPr marR="0" lvl="8" algn="l" rtl="0">
         <a:lnSpc>
           <a:spcPct val="100000"/>
         </a:lnSpc>
@@ -11077,7 +11277,7 @@
           <a:srgbClr val="000000"/>
         </a:buClr>
         <a:buFont typeface="Arial"/>
-        <a:defRPr b="0" i="0" sz="1400" u="none" cap="none" strike="noStrike">
+        <a:defRPr sz="1400" b="0" i="0" u="none" strike="noStrike" cap="none">
           <a:solidFill>
             <a:srgbClr val="000000"/>
           </a:solidFill>
@@ -11089,7 +11289,7 @@
       </a:lvl9pPr>
     </p:titleStyle>
     <p:bodyStyle>
-      <a:defPPr lvl="0" marR="0" rtl="0" algn="l">
+      <a:defPPr marR="0" lvl="0" algn="l" rtl="0">
         <a:lnSpc>
           <a:spcPct val="100000"/>
         </a:lnSpc>
@@ -11100,7 +11300,7 @@
           <a:spcPts val="0"/>
         </a:spcAft>
       </a:defPPr>
-      <a:lvl1pPr lvl="0" marR="0" rtl="0" algn="l">
+      <a:lvl1pPr marR="0" lvl="0" algn="l" rtl="0">
         <a:lnSpc>
           <a:spcPct val="100000"/>
         </a:lnSpc>
@@ -11114,7 +11314,7 @@
           <a:srgbClr val="000000"/>
         </a:buClr>
         <a:buFont typeface="Arial"/>
-        <a:defRPr b="0" i="0" sz="1400" u="none" cap="none" strike="noStrike">
+        <a:defRPr sz="1400" b="0" i="0" u="none" strike="noStrike" cap="none">
           <a:solidFill>
             <a:srgbClr val="000000"/>
           </a:solidFill>
@@ -11124,7 +11324,7 @@
           <a:sym typeface="Arial"/>
         </a:defRPr>
       </a:lvl1pPr>
-      <a:lvl2pPr lvl="1" marR="0" rtl="0" algn="l">
+      <a:lvl2pPr marR="0" lvl="1" algn="l" rtl="0">
         <a:lnSpc>
           <a:spcPct val="100000"/>
         </a:lnSpc>
@@ -11138,7 +11338,7 @@
           <a:srgbClr val="000000"/>
         </a:buClr>
         <a:buFont typeface="Arial"/>
-        <a:defRPr b="0" i="0" sz="1400" u="none" cap="none" strike="noStrike">
+        <a:defRPr sz="1400" b="0" i="0" u="none" strike="noStrike" cap="none">
           <a:solidFill>
             <a:srgbClr val="000000"/>
           </a:solidFill>
@@ -11148,7 +11348,7 @@
           <a:sym typeface="Arial"/>
         </a:defRPr>
       </a:lvl2pPr>
-      <a:lvl3pPr lvl="2" marR="0" rtl="0" algn="l">
+      <a:lvl3pPr marR="0" lvl="2" algn="l" rtl="0">
         <a:lnSpc>
           <a:spcPct val="100000"/>
         </a:lnSpc>
@@ -11162,7 +11362,7 @@
           <a:srgbClr val="000000"/>
         </a:buClr>
         <a:buFont typeface="Arial"/>
-        <a:defRPr b="0" i="0" sz="1400" u="none" cap="none" strike="noStrike">
+        <a:defRPr sz="1400" b="0" i="0" u="none" strike="noStrike" cap="none">
           <a:solidFill>
             <a:srgbClr val="000000"/>
           </a:solidFill>
@@ -11172,7 +11372,7 @@
           <a:sym typeface="Arial"/>
         </a:defRPr>
       </a:lvl3pPr>
-      <a:lvl4pPr lvl="3" marR="0" rtl="0" algn="l">
+      <a:lvl4pPr marR="0" lvl="3" algn="l" rtl="0">
         <a:lnSpc>
           <a:spcPct val="100000"/>
         </a:lnSpc>
@@ -11186,7 +11386,7 @@
           <a:srgbClr val="000000"/>
         </a:buClr>
         <a:buFont typeface="Arial"/>
-        <a:defRPr b="0" i="0" sz="1400" u="none" cap="none" strike="noStrike">
+        <a:defRPr sz="1400" b="0" i="0" u="none" strike="noStrike" cap="none">
           <a:solidFill>
             <a:srgbClr val="000000"/>
           </a:solidFill>
@@ -11196,7 +11396,7 @@
           <a:sym typeface="Arial"/>
         </a:defRPr>
       </a:lvl4pPr>
-      <a:lvl5pPr lvl="4" marR="0" rtl="0" algn="l">
+      <a:lvl5pPr marR="0" lvl="4" algn="l" rtl="0">
         <a:lnSpc>
           <a:spcPct val="100000"/>
         </a:lnSpc>
@@ -11210,7 +11410,7 @@
           <a:srgbClr val="000000"/>
         </a:buClr>
         <a:buFont typeface="Arial"/>
-        <a:defRPr b="0" i="0" sz="1400" u="none" cap="none" strike="noStrike">
+        <a:defRPr sz="1400" b="0" i="0" u="none" strike="noStrike" cap="none">
           <a:solidFill>
             <a:srgbClr val="000000"/>
           </a:solidFill>
@@ -11220,7 +11420,7 @@
           <a:sym typeface="Arial"/>
         </a:defRPr>
       </a:lvl5pPr>
-      <a:lvl6pPr lvl="5" marR="0" rtl="0" algn="l">
+      <a:lvl6pPr marR="0" lvl="5" algn="l" rtl="0">
         <a:lnSpc>
           <a:spcPct val="100000"/>
         </a:lnSpc>
@@ -11234,7 +11434,7 @@
           <a:srgbClr val="000000"/>
         </a:buClr>
         <a:buFont typeface="Arial"/>
-        <a:defRPr b="0" i="0" sz="1400" u="none" cap="none" strike="noStrike">
+        <a:defRPr sz="1400" b="0" i="0" u="none" strike="noStrike" cap="none">
           <a:solidFill>
             <a:srgbClr val="000000"/>
           </a:solidFill>
@@ -11244,7 +11444,7 @@
           <a:sym typeface="Arial"/>
         </a:defRPr>
       </a:lvl6pPr>
-      <a:lvl7pPr lvl="6" marR="0" rtl="0" algn="l">
+      <a:lvl7pPr marR="0" lvl="6" algn="l" rtl="0">
         <a:lnSpc>
           <a:spcPct val="100000"/>
         </a:lnSpc>
@@ -11258,7 +11458,7 @@
           <a:srgbClr val="000000"/>
         </a:buClr>
         <a:buFont typeface="Arial"/>
-        <a:defRPr b="0" i="0" sz="1400" u="none" cap="none" strike="noStrike">
+        <a:defRPr sz="1400" b="0" i="0" u="none" strike="noStrike" cap="none">
           <a:solidFill>
             <a:srgbClr val="000000"/>
           </a:solidFill>
@@ -11268,7 +11468,7 @@
           <a:sym typeface="Arial"/>
         </a:defRPr>
       </a:lvl7pPr>
-      <a:lvl8pPr lvl="7" marR="0" rtl="0" algn="l">
+      <a:lvl8pPr marR="0" lvl="7" algn="l" rtl="0">
         <a:lnSpc>
           <a:spcPct val="100000"/>
         </a:lnSpc>
@@ -11282,7 +11482,7 @@
           <a:srgbClr val="000000"/>
         </a:buClr>
         <a:buFont typeface="Arial"/>
-        <a:defRPr b="0" i="0" sz="1400" u="none" cap="none" strike="noStrike">
+        <a:defRPr sz="1400" b="0" i="0" u="none" strike="noStrike" cap="none">
           <a:solidFill>
             <a:srgbClr val="000000"/>
           </a:solidFill>
@@ -11292,7 +11492,7 @@
           <a:sym typeface="Arial"/>
         </a:defRPr>
       </a:lvl8pPr>
-      <a:lvl9pPr lvl="8" marR="0" rtl="0" algn="l">
+      <a:lvl9pPr marR="0" lvl="8" algn="l" rtl="0">
         <a:lnSpc>
           <a:spcPct val="100000"/>
         </a:lnSpc>
@@ -11306,7 +11506,7 @@
           <a:srgbClr val="000000"/>
         </a:buClr>
         <a:buFont typeface="Arial"/>
-        <a:defRPr b="0" i="0" sz="1400" u="none" cap="none" strike="noStrike">
+        <a:defRPr sz="1400" b="0" i="0" u="none" strike="noStrike" cap="none">
           <a:solidFill>
             <a:srgbClr val="000000"/>
           </a:solidFill>
@@ -11318,7 +11518,7 @@
       </a:lvl9pPr>
     </p:bodyStyle>
     <p:otherStyle>
-      <a:defPPr lvl="0" marR="0" rtl="0" algn="l">
+      <a:defPPr marR="0" lvl="0" algn="l" rtl="0">
         <a:lnSpc>
           <a:spcPct val="100000"/>
         </a:lnSpc>
@@ -11329,7 +11529,7 @@
           <a:spcPts val="0"/>
         </a:spcAft>
       </a:defPPr>
-      <a:lvl1pPr lvl="0" marR="0" rtl="0" algn="l">
+      <a:lvl1pPr marR="0" lvl="0" algn="l" rtl="0">
         <a:lnSpc>
           <a:spcPct val="100000"/>
         </a:lnSpc>
@@ -11343,7 +11543,7 @@
           <a:srgbClr val="000000"/>
         </a:buClr>
         <a:buFont typeface="Arial"/>
-        <a:defRPr b="0" i="0" sz="1400" u="none" cap="none" strike="noStrike">
+        <a:defRPr sz="1400" b="0" i="0" u="none" strike="noStrike" cap="none">
           <a:solidFill>
             <a:srgbClr val="000000"/>
           </a:solidFill>
@@ -11353,7 +11553,7 @@
           <a:sym typeface="Arial"/>
         </a:defRPr>
       </a:lvl1pPr>
-      <a:lvl2pPr lvl="1" marR="0" rtl="0" algn="l">
+      <a:lvl2pPr marR="0" lvl="1" algn="l" rtl="0">
         <a:lnSpc>
           <a:spcPct val="100000"/>
         </a:lnSpc>
@@ -11367,7 +11567,7 @@
           <a:srgbClr val="000000"/>
         </a:buClr>
         <a:buFont typeface="Arial"/>
-        <a:defRPr b="0" i="0" sz="1400" u="none" cap="none" strike="noStrike">
+        <a:defRPr sz="1400" b="0" i="0" u="none" strike="noStrike" cap="none">
           <a:solidFill>
             <a:srgbClr val="000000"/>
           </a:solidFill>
@@ -11377,7 +11577,7 @@
           <a:sym typeface="Arial"/>
         </a:defRPr>
       </a:lvl2pPr>
-      <a:lvl3pPr lvl="2" marR="0" rtl="0" algn="l">
+      <a:lvl3pPr marR="0" lvl="2" algn="l" rtl="0">
         <a:lnSpc>
           <a:spcPct val="100000"/>
         </a:lnSpc>
@@ -11391,7 +11591,7 @@
           <a:srgbClr val="000000"/>
         </a:buClr>
         <a:buFont typeface="Arial"/>
-        <a:defRPr b="0" i="0" sz="1400" u="none" cap="none" strike="noStrike">
+        <a:defRPr sz="1400" b="0" i="0" u="none" strike="noStrike" cap="none">
           <a:solidFill>
             <a:srgbClr val="000000"/>
           </a:solidFill>
@@ -11401,7 +11601,7 @@
           <a:sym typeface="Arial"/>
         </a:defRPr>
       </a:lvl3pPr>
-      <a:lvl4pPr lvl="3" marR="0" rtl="0" algn="l">
+      <a:lvl4pPr marR="0" lvl="3" algn="l" rtl="0">
         <a:lnSpc>
           <a:spcPct val="100000"/>
         </a:lnSpc>
@@ -11415,7 +11615,7 @@
           <a:srgbClr val="000000"/>
         </a:buClr>
         <a:buFont typeface="Arial"/>
-        <a:defRPr b="0" i="0" sz="1400" u="none" cap="none" strike="noStrike">
+        <a:defRPr sz="1400" b="0" i="0" u="none" strike="noStrike" cap="none">
           <a:solidFill>
             <a:srgbClr val="000000"/>
           </a:solidFill>
@@ -11425,7 +11625,7 @@
           <a:sym typeface="Arial"/>
         </a:defRPr>
       </a:lvl4pPr>
-      <a:lvl5pPr lvl="4" marR="0" rtl="0" algn="l">
+      <a:lvl5pPr marR="0" lvl="4" algn="l" rtl="0">
         <a:lnSpc>
           <a:spcPct val="100000"/>
         </a:lnSpc>
@@ -11439,7 +11639,7 @@
           <a:srgbClr val="000000"/>
         </a:buClr>
         <a:buFont typeface="Arial"/>
-        <a:defRPr b="0" i="0" sz="1400" u="none" cap="none" strike="noStrike">
+        <a:defRPr sz="1400" b="0" i="0" u="none" strike="noStrike" cap="none">
           <a:solidFill>
             <a:srgbClr val="000000"/>
           </a:solidFill>
@@ -11449,7 +11649,7 @@
           <a:sym typeface="Arial"/>
         </a:defRPr>
       </a:lvl5pPr>
-      <a:lvl6pPr lvl="5" marR="0" rtl="0" algn="l">
+      <a:lvl6pPr marR="0" lvl="5" algn="l" rtl="0">
         <a:lnSpc>
           <a:spcPct val="100000"/>
         </a:lnSpc>
@@ -11463,7 +11663,7 @@
           <a:srgbClr val="000000"/>
         </a:buClr>
         <a:buFont typeface="Arial"/>
-        <a:defRPr b="0" i="0" sz="1400" u="none" cap="none" strike="noStrike">
+        <a:defRPr sz="1400" b="0" i="0" u="none" strike="noStrike" cap="none">
           <a:solidFill>
             <a:srgbClr val="000000"/>
           </a:solidFill>
@@ -11473,7 +11673,7 @@
           <a:sym typeface="Arial"/>
         </a:defRPr>
       </a:lvl6pPr>
-      <a:lvl7pPr lvl="6" marR="0" rtl="0" algn="l">
+      <a:lvl7pPr marR="0" lvl="6" algn="l" rtl="0">
         <a:lnSpc>
           <a:spcPct val="100000"/>
         </a:lnSpc>
@@ -11487,7 +11687,7 @@
           <a:srgbClr val="000000"/>
         </a:buClr>
         <a:buFont typeface="Arial"/>
-        <a:defRPr b="0" i="0" sz="1400" u="none" cap="none" strike="noStrike">
+        <a:defRPr sz="1400" b="0" i="0" u="none" strike="noStrike" cap="none">
           <a:solidFill>
             <a:srgbClr val="000000"/>
           </a:solidFill>
@@ -11497,7 +11697,7 @@
           <a:sym typeface="Arial"/>
         </a:defRPr>
       </a:lvl7pPr>
-      <a:lvl8pPr lvl="7" marR="0" rtl="0" algn="l">
+      <a:lvl8pPr marR="0" lvl="7" algn="l" rtl="0">
         <a:lnSpc>
           <a:spcPct val="100000"/>
         </a:lnSpc>
@@ -11511,7 +11711,7 @@
           <a:srgbClr val="000000"/>
         </a:buClr>
         <a:buFont typeface="Arial"/>
-        <a:defRPr b="0" i="0" sz="1400" u="none" cap="none" strike="noStrike">
+        <a:defRPr sz="1400" b="0" i="0" u="none" strike="noStrike" cap="none">
           <a:solidFill>
             <a:srgbClr val="000000"/>
           </a:solidFill>
@@ -11521,7 +11721,7 @@
           <a:sym typeface="Arial"/>
         </a:defRPr>
       </a:lvl8pPr>
-      <a:lvl9pPr lvl="8" marR="0" rtl="0" algn="l">
+      <a:lvl9pPr marR="0" lvl="8" algn="l" rtl="0">
         <a:lnSpc>
           <a:spcPct val="100000"/>
         </a:lnSpc>
@@ -11535,7 +11735,7 @@
           <a:srgbClr val="000000"/>
         </a:buClr>
         <a:buFont typeface="Arial"/>
-        <a:defRPr b="0" i="0" sz="1400" u="none" cap="none" strike="noStrike">
+        <a:defRPr sz="1400" b="0" i="0" u="none" strike="noStrike" cap="none">
           <a:solidFill>
             <a:srgbClr val="000000"/>
           </a:solidFill>
@@ -11551,18 +11751,19 @@
 </file>
 
 <file path=ppt/slideMasters/slideMaster2.xml><?xml version="1.0" encoding="utf-8"?>
-<p:sldMaster xmlns:a="http://schemas.openxmlformats.org/drawingml/2006/main" xmlns:r="http://schemas.openxmlformats.org/officeDocument/2006/relationships" xmlns:mc="http://schemas.openxmlformats.org/markup-compatibility/2006" xmlns:mv="urn:schemas-microsoft-com:mac:vml" xmlns:p="http://schemas.openxmlformats.org/presentationml/2006/main" xmlns:c="http://schemas.openxmlformats.org/drawingml/2006/chart" xmlns:dgm="http://schemas.openxmlformats.org/drawingml/2006/diagram" xmlns:o="urn:schemas-microsoft-com:office:office" xmlns:v="urn:schemas-microsoft-com:vml" xmlns:pvml="urn:schemas-microsoft-com:office:powerpoint" xmlns:com="http://schemas.openxmlformats.org/drawingml/2006/compatibility" xmlns:p14="http://schemas.microsoft.com/office/powerpoint/2010/main" xmlns:p15="http://schemas.microsoft.com/office/powerpoint/2012/main" xmlns:ahyp="http://schemas.microsoft.com/office/drawing/2018/hyperlinkcolor">
+<p:sldMaster xmlns:a="http://schemas.openxmlformats.org/drawingml/2006/main" xmlns:r="http://schemas.openxmlformats.org/officeDocument/2006/relationships" xmlns:p="http://schemas.openxmlformats.org/presentationml/2006/main">
   <p:cSld>
     <p:bg>
       <p:bgPr>
         <a:solidFill>
           <a:schemeClr val="lt1"/>
         </a:solidFill>
+        <a:effectLst/>
       </p:bgPr>
     </p:bg>
     <p:spTree>
       <p:nvGrpSpPr>
-        <p:cNvPr id="50" name="Shape 50"/>
+        <p:cNvPr id="1" name="Shape 50"/>
         <p:cNvGrpSpPr/>
         <p:nvPr/>
       </p:nvGrpSpPr>
@@ -11577,9 +11778,11 @@
       <p:sp>
         <p:nvSpPr>
           <p:cNvPr id="51" name="Google Shape;51;p13"/>
-          <p:cNvSpPr txBox="1"/>
+          <p:cNvSpPr txBox="1">
+            <a:spLocks noGrp="1"/>
+          </p:cNvSpPr>
           <p:nvPr>
-            <p:ph idx="12" type="sldNum"/>
+            <p:ph type="sldNum" idx="12"/>
           </p:nvPr>
         </p:nvSpPr>
         <p:spPr>
@@ -11596,11 +11799,11 @@
           </a:ln>
         </p:spPr>
         <p:txBody>
-          <a:bodyPr anchorCtr="0" anchor="t" bIns="34275" lIns="68575" spcFirstLastPara="1" rIns="68575" wrap="square" tIns="34275">
+          <a:bodyPr spcFirstLastPara="1" wrap="square" lIns="68575" tIns="34275" rIns="68575" bIns="34275" anchor="t" anchorCtr="0">
             <a:noAutofit/>
           </a:bodyPr>
           <a:lstStyle>
-            <a:lvl1pPr indent="0" lvl="0" marL="0" marR="0" rtl="0" algn="r">
+            <a:lvl1pPr marL="0" marR="0" lvl="0" indent="0" algn="r" rtl="0">
               <a:lnSpc>
                 <a:spcPct val="100000"/>
               </a:lnSpc>
@@ -11616,7 +11819,7 @@
               <a:buSzPts val="800"/>
               <a:buFont typeface="Arial"/>
               <a:buNone/>
-              <a:defRPr b="0" i="0" sz="800" u="none" cap="none" strike="noStrike">
+              <a:defRPr sz="800" b="0" i="0" u="none" strike="noStrike" cap="none">
                 <a:solidFill>
                   <a:srgbClr val="8FA1B8"/>
                 </a:solidFill>
@@ -11626,7 +11829,7 @@
                 <a:sym typeface="Arial"/>
               </a:defRPr>
             </a:lvl1pPr>
-            <a:lvl2pPr indent="0" lvl="1" marL="0" marR="0" rtl="0" algn="r">
+            <a:lvl2pPr marL="0" marR="0" lvl="1" indent="0" algn="r" rtl="0">
               <a:lnSpc>
                 <a:spcPct val="100000"/>
               </a:lnSpc>
@@ -11642,7 +11845,7 @@
               <a:buSzPts val="800"/>
               <a:buFont typeface="Arial"/>
               <a:buNone/>
-              <a:defRPr b="0" i="0" sz="800" u="none" cap="none" strike="noStrike">
+              <a:defRPr sz="800" b="0" i="0" u="none" strike="noStrike" cap="none">
                 <a:solidFill>
                   <a:srgbClr val="8FA1B8"/>
                 </a:solidFill>
@@ -11652,7 +11855,7 @@
                 <a:sym typeface="Arial"/>
               </a:defRPr>
             </a:lvl2pPr>
-            <a:lvl3pPr indent="0" lvl="2" marL="0" marR="0" rtl="0" algn="r">
+            <a:lvl3pPr marL="0" marR="0" lvl="2" indent="0" algn="r" rtl="0">
               <a:lnSpc>
                 <a:spcPct val="100000"/>
               </a:lnSpc>
@@ -11668,7 +11871,7 @@
               <a:buSzPts val="800"/>
               <a:buFont typeface="Arial"/>
               <a:buNone/>
-              <a:defRPr b="0" i="0" sz="800" u="none" cap="none" strike="noStrike">
+              <a:defRPr sz="800" b="0" i="0" u="none" strike="noStrike" cap="none">
                 <a:solidFill>
                   <a:srgbClr val="8FA1B8"/>
                 </a:solidFill>
@@ -11678,7 +11881,7 @@
                 <a:sym typeface="Arial"/>
               </a:defRPr>
             </a:lvl3pPr>
-            <a:lvl4pPr indent="0" lvl="3" marL="0" marR="0" rtl="0" algn="r">
+            <a:lvl4pPr marL="0" marR="0" lvl="3" indent="0" algn="r" rtl="0">
               <a:lnSpc>
                 <a:spcPct val="100000"/>
               </a:lnSpc>
@@ -11694,7 +11897,7 @@
               <a:buSzPts val="800"/>
               <a:buFont typeface="Arial"/>
               <a:buNone/>
-              <a:defRPr b="0" i="0" sz="800" u="none" cap="none" strike="noStrike">
+              <a:defRPr sz="800" b="0" i="0" u="none" strike="noStrike" cap="none">
                 <a:solidFill>
                   <a:srgbClr val="8FA1B8"/>
                 </a:solidFill>
@@ -11704,7 +11907,7 @@
                 <a:sym typeface="Arial"/>
               </a:defRPr>
             </a:lvl4pPr>
-            <a:lvl5pPr indent="0" lvl="4" marL="0" marR="0" rtl="0" algn="r">
+            <a:lvl5pPr marL="0" marR="0" lvl="4" indent="0" algn="r" rtl="0">
               <a:lnSpc>
                 <a:spcPct val="100000"/>
               </a:lnSpc>
@@ -11720,7 +11923,7 @@
               <a:buSzPts val="800"/>
               <a:buFont typeface="Arial"/>
               <a:buNone/>
-              <a:defRPr b="0" i="0" sz="800" u="none" cap="none" strike="noStrike">
+              <a:defRPr sz="800" b="0" i="0" u="none" strike="noStrike" cap="none">
                 <a:solidFill>
                   <a:srgbClr val="8FA1B8"/>
                 </a:solidFill>
@@ -11730,7 +11933,7 @@
                 <a:sym typeface="Arial"/>
               </a:defRPr>
             </a:lvl5pPr>
-            <a:lvl6pPr indent="0" lvl="5" marL="0" marR="0" rtl="0" algn="r">
+            <a:lvl6pPr marL="0" marR="0" lvl="5" indent="0" algn="r" rtl="0">
               <a:lnSpc>
                 <a:spcPct val="100000"/>
               </a:lnSpc>
@@ -11746,7 +11949,7 @@
               <a:buSzPts val="800"/>
               <a:buFont typeface="Arial"/>
               <a:buNone/>
-              <a:defRPr b="0" i="0" sz="800" u="none" cap="none" strike="noStrike">
+              <a:defRPr sz="800" b="0" i="0" u="none" strike="noStrike" cap="none">
                 <a:solidFill>
                   <a:srgbClr val="8FA1B8"/>
                 </a:solidFill>
@@ -11756,7 +11959,7 @@
                 <a:sym typeface="Arial"/>
               </a:defRPr>
             </a:lvl6pPr>
-            <a:lvl7pPr indent="0" lvl="6" marL="0" marR="0" rtl="0" algn="r">
+            <a:lvl7pPr marL="0" marR="0" lvl="6" indent="0" algn="r" rtl="0">
               <a:lnSpc>
                 <a:spcPct val="100000"/>
               </a:lnSpc>
@@ -11772,7 +11975,7 @@
               <a:buSzPts val="800"/>
               <a:buFont typeface="Arial"/>
               <a:buNone/>
-              <a:defRPr b="0" i="0" sz="800" u="none" cap="none" strike="noStrike">
+              <a:defRPr sz="800" b="0" i="0" u="none" strike="noStrike" cap="none">
                 <a:solidFill>
                   <a:srgbClr val="8FA1B8"/>
                 </a:solidFill>
@@ -11782,7 +11985,7 @@
                 <a:sym typeface="Arial"/>
               </a:defRPr>
             </a:lvl7pPr>
-            <a:lvl8pPr indent="0" lvl="7" marL="0" marR="0" rtl="0" algn="r">
+            <a:lvl8pPr marL="0" marR="0" lvl="7" indent="0" algn="r" rtl="0">
               <a:lnSpc>
                 <a:spcPct val="100000"/>
               </a:lnSpc>
@@ -11798,7 +12001,7 @@
               <a:buSzPts val="800"/>
               <a:buFont typeface="Arial"/>
               <a:buNone/>
-              <a:defRPr b="0" i="0" sz="800" u="none" cap="none" strike="noStrike">
+              <a:defRPr sz="800" b="0" i="0" u="none" strike="noStrike" cap="none">
                 <a:solidFill>
                   <a:srgbClr val="8FA1B8"/>
                 </a:solidFill>
@@ -11808,7 +12011,7 @@
                 <a:sym typeface="Arial"/>
               </a:defRPr>
             </a:lvl8pPr>
-            <a:lvl9pPr indent="0" lvl="8" marL="0" marR="0" rtl="0" algn="r">
+            <a:lvl9pPr marL="0" marR="0" lvl="8" indent="0" algn="r" rtl="0">
               <a:lnSpc>
                 <a:spcPct val="100000"/>
               </a:lnSpc>
@@ -11824,7 +12027,7 @@
               <a:buSzPts val="800"/>
               <a:buFont typeface="Arial"/>
               <a:buNone/>
-              <a:defRPr b="0" i="0" sz="800" u="none" cap="none" strike="noStrike">
+              <a:defRPr sz="800" b="0" i="0" u="none" strike="noStrike" cap="none">
                 <a:solidFill>
                   <a:srgbClr val="8FA1B8"/>
                 </a:solidFill>
@@ -11836,7 +12039,7 @@
             </a:lvl9pPr>
           </a:lstStyle>
           <a:p>
-            <a:pPr indent="0" lvl="0" marL="0" rtl="0" algn="r">
+            <a:pPr marL="0" lvl="0" indent="0" algn="r" rtl="0">
               <a:spcBef>
                 <a:spcPts val="0"/>
               </a:spcBef>
@@ -11855,7 +12058,7 @@
       </p:sp>
     </p:spTree>
   </p:cSld>
-  <p:clrMap accent1="accent1" accent2="accent2" accent3="accent3" accent4="accent4" accent5="accent5" accent6="accent6" bg1="lt1" bg2="dk2" tx1="dk1" tx2="lt2" folHlink="folHlink" hlink="hlink"/>
+  <p:clrMap bg1="lt1" tx1="dk1" bg2="dk2" tx2="lt2" accent1="accent1" accent2="accent2" accent3="accent3" accent4="accent4" accent5="accent5" accent6="accent6" hlink="hlink" folHlink="folHlink"/>
   <p:sldLayoutIdLst>
     <p:sldLayoutId id="2147483659" r:id="rId1"/>
     <p:sldLayoutId id="2147483660" r:id="rId2"/>
@@ -11866,10 +12069,10 @@
     <p:sldLayoutId id="2147483665" r:id="rId7"/>
     <p:sldLayoutId id="2147483666" r:id="rId8"/>
   </p:sldLayoutIdLst>
-  <p:hf dt="0" ftr="0" hdr="0" sldNum="0"/>
+  <p:hf sldNum="0" hdr="0" ftr="0" dt="0"/>
   <p:txStyles>
     <p:titleStyle>
-      <a:defPPr lvl="0" marR="0" rtl="0" algn="l">
+      <a:defPPr marR="0" lvl="0" algn="l" rtl="0">
         <a:lnSpc>
           <a:spcPct val="100000"/>
         </a:lnSpc>
@@ -11880,7 +12083,7 @@
           <a:spcPts val="0"/>
         </a:spcAft>
       </a:defPPr>
-      <a:lvl1pPr lvl="0" marR="0" rtl="0" algn="l">
+      <a:lvl1pPr marR="0" lvl="0" algn="l" rtl="0">
         <a:lnSpc>
           <a:spcPct val="100000"/>
         </a:lnSpc>
@@ -11894,7 +12097,7 @@
           <a:srgbClr val="000000"/>
         </a:buClr>
         <a:buFont typeface="Arial"/>
-        <a:defRPr b="0" i="0" sz="1400" u="none" cap="none" strike="noStrike">
+        <a:defRPr sz="1400" b="0" i="0" u="none" strike="noStrike" cap="none">
           <a:solidFill>
             <a:srgbClr val="000000"/>
           </a:solidFill>
@@ -11904,7 +12107,7 @@
           <a:sym typeface="Arial"/>
         </a:defRPr>
       </a:lvl1pPr>
-      <a:lvl2pPr lvl="1" marR="0" rtl="0" algn="l">
+      <a:lvl2pPr marR="0" lvl="1" algn="l" rtl="0">
         <a:lnSpc>
           <a:spcPct val="100000"/>
         </a:lnSpc>
@@ -11918,7 +12121,7 @@
           <a:srgbClr val="000000"/>
         </a:buClr>
         <a:buFont typeface="Arial"/>
-        <a:defRPr b="0" i="0" sz="1400" u="none" cap="none" strike="noStrike">
+        <a:defRPr sz="1400" b="0" i="0" u="none" strike="noStrike" cap="none">
           <a:solidFill>
             <a:srgbClr val="000000"/>
           </a:solidFill>
@@ -11928,7 +12131,7 @@
           <a:sym typeface="Arial"/>
         </a:defRPr>
       </a:lvl2pPr>
-      <a:lvl3pPr lvl="2" marR="0" rtl="0" algn="l">
+      <a:lvl3pPr marR="0" lvl="2" algn="l" rtl="0">
         <a:lnSpc>
           <a:spcPct val="100000"/>
         </a:lnSpc>
@@ -11942,7 +12145,7 @@
           <a:srgbClr val="000000"/>
         </a:buClr>
         <a:buFont typeface="Arial"/>
-        <a:defRPr b="0" i="0" sz="1400" u="none" cap="none" strike="noStrike">
+        <a:defRPr sz="1400" b="0" i="0" u="none" strike="noStrike" cap="none">
           <a:solidFill>
             <a:srgbClr val="000000"/>
           </a:solidFill>
@@ -11952,7 +12155,7 @@
           <a:sym typeface="Arial"/>
         </a:defRPr>
       </a:lvl3pPr>
-      <a:lvl4pPr lvl="3" marR="0" rtl="0" algn="l">
+      <a:lvl4pPr marR="0" lvl="3" algn="l" rtl="0">
         <a:lnSpc>
           <a:spcPct val="100000"/>
         </a:lnSpc>
@@ -11966,7 +12169,7 @@
           <a:srgbClr val="000000"/>
         </a:buClr>
         <a:buFont typeface="Arial"/>
-        <a:defRPr b="0" i="0" sz="1400" u="none" cap="none" strike="noStrike">
+        <a:defRPr sz="1400" b="0" i="0" u="none" strike="noStrike" cap="none">
           <a:solidFill>
             <a:srgbClr val="000000"/>
           </a:solidFill>
@@ -11976,7 +12179,7 @@
           <a:sym typeface="Arial"/>
         </a:defRPr>
       </a:lvl4pPr>
-      <a:lvl5pPr lvl="4" marR="0" rtl="0" algn="l">
+      <a:lvl5pPr marR="0" lvl="4" algn="l" rtl="0">
         <a:lnSpc>
           <a:spcPct val="100000"/>
         </a:lnSpc>
@@ -11990,7 +12193,7 @@
           <a:srgbClr val="000000"/>
         </a:buClr>
         <a:buFont typeface="Arial"/>
-        <a:defRPr b="0" i="0" sz="1400" u="none" cap="none" strike="noStrike">
+        <a:defRPr sz="1400" b="0" i="0" u="none" strike="noStrike" cap="none">
           <a:solidFill>
             <a:srgbClr val="000000"/>
           </a:solidFill>
@@ -12000,7 +12203,7 @@
           <a:sym typeface="Arial"/>
         </a:defRPr>
       </a:lvl5pPr>
-      <a:lvl6pPr lvl="5" marR="0" rtl="0" algn="l">
+      <a:lvl6pPr marR="0" lvl="5" algn="l" rtl="0">
         <a:lnSpc>
           <a:spcPct val="100000"/>
         </a:lnSpc>
@@ -12014,7 +12217,7 @@
           <a:srgbClr val="000000"/>
         </a:buClr>
         <a:buFont typeface="Arial"/>
-        <a:defRPr b="0" i="0" sz="1400" u="none" cap="none" strike="noStrike">
+        <a:defRPr sz="1400" b="0" i="0" u="none" strike="noStrike" cap="none">
           <a:solidFill>
             <a:srgbClr val="000000"/>
           </a:solidFill>
@@ -12024,7 +12227,7 @@
           <a:sym typeface="Arial"/>
         </a:defRPr>
       </a:lvl6pPr>
-      <a:lvl7pPr lvl="6" marR="0" rtl="0" algn="l">
+      <a:lvl7pPr marR="0" lvl="6" algn="l" rtl="0">
         <a:lnSpc>
           <a:spcPct val="100000"/>
         </a:lnSpc>
@@ -12038,7 +12241,7 @@
           <a:srgbClr val="000000"/>
         </a:buClr>
         <a:buFont typeface="Arial"/>
-        <a:defRPr b="0" i="0" sz="1400" u="none" cap="none" strike="noStrike">
+        <a:defRPr sz="1400" b="0" i="0" u="none" strike="noStrike" cap="none">
           <a:solidFill>
             <a:srgbClr val="000000"/>
           </a:solidFill>
@@ -12048,7 +12251,7 @@
           <a:sym typeface="Arial"/>
         </a:defRPr>
       </a:lvl7pPr>
-      <a:lvl8pPr lvl="7" marR="0" rtl="0" algn="l">
+      <a:lvl8pPr marR="0" lvl="7" algn="l" rtl="0">
         <a:lnSpc>
           <a:spcPct val="100000"/>
         </a:lnSpc>
@@ -12062,7 +12265,7 @@
           <a:srgbClr val="000000"/>
         </a:buClr>
         <a:buFont typeface="Arial"/>
-        <a:defRPr b="0" i="0" sz="1400" u="none" cap="none" strike="noStrike">
+        <a:defRPr sz="1400" b="0" i="0" u="none" strike="noStrike" cap="none">
           <a:solidFill>
             <a:srgbClr val="000000"/>
           </a:solidFill>
@@ -12072,7 +12275,7 @@
           <a:sym typeface="Arial"/>
         </a:defRPr>
       </a:lvl8pPr>
-      <a:lvl9pPr lvl="8" marR="0" rtl="0" algn="l">
+      <a:lvl9pPr marR="0" lvl="8" algn="l" rtl="0">
         <a:lnSpc>
           <a:spcPct val="100000"/>
         </a:lnSpc>
@@ -12086,7 +12289,7 @@
           <a:srgbClr val="000000"/>
         </a:buClr>
         <a:buFont typeface="Arial"/>
-        <a:defRPr b="0" i="0" sz="1400" u="none" cap="none" strike="noStrike">
+        <a:defRPr sz="1400" b="0" i="0" u="none" strike="noStrike" cap="none">
           <a:solidFill>
             <a:srgbClr val="000000"/>
           </a:solidFill>
@@ -12098,7 +12301,7 @@
       </a:lvl9pPr>
     </p:titleStyle>
     <p:bodyStyle>
-      <a:defPPr lvl="0" marR="0" rtl="0" algn="l">
+      <a:defPPr marR="0" lvl="0" algn="l" rtl="0">
         <a:lnSpc>
           <a:spcPct val="100000"/>
         </a:lnSpc>
@@ -12109,7 +12312,7 @@
           <a:spcPts val="0"/>
         </a:spcAft>
       </a:defPPr>
-      <a:lvl1pPr lvl="0" marR="0" rtl="0" algn="l">
+      <a:lvl1pPr marR="0" lvl="0" algn="l" rtl="0">
         <a:lnSpc>
           <a:spcPct val="100000"/>
         </a:lnSpc>
@@ -12123,7 +12326,7 @@
           <a:srgbClr val="000000"/>
         </a:buClr>
         <a:buFont typeface="Arial"/>
-        <a:defRPr b="0" i="0" sz="1400" u="none" cap="none" strike="noStrike">
+        <a:defRPr sz="1400" b="0" i="0" u="none" strike="noStrike" cap="none">
           <a:solidFill>
             <a:srgbClr val="000000"/>
           </a:solidFill>
@@ -12133,7 +12336,7 @@
           <a:sym typeface="Arial"/>
         </a:defRPr>
       </a:lvl1pPr>
-      <a:lvl2pPr lvl="1" marR="0" rtl="0" algn="l">
+      <a:lvl2pPr marR="0" lvl="1" algn="l" rtl="0">
         <a:lnSpc>
           <a:spcPct val="100000"/>
         </a:lnSpc>
@@ -12147,7 +12350,7 @@
           <a:srgbClr val="000000"/>
         </a:buClr>
         <a:buFont typeface="Arial"/>
-        <a:defRPr b="0" i="0" sz="1400" u="none" cap="none" strike="noStrike">
+        <a:defRPr sz="1400" b="0" i="0" u="none" strike="noStrike" cap="none">
           <a:solidFill>
             <a:srgbClr val="000000"/>
           </a:solidFill>
@@ -12157,7 +12360,7 @@
           <a:sym typeface="Arial"/>
         </a:defRPr>
       </a:lvl2pPr>
-      <a:lvl3pPr lvl="2" marR="0" rtl="0" algn="l">
+      <a:lvl3pPr marR="0" lvl="2" algn="l" rtl="0">
         <a:lnSpc>
           <a:spcPct val="100000"/>
         </a:lnSpc>
@@ -12171,7 +12374,7 @@
           <a:srgbClr val="000000"/>
         </a:buClr>
         <a:buFont typeface="Arial"/>
-        <a:defRPr b="0" i="0" sz="1400" u="none" cap="none" strike="noStrike">
+        <a:defRPr sz="1400" b="0" i="0" u="none" strike="noStrike" cap="none">
           <a:solidFill>
             <a:srgbClr val="000000"/>
           </a:solidFill>
@@ -12181,7 +12384,7 @@
           <a:sym typeface="Arial"/>
         </a:defRPr>
       </a:lvl3pPr>
-      <a:lvl4pPr lvl="3" marR="0" rtl="0" algn="l">
+      <a:lvl4pPr marR="0" lvl="3" algn="l" rtl="0">
         <a:lnSpc>
           <a:spcPct val="100000"/>
         </a:lnSpc>
@@ -12195,7 +12398,7 @@
           <a:srgbClr val="000000"/>
         </a:buClr>
         <a:buFont typeface="Arial"/>
-        <a:defRPr b="0" i="0" sz="1400" u="none" cap="none" strike="noStrike">
+        <a:defRPr sz="1400" b="0" i="0" u="none" strike="noStrike" cap="none">
           <a:solidFill>
             <a:srgbClr val="000000"/>
           </a:solidFill>
@@ -12205,7 +12408,7 @@
           <a:sym typeface="Arial"/>
         </a:defRPr>
       </a:lvl4pPr>
-      <a:lvl5pPr lvl="4" marR="0" rtl="0" algn="l">
+      <a:lvl5pPr marR="0" lvl="4" algn="l" rtl="0">
         <a:lnSpc>
           <a:spcPct val="100000"/>
         </a:lnSpc>
@@ -12219,7 +12422,7 @@
           <a:srgbClr val="000000"/>
         </a:buClr>
         <a:buFont typeface="Arial"/>
-        <a:defRPr b="0" i="0" sz="1400" u="none" cap="none" strike="noStrike">
+        <a:defRPr sz="1400" b="0" i="0" u="none" strike="noStrike" cap="none">
           <a:solidFill>
             <a:srgbClr val="000000"/>
           </a:solidFill>
@@ -12229,7 +12432,7 @@
           <a:sym typeface="Arial"/>
         </a:defRPr>
       </a:lvl5pPr>
-      <a:lvl6pPr lvl="5" marR="0" rtl="0" algn="l">
+      <a:lvl6pPr marR="0" lvl="5" algn="l" rtl="0">
         <a:lnSpc>
           <a:spcPct val="100000"/>
         </a:lnSpc>
@@ -12243,7 +12446,7 @@
           <a:srgbClr val="000000"/>
         </a:buClr>
         <a:buFont typeface="Arial"/>
-        <a:defRPr b="0" i="0" sz="1400" u="none" cap="none" strike="noStrike">
+        <a:defRPr sz="1400" b="0" i="0" u="none" strike="noStrike" cap="none">
           <a:solidFill>
             <a:srgbClr val="000000"/>
           </a:solidFill>
@@ -12253,7 +12456,7 @@
           <a:sym typeface="Arial"/>
         </a:defRPr>
       </a:lvl6pPr>
-      <a:lvl7pPr lvl="6" marR="0" rtl="0" algn="l">
+      <a:lvl7pPr marR="0" lvl="6" algn="l" rtl="0">
         <a:lnSpc>
           <a:spcPct val="100000"/>
         </a:lnSpc>
@@ -12267,7 +12470,7 @@
           <a:srgbClr val="000000"/>
         </a:buClr>
         <a:buFont typeface="Arial"/>
-        <a:defRPr b="0" i="0" sz="1400" u="none" cap="none" strike="noStrike">
+        <a:defRPr sz="1400" b="0" i="0" u="none" strike="noStrike" cap="none">
           <a:solidFill>
             <a:srgbClr val="000000"/>
           </a:solidFill>
@@ -12277,7 +12480,7 @@
           <a:sym typeface="Arial"/>
         </a:defRPr>
       </a:lvl7pPr>
-      <a:lvl8pPr lvl="7" marR="0" rtl="0" algn="l">
+      <a:lvl8pPr marR="0" lvl="7" algn="l" rtl="0">
         <a:lnSpc>
           <a:spcPct val="100000"/>
         </a:lnSpc>
@@ -12291,7 +12494,7 @@
           <a:srgbClr val="000000"/>
         </a:buClr>
         <a:buFont typeface="Arial"/>
-        <a:defRPr b="0" i="0" sz="1400" u="none" cap="none" strike="noStrike">
+        <a:defRPr sz="1400" b="0" i="0" u="none" strike="noStrike" cap="none">
           <a:solidFill>
             <a:srgbClr val="000000"/>
           </a:solidFill>
@@ -12301,7 +12504,7 @@
           <a:sym typeface="Arial"/>
         </a:defRPr>
       </a:lvl8pPr>
-      <a:lvl9pPr lvl="8" marR="0" rtl="0" algn="l">
+      <a:lvl9pPr marR="0" lvl="8" algn="l" rtl="0">
         <a:lnSpc>
           <a:spcPct val="100000"/>
         </a:lnSpc>
@@ -12315,7 +12518,7 @@
           <a:srgbClr val="000000"/>
         </a:buClr>
         <a:buFont typeface="Arial"/>
-        <a:defRPr b="0" i="0" sz="1400" u="none" cap="none" strike="noStrike">
+        <a:defRPr sz="1400" b="0" i="0" u="none" strike="noStrike" cap="none">
           <a:solidFill>
             <a:srgbClr val="000000"/>
           </a:solidFill>
@@ -12327,7 +12530,7 @@
       </a:lvl9pPr>
     </p:bodyStyle>
     <p:otherStyle>
-      <a:defPPr lvl="0" marR="0" rtl="0" algn="l">
+      <a:defPPr marR="0" lvl="0" algn="l" rtl="0">
         <a:lnSpc>
           <a:spcPct val="100000"/>
         </a:lnSpc>
@@ -12338,7 +12541,7 @@
           <a:spcPts val="0"/>
         </a:spcAft>
       </a:defPPr>
-      <a:lvl1pPr lvl="0" marR="0" rtl="0" algn="l">
+      <a:lvl1pPr marR="0" lvl="0" algn="l" rtl="0">
         <a:lnSpc>
           <a:spcPct val="100000"/>
         </a:lnSpc>
@@ -12352,7 +12555,7 @@
           <a:srgbClr val="000000"/>
         </a:buClr>
         <a:buFont typeface="Arial"/>
-        <a:defRPr b="0" i="0" sz="1400" u="none" cap="none" strike="noStrike">
+        <a:defRPr sz="1400" b="0" i="0" u="none" strike="noStrike" cap="none">
           <a:solidFill>
             <a:srgbClr val="000000"/>
           </a:solidFill>
@@ -12362,7 +12565,7 @@
           <a:sym typeface="Arial"/>
         </a:defRPr>
       </a:lvl1pPr>
-      <a:lvl2pPr lvl="1" marR="0" rtl="0" algn="l">
+      <a:lvl2pPr marR="0" lvl="1" algn="l" rtl="0">
         <a:lnSpc>
           <a:spcPct val="100000"/>
         </a:lnSpc>
@@ -12376,7 +12579,7 @@
           <a:srgbClr val="000000"/>
         </a:buClr>
         <a:buFont typeface="Arial"/>
-        <a:defRPr b="0" i="0" sz="1400" u="none" cap="none" strike="noStrike">
+        <a:defRPr sz="1400" b="0" i="0" u="none" strike="noStrike" cap="none">
           <a:solidFill>
             <a:srgbClr val="000000"/>
           </a:solidFill>
@@ -12386,7 +12589,7 @@
           <a:sym typeface="Arial"/>
         </a:defRPr>
       </a:lvl2pPr>
-      <a:lvl3pPr lvl="2" marR="0" rtl="0" algn="l">
+      <a:lvl3pPr marR="0" lvl="2" algn="l" rtl="0">
         <a:lnSpc>
           <a:spcPct val="100000"/>
         </a:lnSpc>
@@ -12400,7 +12603,7 @@
           <a:srgbClr val="000000"/>
         </a:buClr>
         <a:buFont typeface="Arial"/>
-        <a:defRPr b="0" i="0" sz="1400" u="none" cap="none" strike="noStrike">
+        <a:defRPr sz="1400" b="0" i="0" u="none" strike="noStrike" cap="none">
           <a:solidFill>
             <a:srgbClr val="000000"/>
           </a:solidFill>
@@ -12410,7 +12613,7 @@
           <a:sym typeface="Arial"/>
         </a:defRPr>
       </a:lvl3pPr>
-      <a:lvl4pPr lvl="3" marR="0" rtl="0" algn="l">
+      <a:lvl4pPr marR="0" lvl="3" algn="l" rtl="0">
         <a:lnSpc>
           <a:spcPct val="100000"/>
         </a:lnSpc>
@@ -12424,7 +12627,7 @@
           <a:srgbClr val="000000"/>
         </a:buClr>
         <a:buFont typeface="Arial"/>
-        <a:defRPr b="0" i="0" sz="1400" u="none" cap="none" strike="noStrike">
+        <a:defRPr sz="1400" b="0" i="0" u="none" strike="noStrike" cap="none">
           <a:solidFill>
             <a:srgbClr val="000000"/>
           </a:solidFill>
@@ -12434,7 +12637,7 @@
           <a:sym typeface="Arial"/>
         </a:defRPr>
       </a:lvl4pPr>
-      <a:lvl5pPr lvl="4" marR="0" rtl="0" algn="l">
+      <a:lvl5pPr marR="0" lvl="4" algn="l" rtl="0">
         <a:lnSpc>
           <a:spcPct val="100000"/>
         </a:lnSpc>
@@ -12448,7 +12651,7 @@
           <a:srgbClr val="000000"/>
         </a:buClr>
         <a:buFont typeface="Arial"/>
-        <a:defRPr b="0" i="0" sz="1400" u="none" cap="none" strike="noStrike">
+        <a:defRPr sz="1400" b="0" i="0" u="none" strike="noStrike" cap="none">
           <a:solidFill>
             <a:srgbClr val="000000"/>
           </a:solidFill>
@@ -12458,7 +12661,7 @@
           <a:sym typeface="Arial"/>
         </a:defRPr>
       </a:lvl5pPr>
-      <a:lvl6pPr lvl="5" marR="0" rtl="0" algn="l">
+      <a:lvl6pPr marR="0" lvl="5" algn="l" rtl="0">
         <a:lnSpc>
           <a:spcPct val="100000"/>
         </a:lnSpc>
@@ -12472,7 +12675,7 @@
           <a:srgbClr val="000000"/>
         </a:buClr>
         <a:buFont typeface="Arial"/>
-        <a:defRPr b="0" i="0" sz="1400" u="none" cap="none" strike="noStrike">
+        <a:defRPr sz="1400" b="0" i="0" u="none" strike="noStrike" cap="none">
           <a:solidFill>
             <a:srgbClr val="000000"/>
           </a:solidFill>
@@ -12482,7 +12685,7 @@
           <a:sym typeface="Arial"/>
         </a:defRPr>
       </a:lvl6pPr>
-      <a:lvl7pPr lvl="6" marR="0" rtl="0" algn="l">
+      <a:lvl7pPr marR="0" lvl="6" algn="l" rtl="0">
         <a:lnSpc>
           <a:spcPct val="100000"/>
         </a:lnSpc>
@@ -12496,7 +12699,7 @@
           <a:srgbClr val="000000"/>
         </a:buClr>
         <a:buFont typeface="Arial"/>
-        <a:defRPr b="0" i="0" sz="1400" u="none" cap="none" strike="noStrike">
+        <a:defRPr sz="1400" b="0" i="0" u="none" strike="noStrike" cap="none">
           <a:solidFill>
             <a:srgbClr val="000000"/>
           </a:solidFill>
@@ -12506,7 +12709,7 @@
           <a:sym typeface="Arial"/>
         </a:defRPr>
       </a:lvl7pPr>
-      <a:lvl8pPr lvl="7" marR="0" rtl="0" algn="l">
+      <a:lvl8pPr marR="0" lvl="7" algn="l" rtl="0">
         <a:lnSpc>
           <a:spcPct val="100000"/>
         </a:lnSpc>
@@ -12520,7 +12723,7 @@
           <a:srgbClr val="000000"/>
         </a:buClr>
         <a:buFont typeface="Arial"/>
-        <a:defRPr b="0" i="0" sz="1400" u="none" cap="none" strike="noStrike">
+        <a:defRPr sz="1400" b="0" i="0" u="none" strike="noStrike" cap="none">
           <a:solidFill>
             <a:srgbClr val="000000"/>
           </a:solidFill>
@@ -12530,7 +12733,7 @@
           <a:sym typeface="Arial"/>
         </a:defRPr>
       </a:lvl8pPr>
-      <a:lvl9pPr lvl="8" marR="0" rtl="0" algn="l">
+      <a:lvl9pPr marR="0" lvl="8" algn="l" rtl="0">
         <a:lnSpc>
           <a:spcPct val="100000"/>
         </a:lnSpc>
@@ -12544,7 +12747,7 @@
           <a:srgbClr val="000000"/>
         </a:buClr>
         <a:buFont typeface="Arial"/>
-        <a:defRPr b="0" i="0" sz="1400" u="none" cap="none" strike="noStrike">
+        <a:defRPr sz="1400" b="0" i="0" u="none" strike="noStrike" cap="none">
           <a:solidFill>
             <a:srgbClr val="000000"/>
           </a:solidFill>
@@ -12560,11 +12763,11 @@
 </file>
 
 <file path=ppt/slides/slide1.xml><?xml version="1.0" encoding="utf-8"?>
-<p:sld xmlns:a="http://schemas.openxmlformats.org/drawingml/2006/main" xmlns:r="http://schemas.openxmlformats.org/officeDocument/2006/relationships" xmlns:mc="http://schemas.openxmlformats.org/markup-compatibility/2006" xmlns:mv="urn:schemas-microsoft-com:mac:vml" xmlns:p="http://schemas.openxmlformats.org/presentationml/2006/main" xmlns:c="http://schemas.openxmlformats.org/drawingml/2006/chart" xmlns:dgm="http://schemas.openxmlformats.org/drawingml/2006/diagram" xmlns:o="urn:schemas-microsoft-com:office:office" xmlns:v="urn:schemas-microsoft-com:vml" xmlns:pvml="urn:schemas-microsoft-com:office:powerpoint" xmlns:com="http://schemas.openxmlformats.org/drawingml/2006/compatibility" xmlns:p14="http://schemas.microsoft.com/office/powerpoint/2010/main" xmlns:p15="http://schemas.microsoft.com/office/powerpoint/2012/main" xmlns:ahyp="http://schemas.microsoft.com/office/drawing/2018/hyperlinkcolor">
+<p:sld xmlns:a="http://schemas.openxmlformats.org/drawingml/2006/main" xmlns:r="http://schemas.openxmlformats.org/officeDocument/2006/relationships" xmlns:p="http://schemas.openxmlformats.org/presentationml/2006/main">
   <p:cSld>
     <p:spTree>
       <p:nvGrpSpPr>
-        <p:cNvPr id="93" name="Shape 93"/>
+        <p:cNvPr id="1" name="Shape 93"/>
         <p:cNvGrpSpPr/>
         <p:nvPr/>
       </p:nvGrpSpPr>
@@ -12579,7 +12782,9 @@
       <p:sp>
         <p:nvSpPr>
           <p:cNvPr id="94" name="Google Shape;94;p22"/>
-          <p:cNvSpPr txBox="1"/>
+          <p:cNvSpPr txBox="1">
+            <a:spLocks noGrp="1"/>
+          </p:cNvSpPr>
           <p:nvPr>
             <p:ph type="ctrTitle"/>
           </p:nvPr>
@@ -12594,12 +12799,12 @@
           </a:prstGeom>
         </p:spPr>
         <p:txBody>
-          <a:bodyPr anchorCtr="0" anchor="b" bIns="91425" lIns="91425" spcFirstLastPara="1" rIns="91425" wrap="square" tIns="91425">
+          <a:bodyPr spcFirstLastPara="1" wrap="square" lIns="91425" tIns="91425" rIns="91425" bIns="91425" anchor="b" anchorCtr="0">
             <a:normAutofit/>
           </a:bodyPr>
           <a:lstStyle/>
           <a:p>
-            <a:pPr indent="0" lvl="0" marL="0" rtl="0" algn="ctr">
+            <a:pPr marL="0" lvl="0" indent="0" algn="ctr" rtl="0">
               <a:spcBef>
                 <a:spcPts val="0"/>
               </a:spcBef>
@@ -12608,9 +12813,6 @@
               </a:spcAft>
               <a:buNone/>
             </a:pPr>
-            <a:r>
-              <a:t/>
-            </a:r>
             <a:endParaRPr/>
           </a:p>
         </p:txBody>
@@ -12618,9 +12820,11 @@
       <p:sp>
         <p:nvSpPr>
           <p:cNvPr id="95" name="Google Shape;95;p22"/>
-          <p:cNvSpPr txBox="1"/>
+          <p:cNvSpPr txBox="1">
+            <a:spLocks noGrp="1"/>
+          </p:cNvSpPr>
           <p:nvPr>
-            <p:ph idx="1" type="subTitle"/>
+            <p:ph type="subTitle" idx="1"/>
           </p:nvPr>
         </p:nvSpPr>
         <p:spPr>
@@ -12633,12 +12837,12 @@
           </a:prstGeom>
         </p:spPr>
         <p:txBody>
-          <a:bodyPr anchorCtr="0" anchor="t" bIns="91425" lIns="91425" spcFirstLastPara="1" rIns="91425" wrap="square" tIns="91425">
+          <a:bodyPr spcFirstLastPara="1" wrap="square" lIns="91425" tIns="91425" rIns="91425" bIns="91425" anchor="t" anchorCtr="0">
             <a:normAutofit/>
           </a:bodyPr>
           <a:lstStyle/>
           <a:p>
-            <a:pPr indent="0" lvl="0" marL="0" rtl="0" algn="ctr">
+            <a:pPr marL="0" lvl="0" indent="0" algn="ctr" rtl="0">
               <a:spcBef>
                 <a:spcPts val="0"/>
               </a:spcBef>
@@ -12647,9 +12851,6 @@
               </a:spcAft>
               <a:buNone/>
             </a:pPr>
-            <a:r>
-              <a:t/>
-            </a:r>
             <a:endParaRPr/>
           </a:p>
         </p:txBody>
@@ -12663,11 +12864,11 @@
 </file>
 
 <file path=ppt/slides/slide2.xml><?xml version="1.0" encoding="utf-8"?>
-<p:sld xmlns:a="http://schemas.openxmlformats.org/drawingml/2006/main" xmlns:r="http://schemas.openxmlformats.org/officeDocument/2006/relationships" xmlns:mc="http://schemas.openxmlformats.org/markup-compatibility/2006" xmlns:mv="urn:schemas-microsoft-com:mac:vml" xmlns:p="http://schemas.openxmlformats.org/presentationml/2006/main" xmlns:c="http://schemas.openxmlformats.org/drawingml/2006/chart" xmlns:dgm="http://schemas.openxmlformats.org/drawingml/2006/diagram" xmlns:o="urn:schemas-microsoft-com:office:office" xmlns:v="urn:schemas-microsoft-com:vml" xmlns:pvml="urn:schemas-microsoft-com:office:powerpoint" xmlns:com="http://schemas.openxmlformats.org/drawingml/2006/compatibility" xmlns:p14="http://schemas.microsoft.com/office/powerpoint/2010/main" xmlns:p15="http://schemas.microsoft.com/office/powerpoint/2012/main" xmlns:ahyp="http://schemas.microsoft.com/office/drawing/2018/hyperlinkcolor">
+<p:sld xmlns:a="http://schemas.openxmlformats.org/drawingml/2006/main" xmlns:r="http://schemas.openxmlformats.org/officeDocument/2006/relationships" xmlns:p="http://schemas.openxmlformats.org/presentationml/2006/main">
   <p:cSld>
     <p:spTree>
       <p:nvGrpSpPr>
-        <p:cNvPr id="99" name="Shape 99"/>
+        <p:cNvPr id="1" name="Shape 99"/>
         <p:cNvGrpSpPr/>
         <p:nvPr/>
       </p:nvGrpSpPr>
@@ -12692,9 +12893,9 @@
           </a:xfrm>
           <a:prstGeom prst="curvedLeftArrow">
             <a:avLst>
-              <a:gd fmla="val 15143" name="adj1"/>
-              <a:gd fmla="val 50000" name="adj2"/>
-              <a:gd fmla="val 25000" name="adj3"/>
+              <a:gd name="adj1" fmla="val 15143"/>
+              <a:gd name="adj2" fmla="val 50000"/>
+              <a:gd name="adj3" fmla="val 25000"/>
             </a:avLst>
           </a:prstGeom>
           <a:solidFill>
@@ -12705,12 +12906,12 @@
           </a:ln>
         </p:spPr>
         <p:txBody>
-          <a:bodyPr anchorCtr="0" anchor="ctr" bIns="34275" lIns="68575" spcFirstLastPara="1" rIns="68575" wrap="square" tIns="34275">
+          <a:bodyPr spcFirstLastPara="1" wrap="square" lIns="68575" tIns="34275" rIns="68575" bIns="34275" anchor="ctr" anchorCtr="0">
             <a:noAutofit/>
           </a:bodyPr>
           <a:lstStyle/>
           <a:p>
-            <a:pPr indent="0" lvl="0" marL="0" marR="0" rtl="0" algn="ctr">
+            <a:pPr marL="0" marR="0" lvl="0" indent="0" algn="ctr" rtl="0">
               <a:spcBef>
                 <a:spcPts val="0"/>
               </a:spcBef>
@@ -12719,10 +12920,7 @@
               </a:spcAft>
               <a:buNone/>
             </a:pPr>
-            <a:r>
-              <a:t/>
-            </a:r>
-            <a:endParaRPr b="0" i="0" sz="1400" u="none" cap="none" strike="noStrike">
+            <a:endParaRPr sz="1400" b="0" i="0" u="none" strike="noStrike" cap="none">
               <a:solidFill>
                 <a:schemeClr val="accent6"/>
               </a:solidFill>
@@ -12737,9 +12935,11 @@
       <p:sp>
         <p:nvSpPr>
           <p:cNvPr id="101" name="Google Shape;101;p23"/>
-          <p:cNvSpPr txBox="1"/>
+          <p:cNvSpPr txBox="1">
+            <a:spLocks noGrp="1"/>
+          </p:cNvSpPr>
           <p:nvPr>
-            <p:ph idx="1" type="body"/>
+            <p:ph type="body" idx="1"/>
           </p:nvPr>
         </p:nvSpPr>
         <p:spPr>
@@ -12756,12 +12956,12 @@
           </a:ln>
         </p:spPr>
         <p:txBody>
-          <a:bodyPr anchorCtr="0" anchor="t" bIns="34275" lIns="68575" spcFirstLastPara="1" rIns="68575" wrap="square" tIns="34275">
+          <a:bodyPr spcFirstLastPara="1" wrap="square" lIns="68575" tIns="34275" rIns="68575" bIns="34275" anchor="t" anchorCtr="0">
             <a:noAutofit/>
           </a:bodyPr>
           <a:lstStyle/>
           <a:p>
-            <a:pPr indent="0" lvl="0" marL="0" rtl="0" algn="ctr">
+            <a:pPr marL="0" lvl="0" indent="0" algn="ctr" rtl="0">
               <a:spcBef>
                 <a:spcPts val="0"/>
               </a:spcBef>
@@ -12798,7 +12998,7 @@
             </a:endParaRPr>
           </a:p>
           <a:p>
-            <a:pPr indent="0" lvl="0" marL="0" rtl="0" algn="ctr">
+            <a:pPr marL="0" lvl="0" indent="0" algn="ctr" rtl="0">
               <a:spcBef>
                 <a:spcPts val="0"/>
               </a:spcBef>
@@ -12820,7 +13020,7 @@
               </a:rPr>
               <a:t>and Task Based Exchange</a:t>
             </a:r>
-            <a:endParaRPr b="1" i="0" sz="1800" u="none" cap="none" strike="noStrike">
+            <a:endParaRPr sz="1800" b="1" i="0" u="none" strike="noStrike" cap="none">
               <a:solidFill>
                 <a:srgbClr val="2A323A"/>
               </a:solidFill>
@@ -12845,7 +13045,7 @@
           </a:xfrm>
           <a:prstGeom prst="roundRect">
             <a:avLst>
-              <a:gd fmla="val 0" name="adj"/>
+              <a:gd name="adj" fmla="val 0"/>
             </a:avLst>
           </a:prstGeom>
           <a:noFill/>
@@ -12854,12 +13054,12 @@
           </a:ln>
         </p:spPr>
         <p:txBody>
-          <a:bodyPr anchorCtr="0" anchor="ctr" bIns="34275" lIns="68575" spcFirstLastPara="1" rIns="68575" wrap="square" tIns="34275">
+          <a:bodyPr spcFirstLastPara="1" wrap="square" lIns="68575" tIns="34275" rIns="68575" bIns="34275" anchor="ctr" anchorCtr="0">
             <a:noAutofit/>
           </a:bodyPr>
           <a:lstStyle/>
           <a:p>
-            <a:pPr indent="0" lvl="0" marL="0" marR="0" rtl="0" algn="ctr">
+            <a:pPr marL="0" marR="0" lvl="0" indent="0" algn="ctr" rtl="0">
               <a:spcBef>
                 <a:spcPts val="0"/>
               </a:spcBef>
@@ -12869,7 +13069,7 @@
               <a:buNone/>
             </a:pPr>
             <a:r>
-              <a:rPr b="1" i="0" lang="en" sz="1100" u="none" cap="none" strike="noStrike">
+              <a:rPr lang="en" sz="1100" b="1" i="0" u="none" strike="noStrike" cap="none">
                 <a:solidFill>
                   <a:srgbClr val="000000"/>
                 </a:solidFill>
@@ -12883,7 +13083,7 @@
             <a:endParaRPr sz="1100"/>
           </a:p>
           <a:p>
-            <a:pPr indent="0" lvl="0" marL="0" marR="0" rtl="0" algn="ctr">
+            <a:pPr marL="0" marR="0" lvl="0" indent="0" algn="ctr" rtl="0">
               <a:spcBef>
                 <a:spcPts val="0"/>
               </a:spcBef>
@@ -12893,7 +13093,7 @@
               <a:buNone/>
             </a:pPr>
             <a:r>
-              <a:rPr b="1" i="0" lang="en" sz="1100" u="none" cap="none" strike="noStrike">
+              <a:rPr lang="en" sz="1100" b="1" i="0" u="none" strike="noStrike" cap="none">
                 <a:solidFill>
                   <a:srgbClr val="000000"/>
                 </a:solidFill>
@@ -12918,7 +13118,7 @@
           <a:blip r:embed="rId3">
             <a:alphaModFix/>
           </a:blip>
-          <a:srcRect b="0" l="0" r="0" t="0"/>
+          <a:srcRect/>
           <a:stretch/>
         </p:blipFill>
         <p:spPr>
@@ -12948,7 +13148,7 @@
           </a:xfrm>
           <a:prstGeom prst="roundRect">
             <a:avLst>
-              <a:gd fmla="val 0" name="adj"/>
+              <a:gd name="adj" fmla="val 0"/>
             </a:avLst>
           </a:prstGeom>
           <a:noFill/>
@@ -12957,12 +13157,12 @@
           </a:ln>
         </p:spPr>
         <p:txBody>
-          <a:bodyPr anchorCtr="0" anchor="ctr" bIns="34275" lIns="68575" spcFirstLastPara="1" rIns="68575" wrap="square" tIns="34275">
+          <a:bodyPr spcFirstLastPara="1" wrap="square" lIns="68575" tIns="34275" rIns="68575" bIns="34275" anchor="ctr" anchorCtr="0">
             <a:noAutofit/>
           </a:bodyPr>
           <a:lstStyle/>
           <a:p>
-            <a:pPr indent="0" lvl="0" marL="0" marR="0" rtl="0" algn="ctr">
+            <a:pPr marL="0" marR="0" lvl="0" indent="0" algn="ctr" rtl="0">
               <a:spcBef>
                 <a:spcPts val="0"/>
               </a:spcBef>
@@ -12972,7 +13172,7 @@
               <a:buNone/>
             </a:pPr>
             <a:r>
-              <a:rPr b="1" i="0" lang="en" sz="1100" u="none" cap="none" strike="noStrike">
+              <a:rPr lang="en" sz="1100" b="1" i="0" u="none" strike="noStrike" cap="none">
                 <a:solidFill>
                   <a:srgbClr val="000000"/>
                 </a:solidFill>
@@ -13002,14 +13202,14 @@
             <a:avLst/>
           </a:prstGeom>
           <a:noFill/>
-          <a:ln cap="flat" cmpd="sng" w="38100">
+          <a:ln w="38100" cap="flat" cmpd="sng">
             <a:solidFill>
               <a:srgbClr val="474749"/>
             </a:solidFill>
             <a:prstDash val="solid"/>
             <a:round/>
-            <a:headEnd len="med" w="med" type="triangle"/>
-            <a:tailEnd len="sm" w="sm" type="none"/>
+            <a:headEnd type="triangle" w="med" len="med"/>
+            <a:tailEnd type="none" w="sm" len="sm"/>
           </a:ln>
         </p:spPr>
       </p:cxnSp>
@@ -13023,7 +13223,7 @@
           <a:blip r:embed="rId4">
             <a:alphaModFix/>
           </a:blip>
-          <a:srcRect b="0" l="0" r="0" t="0"/>
+          <a:srcRect/>
           <a:stretch/>
         </p:blipFill>
         <p:spPr>
@@ -13053,7 +13253,7 @@
           </a:xfrm>
           <a:prstGeom prst="roundRect">
             <a:avLst>
-              <a:gd fmla="val 0" name="adj"/>
+              <a:gd name="adj" fmla="val 0"/>
             </a:avLst>
           </a:prstGeom>
           <a:noFill/>
@@ -13062,12 +13262,12 @@
           </a:ln>
         </p:spPr>
         <p:txBody>
-          <a:bodyPr anchorCtr="0" anchor="ctr" bIns="34275" lIns="68575" spcFirstLastPara="1" rIns="68575" wrap="square" tIns="34275">
+          <a:bodyPr spcFirstLastPara="1" wrap="square" lIns="68575" tIns="34275" rIns="68575" bIns="34275" anchor="ctr" anchorCtr="0">
             <a:noAutofit/>
           </a:bodyPr>
           <a:lstStyle/>
           <a:p>
-            <a:pPr indent="0" lvl="0" marL="0" marR="0" rtl="0" algn="ctr">
+            <a:pPr marL="0" marR="0" lvl="0" indent="0" algn="ctr" rtl="0">
               <a:spcBef>
                 <a:spcPts val="0"/>
               </a:spcBef>
@@ -13082,7 +13282,7 @@
               <a:buNone/>
             </a:pPr>
             <a:r>
-              <a:rPr b="1" i="0" lang="en" sz="1100" u="none" cap="none" strike="noStrike">
+              <a:rPr lang="en" sz="1100" b="1" i="0" u="none" strike="noStrike" cap="none">
                 <a:solidFill>
                   <a:srgbClr val="000000"/>
                 </a:solidFill>
@@ -13121,7 +13321,7 @@
             <a:blip r:embed="rId5">
               <a:alphaModFix/>
             </a:blip>
-            <a:srcRect b="0" l="0" r="0" t="0"/>
+            <a:srcRect/>
             <a:stretch/>
           </p:blipFill>
           <p:spPr>
@@ -13145,10 +13345,10 @@
             <p:nvPr/>
           </p:nvPicPr>
           <p:blipFill rotWithShape="1">
-            <a:blip r:embed="rId6">
+            <a:blip r:embed="rId5">
               <a:alphaModFix/>
             </a:blip>
-            <a:srcRect b="0" l="0" r="0" t="0"/>
+            <a:srcRect/>
             <a:stretch/>
           </p:blipFill>
           <p:spPr>
@@ -13172,10 +13372,10 @@
             <p:nvPr/>
           </p:nvPicPr>
           <p:blipFill rotWithShape="1">
-            <a:blip r:embed="rId7">
+            <a:blip r:embed="rId5">
               <a:alphaModFix/>
             </a:blip>
-            <a:srcRect b="0" l="0" r="0" t="0"/>
+            <a:srcRect/>
             <a:stretch/>
           </p:blipFill>
           <p:spPr>
@@ -13206,7 +13406,7 @@
           </a:xfrm>
           <a:prstGeom prst="roundRect">
             <a:avLst>
-              <a:gd fmla="val 0" name="adj"/>
+              <a:gd name="adj" fmla="val 0"/>
             </a:avLst>
           </a:prstGeom>
           <a:noFill/>
@@ -13215,12 +13415,12 @@
           </a:ln>
         </p:spPr>
         <p:txBody>
-          <a:bodyPr anchorCtr="0" anchor="ctr" bIns="34275" lIns="68575" spcFirstLastPara="1" rIns="68575" wrap="square" tIns="34275">
+          <a:bodyPr spcFirstLastPara="1" wrap="square" lIns="68575" tIns="34275" rIns="68575" bIns="34275" anchor="ctr" anchorCtr="0">
             <a:noAutofit/>
           </a:bodyPr>
           <a:lstStyle/>
           <a:p>
-            <a:pPr indent="0" lvl="0" marL="0" marR="0" rtl="0" algn="l">
+            <a:pPr marL="0" marR="0" lvl="0" indent="0" algn="l" rtl="0">
               <a:spcBef>
                 <a:spcPts val="0"/>
               </a:spcBef>
@@ -13230,7 +13430,7 @@
               <a:buNone/>
             </a:pPr>
             <a:r>
-              <a:rPr b="0" i="0" lang="en" sz="800" u="none" cap="none" strike="noStrike">
+              <a:rPr lang="en" sz="800" b="0" i="0" u="none" strike="noStrike" cap="none">
                 <a:solidFill>
                   <a:srgbClr val="000000"/>
                 </a:solidFill>
@@ -13242,7 +13442,7 @@
               <a:t>eg, What are the patient’s HbA1C results after </a:t>
             </a:r>
             <a:br>
-              <a:rPr b="0" i="0" lang="en" sz="800" u="none" cap="none" strike="noStrike">
+              <a:rPr lang="en" sz="800" b="0" i="0" u="none" strike="noStrike" cap="none">
                 <a:solidFill>
                   <a:srgbClr val="000000"/>
                 </a:solidFill>
@@ -13253,7 +13453,7 @@
               </a:rPr>
             </a:br>
             <a:r>
-              <a:rPr b="0" i="0" lang="en" sz="800" u="none" cap="none" strike="noStrike">
+              <a:rPr lang="en" sz="800" b="0" i="0" u="none" strike="noStrike" cap="none">
                 <a:solidFill>
                   <a:srgbClr val="000000"/>
                 </a:solidFill>
@@ -13281,7 +13481,7 @@
           </a:xfrm>
           <a:prstGeom prst="roundRect">
             <a:avLst>
-              <a:gd fmla="val 0" name="adj"/>
+              <a:gd name="adj" fmla="val 0"/>
             </a:avLst>
           </a:prstGeom>
           <a:noFill/>
@@ -13290,12 +13490,12 @@
           </a:ln>
         </p:spPr>
         <p:txBody>
-          <a:bodyPr anchorCtr="0" anchor="ctr" bIns="34275" lIns="68575" spcFirstLastPara="1" rIns="68575" wrap="square" tIns="34275">
+          <a:bodyPr spcFirstLastPara="1" wrap="square" lIns="68575" tIns="34275" rIns="68575" bIns="34275" anchor="ctr" anchorCtr="0">
             <a:noAutofit/>
           </a:bodyPr>
           <a:lstStyle/>
           <a:p>
-            <a:pPr indent="0" lvl="0" marL="0" marR="0" rtl="0" algn="l">
+            <a:pPr marL="0" marR="0" lvl="0" indent="0" algn="l" rtl="0">
               <a:spcBef>
                 <a:spcPts val="0"/>
               </a:spcBef>
@@ -13305,7 +13505,7 @@
               <a:buNone/>
             </a:pPr>
             <a:r>
-              <a:rPr b="0" i="0" lang="en" sz="800" u="none" cap="none" strike="noStrike">
+              <a:rPr lang="en" sz="800" b="0" i="0" u="none" strike="noStrike" cap="none">
                 <a:solidFill>
                   <a:srgbClr val="000000"/>
                 </a:solidFill>
@@ -13317,7 +13517,7 @@
               <a:t>eg, What are </a:t>
             </a:r>
             <a:br>
-              <a:rPr b="0" i="0" lang="en" sz="800" u="none" cap="none" strike="noStrike">
+              <a:rPr lang="en" sz="800" b="0" i="0" u="none" strike="noStrike" cap="none">
                 <a:solidFill>
                   <a:srgbClr val="000000"/>
                 </a:solidFill>
@@ -13328,7 +13528,7 @@
               </a:rPr>
             </a:br>
             <a:r>
-              <a:rPr b="0" i="0" lang="en" sz="800" u="none" cap="none" strike="noStrike">
+              <a:rPr lang="en" sz="800" b="0" i="0" u="none" strike="noStrike" cap="none">
                 <a:solidFill>
                   <a:srgbClr val="000000"/>
                 </a:solidFill>
@@ -13340,7 +13540,7 @@
               <a:t>the patient’s </a:t>
             </a:r>
             <a:br>
-              <a:rPr b="0" i="0" lang="en" sz="800" u="none" cap="none" strike="noStrike">
+              <a:rPr lang="en" sz="800" b="0" i="0" u="none" strike="noStrike" cap="none">
                 <a:solidFill>
                   <a:srgbClr val="000000"/>
                 </a:solidFill>
@@ -13351,7 +13551,7 @@
               </a:rPr>
             </a:br>
             <a:r>
-              <a:rPr b="0" i="0" lang="en" sz="800" u="none" cap="none" strike="noStrike">
+              <a:rPr lang="en" sz="800" b="0" i="0" u="none" strike="noStrike" cap="none">
                 <a:solidFill>
                   <a:srgbClr val="000000"/>
                 </a:solidFill>
@@ -13379,7 +13579,7 @@
           </a:xfrm>
           <a:prstGeom prst="roundRect">
             <a:avLst>
-              <a:gd fmla="val 0" name="adj"/>
+              <a:gd name="adj" fmla="val 0"/>
             </a:avLst>
           </a:prstGeom>
           <a:noFill/>
@@ -13388,12 +13588,12 @@
           </a:ln>
         </p:spPr>
         <p:txBody>
-          <a:bodyPr anchorCtr="0" anchor="ctr" bIns="34275" lIns="68575" spcFirstLastPara="1" rIns="68575" wrap="square" tIns="34275">
+          <a:bodyPr spcFirstLastPara="1" wrap="square" lIns="68575" tIns="34275" rIns="68575" bIns="34275" anchor="ctr" anchorCtr="0">
             <a:noAutofit/>
           </a:bodyPr>
           <a:lstStyle/>
           <a:p>
-            <a:pPr indent="0" lvl="0" marL="0" marR="0" rtl="0" algn="l">
+            <a:pPr marL="0" marR="0" lvl="0" indent="0" algn="l" rtl="0">
               <a:spcBef>
                 <a:spcPts val="0"/>
               </a:spcBef>
@@ -13403,7 +13603,7 @@
               <a:buNone/>
             </a:pPr>
             <a:r>
-              <a:rPr b="0" i="0" lang="en" sz="800" u="none" cap="none" strike="noStrike">
+              <a:rPr lang="en" sz="800" b="0" i="0" u="none" strike="noStrike" cap="none">
                 <a:solidFill>
                   <a:srgbClr val="000000"/>
                 </a:solidFill>
@@ -13425,10 +13625,10 @@
           <p:nvPr/>
         </p:nvPicPr>
         <p:blipFill rotWithShape="1">
-          <a:blip r:embed="rId8">
+          <a:blip r:embed="rId6">
             <a:alphaModFix/>
           </a:blip>
-          <a:srcRect b="0" l="0" r="0" t="0"/>
+          <a:srcRect/>
           <a:stretch/>
         </p:blipFill>
         <p:spPr>
@@ -13460,14 +13660,14 @@
             <a:avLst/>
           </a:prstGeom>
           <a:noFill/>
-          <a:ln cap="flat" cmpd="sng" w="38100">
+          <a:ln w="38100" cap="flat" cmpd="sng">
             <a:solidFill>
               <a:srgbClr val="474749"/>
             </a:solidFill>
             <a:prstDash val="solid"/>
             <a:round/>
-            <a:headEnd len="sm" w="sm" type="none"/>
-            <a:tailEnd len="med" w="med" type="triangle"/>
+            <a:headEnd type="none" w="sm" len="sm"/>
+            <a:tailEnd type="triangle" w="med" len="med"/>
           </a:ln>
         </p:spPr>
       </p:cxnSp>
@@ -13478,7 +13678,7 @@
           <p:nvPr/>
         </p:nvCxnSpPr>
         <p:spPr>
-          <a:xfrm flipH="1" rot="10800000">
+          <a:xfrm rot="10800000" flipH="1">
             <a:off x="6354415" y="2936993"/>
             <a:ext cx="1315171" cy="9288"/>
           </a:xfrm>
@@ -13486,14 +13686,14 @@
             <a:avLst/>
           </a:prstGeom>
           <a:noFill/>
-          <a:ln cap="flat" cmpd="sng" w="38100">
+          <a:ln w="38100" cap="flat" cmpd="sng">
             <a:solidFill>
               <a:srgbClr val="474749"/>
             </a:solidFill>
             <a:prstDash val="dash"/>
             <a:round/>
-            <a:headEnd len="sm" w="sm" type="none"/>
-            <a:tailEnd len="med" w="med" type="triangle"/>
+            <a:headEnd type="none" w="sm" len="sm"/>
+            <a:tailEnd type="triangle" w="med" len="med"/>
           </a:ln>
         </p:spPr>
       </p:cxnSp>
@@ -13510,18 +13710,18 @@
           </a:xfrm>
           <a:prstGeom prst="bentConnector3">
             <a:avLst>
-              <a:gd fmla="val -62707" name="adj1"/>
+              <a:gd name="adj1" fmla="val -62707"/>
             </a:avLst>
           </a:prstGeom>
           <a:noFill/>
-          <a:ln cap="flat" cmpd="sng" w="38100">
+          <a:ln w="38100" cap="flat" cmpd="sng">
             <a:solidFill>
               <a:srgbClr val="474749"/>
             </a:solidFill>
             <a:prstDash val="solid"/>
             <a:round/>
-            <a:headEnd len="sm" w="sm" type="none"/>
-            <a:tailEnd len="med" w="med" type="triangle"/>
+            <a:headEnd type="none" w="sm" len="sm"/>
+            <a:tailEnd type="triangle" w="med" len="med"/>
           </a:ln>
         </p:spPr>
       </p:cxnSp>
@@ -13538,9 +13738,9 @@
           </a:xfrm>
           <a:prstGeom prst="curvedLeftArrow">
             <a:avLst>
-              <a:gd fmla="val 15143" name="adj1"/>
-              <a:gd fmla="val 50000" name="adj2"/>
-              <a:gd fmla="val 25000" name="adj3"/>
+              <a:gd name="adj1" fmla="val 15143"/>
+              <a:gd name="adj2" fmla="val 50000"/>
+              <a:gd name="adj3" fmla="val 25000"/>
             </a:avLst>
           </a:prstGeom>
           <a:solidFill>
@@ -13551,12 +13751,12 @@
           </a:ln>
         </p:spPr>
         <p:txBody>
-          <a:bodyPr anchorCtr="0" anchor="ctr" bIns="34275" lIns="68575" spcFirstLastPara="1" rIns="68575" wrap="square" tIns="34275">
+          <a:bodyPr spcFirstLastPara="1" wrap="square" lIns="68575" tIns="34275" rIns="68575" bIns="34275" anchor="ctr" anchorCtr="0">
             <a:noAutofit/>
           </a:bodyPr>
           <a:lstStyle/>
           <a:p>
-            <a:pPr indent="0" lvl="0" marL="0" marR="0" rtl="0" algn="ctr">
+            <a:pPr marL="0" marR="0" lvl="0" indent="0" algn="ctr" rtl="0">
               <a:spcBef>
                 <a:spcPts val="0"/>
               </a:spcBef>
@@ -13565,10 +13765,7 @@
               </a:spcAft>
               <a:buNone/>
             </a:pPr>
-            <a:r>
-              <a:t/>
-            </a:r>
-            <a:endParaRPr b="0" i="0" sz="1400" u="none" cap="none" strike="noStrike">
+            <a:endParaRPr sz="1400" b="0" i="0" u="none" strike="noStrike" cap="none">
               <a:solidFill>
                 <a:schemeClr val="accent2"/>
               </a:solidFill>
@@ -13600,12 +13797,12 @@
           </a:ln>
         </p:spPr>
         <p:txBody>
-          <a:bodyPr anchorCtr="0" anchor="t" bIns="34275" lIns="68575" spcFirstLastPara="1" rIns="68575" wrap="square" tIns="34275">
+          <a:bodyPr spcFirstLastPara="1" wrap="square" lIns="68575" tIns="34275" rIns="68575" bIns="34275" anchor="t" anchorCtr="0">
             <a:spAutoFit/>
           </a:bodyPr>
           <a:lstStyle/>
           <a:p>
-            <a:pPr indent="0" lvl="1" marL="342900" marR="0" rtl="0" algn="l">
+            <a:pPr marL="342900" marR="0" lvl="1" indent="0" algn="l" rtl="0">
               <a:spcBef>
                 <a:spcPts val="0"/>
               </a:spcBef>
@@ -13615,7 +13812,7 @@
               <a:buNone/>
             </a:pPr>
             <a:r>
-              <a:rPr b="0" i="0" lang="en" sz="1400" u="none" cap="none" strike="noStrike">
+              <a:rPr lang="en" sz="1400" b="0" i="0" u="none" strike="noStrike" cap="none">
                 <a:solidFill>
                   <a:schemeClr val="dk1"/>
                 </a:solidFill>
@@ -13629,7 +13826,7 @@
             <a:endParaRPr sz="1100"/>
           </a:p>
           <a:p>
-            <a:pPr indent="0" lvl="1" marL="342900" marR="0" rtl="0" algn="l">
+            <a:pPr marL="342900" marR="0" lvl="1" indent="0" algn="l" rtl="0">
               <a:spcBef>
                 <a:spcPts val="0"/>
               </a:spcBef>
@@ -13638,10 +13835,7 @@
               </a:spcAft>
               <a:buNone/>
             </a:pPr>
-            <a:r>
-              <a:t/>
-            </a:r>
-            <a:endParaRPr b="0" i="0" sz="1400" u="none" cap="none" strike="noStrike">
+            <a:endParaRPr sz="1400" b="0" i="0" u="none" strike="noStrike" cap="none">
               <a:solidFill>
                 <a:schemeClr val="dk1"/>
               </a:solidFill>
@@ -13652,7 +13846,7 @@
             </a:endParaRPr>
           </a:p>
           <a:p>
-            <a:pPr indent="0" lvl="1" marL="342900" marR="0" rtl="0" algn="l">
+            <a:pPr marL="342900" marR="0" lvl="1" indent="0" algn="l" rtl="0">
               <a:spcBef>
                 <a:spcPts val="0"/>
               </a:spcBef>
@@ -13662,7 +13856,7 @@
               <a:buNone/>
             </a:pPr>
             <a:r>
-              <a:rPr b="0" i="0" lang="en" sz="1400" u="none" cap="none" strike="noStrike">
+              <a:rPr lang="en" sz="1400" b="0" i="0" u="none" strike="noStrike" cap="none">
                 <a:solidFill>
                   <a:schemeClr val="dk1"/>
                 </a:solidFill>
@@ -13690,9 +13884,9 @@
           </a:xfrm>
           <a:prstGeom prst="curvedLeftArrow">
             <a:avLst>
-              <a:gd fmla="val 15143" name="adj1"/>
-              <a:gd fmla="val 50000" name="adj2"/>
-              <a:gd fmla="val 25000" name="adj3"/>
+              <a:gd name="adj1" fmla="val 15143"/>
+              <a:gd name="adj2" fmla="val 50000"/>
+              <a:gd name="adj3" fmla="val 25000"/>
             </a:avLst>
           </a:prstGeom>
           <a:solidFill>
@@ -13703,12 +13897,12 @@
           </a:ln>
         </p:spPr>
         <p:txBody>
-          <a:bodyPr anchorCtr="0" anchor="ctr" bIns="34275" lIns="68575" spcFirstLastPara="1" rIns="68575" wrap="square" tIns="34275">
+          <a:bodyPr spcFirstLastPara="1" wrap="square" lIns="68575" tIns="34275" rIns="68575" bIns="34275" anchor="ctr" anchorCtr="0">
             <a:noAutofit/>
           </a:bodyPr>
           <a:lstStyle/>
           <a:p>
-            <a:pPr indent="0" lvl="0" marL="0" marR="0" rtl="0" algn="ctr">
+            <a:pPr marL="0" marR="0" lvl="0" indent="0" algn="ctr" rtl="0">
               <a:spcBef>
                 <a:spcPts val="0"/>
               </a:spcBef>
@@ -13717,10 +13911,7 @@
               </a:spcAft>
               <a:buNone/>
             </a:pPr>
-            <a:r>
-              <a:t/>
-            </a:r>
-            <a:endParaRPr b="0" i="0" sz="1400" u="none" cap="none" strike="noStrike">
+            <a:endParaRPr sz="1400" b="0" i="0" u="none" strike="noStrike" cap="none">
               <a:solidFill>
                 <a:schemeClr val="accent2"/>
               </a:solidFill>
@@ -13745,9 +13936,9 @@
           </a:xfrm>
           <a:prstGeom prst="curvedLeftArrow">
             <a:avLst>
-              <a:gd fmla="val 15143" name="adj1"/>
-              <a:gd fmla="val 50000" name="adj2"/>
-              <a:gd fmla="val 25000" name="adj3"/>
+              <a:gd name="adj1" fmla="val 15143"/>
+              <a:gd name="adj2" fmla="val 50000"/>
+              <a:gd name="adj3" fmla="val 25000"/>
             </a:avLst>
           </a:prstGeom>
           <a:solidFill>
@@ -13758,12 +13949,12 @@
           </a:ln>
         </p:spPr>
         <p:txBody>
-          <a:bodyPr anchorCtr="0" anchor="ctr" bIns="34275" lIns="68575" spcFirstLastPara="1" rIns="68575" wrap="square" tIns="34275">
+          <a:bodyPr spcFirstLastPara="1" wrap="square" lIns="68575" tIns="34275" rIns="68575" bIns="34275" anchor="ctr" anchorCtr="0">
             <a:noAutofit/>
           </a:bodyPr>
           <a:lstStyle/>
           <a:p>
-            <a:pPr indent="0" lvl="0" marL="0" marR="0" rtl="0" algn="ctr">
+            <a:pPr marL="0" marR="0" lvl="0" indent="0" algn="ctr" rtl="0">
               <a:spcBef>
                 <a:spcPts val="0"/>
               </a:spcBef>
@@ -13772,10 +13963,7 @@
               </a:spcAft>
               <a:buNone/>
             </a:pPr>
-            <a:r>
-              <a:t/>
-            </a:r>
-            <a:endParaRPr b="0" i="0" sz="1400" u="none" cap="none" strike="noStrike">
+            <a:endParaRPr sz="1400" b="0" i="0" u="none" strike="noStrike" cap="none">
               <a:solidFill>
                 <a:schemeClr val="accent2"/>
               </a:solidFill>
@@ -13794,10 +13982,10 @@
           <p:nvPr/>
         </p:nvPicPr>
         <p:blipFill rotWithShape="1">
-          <a:blip r:embed="rId9">
+          <a:blip r:embed="rId6">
             <a:alphaModFix/>
           </a:blip>
-          <a:srcRect b="0" l="0" r="0" t="0"/>
+          <a:srcRect/>
           <a:stretch/>
         </p:blipFill>
         <p:spPr>
@@ -13831,14 +14019,14 @@
             <a:avLst/>
           </a:prstGeom>
           <a:noFill/>
-          <a:ln cap="flat" cmpd="sng" w="38100">
+          <a:ln w="38100" cap="flat" cmpd="sng">
             <a:solidFill>
               <a:srgbClr val="474749"/>
             </a:solidFill>
             <a:prstDash val="dash"/>
             <a:round/>
-            <a:headEnd len="sm" w="sm" type="none"/>
-            <a:tailEnd len="med" w="med" type="triangle"/>
+            <a:headEnd type="none" w="sm" len="sm"/>
+            <a:tailEnd type="triangle" w="med" len="med"/>
           </a:ln>
         </p:spPr>
       </p:cxnSp>
@@ -13855,7 +14043,7 @@
           </a:xfrm>
           <a:prstGeom prst="roundRect">
             <a:avLst>
-              <a:gd fmla="val 0" name="adj"/>
+              <a:gd name="adj" fmla="val 0"/>
             </a:avLst>
           </a:prstGeom>
           <a:solidFill>
@@ -13866,12 +14054,12 @@
           </a:ln>
         </p:spPr>
         <p:txBody>
-          <a:bodyPr anchorCtr="0" anchor="ctr" bIns="34275" lIns="68575" spcFirstLastPara="1" rIns="68575" wrap="square" tIns="34275">
+          <a:bodyPr spcFirstLastPara="1" wrap="square" lIns="68575" tIns="34275" rIns="68575" bIns="34275" anchor="ctr" anchorCtr="0">
             <a:noAutofit/>
           </a:bodyPr>
           <a:lstStyle/>
           <a:p>
-            <a:pPr indent="0" lvl="0" marL="0" marR="0" rtl="0" algn="ctr">
+            <a:pPr marL="0" marR="0" lvl="0" indent="0" algn="ctr" rtl="0">
               <a:spcBef>
                 <a:spcPts val="0"/>
               </a:spcBef>
@@ -13886,7 +14074,7 @@
               <a:buNone/>
             </a:pPr>
             <a:r>
-              <a:rPr b="1" i="0" lang="en" sz="1100" u="none" cap="none" strike="noStrike">
+              <a:rPr lang="en" sz="1100" b="1" i="0" u="none" strike="noStrike" cap="none">
                 <a:solidFill>
                   <a:srgbClr val="474749"/>
                 </a:solidFill>
@@ -13906,13 +14094,13 @@
   <p:clrMapOvr>
     <a:masterClrMapping/>
   </p:clrMapOvr>
-  <mc:AlternateContent>
+  <mc:AlternateContent xmlns:mc="http://schemas.openxmlformats.org/markup-compatibility/2006" xmlns:p14="http://schemas.microsoft.com/office/powerpoint/2010/main">
     <mc:Choice Requires="p14">
-      <p:transition spd="slow" p14:dur="700">
+      <p:transition spd="med" p14:dur="700">
         <p:fade/>
       </p:transition>
     </mc:Choice>
-    <mc:Fallback>
+    <mc:Fallback xmlns:ahyp="http://schemas.microsoft.com/office/drawing/2018/hyperlinkcolor" xmlns:p15="http://schemas.microsoft.com/office/powerpoint/2012/main" xmlns:com="http://schemas.openxmlformats.org/drawingml/2006/compatibility" xmlns:pvml="urn:schemas-microsoft-com:office:powerpoint" xmlns:v="urn:schemas-microsoft-com:vml" xmlns:o="urn:schemas-microsoft-com:office:office" xmlns:dgm="http://schemas.openxmlformats.org/drawingml/2006/diagram" xmlns:c="http://schemas.openxmlformats.org/drawingml/2006/chart" xmlns:mv="urn:schemas-microsoft-com:mac:vml" xmlns="">
       <p:transition spd="slow">
         <p:fade/>
       </p:transition>
@@ -13922,11 +14110,11 @@
 </file>
 
 <file path=ppt/slides/slide3.xml><?xml version="1.0" encoding="utf-8"?>
-<p:sld xmlns:a="http://schemas.openxmlformats.org/drawingml/2006/main" xmlns:r="http://schemas.openxmlformats.org/officeDocument/2006/relationships" xmlns:mc="http://schemas.openxmlformats.org/markup-compatibility/2006" xmlns:mv="urn:schemas-microsoft-com:mac:vml" xmlns:p="http://schemas.openxmlformats.org/presentationml/2006/main" xmlns:c="http://schemas.openxmlformats.org/drawingml/2006/chart" xmlns:dgm="http://schemas.openxmlformats.org/drawingml/2006/diagram" xmlns:o="urn:schemas-microsoft-com:office:office" xmlns:v="urn:schemas-microsoft-com:vml" xmlns:pvml="urn:schemas-microsoft-com:office:powerpoint" xmlns:com="http://schemas.openxmlformats.org/drawingml/2006/compatibility" xmlns:p14="http://schemas.microsoft.com/office/powerpoint/2010/main" xmlns:p15="http://schemas.microsoft.com/office/powerpoint/2012/main" xmlns:ahyp="http://schemas.microsoft.com/office/drawing/2018/hyperlinkcolor">
+<p:sld xmlns:a="http://schemas.openxmlformats.org/drawingml/2006/main" xmlns:r="http://schemas.openxmlformats.org/officeDocument/2006/relationships" xmlns:p="http://schemas.openxmlformats.org/presentationml/2006/main">
   <p:cSld>
     <p:spTree>
       <p:nvGrpSpPr>
-        <p:cNvPr id="129" name="Shape 129"/>
+        <p:cNvPr id="1" name="Shape 129"/>
         <p:cNvGrpSpPr/>
         <p:nvPr/>
       </p:nvGrpSpPr>
@@ -13941,9 +14129,11 @@
       <p:sp>
         <p:nvSpPr>
           <p:cNvPr id="130" name="Google Shape;130;p24"/>
-          <p:cNvSpPr txBox="1"/>
+          <p:cNvSpPr txBox="1">
+            <a:spLocks noGrp="1"/>
+          </p:cNvSpPr>
           <p:nvPr>
-            <p:ph idx="1" type="body"/>
+            <p:ph type="body" idx="1"/>
           </p:nvPr>
         </p:nvSpPr>
         <p:spPr>
@@ -13960,12 +14150,12 @@
           </a:ln>
         </p:spPr>
         <p:txBody>
-          <a:bodyPr anchorCtr="0" anchor="t" bIns="34275" lIns="68575" spcFirstLastPara="1" rIns="68575" wrap="square" tIns="34275">
+          <a:bodyPr spcFirstLastPara="1" wrap="square" lIns="68575" tIns="34275" rIns="68575" bIns="34275" anchor="t" anchorCtr="0">
             <a:noAutofit/>
           </a:bodyPr>
           <a:lstStyle/>
           <a:p>
-            <a:pPr indent="0" lvl="0" marL="0" rtl="0" algn="l">
+            <a:pPr marL="0" lvl="0" indent="0" algn="l" rtl="0">
               <a:spcBef>
                 <a:spcPts val="0"/>
               </a:spcBef>
@@ -13993,17 +14183,9 @@
                   <a:srgbClr val="2A323A"/>
                 </a:solidFill>
               </a:rPr>
-              <a:t>: </a:t>
+              <a:t>: Attachments for Claims and Prior Authorization </a:t>
             </a:r>
-            <a:r>
-              <a:rPr lang="en">
-                <a:solidFill>
-                  <a:srgbClr val="2A323A"/>
-                </a:solidFill>
-              </a:rPr>
-              <a:t>Attachments for Claims and Prior Authorization </a:t>
-            </a:r>
-            <a:endParaRPr b="1" i="0" sz="1800" u="none" cap="none" strike="noStrike">
+            <a:endParaRPr sz="1800" b="1" i="0" u="none" strike="noStrike" cap="none">
               <a:solidFill>
                 <a:srgbClr val="2A323A"/>
               </a:solidFill>
@@ -14023,12 +14205,12 @@
         </p:nvSpPr>
         <p:spPr>
           <a:xfrm>
-            <a:off x="308331" y="3033672"/>
+            <a:off x="308144" y="3033664"/>
             <a:ext cx="2232900" cy="802200"/>
           </a:xfrm>
           <a:prstGeom prst="roundRect">
             <a:avLst>
-              <a:gd fmla="val 0" name="adj"/>
+              <a:gd name="adj" fmla="val 0"/>
             </a:avLst>
           </a:prstGeom>
           <a:noFill/>
@@ -14037,38 +14219,39 @@
           </a:ln>
         </p:spPr>
         <p:txBody>
-          <a:bodyPr anchorCtr="0" anchor="ctr" bIns="34275" lIns="68575" spcFirstLastPara="1" rIns="68575" wrap="square" tIns="34275">
+          <a:bodyPr spcFirstLastPara="1" wrap="square" lIns="68575" tIns="34275" rIns="68575" bIns="34275" anchor="ctr" anchorCtr="0">
             <a:noAutofit/>
           </a:bodyPr>
           <a:lstStyle/>
           <a:p>
-            <a:pPr indent="0" lvl="0" marL="0" marR="0" rtl="0" algn="ctr">
-              <a:spcBef>
-                <a:spcPts val="0"/>
-              </a:spcBef>
-              <a:spcAft>
-                <a:spcPts val="0"/>
-              </a:spcAft>
-              <a:buNone/>
+            <a:pPr marR="0" lvl="0" algn="ctr" rtl="0">
+              <a:spcBef>
+                <a:spcPts val="0"/>
+              </a:spcBef>
+              <a:spcAft>
+                <a:spcPts val="0"/>
+              </a:spcAft>
             </a:pPr>
             <a:r>
-              <a:rPr b="1" lang="en">
+              <a:rPr lang="en" sz="1400" b="1" i="0" u="none" strike="noStrike" cap="none" dirty="0">
                 <a:solidFill>
                   <a:schemeClr val="dk1"/>
                 </a:solidFill>
               </a:rPr>
-              <a:t>1. </a:t>
+              <a:t>1. Provider Submits</a:t>
             </a:r>
+          </a:p>
+          <a:p>
+            <a:pPr marR="0" lvl="0" algn="ctr" rtl="0">
+              <a:spcBef>
+                <a:spcPts val="0"/>
+              </a:spcBef>
+              <a:spcAft>
+                <a:spcPts val="0"/>
+              </a:spcAft>
+            </a:pPr>
             <a:r>
-              <a:rPr b="1" i="0" lang="en" sz="1400" u="none" cap="none" strike="noStrike">
-                <a:solidFill>
-                  <a:schemeClr val="dk1"/>
-                </a:solidFill>
-              </a:rPr>
-              <a:t>Provider Submits </a:t>
-            </a:r>
-            <a:r>
-              <a:rPr b="1" lang="en">
+              <a:rPr lang="en" b="1" dirty="0">
                 <a:solidFill>
                   <a:schemeClr val="dk1"/>
                 </a:solidFill>
@@ -14076,22 +14259,58 @@
               <a:t>Attachments</a:t>
             </a:r>
             <a:r>
-              <a:rPr b="1" i="0" lang="en" sz="1400" u="none" cap="none" strike="noStrike">
+              <a:rPr lang="en" sz="1400" b="1" i="0" u="none" strike="noStrike" cap="none" dirty="0">
                 <a:solidFill>
                   <a:schemeClr val="dk1"/>
                 </a:solidFill>
               </a:rPr>
-              <a:t> + Data </a:t>
+              <a:t> and</a:t>
+            </a:r>
+          </a:p>
+          <a:p>
+            <a:pPr marR="0" lvl="0" algn="ctr" rtl="0">
+              <a:spcBef>
+                <a:spcPts val="0"/>
+              </a:spcBef>
+              <a:spcAft>
+                <a:spcPts val="0"/>
+              </a:spcAft>
+            </a:pPr>
+            <a:r>
+              <a:rPr lang="en" sz="1400" b="1" i="0" u="none" strike="noStrike" cap="none" dirty="0">
+                <a:solidFill>
+                  <a:schemeClr val="dk1"/>
+                </a:solidFill>
+              </a:rPr>
+              <a:t>Data </a:t>
             </a:r>
             <a:r>
-              <a:rPr b="1" lang="en">
+              <a:rPr lang="en" b="1" dirty="0">
                 <a:solidFill>
                   <a:schemeClr val="dk1"/>
                 </a:solidFill>
               </a:rPr>
-              <a:t>Elements for re-association</a:t>
+              <a:t>Elements for</a:t>
             </a:r>
-            <a:endParaRPr b="1" sz="1100"/>
+          </a:p>
+          <a:p>
+            <a:pPr marR="0" lvl="0" algn="ctr" rtl="0">
+              <a:spcBef>
+                <a:spcPts val="0"/>
+              </a:spcBef>
+              <a:spcAft>
+                <a:spcPts val="0"/>
+              </a:spcAft>
+            </a:pPr>
+            <a:r>
+              <a:rPr lang="en" b="1" dirty="0">
+                <a:solidFill>
+                  <a:schemeClr val="dk1"/>
+                </a:solidFill>
+              </a:rPr>
+              <a:t>Re-association</a:t>
+            </a:r>
+            <a:endParaRPr sz="1100" b="1" dirty="0"/>
           </a:p>
         </p:txBody>
       </p:sp>
@@ -14105,7 +14324,7 @@
           <a:blip r:embed="rId3">
             <a:alphaModFix/>
           </a:blip>
-          <a:srcRect b="0" l="0" r="0" t="0"/>
+          <a:srcRect/>
           <a:stretch/>
         </p:blipFill>
         <p:spPr>
@@ -14132,7 +14351,7 @@
           <a:blip r:embed="rId4">
             <a:alphaModFix/>
           </a:blip>
-          <a:srcRect b="0" l="0" r="0" t="0"/>
+          <a:srcRect/>
           <a:stretch/>
         </p:blipFill>
         <p:spPr>
@@ -14159,7 +14378,7 @@
           <a:blip r:embed="rId5">
             <a:alphaModFix/>
           </a:blip>
-          <a:srcRect b="0" l="0" r="0" t="0"/>
+          <a:srcRect/>
           <a:stretch/>
         </p:blipFill>
         <p:spPr>
@@ -14189,7 +14408,7 @@
           </a:xfrm>
           <a:prstGeom prst="roundRect">
             <a:avLst>
-              <a:gd fmla="val 0" name="adj"/>
+              <a:gd name="adj" fmla="val 0"/>
             </a:avLst>
           </a:prstGeom>
           <a:noFill/>
@@ -14198,12 +14417,12 @@
           </a:ln>
         </p:spPr>
         <p:txBody>
-          <a:bodyPr anchorCtr="0" anchor="ctr" bIns="34275" lIns="68575" spcFirstLastPara="1" rIns="68575" wrap="square" tIns="34275">
+          <a:bodyPr spcFirstLastPara="1" wrap="square" lIns="68575" tIns="34275" rIns="68575" bIns="34275" anchor="ctr" anchorCtr="0">
             <a:noAutofit/>
           </a:bodyPr>
           <a:lstStyle/>
           <a:p>
-            <a:pPr indent="0" lvl="0" marL="0" marR="0" rtl="0" algn="l">
+            <a:pPr marL="0" marR="0" lvl="0" indent="0" algn="l" rtl="0">
               <a:spcBef>
                 <a:spcPts val="0"/>
               </a:spcBef>
@@ -14214,13 +14433,9 @@
             </a:pPr>
             <a:r>
               <a:rPr lang="en" sz="1100"/>
-              <a:t>P</a:t>
+              <a:t>Patient’s latest History &amp; Physical</a:t>
             </a:r>
-            <a:r>
-              <a:rPr lang="en" sz="1100"/>
-              <a:t>atient’s latest History &amp; Physical</a:t>
-            </a:r>
-            <a:endParaRPr b="0" i="0" sz="1100" u="none" cap="none" strike="noStrike">
+            <a:endParaRPr sz="1100" b="0" i="0" u="none" strike="noStrike" cap="none">
               <a:solidFill>
                 <a:srgbClr val="000000"/>
               </a:solidFill>
@@ -14240,7 +14455,7 @@
         </p:nvSpPr>
         <p:spPr>
           <a:xfrm>
-            <a:off x="6174866" y="3033664"/>
+            <a:off x="5928079" y="3033664"/>
             <a:ext cx="2350500" cy="500100"/>
           </a:xfrm>
           <a:prstGeom prst="rect">
@@ -14252,45 +14467,36 @@
           </a:ln>
         </p:spPr>
         <p:txBody>
-          <a:bodyPr anchorCtr="0" anchor="t" bIns="34275" lIns="68575" spcFirstLastPara="1" rIns="68575" wrap="square" tIns="34275">
+          <a:bodyPr spcFirstLastPara="1" wrap="square" lIns="68575" tIns="34275" rIns="68575" bIns="34275" anchor="t" anchorCtr="0">
             <a:spAutoFit/>
           </a:bodyPr>
           <a:lstStyle/>
           <a:p>
-            <a:pPr indent="0" lvl="0" marL="0" marR="0" rtl="0" algn="l">
-              <a:spcBef>
-                <a:spcPts val="0"/>
-              </a:spcBef>
-              <a:spcAft>
-                <a:spcPts val="0"/>
-              </a:spcAft>
-              <a:buNone/>
+            <a:pPr marR="0" lvl="0" algn="ctr" rtl="0">
+              <a:spcBef>
+                <a:spcPts val="0"/>
+              </a:spcBef>
+              <a:spcAft>
+                <a:spcPts val="0"/>
+              </a:spcAft>
             </a:pPr>
             <a:r>
-              <a:rPr b="1" lang="en">
+              <a:rPr lang="en" sz="1400" b="1" i="0" u="none" strike="noStrike" cap="none" dirty="0">
                 <a:solidFill>
                   <a:schemeClr val="dk1"/>
                 </a:solidFill>
               </a:rPr>
-              <a:t>2. </a:t>
+              <a:t>2. Payer </a:t>
             </a:r>
             <a:r>
-              <a:rPr b="1" i="0" lang="en" sz="1400" u="none" cap="none" strike="noStrike">
-                <a:solidFill>
-                  <a:schemeClr val="dk1"/>
-                </a:solidFill>
-              </a:rPr>
-              <a:t>Payer </a:t>
-            </a:r>
-            <a:r>
-              <a:rPr b="1" lang="en">
+              <a:rPr lang="en" b="1" dirty="0">
                 <a:solidFill>
                   <a:schemeClr val="dk1"/>
                 </a:solidFill>
               </a:rPr>
               <a:t>Accepts Attachments</a:t>
             </a:r>
-            <a:endParaRPr b="1" sz="1100"/>
+            <a:endParaRPr sz="1100" b="1" dirty="0"/>
           </a:p>
         </p:txBody>
       </p:sp>
@@ -14307,30 +14513,30 @@
           </a:xfrm>
           <a:prstGeom prst="rightArrow">
             <a:avLst>
-              <a:gd fmla="val 50000" name="adj1"/>
-              <a:gd fmla="val 50000" name="adj2"/>
+              <a:gd name="adj1" fmla="val 50000"/>
+              <a:gd name="adj2" fmla="val 50000"/>
             </a:avLst>
           </a:prstGeom>
           <a:solidFill>
             <a:schemeClr val="accent1"/>
           </a:solidFill>
-          <a:ln cap="flat" cmpd="sng" w="12700">
+          <a:ln w="12700" cap="flat" cmpd="sng">
             <a:solidFill>
               <a:srgbClr val="7B161A"/>
             </a:solidFill>
             <a:prstDash val="solid"/>
             <a:miter lim="800000"/>
-            <a:headEnd len="sm" w="sm" type="none"/>
-            <a:tailEnd len="sm" w="sm" type="none"/>
+            <a:headEnd type="none" w="sm" len="sm"/>
+            <a:tailEnd type="none" w="sm" len="sm"/>
           </a:ln>
         </p:spPr>
         <p:txBody>
-          <a:bodyPr anchorCtr="0" anchor="ctr" bIns="34275" lIns="68575" spcFirstLastPara="1" rIns="68575" wrap="square" tIns="34275">
+          <a:bodyPr spcFirstLastPara="1" wrap="square" lIns="68575" tIns="34275" rIns="68575" bIns="34275" anchor="ctr" anchorCtr="0">
             <a:noAutofit/>
           </a:bodyPr>
           <a:lstStyle/>
           <a:p>
-            <a:pPr indent="0" lvl="0" marL="0" marR="0" rtl="0" algn="ctr">
+            <a:pPr marL="0" marR="0" lvl="0" indent="0" algn="ctr" rtl="0">
               <a:spcBef>
                 <a:spcPts val="0"/>
               </a:spcBef>
@@ -14339,9 +14545,6 @@
               </a:spcAft>
               <a:buNone/>
             </a:pPr>
-            <a:r>
-              <a:t/>
-            </a:r>
             <a:endParaRPr sz="1400">
               <a:solidFill>
                 <a:schemeClr val="lt1"/>
@@ -14359,13 +14562,13 @@
   <p:clrMapOvr>
     <a:masterClrMapping/>
   </p:clrMapOvr>
-  <mc:AlternateContent>
+  <mc:AlternateContent xmlns:mc="http://schemas.openxmlformats.org/markup-compatibility/2006" xmlns:p14="http://schemas.microsoft.com/office/powerpoint/2010/main">
     <mc:Choice Requires="p14">
-      <p:transition spd="slow" p14:dur="700">
+      <p:transition spd="med" p14:dur="700">
         <p:fade/>
       </p:transition>
     </mc:Choice>
-    <mc:Fallback>
+    <mc:Fallback xmlns:ahyp="http://schemas.microsoft.com/office/drawing/2018/hyperlinkcolor" xmlns:p15="http://schemas.microsoft.com/office/powerpoint/2012/main" xmlns:com="http://schemas.openxmlformats.org/drawingml/2006/compatibility" xmlns:pvml="urn:schemas-microsoft-com:office:powerpoint" xmlns:v="urn:schemas-microsoft-com:vml" xmlns:o="urn:schemas-microsoft-com:office:office" xmlns:dgm="http://schemas.openxmlformats.org/drawingml/2006/diagram" xmlns:c="http://schemas.openxmlformats.org/drawingml/2006/chart" xmlns:mv="urn:schemas-microsoft-com:mac:vml" xmlns="">
       <p:transition spd="slow">
         <p:fade/>
       </p:transition>
@@ -14375,7 +14578,288 @@
 </file>
 
 <file path=ppt/theme/theme1.xml><?xml version="1.0" encoding="utf-8"?>
-<a:theme xmlns:a="http://schemas.openxmlformats.org/drawingml/2006/main" xmlns:r="http://schemas.openxmlformats.org/officeDocument/2006/relationships" name="2_Office Theme">
+<a:theme xmlns:a="http://schemas.openxmlformats.org/drawingml/2006/main" name="Simple Light">
+  <a:themeElements>
+    <a:clrScheme name="Simple Light">
+      <a:dk1>
+        <a:srgbClr val="000000"/>
+      </a:dk1>
+      <a:lt1>
+        <a:srgbClr val="FFFFFF"/>
+      </a:lt1>
+      <a:dk2>
+        <a:srgbClr val="595959"/>
+      </a:dk2>
+      <a:lt2>
+        <a:srgbClr val="EEEEEE"/>
+      </a:lt2>
+      <a:accent1>
+        <a:srgbClr val="4285F4"/>
+      </a:accent1>
+      <a:accent2>
+        <a:srgbClr val="212121"/>
+      </a:accent2>
+      <a:accent3>
+        <a:srgbClr val="78909C"/>
+      </a:accent3>
+      <a:accent4>
+        <a:srgbClr val="FFAB40"/>
+      </a:accent4>
+      <a:accent5>
+        <a:srgbClr val="0097A7"/>
+      </a:accent5>
+      <a:accent6>
+        <a:srgbClr val="EEFF41"/>
+      </a:accent6>
+      <a:hlink>
+        <a:srgbClr val="0097A7"/>
+      </a:hlink>
+      <a:folHlink>
+        <a:srgbClr val="0097A7"/>
+      </a:folHlink>
+    </a:clrScheme>
+    <a:fontScheme name="Office">
+      <a:majorFont>
+        <a:latin typeface="Arial"/>
+        <a:ea typeface=""/>
+        <a:cs typeface=""/>
+        <a:font script="Jpan" typeface="ＭＳ Ｐゴシック"/>
+        <a:font script="Hang" typeface="맑은 고딕"/>
+        <a:font script="Hans" typeface="宋体"/>
+        <a:font script="Hant" typeface="新細明體"/>
+        <a:font script="Arab" typeface="Times New Roman"/>
+        <a:font script="Hebr" typeface="Times New Roman"/>
+        <a:font script="Thai" typeface="Angsana New"/>
+        <a:font script="Ethi" typeface="Nyala"/>
+        <a:font script="Beng" typeface="Vrinda"/>
+        <a:font script="Gujr" typeface="Shruti"/>
+        <a:font script="Khmr" typeface="MoolBoran"/>
+        <a:font script="Knda" typeface="Tunga"/>
+        <a:font script="Guru" typeface="Raavi"/>
+        <a:font script="Cans" typeface="Euphemia"/>
+        <a:font script="Cher" typeface="Plantagenet Cherokee"/>
+        <a:font script="Yiii" typeface="Microsoft Yi Baiti"/>
+        <a:font script="Tibt" typeface="Microsoft Himalaya"/>
+        <a:font script="Thaa" typeface="MV Boli"/>
+        <a:font script="Deva" typeface="Mangal"/>
+        <a:font script="Telu" typeface="Gautami"/>
+        <a:font script="Taml" typeface="Latha"/>
+        <a:font script="Syrc" typeface="Estrangelo Edessa"/>
+        <a:font script="Orya" typeface="Kalinga"/>
+        <a:font script="Mlym" typeface="Kartika"/>
+        <a:font script="Laoo" typeface="DokChampa"/>
+        <a:font script="Sinh" typeface="Iskoola Pota"/>
+        <a:font script="Mong" typeface="Mongolian Baiti"/>
+        <a:font script="Viet" typeface="Times New Roman"/>
+        <a:font script="Uigh" typeface="Microsoft Uighur"/>
+        <a:font script="Geor" typeface="Sylfaen"/>
+      </a:majorFont>
+      <a:minorFont>
+        <a:latin typeface="Arial"/>
+        <a:ea typeface=""/>
+        <a:cs typeface=""/>
+        <a:font script="Jpan" typeface="ＭＳ Ｐゴシック"/>
+        <a:font script="Hang" typeface="맑은 고딕"/>
+        <a:font script="Hans" typeface="宋体"/>
+        <a:font script="Hant" typeface="新細明體"/>
+        <a:font script="Arab" typeface="Arial"/>
+        <a:font script="Hebr" typeface="Arial"/>
+        <a:font script="Thai" typeface="Cordia New"/>
+        <a:font script="Ethi" typeface="Nyala"/>
+        <a:font script="Beng" typeface="Vrinda"/>
+        <a:font script="Gujr" typeface="Shruti"/>
+        <a:font script="Khmr" typeface="DaunPenh"/>
+        <a:font script="Knda" typeface="Tunga"/>
+        <a:font script="Guru" typeface="Raavi"/>
+        <a:font script="Cans" typeface="Euphemia"/>
+        <a:font script="Cher" typeface="Plantagenet Cherokee"/>
+        <a:font script="Yiii" typeface="Microsoft Yi Baiti"/>
+        <a:font script="Tibt" typeface="Microsoft Himalaya"/>
+        <a:font script="Thaa" typeface="MV Boli"/>
+        <a:font script="Deva" typeface="Mangal"/>
+        <a:font script="Telu" typeface="Gautami"/>
+        <a:font script="Taml" typeface="Latha"/>
+        <a:font script="Syrc" typeface="Estrangelo Edessa"/>
+        <a:font script="Orya" typeface="Kalinga"/>
+        <a:font script="Mlym" typeface="Kartika"/>
+        <a:font script="Laoo" typeface="DokChampa"/>
+        <a:font script="Sinh" typeface="Iskoola Pota"/>
+        <a:font script="Mong" typeface="Mongolian Baiti"/>
+        <a:font script="Viet" typeface="Arial"/>
+        <a:font script="Uigh" typeface="Microsoft Uighur"/>
+        <a:font script="Geor" typeface="Sylfaen"/>
+      </a:minorFont>
+    </a:fontScheme>
+    <a:fmtScheme name="Office">
+      <a:fillStyleLst>
+        <a:solidFill>
+          <a:schemeClr val="phClr"/>
+        </a:solidFill>
+        <a:gradFill rotWithShape="1">
+          <a:gsLst>
+            <a:gs pos="0">
+              <a:schemeClr val="phClr">
+                <a:tint val="50000"/>
+                <a:satMod val="300000"/>
+              </a:schemeClr>
+            </a:gs>
+            <a:gs pos="35000">
+              <a:schemeClr val="phClr">
+                <a:tint val="37000"/>
+                <a:satMod val="300000"/>
+              </a:schemeClr>
+            </a:gs>
+            <a:gs pos="100000">
+              <a:schemeClr val="phClr">
+                <a:tint val="15000"/>
+                <a:satMod val="350000"/>
+              </a:schemeClr>
+            </a:gs>
+          </a:gsLst>
+          <a:lin ang="16200000" scaled="1"/>
+        </a:gradFill>
+        <a:gradFill rotWithShape="1">
+          <a:gsLst>
+            <a:gs pos="0">
+              <a:schemeClr val="phClr">
+                <a:tint val="100000"/>
+                <a:shade val="100000"/>
+                <a:satMod val="130000"/>
+              </a:schemeClr>
+            </a:gs>
+            <a:gs pos="100000">
+              <a:schemeClr val="phClr">
+                <a:tint val="50000"/>
+                <a:shade val="100000"/>
+                <a:satMod val="350000"/>
+              </a:schemeClr>
+            </a:gs>
+          </a:gsLst>
+          <a:lin ang="16200000" scaled="0"/>
+        </a:gradFill>
+      </a:fillStyleLst>
+      <a:lnStyleLst>
+        <a:ln w="9525" cap="flat" cmpd="sng" algn="ctr">
+          <a:solidFill>
+            <a:schemeClr val="phClr">
+              <a:shade val="95000"/>
+              <a:satMod val="105000"/>
+            </a:schemeClr>
+          </a:solidFill>
+          <a:prstDash val="solid"/>
+        </a:ln>
+        <a:ln w="25400" cap="flat" cmpd="sng" algn="ctr">
+          <a:solidFill>
+            <a:schemeClr val="phClr"/>
+          </a:solidFill>
+          <a:prstDash val="solid"/>
+        </a:ln>
+        <a:ln w="38100" cap="flat" cmpd="sng" algn="ctr">
+          <a:solidFill>
+            <a:schemeClr val="phClr"/>
+          </a:solidFill>
+          <a:prstDash val="solid"/>
+        </a:ln>
+      </a:lnStyleLst>
+      <a:effectStyleLst>
+        <a:effectStyle>
+          <a:effectLst>
+            <a:outerShdw blurRad="40000" dist="20000" dir="5400000" rotWithShape="0">
+              <a:srgbClr val="000000">
+                <a:alpha val="38000"/>
+              </a:srgbClr>
+            </a:outerShdw>
+          </a:effectLst>
+        </a:effectStyle>
+        <a:effectStyle>
+          <a:effectLst>
+            <a:outerShdw blurRad="40000" dist="23000" dir="5400000" rotWithShape="0">
+              <a:srgbClr val="000000">
+                <a:alpha val="35000"/>
+              </a:srgbClr>
+            </a:outerShdw>
+          </a:effectLst>
+        </a:effectStyle>
+        <a:effectStyle>
+          <a:effectLst>
+            <a:outerShdw blurRad="40000" dist="23000" dir="5400000" rotWithShape="0">
+              <a:srgbClr val="000000">
+                <a:alpha val="35000"/>
+              </a:srgbClr>
+            </a:outerShdw>
+          </a:effectLst>
+          <a:scene3d>
+            <a:camera prst="orthographicFront">
+              <a:rot lat="0" lon="0" rev="0"/>
+            </a:camera>
+            <a:lightRig rig="threePt" dir="t">
+              <a:rot lat="0" lon="0" rev="1200000"/>
+            </a:lightRig>
+          </a:scene3d>
+          <a:sp3d>
+            <a:bevelT w="63500" h="25400"/>
+          </a:sp3d>
+        </a:effectStyle>
+      </a:effectStyleLst>
+      <a:bgFillStyleLst>
+        <a:solidFill>
+          <a:schemeClr val="phClr"/>
+        </a:solidFill>
+        <a:gradFill rotWithShape="1">
+          <a:gsLst>
+            <a:gs pos="0">
+              <a:schemeClr val="phClr">
+                <a:tint val="40000"/>
+                <a:satMod val="350000"/>
+              </a:schemeClr>
+            </a:gs>
+            <a:gs pos="40000">
+              <a:schemeClr val="phClr">
+                <a:tint val="45000"/>
+                <a:shade val="99000"/>
+                <a:satMod val="350000"/>
+              </a:schemeClr>
+            </a:gs>
+            <a:gs pos="100000">
+              <a:schemeClr val="phClr">
+                <a:shade val="20000"/>
+                <a:satMod val="255000"/>
+              </a:schemeClr>
+            </a:gs>
+          </a:gsLst>
+          <a:path path="circle">
+            <a:fillToRect l="50000" t="-80000" r="50000" b="180000"/>
+          </a:path>
+        </a:gradFill>
+        <a:gradFill rotWithShape="1">
+          <a:gsLst>
+            <a:gs pos="0">
+              <a:schemeClr val="phClr">
+                <a:tint val="80000"/>
+                <a:satMod val="300000"/>
+              </a:schemeClr>
+            </a:gs>
+            <a:gs pos="100000">
+              <a:schemeClr val="phClr">
+                <a:shade val="30000"/>
+                <a:satMod val="200000"/>
+              </a:schemeClr>
+            </a:gs>
+          </a:gsLst>
+          <a:path path="circle">
+            <a:fillToRect l="50000" t="50000" r="50000" b="50000"/>
+          </a:path>
+        </a:gradFill>
+      </a:bgFillStyleLst>
+    </a:fmtScheme>
+  </a:themeElements>
+  <a:objectDefaults/>
+  <a:extraClrSchemeLst/>
+</a:theme>
+</file>
+
+<file path=ppt/theme/theme2.xml><?xml version="1.0" encoding="utf-8"?>
+<a:theme xmlns:a="http://schemas.openxmlformats.org/drawingml/2006/main" name="2_Office Theme">
   <a:themeElements>
     <a:clrScheme name="Custom 6">
       <a:dk1>
@@ -14650,11 +15134,13 @@
       </a:bgFillStyleLst>
     </a:fmtScheme>
   </a:themeElements>
+  <a:objectDefaults/>
+  <a:extraClrSchemeLst/>
 </a:theme>
 </file>
 
-<file path=ppt/theme/theme2.xml><?xml version="1.0" encoding="utf-8"?>
-<a:theme xmlns:a="http://schemas.openxmlformats.org/drawingml/2006/main" xmlns:r="http://schemas.openxmlformats.org/officeDocument/2006/relationships">
+<file path=ppt/theme/theme3.xml><?xml version="1.0" encoding="utf-8"?>
+<a:theme xmlns:a="http://schemas.openxmlformats.org/drawingml/2006/main">
   <a:themeElements>
     <a:clrScheme name="Default">
       <a:dk1>
@@ -14929,284 +15415,7 @@
       </a:bgFillStyleLst>
     </a:fmtScheme>
   </a:themeElements>
-</a:theme>
-</file>
-
-<file path=ppt/theme/theme3.xml><?xml version="1.0" encoding="utf-8"?>
-<a:theme xmlns:a="http://schemas.openxmlformats.org/drawingml/2006/main" xmlns:r="http://schemas.openxmlformats.org/officeDocument/2006/relationships" name="Simple Light">
-  <a:themeElements>
-    <a:clrScheme name="Simple Light">
-      <a:dk1>
-        <a:srgbClr val="000000"/>
-      </a:dk1>
-      <a:lt1>
-        <a:srgbClr val="FFFFFF"/>
-      </a:lt1>
-      <a:dk2>
-        <a:srgbClr val="595959"/>
-      </a:dk2>
-      <a:lt2>
-        <a:srgbClr val="EEEEEE"/>
-      </a:lt2>
-      <a:accent1>
-        <a:srgbClr val="4285F4"/>
-      </a:accent1>
-      <a:accent2>
-        <a:srgbClr val="212121"/>
-      </a:accent2>
-      <a:accent3>
-        <a:srgbClr val="78909C"/>
-      </a:accent3>
-      <a:accent4>
-        <a:srgbClr val="FFAB40"/>
-      </a:accent4>
-      <a:accent5>
-        <a:srgbClr val="0097A7"/>
-      </a:accent5>
-      <a:accent6>
-        <a:srgbClr val="EEFF41"/>
-      </a:accent6>
-      <a:hlink>
-        <a:srgbClr val="0097A7"/>
-      </a:hlink>
-      <a:folHlink>
-        <a:srgbClr val="0097A7"/>
-      </a:folHlink>
-    </a:clrScheme>
-    <a:fontScheme name="Office">
-      <a:majorFont>
-        <a:latin typeface="Arial"/>
-        <a:ea typeface=""/>
-        <a:cs typeface=""/>
-        <a:font script="Jpan" typeface="ＭＳ Ｐゴシック"/>
-        <a:font script="Hang" typeface="맑은 고딕"/>
-        <a:font script="Hans" typeface="宋体"/>
-        <a:font script="Hant" typeface="新細明體"/>
-        <a:font script="Arab" typeface="Times New Roman"/>
-        <a:font script="Hebr" typeface="Times New Roman"/>
-        <a:font script="Thai" typeface="Angsana New"/>
-        <a:font script="Ethi" typeface="Nyala"/>
-        <a:font script="Beng" typeface="Vrinda"/>
-        <a:font script="Gujr" typeface="Shruti"/>
-        <a:font script="Khmr" typeface="MoolBoran"/>
-        <a:font script="Knda" typeface="Tunga"/>
-        <a:font script="Guru" typeface="Raavi"/>
-        <a:font script="Cans" typeface="Euphemia"/>
-        <a:font script="Cher" typeface="Plantagenet Cherokee"/>
-        <a:font script="Yiii" typeface="Microsoft Yi Baiti"/>
-        <a:font script="Tibt" typeface="Microsoft Himalaya"/>
-        <a:font script="Thaa" typeface="MV Boli"/>
-        <a:font script="Deva" typeface="Mangal"/>
-        <a:font script="Telu" typeface="Gautami"/>
-        <a:font script="Taml" typeface="Latha"/>
-        <a:font script="Syrc" typeface="Estrangelo Edessa"/>
-        <a:font script="Orya" typeface="Kalinga"/>
-        <a:font script="Mlym" typeface="Kartika"/>
-        <a:font script="Laoo" typeface="DokChampa"/>
-        <a:font script="Sinh" typeface="Iskoola Pota"/>
-        <a:font script="Mong" typeface="Mongolian Baiti"/>
-        <a:font script="Viet" typeface="Times New Roman"/>
-        <a:font script="Uigh" typeface="Microsoft Uighur"/>
-        <a:font script="Geor" typeface="Sylfaen"/>
-      </a:majorFont>
-      <a:minorFont>
-        <a:latin typeface="Arial"/>
-        <a:ea typeface=""/>
-        <a:cs typeface=""/>
-        <a:font script="Jpan" typeface="ＭＳ Ｐゴシック"/>
-        <a:font script="Hang" typeface="맑은 고딕"/>
-        <a:font script="Hans" typeface="宋体"/>
-        <a:font script="Hant" typeface="新細明體"/>
-        <a:font script="Arab" typeface="Arial"/>
-        <a:font script="Hebr" typeface="Arial"/>
-        <a:font script="Thai" typeface="Cordia New"/>
-        <a:font script="Ethi" typeface="Nyala"/>
-        <a:font script="Beng" typeface="Vrinda"/>
-        <a:font script="Gujr" typeface="Shruti"/>
-        <a:font script="Khmr" typeface="DaunPenh"/>
-        <a:font script="Knda" typeface="Tunga"/>
-        <a:font script="Guru" typeface="Raavi"/>
-        <a:font script="Cans" typeface="Euphemia"/>
-        <a:font script="Cher" typeface="Plantagenet Cherokee"/>
-        <a:font script="Yiii" typeface="Microsoft Yi Baiti"/>
-        <a:font script="Tibt" typeface="Microsoft Himalaya"/>
-        <a:font script="Thaa" typeface="MV Boli"/>
-        <a:font script="Deva" typeface="Mangal"/>
-        <a:font script="Telu" typeface="Gautami"/>
-        <a:font script="Taml" typeface="Latha"/>
-        <a:font script="Syrc" typeface="Estrangelo Edessa"/>
-        <a:font script="Orya" typeface="Kalinga"/>
-        <a:font script="Mlym" typeface="Kartika"/>
-        <a:font script="Laoo" typeface="DokChampa"/>
-        <a:font script="Sinh" typeface="Iskoola Pota"/>
-        <a:font script="Mong" typeface="Mongolian Baiti"/>
-        <a:font script="Viet" typeface="Arial"/>
-        <a:font script="Uigh" typeface="Microsoft Uighur"/>
-        <a:font script="Geor" typeface="Sylfaen"/>
-      </a:minorFont>
-    </a:fontScheme>
-    <a:fmtScheme name="Office">
-      <a:fillStyleLst>
-        <a:solidFill>
-          <a:schemeClr val="phClr"/>
-        </a:solidFill>
-        <a:gradFill rotWithShape="1">
-          <a:gsLst>
-            <a:gs pos="0">
-              <a:schemeClr val="phClr">
-                <a:tint val="50000"/>
-                <a:satMod val="300000"/>
-              </a:schemeClr>
-            </a:gs>
-            <a:gs pos="35000">
-              <a:schemeClr val="phClr">
-                <a:tint val="37000"/>
-                <a:satMod val="300000"/>
-              </a:schemeClr>
-            </a:gs>
-            <a:gs pos="100000">
-              <a:schemeClr val="phClr">
-                <a:tint val="15000"/>
-                <a:satMod val="350000"/>
-              </a:schemeClr>
-            </a:gs>
-          </a:gsLst>
-          <a:lin ang="16200000" scaled="1"/>
-        </a:gradFill>
-        <a:gradFill rotWithShape="1">
-          <a:gsLst>
-            <a:gs pos="0">
-              <a:schemeClr val="phClr">
-                <a:tint val="100000"/>
-                <a:shade val="100000"/>
-                <a:satMod val="130000"/>
-              </a:schemeClr>
-            </a:gs>
-            <a:gs pos="100000">
-              <a:schemeClr val="phClr">
-                <a:tint val="50000"/>
-                <a:shade val="100000"/>
-                <a:satMod val="350000"/>
-              </a:schemeClr>
-            </a:gs>
-          </a:gsLst>
-          <a:lin ang="16200000" scaled="0"/>
-        </a:gradFill>
-      </a:fillStyleLst>
-      <a:lnStyleLst>
-        <a:ln w="9525" cap="flat" cmpd="sng" algn="ctr">
-          <a:solidFill>
-            <a:schemeClr val="phClr">
-              <a:shade val="95000"/>
-              <a:satMod val="105000"/>
-            </a:schemeClr>
-          </a:solidFill>
-          <a:prstDash val="solid"/>
-        </a:ln>
-        <a:ln w="25400" cap="flat" cmpd="sng" algn="ctr">
-          <a:solidFill>
-            <a:schemeClr val="phClr"/>
-          </a:solidFill>
-          <a:prstDash val="solid"/>
-        </a:ln>
-        <a:ln w="38100" cap="flat" cmpd="sng" algn="ctr">
-          <a:solidFill>
-            <a:schemeClr val="phClr"/>
-          </a:solidFill>
-          <a:prstDash val="solid"/>
-        </a:ln>
-      </a:lnStyleLst>
-      <a:effectStyleLst>
-        <a:effectStyle>
-          <a:effectLst>
-            <a:outerShdw blurRad="40000" dist="20000" dir="5400000" rotWithShape="0">
-              <a:srgbClr val="000000">
-                <a:alpha val="38000"/>
-              </a:srgbClr>
-            </a:outerShdw>
-          </a:effectLst>
-        </a:effectStyle>
-        <a:effectStyle>
-          <a:effectLst>
-            <a:outerShdw blurRad="40000" dist="23000" dir="5400000" rotWithShape="0">
-              <a:srgbClr val="000000">
-                <a:alpha val="35000"/>
-              </a:srgbClr>
-            </a:outerShdw>
-          </a:effectLst>
-        </a:effectStyle>
-        <a:effectStyle>
-          <a:effectLst>
-            <a:outerShdw blurRad="40000" dist="23000" dir="5400000" rotWithShape="0">
-              <a:srgbClr val="000000">
-                <a:alpha val="35000"/>
-              </a:srgbClr>
-            </a:outerShdw>
-          </a:effectLst>
-          <a:scene3d>
-            <a:camera prst="orthographicFront">
-              <a:rot lat="0" lon="0" rev="0"/>
-            </a:camera>
-            <a:lightRig rig="threePt" dir="t">
-              <a:rot lat="0" lon="0" rev="1200000"/>
-            </a:lightRig>
-          </a:scene3d>
-          <a:sp3d>
-            <a:bevelT w="63500" h="25400"/>
-          </a:sp3d>
-        </a:effectStyle>
-      </a:effectStyleLst>
-      <a:bgFillStyleLst>
-        <a:solidFill>
-          <a:schemeClr val="phClr"/>
-        </a:solidFill>
-        <a:gradFill rotWithShape="1">
-          <a:gsLst>
-            <a:gs pos="0">
-              <a:schemeClr val="phClr">
-                <a:tint val="40000"/>
-                <a:satMod val="350000"/>
-              </a:schemeClr>
-            </a:gs>
-            <a:gs pos="40000">
-              <a:schemeClr val="phClr">
-                <a:tint val="45000"/>
-                <a:shade val="99000"/>
-                <a:satMod val="350000"/>
-              </a:schemeClr>
-            </a:gs>
-            <a:gs pos="100000">
-              <a:schemeClr val="phClr">
-                <a:shade val="20000"/>
-                <a:satMod val="255000"/>
-              </a:schemeClr>
-            </a:gs>
-          </a:gsLst>
-          <a:path path="circle">
-            <a:fillToRect l="50000" t="-80000" r="50000" b="180000"/>
-          </a:path>
-        </a:gradFill>
-        <a:gradFill rotWithShape="1">
-          <a:gsLst>
-            <a:gs pos="0">
-              <a:schemeClr val="phClr">
-                <a:tint val="80000"/>
-                <a:satMod val="300000"/>
-              </a:schemeClr>
-            </a:gs>
-            <a:gs pos="100000">
-              <a:schemeClr val="phClr">
-                <a:shade val="30000"/>
-                <a:satMod val="200000"/>
-              </a:schemeClr>
-            </a:gs>
-          </a:gsLst>
-          <a:path path="circle">
-            <a:fillToRect l="50000" t="50000" r="50000" b="50000"/>
-          </a:path>
-        </a:gradFill>
-      </a:bgFillStyleLst>
-    </a:fmtScheme>
-  </a:themeElements>
+  <a:objectDefaults/>
+  <a:extraClrSchemeLst/>
 </a:theme>
 </file>
--- a/input/images/source/Workflow Images.pptx
+++ b/input/images/source/Workflow Images.pptx
@@ -733,8 +733,8 @@
         </p:nvSpPr>
         <p:spPr>
           <a:xfrm>
-            <a:off x="381300" y="685800"/>
-            <a:ext cx="6096075" cy="3429000"/>
+            <a:off x="381000" y="685800"/>
+            <a:ext cx="6096000" cy="3429000"/>
           </a:xfrm>
           <a:custGeom>
             <a:avLst/>
@@ -12813,7 +12813,11 @@
               </a:spcAft>
               <a:buNone/>
             </a:pPr>
-            <a:endParaRPr/>
+            <a:r>
+              <a:rPr lang="en-US" dirty="0"/>
+              <a:t>A</a:t>
+            </a:r>
+            <a:endParaRPr dirty="0"/>
           </a:p>
         </p:txBody>
       </p:sp>
@@ -14100,7 +14104,7 @@
         <p:fade/>
       </p:transition>
     </mc:Choice>
-    <mc:Fallback xmlns:ahyp="http://schemas.microsoft.com/office/drawing/2018/hyperlinkcolor" xmlns:p15="http://schemas.microsoft.com/office/powerpoint/2012/main" xmlns:com="http://schemas.openxmlformats.org/drawingml/2006/compatibility" xmlns:pvml="urn:schemas-microsoft-com:office:powerpoint" xmlns:v="urn:schemas-microsoft-com:vml" xmlns:o="urn:schemas-microsoft-com:office:office" xmlns:dgm="http://schemas.openxmlformats.org/drawingml/2006/diagram" xmlns:c="http://schemas.openxmlformats.org/drawingml/2006/chart" xmlns:mv="urn:schemas-microsoft-com:mac:vml" xmlns="">
+    <mc:Fallback xmlns="" xmlns:mv="urn:schemas-microsoft-com:mac:vml" xmlns:c="http://schemas.openxmlformats.org/drawingml/2006/chart" xmlns:dgm="http://schemas.openxmlformats.org/drawingml/2006/diagram" xmlns:o="urn:schemas-microsoft-com:office:office" xmlns:v="urn:schemas-microsoft-com:vml" xmlns:pvml="urn:schemas-microsoft-com:office:powerpoint" xmlns:com="http://schemas.openxmlformats.org/drawingml/2006/compatibility" xmlns:p15="http://schemas.microsoft.com/office/powerpoint/2012/main" xmlns:ahyp="http://schemas.microsoft.com/office/drawing/2018/hyperlinkcolor">
       <p:transition spd="slow">
         <p:fade/>
       </p:transition>
@@ -14205,7 +14209,7 @@
         </p:nvSpPr>
         <p:spPr>
           <a:xfrm>
-            <a:off x="308144" y="3033664"/>
+            <a:off x="308144" y="2906514"/>
             <a:ext cx="2232900" cy="802200"/>
           </a:xfrm>
           <a:prstGeom prst="roundRect">
@@ -14257,58 +14261,6 @@
                 </a:solidFill>
               </a:rPr>
               <a:t>Attachments</a:t>
-            </a:r>
-            <a:r>
-              <a:rPr lang="en" sz="1400" b="1" i="0" u="none" strike="noStrike" cap="none" dirty="0">
-                <a:solidFill>
-                  <a:schemeClr val="dk1"/>
-                </a:solidFill>
-              </a:rPr>
-              <a:t> and</a:t>
-            </a:r>
-          </a:p>
-          <a:p>
-            <a:pPr marR="0" lvl="0" algn="ctr" rtl="0">
-              <a:spcBef>
-                <a:spcPts val="0"/>
-              </a:spcBef>
-              <a:spcAft>
-                <a:spcPts val="0"/>
-              </a:spcAft>
-            </a:pPr>
-            <a:r>
-              <a:rPr lang="en" sz="1400" b="1" i="0" u="none" strike="noStrike" cap="none" dirty="0">
-                <a:solidFill>
-                  <a:schemeClr val="dk1"/>
-                </a:solidFill>
-              </a:rPr>
-              <a:t>Data </a:t>
-            </a:r>
-            <a:r>
-              <a:rPr lang="en" b="1" dirty="0">
-                <a:solidFill>
-                  <a:schemeClr val="dk1"/>
-                </a:solidFill>
-              </a:rPr>
-              <a:t>Elements for</a:t>
-            </a:r>
-          </a:p>
-          <a:p>
-            <a:pPr marR="0" lvl="0" algn="ctr" rtl="0">
-              <a:spcBef>
-                <a:spcPts val="0"/>
-              </a:spcBef>
-              <a:spcAft>
-                <a:spcPts val="0"/>
-              </a:spcAft>
-            </a:pPr>
-            <a:r>
-              <a:rPr lang="en" b="1" dirty="0">
-                <a:solidFill>
-                  <a:schemeClr val="dk1"/>
-                </a:solidFill>
-              </a:rPr>
-              <a:t>Re-association</a:t>
             </a:r>
             <a:endParaRPr sz="1100" b="1" dirty="0"/>
           </a:p>
@@ -14568,7 +14520,7 @@
         <p:fade/>
       </p:transition>
     </mc:Choice>
-    <mc:Fallback xmlns:ahyp="http://schemas.microsoft.com/office/drawing/2018/hyperlinkcolor" xmlns:p15="http://schemas.microsoft.com/office/powerpoint/2012/main" xmlns:com="http://schemas.openxmlformats.org/drawingml/2006/compatibility" xmlns:pvml="urn:schemas-microsoft-com:office:powerpoint" xmlns:v="urn:schemas-microsoft-com:vml" xmlns:o="urn:schemas-microsoft-com:office:office" xmlns:dgm="http://schemas.openxmlformats.org/drawingml/2006/diagram" xmlns:c="http://schemas.openxmlformats.org/drawingml/2006/chart" xmlns:mv="urn:schemas-microsoft-com:mac:vml" xmlns="">
+    <mc:Fallback xmlns="" xmlns:mv="urn:schemas-microsoft-com:mac:vml" xmlns:c="http://schemas.openxmlformats.org/drawingml/2006/chart" xmlns:dgm="http://schemas.openxmlformats.org/drawingml/2006/diagram" xmlns:o="urn:schemas-microsoft-com:office:office" xmlns:v="urn:schemas-microsoft-com:vml" xmlns:pvml="urn:schemas-microsoft-com:office:powerpoint" xmlns:com="http://schemas.openxmlformats.org/drawingml/2006/compatibility" xmlns:p15="http://schemas.microsoft.com/office/powerpoint/2012/main" xmlns:ahyp="http://schemas.microsoft.com/office/drawing/2018/hyperlinkcolor">
       <p:transition spd="slow">
         <p:fade/>
       </p:transition>

--- a/input/images/source/Workflow Images.pptx
+++ b/input/images/source/Workflow Images.pptx
@@ -14242,25 +14242,15 @@
                   <a:schemeClr val="dk1"/>
                 </a:solidFill>
               </a:rPr>
-              <a:t>1. Provider Submits</a:t>
+              <a:t>1. Provider System Submits</a:t>
             </a:r>
-          </a:p>
-          <a:p>
-            <a:pPr marR="0" lvl="0" algn="ctr" rtl="0">
-              <a:spcBef>
-                <a:spcPts val="0"/>
-              </a:spcBef>
-              <a:spcAft>
-                <a:spcPts val="0"/>
-              </a:spcAft>
-            </a:pPr>
             <a:r>
               <a:rPr lang="en" b="1" dirty="0">
                 <a:solidFill>
                   <a:schemeClr val="dk1"/>
                 </a:solidFill>
               </a:rPr>
-              <a:t>Attachments</a:t>
+              <a:t> Attachments</a:t>
             </a:r>
             <a:endParaRPr sz="1100" b="1" dirty="0"/>
           </a:p>
@@ -14268,39 +14258,12 @@
       </p:sp>
       <p:pic>
         <p:nvPicPr>
-          <p:cNvPr id="132" name="Google Shape;132;p24"/>
+          <p:cNvPr id="133" name="Google Shape;133;p24"/>
           <p:cNvPicPr preferRelativeResize="0"/>
           <p:nvPr/>
         </p:nvPicPr>
         <p:blipFill rotWithShape="1">
           <a:blip r:embed="rId3">
-            <a:alphaModFix/>
-          </a:blip>
-          <a:srcRect/>
-          <a:stretch/>
-        </p:blipFill>
-        <p:spPr>
-          <a:xfrm>
-            <a:off x="1150287" y="2157500"/>
-            <a:ext cx="548615" cy="828500"/>
-          </a:xfrm>
-          <a:prstGeom prst="rect">
-            <a:avLst/>
-          </a:prstGeom>
-          <a:noFill/>
-          <a:ln>
-            <a:noFill/>
-          </a:ln>
-        </p:spPr>
-      </p:pic>
-      <p:pic>
-        <p:nvPicPr>
-          <p:cNvPr id="133" name="Google Shape;133;p24"/>
-          <p:cNvPicPr preferRelativeResize="0"/>
-          <p:nvPr/>
-        </p:nvPicPr>
-        <p:blipFill rotWithShape="1">
-          <a:blip r:embed="rId4">
             <a:alphaModFix/>
           </a:blip>
           <a:srcRect/>
@@ -14327,7 +14290,7 @@
           <p:nvPr/>
         </p:nvPicPr>
         <p:blipFill rotWithShape="1">
-          <a:blip r:embed="rId5">
+          <a:blip r:embed="rId4">
             <a:alphaModFix/>
           </a:blip>
           <a:srcRect/>
@@ -14335,8 +14298,8 @@
         </p:blipFill>
         <p:spPr>
           <a:xfrm>
-            <a:off x="3508908" y="1985474"/>
-            <a:ext cx="1353362" cy="942810"/>
+            <a:off x="3495020" y="2004944"/>
+            <a:ext cx="1479083" cy="942810"/>
           </a:xfrm>
           <a:prstGeom prst="rect">
             <a:avLst/>
@@ -14355,7 +14318,7 @@
         </p:nvSpPr>
         <p:spPr>
           <a:xfrm>
-            <a:off x="3660393" y="2112049"/>
+            <a:off x="3691111" y="2140958"/>
             <a:ext cx="1086900" cy="673500"/>
           </a:xfrm>
           <a:prstGeom prst="roundRect">
@@ -14384,10 +14347,10 @@
               <a:buNone/>
             </a:pPr>
             <a:r>
-              <a:rPr lang="en" sz="1100"/>
-              <a:t>Patient’s latest History &amp; Physical</a:t>
+              <a:rPr lang="en" sz="1100" dirty="0"/>
+              <a:t>e.g., send the patient’s latest History &amp; Physical</a:t>
             </a:r>
-            <a:endParaRPr sz="1100" b="0" i="0" u="none" strike="noStrike" cap="none">
+            <a:endParaRPr sz="1100" b="0" i="0" u="none" strike="noStrike" cap="none" dirty="0">
               <a:solidFill>
                 <a:srgbClr val="000000"/>
               </a:solidFill>
@@ -14438,8 +14401,18 @@
                   <a:schemeClr val="dk1"/>
                 </a:solidFill>
               </a:rPr>
-              <a:t>2. Payer </a:t>
+              <a:t>2. Payer System </a:t>
             </a:r>
+          </a:p>
+          <a:p>
+            <a:pPr marR="0" lvl="0" algn="ctr" rtl="0">
+              <a:spcBef>
+                <a:spcPts val="0"/>
+              </a:spcBef>
+              <a:spcAft>
+                <a:spcPts val="0"/>
+              </a:spcAft>
+            </a:pPr>
             <a:r>
               <a:rPr lang="en" b="1" dirty="0">
                 <a:solidFill>
@@ -14509,6 +14482,41 @@
           </a:p>
         </p:txBody>
       </p:sp>
+      <p:pic>
+        <p:nvPicPr>
+          <p:cNvPr id="10" name="Google Shape;123;p23">
+            <a:extLst>
+              <a:ext uri="{FF2B5EF4-FFF2-40B4-BE49-F238E27FC236}">
+                <a16:creationId xmlns:a16="http://schemas.microsoft.com/office/drawing/2014/main" id="{8BE9A7B3-143D-F47A-61CD-4A0246699161}"/>
+              </a:ext>
+            </a:extLst>
+          </p:cNvPr>
+          <p:cNvPicPr preferRelativeResize="0">
+            <a:picLocks noChangeAspect="1"/>
+          </p:cNvPicPr>
+          <p:nvPr/>
+        </p:nvPicPr>
+        <p:blipFill rotWithShape="1">
+          <a:blip r:embed="rId5">
+            <a:alphaModFix/>
+          </a:blip>
+          <a:srcRect/>
+          <a:stretch/>
+        </p:blipFill>
+        <p:spPr>
+          <a:xfrm>
+            <a:off x="985167" y="2205990"/>
+            <a:ext cx="878854" cy="731520"/>
+          </a:xfrm>
+          <a:prstGeom prst="rect">
+            <a:avLst/>
+          </a:prstGeom>
+          <a:noFill/>
+          <a:ln>
+            <a:noFill/>
+          </a:ln>
+        </p:spPr>
+      </p:pic>
     </p:spTree>
   </p:cSld>
   <p:clrMapOvr>

--- a/input/images/source/Workflow Images.pptx
+++ b/input/images/source/Workflow Images.pptx
@@ -14104,7 +14104,7 @@
         <p:fade/>
       </p:transition>
     </mc:Choice>
-    <mc:Fallback xmlns="" xmlns:mv="urn:schemas-microsoft-com:mac:vml" xmlns:c="http://schemas.openxmlformats.org/drawingml/2006/chart" xmlns:dgm="http://schemas.openxmlformats.org/drawingml/2006/diagram" xmlns:o="urn:schemas-microsoft-com:office:office" xmlns:v="urn:schemas-microsoft-com:vml" xmlns:pvml="urn:schemas-microsoft-com:office:powerpoint" xmlns:com="http://schemas.openxmlformats.org/drawingml/2006/compatibility" xmlns:p15="http://schemas.microsoft.com/office/powerpoint/2012/main" xmlns:ahyp="http://schemas.microsoft.com/office/drawing/2018/hyperlinkcolor">
+    <mc:Fallback xmlns:ahyp="http://schemas.microsoft.com/office/drawing/2018/hyperlinkcolor" xmlns:p15="http://schemas.microsoft.com/office/powerpoint/2012/main" xmlns:com="http://schemas.openxmlformats.org/drawingml/2006/compatibility" xmlns:pvml="urn:schemas-microsoft-com:office:powerpoint" xmlns:v="urn:schemas-microsoft-com:vml" xmlns:o="urn:schemas-microsoft-com:office:office" xmlns:dgm="http://schemas.openxmlformats.org/drawingml/2006/diagram" xmlns:c="http://schemas.openxmlformats.org/drawingml/2006/chart" xmlns:mv="urn:schemas-microsoft-com:mac:vml" xmlns="">
       <p:transition spd="slow">
         <p:fade/>
       </p:transition>
@@ -14209,7 +14209,7 @@
         </p:nvSpPr>
         <p:spPr>
           <a:xfrm>
-            <a:off x="308144" y="2906514"/>
+            <a:off x="331004" y="3419214"/>
             <a:ext cx="2232900" cy="802200"/>
           </a:xfrm>
           <a:prstGeom prst="roundRect">
@@ -14271,7 +14271,7 @@
         </p:blipFill>
         <p:spPr>
           <a:xfrm>
-            <a:off x="6771527" y="2109624"/>
+            <a:off x="6794387" y="2646224"/>
             <a:ext cx="663605" cy="733450"/>
           </a:xfrm>
           <a:prstGeom prst="rect">
@@ -14298,7 +14298,7 @@
         </p:blipFill>
         <p:spPr>
           <a:xfrm>
-            <a:off x="3495020" y="2004944"/>
+            <a:off x="4378613" y="2629207"/>
             <a:ext cx="1479083" cy="942810"/>
           </a:xfrm>
           <a:prstGeom prst="rect">
@@ -14318,7 +14318,7 @@
         </p:nvSpPr>
         <p:spPr>
           <a:xfrm>
-            <a:off x="3691111" y="2140958"/>
+            <a:off x="4574704" y="2765221"/>
             <a:ext cx="1086900" cy="673500"/>
           </a:xfrm>
           <a:prstGeom prst="roundRect">
@@ -14337,28 +14337,10 @@
           </a:bodyPr>
           <a:lstStyle/>
           <a:p>
-            <a:pPr marL="0" marR="0" lvl="0" indent="0" algn="l" rtl="0">
-              <a:spcBef>
-                <a:spcPts val="0"/>
-              </a:spcBef>
-              <a:spcAft>
-                <a:spcPts val="0"/>
-              </a:spcAft>
-              <a:buNone/>
-            </a:pPr>
             <a:r>
-              <a:rPr lang="en" sz="1100" dirty="0"/>
-              <a:t>e.g., send the patient’s latest History &amp; Physical</a:t>
+              <a:rPr lang="en-US" sz="1000" dirty="0"/>
+              <a:t>missing information (provider details)</a:t>
             </a:r>
-            <a:endParaRPr sz="1100" b="0" i="0" u="none" strike="noStrike" cap="none" dirty="0">
-              <a:solidFill>
-                <a:srgbClr val="000000"/>
-              </a:solidFill>
-              <a:latin typeface="Arial"/>
-              <a:ea typeface="Arial"/>
-              <a:cs typeface="Arial"/>
-              <a:sym typeface="Arial"/>
-            </a:endParaRPr>
           </a:p>
         </p:txBody>
       </p:sp>
@@ -14370,7 +14352,7 @@
         </p:nvSpPr>
         <p:spPr>
           <a:xfrm>
-            <a:off x="5928079" y="3033664"/>
+            <a:off x="5950939" y="3570264"/>
             <a:ext cx="2350500" cy="500100"/>
           </a:xfrm>
           <a:prstGeom prst="rect">
@@ -14433,8 +14415,8 @@
         </p:nvSpPr>
         <p:spPr>
           <a:xfrm>
-            <a:off x="2681206" y="3033664"/>
-            <a:ext cx="3201300" cy="276900"/>
+            <a:off x="2555667" y="3681864"/>
+            <a:ext cx="3547336" cy="276900"/>
           </a:xfrm>
           <a:prstGeom prst="rightArrow">
             <a:avLst>
@@ -14505,7 +14487,7 @@
         </p:blipFill>
         <p:spPr>
           <a:xfrm>
-            <a:off x="985167" y="2205990"/>
+            <a:off x="1008027" y="2742590"/>
             <a:ext cx="878854" cy="731520"/>
           </a:xfrm>
           <a:prstGeom prst="rect">
@@ -14517,6 +14499,180 @@
           </a:ln>
         </p:spPr>
       </p:pic>
+      <p:pic>
+        <p:nvPicPr>
+          <p:cNvPr id="11" name="Google Shape;134;p24">
+            <a:extLst>
+              <a:ext uri="{FF2B5EF4-FFF2-40B4-BE49-F238E27FC236}">
+                <a16:creationId xmlns:a16="http://schemas.microsoft.com/office/drawing/2014/main" id="{F0BFA278-8D91-B6D5-5645-F5A81FDD12AE}"/>
+              </a:ext>
+            </a:extLst>
+          </p:cNvPr>
+          <p:cNvPicPr preferRelativeResize="0"/>
+          <p:nvPr/>
+        </p:nvPicPr>
+        <p:blipFill rotWithShape="1">
+          <a:blip r:embed="rId4">
+            <a:alphaModFix/>
+          </a:blip>
+          <a:srcRect/>
+          <a:stretch/>
+        </p:blipFill>
+        <p:spPr>
+          <a:xfrm>
+            <a:off x="3639071" y="1643442"/>
+            <a:ext cx="1479083" cy="942810"/>
+          </a:xfrm>
+          <a:prstGeom prst="rect">
+            <a:avLst/>
+          </a:prstGeom>
+          <a:noFill/>
+          <a:ln>
+            <a:noFill/>
+          </a:ln>
+        </p:spPr>
+      </p:pic>
+      <p:sp>
+        <p:nvSpPr>
+          <p:cNvPr id="12" name="Google Shape;135;p24">
+            <a:extLst>
+              <a:ext uri="{FF2B5EF4-FFF2-40B4-BE49-F238E27FC236}">
+                <a16:creationId xmlns:a16="http://schemas.microsoft.com/office/drawing/2014/main" id="{A546656B-724C-1E80-1F62-E979BEC78456}"/>
+              </a:ext>
+            </a:extLst>
+          </p:cNvPr>
+          <p:cNvSpPr/>
+          <p:nvPr/>
+        </p:nvSpPr>
+        <p:spPr>
+          <a:xfrm>
+            <a:off x="3835162" y="1779456"/>
+            <a:ext cx="1086900" cy="673500"/>
+          </a:xfrm>
+          <a:prstGeom prst="roundRect">
+            <a:avLst>
+              <a:gd name="adj" fmla="val 0"/>
+            </a:avLst>
+          </a:prstGeom>
+          <a:noFill/>
+          <a:ln>
+            <a:noFill/>
+          </a:ln>
+        </p:spPr>
+        <p:txBody>
+          <a:bodyPr spcFirstLastPara="1" wrap="square" lIns="68575" tIns="34275" rIns="68575" bIns="34275" anchor="ctr" anchorCtr="0">
+            <a:noAutofit/>
+          </a:bodyPr>
+          <a:lstStyle/>
+          <a:p>
+            <a:pPr marL="0" marR="0" lvl="0" indent="0" algn="l" rtl="0">
+              <a:spcBef>
+                <a:spcPts val="0"/>
+              </a:spcBef>
+              <a:spcAft>
+                <a:spcPts val="0"/>
+              </a:spcAft>
+              <a:buNone/>
+            </a:pPr>
+            <a:r>
+              <a:rPr lang="en" sz="1000" dirty="0"/>
+              <a:t>e.g., documents such as History &amp; Physical</a:t>
+            </a:r>
+            <a:endParaRPr sz="1000" b="0" i="0" u="none" strike="noStrike" cap="none" dirty="0">
+              <a:solidFill>
+                <a:srgbClr val="000000"/>
+              </a:solidFill>
+              <a:latin typeface="Arial"/>
+              <a:ea typeface="Arial"/>
+              <a:cs typeface="Arial"/>
+              <a:sym typeface="Arial"/>
+            </a:endParaRPr>
+          </a:p>
+        </p:txBody>
+      </p:sp>
+      <p:pic>
+        <p:nvPicPr>
+          <p:cNvPr id="13" name="Google Shape;134;p24">
+            <a:extLst>
+              <a:ext uri="{FF2B5EF4-FFF2-40B4-BE49-F238E27FC236}">
+                <a16:creationId xmlns:a16="http://schemas.microsoft.com/office/drawing/2014/main" id="{C61FB977-6AAB-800B-5725-D621BDDE339C}"/>
+              </a:ext>
+            </a:extLst>
+          </p:cNvPr>
+          <p:cNvPicPr preferRelativeResize="0"/>
+          <p:nvPr/>
+        </p:nvPicPr>
+        <p:blipFill rotWithShape="1">
+          <a:blip r:embed="rId4">
+            <a:alphaModFix/>
+          </a:blip>
+          <a:srcRect/>
+          <a:stretch/>
+        </p:blipFill>
+        <p:spPr>
+          <a:xfrm>
+            <a:off x="2823572" y="2629207"/>
+            <a:ext cx="1479083" cy="942810"/>
+          </a:xfrm>
+          <a:prstGeom prst="rect">
+            <a:avLst/>
+          </a:prstGeom>
+          <a:noFill/>
+          <a:ln>
+            <a:noFill/>
+          </a:ln>
+        </p:spPr>
+      </p:pic>
+      <p:sp>
+        <p:nvSpPr>
+          <p:cNvPr id="14" name="Google Shape;135;p24">
+            <a:extLst>
+              <a:ext uri="{FF2B5EF4-FFF2-40B4-BE49-F238E27FC236}">
+                <a16:creationId xmlns:a16="http://schemas.microsoft.com/office/drawing/2014/main" id="{E8D0997D-EA8B-9BC5-ACDE-618B241083EE}"/>
+              </a:ext>
+            </a:extLst>
+          </p:cNvPr>
+          <p:cNvSpPr/>
+          <p:nvPr/>
+        </p:nvSpPr>
+        <p:spPr>
+          <a:xfrm>
+            <a:off x="3019663" y="2765221"/>
+            <a:ext cx="1086900" cy="673500"/>
+          </a:xfrm>
+          <a:prstGeom prst="roundRect">
+            <a:avLst>
+              <a:gd name="adj" fmla="val 0"/>
+            </a:avLst>
+          </a:prstGeom>
+          <a:noFill/>
+          <a:ln>
+            <a:noFill/>
+          </a:ln>
+        </p:spPr>
+        <p:txBody>
+          <a:bodyPr spcFirstLastPara="1" wrap="square" lIns="68575" tIns="34275" rIns="68575" bIns="34275" anchor="ctr" anchorCtr="0">
+            <a:noAutofit/>
+          </a:bodyPr>
+          <a:lstStyle/>
+          <a:p>
+            <a:pPr lvl="0"/>
+            <a:r>
+              <a:rPr lang="en-US" sz="1000" dirty="0"/>
+              <a:t>study report (pathology, radiology, etc.)</a:t>
+            </a:r>
+            <a:endParaRPr sz="1000" b="0" i="0" u="none" strike="noStrike" cap="none" dirty="0">
+              <a:solidFill>
+                <a:srgbClr val="000000"/>
+              </a:solidFill>
+              <a:latin typeface="Arial"/>
+              <a:ea typeface="Arial"/>
+              <a:cs typeface="Arial"/>
+              <a:sym typeface="Arial"/>
+            </a:endParaRPr>
+          </a:p>
+        </p:txBody>
+      </p:sp>
     </p:spTree>
   </p:cSld>
   <p:clrMapOvr>
@@ -14528,7 +14684,7 @@
         <p:fade/>
       </p:transition>
     </mc:Choice>
-    <mc:Fallback xmlns="" xmlns:mv="urn:schemas-microsoft-com:mac:vml" xmlns:c="http://schemas.openxmlformats.org/drawingml/2006/chart" xmlns:dgm="http://schemas.openxmlformats.org/drawingml/2006/diagram" xmlns:o="urn:schemas-microsoft-com:office:office" xmlns:v="urn:schemas-microsoft-com:vml" xmlns:pvml="urn:schemas-microsoft-com:office:powerpoint" xmlns:com="http://schemas.openxmlformats.org/drawingml/2006/compatibility" xmlns:p15="http://schemas.microsoft.com/office/powerpoint/2012/main" xmlns:ahyp="http://schemas.microsoft.com/office/drawing/2018/hyperlinkcolor">
+    <mc:Fallback xmlns:ahyp="http://schemas.microsoft.com/office/drawing/2018/hyperlinkcolor" xmlns:p15="http://schemas.microsoft.com/office/powerpoint/2012/main" xmlns:com="http://schemas.openxmlformats.org/drawingml/2006/compatibility" xmlns:pvml="urn:schemas-microsoft-com:office:powerpoint" xmlns:v="urn:schemas-microsoft-com:vml" xmlns:o="urn:schemas-microsoft-com:office:office" xmlns:dgm="http://schemas.openxmlformats.org/drawingml/2006/diagram" xmlns:c="http://schemas.openxmlformats.org/drawingml/2006/chart" xmlns:mv="urn:schemas-microsoft-com:mac:vml" xmlns="">
       <p:transition spd="slow">
         <p:fade/>
       </p:transition>
